--- a/spring14/slidesS14/propositional-logic.pptx
+++ b/spring14/slidesS14/propositional-logic.pptx
@@ -6,10 +6,10 @@
     <p:sldMasterId id="2147483651" r:id="rId2"/>
   </p:sldMasterIdLst>
   <p:notesMasterIdLst>
-    <p:notesMasterId r:id="rId32"/>
+    <p:notesMasterId r:id="rId36"/>
   </p:notesMasterIdLst>
   <p:handoutMasterIdLst>
-    <p:handoutMasterId r:id="rId33"/>
+    <p:handoutMasterId r:id="rId37"/>
   </p:handoutMasterIdLst>
   <p:sldIdLst>
     <p:sldId id="392" r:id="rId3"/>
@@ -20,32 +20,36 @@
     <p:sldId id="471" r:id="rId8"/>
     <p:sldId id="472" r:id="rId9"/>
     <p:sldId id="447" r:id="rId10"/>
-    <p:sldId id="485" r:id="rId11"/>
-    <p:sldId id="486" r:id="rId12"/>
-    <p:sldId id="487" r:id="rId13"/>
-    <p:sldId id="454" r:id="rId14"/>
-    <p:sldId id="448" r:id="rId15"/>
-    <p:sldId id="475" r:id="rId16"/>
-    <p:sldId id="449" r:id="rId17"/>
-    <p:sldId id="479" r:id="rId18"/>
-    <p:sldId id="450" r:id="rId19"/>
-    <p:sldId id="480" r:id="rId20"/>
-    <p:sldId id="481" r:id="rId21"/>
-    <p:sldId id="482" r:id="rId22"/>
-    <p:sldId id="483" r:id="rId23"/>
-    <p:sldId id="452" r:id="rId24"/>
-    <p:sldId id="453" r:id="rId25"/>
-    <p:sldId id="455" r:id="rId26"/>
-    <p:sldId id="430" r:id="rId27"/>
-    <p:sldId id="431" r:id="rId28"/>
-    <p:sldId id="432" r:id="rId29"/>
-    <p:sldId id="433" r:id="rId30"/>
-    <p:sldId id="427" r:id="rId31"/>
+    <p:sldId id="488" r:id="rId11"/>
+    <p:sldId id="489" r:id="rId12"/>
+    <p:sldId id="491" r:id="rId13"/>
+    <p:sldId id="492" r:id="rId14"/>
+    <p:sldId id="493" r:id="rId15"/>
+    <p:sldId id="494" r:id="rId16"/>
+    <p:sldId id="495" r:id="rId17"/>
+    <p:sldId id="448" r:id="rId18"/>
+    <p:sldId id="475" r:id="rId19"/>
+    <p:sldId id="449" r:id="rId20"/>
+    <p:sldId id="496" r:id="rId21"/>
+    <p:sldId id="479" r:id="rId22"/>
+    <p:sldId id="450" r:id="rId23"/>
+    <p:sldId id="480" r:id="rId24"/>
+    <p:sldId id="481" r:id="rId25"/>
+    <p:sldId id="482" r:id="rId26"/>
+    <p:sldId id="483" r:id="rId27"/>
+    <p:sldId id="452" r:id="rId28"/>
+    <p:sldId id="453" r:id="rId29"/>
+    <p:sldId id="455" r:id="rId30"/>
+    <p:sldId id="430" r:id="rId31"/>
+    <p:sldId id="431" r:id="rId32"/>
+    <p:sldId id="432" r:id="rId33"/>
+    <p:sldId id="433" r:id="rId34"/>
+    <p:sldId id="427" r:id="rId35"/>
   </p:sldIdLst>
   <p:sldSz cx="9144000" cy="6858000" type="screen4x3"/>
   <p:notesSz cx="9601200" cy="7315200"/>
   <p:custDataLst>
-    <p:tags r:id="rId35"/>
+    <p:tags r:id="rId39"/>
   </p:custDataLst>
   <p:defaultTextStyle>
     <a:defPPr>
@@ -1003,7 +1007,7 @@
             <a:fld id="{A02B9F3F-3042-489F-AF35-1A733968F079}" type="slidenum">
               <a:rPr lang="en-US" smtClean="0"/>
               <a:pPr/>
-              <a:t>24</a:t>
+              <a:t>10</a:t>
             </a:fld>
             <a:endParaRPr lang="en-US"/>
           </a:p>
@@ -1085,7 +1089,7 @@
             <a:fld id="{A02B9F3F-3042-489F-AF35-1A733968F079}" type="slidenum">
               <a:rPr lang="en-US" smtClean="0"/>
               <a:pPr/>
-              <a:t>25</a:t>
+              <a:t>11</a:t>
             </a:fld>
             <a:endParaRPr lang="en-US"/>
           </a:p>
@@ -1167,7 +1171,7 @@
             <a:fld id="{A02B9F3F-3042-489F-AF35-1A733968F079}" type="slidenum">
               <a:rPr lang="en-US" smtClean="0"/>
               <a:pPr/>
-              <a:t>26</a:t>
+              <a:t>12</a:t>
             </a:fld>
             <a:endParaRPr lang="en-US"/>
           </a:p>
@@ -1249,7 +1253,7 @@
             <a:fld id="{A02B9F3F-3042-489F-AF35-1A733968F079}" type="slidenum">
               <a:rPr lang="en-US" smtClean="0"/>
               <a:pPr/>
-              <a:t>27</a:t>
+              <a:t>28</a:t>
             </a:fld>
             <a:endParaRPr lang="en-US"/>
           </a:p>
@@ -1331,7 +1335,7 @@
             <a:fld id="{A02B9F3F-3042-489F-AF35-1A733968F079}" type="slidenum">
               <a:rPr lang="en-US" smtClean="0"/>
               <a:pPr/>
-              <a:t>28</a:t>
+              <a:t>29</a:t>
             </a:fld>
             <a:endParaRPr lang="en-US"/>
           </a:p>
@@ -1364,6 +1368,252 @@
       </p:grpSpPr>
       <p:sp>
         <p:nvSpPr>
+          <p:cNvPr id="2" name="Slide Image Placeholder 1"/>
+          <p:cNvSpPr>
+            <a:spLocks noGrp="1" noRot="1" noChangeAspect="1"/>
+          </p:cNvSpPr>
+          <p:nvPr>
+            <p:ph type="sldImg"/>
+          </p:nvPr>
+        </p:nvSpPr>
+        <p:spPr/>
+      </p:sp>
+      <p:sp>
+        <p:nvSpPr>
+          <p:cNvPr id="3" name="Notes Placeholder 2"/>
+          <p:cNvSpPr>
+            <a:spLocks noGrp="1"/>
+          </p:cNvSpPr>
+          <p:nvPr>
+            <p:ph type="body" idx="1"/>
+          </p:nvPr>
+        </p:nvSpPr>
+        <p:spPr/>
+        <p:txBody>
+          <a:bodyPr>
+            <a:normAutofit/>
+          </a:bodyPr>
+          <a:lstStyle/>
+          <a:p>
+            <a:endParaRPr lang="en-US"/>
+          </a:p>
+        </p:txBody>
+      </p:sp>
+      <p:sp>
+        <p:nvSpPr>
+          <p:cNvPr id="4" name="Slide Number Placeholder 3"/>
+          <p:cNvSpPr>
+            <a:spLocks noGrp="1"/>
+          </p:cNvSpPr>
+          <p:nvPr>
+            <p:ph type="sldNum" sz="quarter" idx="10"/>
+          </p:nvPr>
+        </p:nvSpPr>
+        <p:spPr/>
+        <p:txBody>
+          <a:bodyPr/>
+          <a:lstStyle/>
+          <a:p>
+            <a:fld id="{A02B9F3F-3042-489F-AF35-1A733968F079}" type="slidenum">
+              <a:rPr lang="en-US" smtClean="0"/>
+              <a:pPr/>
+              <a:t>30</a:t>
+            </a:fld>
+            <a:endParaRPr lang="en-US"/>
+          </a:p>
+        </p:txBody>
+      </p:sp>
+    </p:spTree>
+  </p:cSld>
+  <p:clrMapOvr>
+    <a:masterClrMapping/>
+  </p:clrMapOvr>
+</p:notes>
+</file>
+
+<file path=ppt/notesSlides/notesSlide16.xml><?xml version="1.0" encoding="utf-8"?>
+<p:notes xmlns:a="http://schemas.openxmlformats.org/drawingml/2006/main" xmlns:r="http://schemas.openxmlformats.org/officeDocument/2006/relationships" xmlns:p="http://schemas.openxmlformats.org/presentationml/2006/main">
+  <p:cSld>
+    <p:spTree>
+      <p:nvGrpSpPr>
+        <p:cNvPr id="1" name=""/>
+        <p:cNvGrpSpPr/>
+        <p:nvPr/>
+      </p:nvGrpSpPr>
+      <p:grpSpPr>
+        <a:xfrm>
+          <a:off x="0" y="0"/>
+          <a:ext cx="0" cy="0"/>
+          <a:chOff x="0" y="0"/>
+          <a:chExt cx="0" cy="0"/>
+        </a:xfrm>
+      </p:grpSpPr>
+      <p:sp>
+        <p:nvSpPr>
+          <p:cNvPr id="2" name="Slide Image Placeholder 1"/>
+          <p:cNvSpPr>
+            <a:spLocks noGrp="1" noRot="1" noChangeAspect="1"/>
+          </p:cNvSpPr>
+          <p:nvPr>
+            <p:ph type="sldImg"/>
+          </p:nvPr>
+        </p:nvSpPr>
+        <p:spPr/>
+      </p:sp>
+      <p:sp>
+        <p:nvSpPr>
+          <p:cNvPr id="3" name="Notes Placeholder 2"/>
+          <p:cNvSpPr>
+            <a:spLocks noGrp="1"/>
+          </p:cNvSpPr>
+          <p:nvPr>
+            <p:ph type="body" idx="1"/>
+          </p:nvPr>
+        </p:nvSpPr>
+        <p:spPr/>
+        <p:txBody>
+          <a:bodyPr>
+            <a:normAutofit/>
+          </a:bodyPr>
+          <a:lstStyle/>
+          <a:p>
+            <a:endParaRPr lang="en-US"/>
+          </a:p>
+        </p:txBody>
+      </p:sp>
+      <p:sp>
+        <p:nvSpPr>
+          <p:cNvPr id="4" name="Slide Number Placeholder 3"/>
+          <p:cNvSpPr>
+            <a:spLocks noGrp="1"/>
+          </p:cNvSpPr>
+          <p:nvPr>
+            <p:ph type="sldNum" sz="quarter" idx="10"/>
+          </p:nvPr>
+        </p:nvSpPr>
+        <p:spPr/>
+        <p:txBody>
+          <a:bodyPr/>
+          <a:lstStyle/>
+          <a:p>
+            <a:fld id="{A02B9F3F-3042-489F-AF35-1A733968F079}" type="slidenum">
+              <a:rPr lang="en-US" smtClean="0"/>
+              <a:pPr/>
+              <a:t>31</a:t>
+            </a:fld>
+            <a:endParaRPr lang="en-US"/>
+          </a:p>
+        </p:txBody>
+      </p:sp>
+    </p:spTree>
+  </p:cSld>
+  <p:clrMapOvr>
+    <a:masterClrMapping/>
+  </p:clrMapOvr>
+</p:notes>
+</file>
+
+<file path=ppt/notesSlides/notesSlide17.xml><?xml version="1.0" encoding="utf-8"?>
+<p:notes xmlns:a="http://schemas.openxmlformats.org/drawingml/2006/main" xmlns:r="http://schemas.openxmlformats.org/officeDocument/2006/relationships" xmlns:p="http://schemas.openxmlformats.org/presentationml/2006/main">
+  <p:cSld>
+    <p:spTree>
+      <p:nvGrpSpPr>
+        <p:cNvPr id="1" name=""/>
+        <p:cNvGrpSpPr/>
+        <p:nvPr/>
+      </p:nvGrpSpPr>
+      <p:grpSpPr>
+        <a:xfrm>
+          <a:off x="0" y="0"/>
+          <a:ext cx="0" cy="0"/>
+          <a:chOff x="0" y="0"/>
+          <a:chExt cx="0" cy="0"/>
+        </a:xfrm>
+      </p:grpSpPr>
+      <p:sp>
+        <p:nvSpPr>
+          <p:cNvPr id="2" name="Slide Image Placeholder 1"/>
+          <p:cNvSpPr>
+            <a:spLocks noGrp="1" noRot="1" noChangeAspect="1"/>
+          </p:cNvSpPr>
+          <p:nvPr>
+            <p:ph type="sldImg"/>
+          </p:nvPr>
+        </p:nvSpPr>
+        <p:spPr/>
+      </p:sp>
+      <p:sp>
+        <p:nvSpPr>
+          <p:cNvPr id="3" name="Notes Placeholder 2"/>
+          <p:cNvSpPr>
+            <a:spLocks noGrp="1"/>
+          </p:cNvSpPr>
+          <p:nvPr>
+            <p:ph type="body" idx="1"/>
+          </p:nvPr>
+        </p:nvSpPr>
+        <p:spPr/>
+        <p:txBody>
+          <a:bodyPr>
+            <a:normAutofit/>
+          </a:bodyPr>
+          <a:lstStyle/>
+          <a:p>
+            <a:endParaRPr lang="en-US"/>
+          </a:p>
+        </p:txBody>
+      </p:sp>
+      <p:sp>
+        <p:nvSpPr>
+          <p:cNvPr id="4" name="Slide Number Placeholder 3"/>
+          <p:cNvSpPr>
+            <a:spLocks noGrp="1"/>
+          </p:cNvSpPr>
+          <p:nvPr>
+            <p:ph type="sldNum" sz="quarter" idx="10"/>
+          </p:nvPr>
+        </p:nvSpPr>
+        <p:spPr/>
+        <p:txBody>
+          <a:bodyPr/>
+          <a:lstStyle/>
+          <a:p>
+            <a:fld id="{A02B9F3F-3042-489F-AF35-1A733968F079}" type="slidenum">
+              <a:rPr lang="en-US" smtClean="0"/>
+              <a:pPr/>
+              <a:t>32</a:t>
+            </a:fld>
+            <a:endParaRPr lang="en-US"/>
+          </a:p>
+        </p:txBody>
+      </p:sp>
+    </p:spTree>
+  </p:cSld>
+  <p:clrMapOvr>
+    <a:masterClrMapping/>
+  </p:clrMapOvr>
+</p:notes>
+</file>
+
+<file path=ppt/notesSlides/notesSlide18.xml><?xml version="1.0" encoding="utf-8"?>
+<p:notes xmlns:a="http://schemas.openxmlformats.org/drawingml/2006/main" xmlns:r="http://schemas.openxmlformats.org/officeDocument/2006/relationships" xmlns:p="http://schemas.openxmlformats.org/presentationml/2006/main">
+  <p:cSld>
+    <p:spTree>
+      <p:nvGrpSpPr>
+        <p:cNvPr id="1" name=""/>
+        <p:cNvGrpSpPr/>
+        <p:nvPr/>
+      </p:nvGrpSpPr>
+      <p:grpSpPr>
+        <a:xfrm>
+          <a:off x="0" y="0"/>
+          <a:ext cx="0" cy="0"/>
+          <a:chOff x="0" y="0"/>
+          <a:chExt cx="0" cy="0"/>
+        </a:xfrm>
+      </p:grpSpPr>
+      <p:sp>
+        <p:nvSpPr>
           <p:cNvPr id="72706" name="Rectangle 7"/>
           <p:cNvSpPr>
             <a:spLocks noGrp="1" noChangeArrowheads="1"/>
@@ -1382,7 +1632,7 @@
             <a:fld id="{6653F924-F418-411E-8C35-24F3766CE997}" type="slidenum">
               <a:rPr lang="en-US" smtClean="0"/>
               <a:pPr/>
-              <a:t>29</a:t>
+              <a:t>33</a:t>
             </a:fld>
             <a:endParaRPr lang="en-US" smtClean="0"/>
           </a:p>
@@ -2114,7 +2364,7 @@
             <a:fld id="{A02B9F3F-3042-489F-AF35-1A733968F079}" type="slidenum">
               <a:rPr lang="en-US" smtClean="0"/>
               <a:pPr/>
-              <a:t>12</a:t>
+              <a:t>9</a:t>
             </a:fld>
             <a:endParaRPr lang="en-US"/>
           </a:p>
@@ -4745,13 +4995,7 @@
               <a:rPr lang="en-US" sz="1100" baseline="0" smtClean="0">
                 <a:latin typeface="Comic Sans MS" pitchFamily="66" charset="0"/>
               </a:rPr>
-              <a:t>February </a:t>
-            </a:r>
-            <a:r>
-              <a:rPr lang="en-US" sz="1100" baseline="0" smtClean="0">
-                <a:latin typeface="Comic Sans MS" pitchFamily="66" charset="0"/>
-              </a:rPr>
-              <a:t>12</a:t>
+              <a:t>February 12</a:t>
             </a:r>
             <a:r>
               <a:rPr lang="en-US" sz="1100" smtClean="0">
@@ -6006,14 +6250,9 @@
   <p:clrMapOvr>
     <a:masterClrMapping/>
   </p:clrMapOvr>
-  <mc:AlternateContent xmlns:mc="http://schemas.openxmlformats.org/markup-compatibility/2006" xmlns:p14="http://schemas.microsoft.com/office/powerpoint/2010/main">
-    <mc:Choice Requires="p14">
-      <p:transition p14:dur="0" advClick="0"/>
-    </mc:Choice>
-    <mc:Fallback xmlns="">
-      <p:transition xmlns:p14="http://schemas.microsoft.com/office/powerpoint/2010/main" advClick="0"/>
-    </mc:Fallback>
-  </mc:AlternateContent>
+  <p:transition xmlns:p14="http://schemas.microsoft.com/office/powerpoint/2010/main" spd="slow" advClick="0">
+    <p:fade/>
+  </p:transition>
   <p:timing>
     <p:tnLst>
       <p:par>
@@ -6043,7 +6282,66 @@
       </p:grpSpPr>
       <p:sp>
         <p:nvSpPr>
-          <p:cNvPr id="2" name="Title 1"/>
+          <p:cNvPr id="5" name="TextBox 4"/>
+          <p:cNvSpPr txBox="1"/>
+          <p:nvPr/>
+        </p:nvSpPr>
+        <p:spPr>
+          <a:xfrm>
+            <a:off x="124740" y="1717665"/>
+            <a:ext cx="8985240" cy="2585323"/>
+          </a:xfrm>
+          <a:prstGeom prst="rect">
+            <a:avLst/>
+          </a:prstGeom>
+          <a:noFill/>
+        </p:spPr>
+        <p:txBody>
+          <a:bodyPr wrap="square" rtlCol="0">
+            <a:spAutoFit/>
+          </a:bodyPr>
+          <a:lstStyle/>
+          <a:p>
+            <a:pPr algn="l"/>
+            <a:r>
+              <a:rPr lang="en-US" sz="5400" dirty="0" smtClean="0">
+                <a:latin typeface="Comic Sans MS" pitchFamily="66" charset="0"/>
+              </a:rPr>
+              <a:t>for example,</a:t>
+            </a:r>
+          </a:p>
+          <a:p>
+            <a:pPr algn="l"/>
+            <a:r>
+              <a:rPr lang="en-US" sz="5400" dirty="0" smtClean="0">
+                <a:latin typeface="Comic Sans MS" pitchFamily="66" charset="0"/>
+              </a:rPr>
+              <a:t>the </a:t>
+            </a:r>
+            <a:r>
+              <a:rPr lang="en-US" sz="5400" dirty="0" smtClean="0">
+                <a:solidFill>
+                  <a:srgbClr val="FF03E3"/>
+                </a:solidFill>
+                <a:latin typeface="Comic Sans MS" pitchFamily="66" charset="0"/>
+              </a:rPr>
+              <a:t>distributive law</a:t>
+            </a:r>
+          </a:p>
+          <a:p>
+            <a:pPr algn="l"/>
+            <a:endParaRPr lang="en-US" sz="5400" dirty="0">
+              <a:solidFill>
+                <a:srgbClr val="FF03E3"/>
+              </a:solidFill>
+              <a:latin typeface="Comic Sans MS" pitchFamily="66" charset="0"/>
+            </a:endParaRPr>
+          </a:p>
+        </p:txBody>
+      </p:sp>
+      <p:sp>
+        <p:nvSpPr>
+          <p:cNvPr id="9" name="Title 1"/>
           <p:cNvSpPr>
             <a:spLocks noGrp="1"/>
           </p:cNvSpPr>
@@ -6051,84 +6349,27 @@
             <p:ph type="title"/>
           </p:nvPr>
         </p:nvSpPr>
-        <p:spPr/>
+        <p:spPr>
+          <a:xfrm>
+            <a:off x="1651000" y="363538"/>
+            <a:ext cx="6794500" cy="1003300"/>
+          </a:xfrm>
+        </p:spPr>
         <p:txBody>
           <a:bodyPr/>
           <a:lstStyle/>
           <a:p>
             <a:r>
-              <a:rPr lang="en-US" dirty="0" smtClean="0"/>
-              <a:t>Soundness</a:t>
-            </a:r>
-            <a:endParaRPr lang="en-US" dirty="0"/>
-          </a:p>
-        </p:txBody>
-      </p:sp>
-      <p:sp>
-        <p:nvSpPr>
-          <p:cNvPr id="3" name="Content Placeholder 2"/>
-          <p:cNvSpPr>
-            <a:spLocks noGrp="1"/>
-          </p:cNvSpPr>
-          <p:nvPr>
-            <p:ph idx="1"/>
-          </p:nvPr>
-        </p:nvSpPr>
-        <p:spPr>
-          <a:xfrm>
-            <a:off x="275167" y="1371600"/>
-            <a:ext cx="8710083" cy="4142318"/>
-          </a:xfrm>
-        </p:spPr>
-        <p:txBody>
-          <a:bodyPr/>
-          <a:lstStyle/>
-          <a:p>
-            <a:r>
-              <a:rPr lang="en-US" sz="4800" dirty="0" smtClean="0"/>
-              <a:t>A </a:t>
-            </a:r>
-            <a:r>
-              <a:rPr lang="en-US" sz="4800" dirty="0" smtClean="0">
-                <a:solidFill>
-                  <a:srgbClr val="006600"/>
-                </a:solidFill>
-              </a:rPr>
-              <a:t>sound</a:t>
-            </a:r>
-            <a:r>
-              <a:rPr lang="en-US" sz="4800" dirty="0" smtClean="0"/>
-              <a:t> rule preserves truth:</a:t>
-            </a:r>
-          </a:p>
-          <a:p>
-            <a:r>
-              <a:rPr lang="en-US" sz="5400" dirty="0"/>
-              <a:t>i</a:t>
-            </a:r>
-            <a:r>
-              <a:rPr lang="en-US" sz="5400" dirty="0" smtClean="0"/>
-              <a:t>f all the antecedents are </a:t>
-            </a:r>
-          </a:p>
-          <a:p>
-            <a:r>
-              <a:rPr lang="en-US" sz="5400" dirty="0" smtClean="0"/>
-              <a:t>true is some environment, </a:t>
-            </a:r>
-          </a:p>
-          <a:p>
-            <a:r>
-              <a:rPr lang="en-US" sz="5400" dirty="0" smtClean="0"/>
-              <a:t>then so is the conclusion.</a:t>
-            </a:r>
-            <a:endParaRPr lang="en-US" sz="5400" dirty="0"/>
-          </a:p>
-        </p:txBody>
-      </p:sp>
-      <p:sp>
-        <p:nvSpPr>
-          <p:cNvPr id="4" name="Slide Number Placeholder 3"/>
+              <a:rPr lang="en-US" sz="4000" dirty="0" smtClean="0"/>
+              <a:t>Algebra for Equivalence</a:t>
+            </a:r>
+            <a:endParaRPr lang="en-US" sz="4000" dirty="0"/>
+          </a:p>
+        </p:txBody>
+      </p:sp>
+      <p:sp>
+        <p:nvSpPr>
+          <p:cNvPr id="4" name="Slide Number Placeholder 2"/>
           <p:cNvSpPr>
             <a:spLocks noGrp="1"/>
           </p:cNvSpPr>
@@ -6138,36 +6379,88 @@
         </p:nvSpPr>
         <p:spPr>
           <a:xfrm>
-            <a:off x="7430148" y="6553200"/>
-            <a:ext cx="1713856" cy="276999"/>
+            <a:off x="7537747" y="6553200"/>
+            <a:ext cx="1606254" cy="276999"/>
           </a:xfrm>
         </p:spPr>
         <p:txBody>
           <a:bodyPr/>
           <a:lstStyle/>
           <a:p>
-            <a:pPr>
-              <a:defRPr/>
-            </a:pPr>
             <a:r>
               <a:rPr lang="en-US" dirty="0" smtClean="0"/>
-              <a:t>propositional logic..</a:t>
-            </a:r>
-            <a:fld id="{A528ADE2-B74F-4D9D-8D04-FB5D781EAB51}" type="slidenum">
+              <a:t>propositional logic.</a:t>
+            </a:r>
+            <a:fld id="{3251DA95-B240-47FE-901D-B78FC8E8E532}" type="slidenum">
               <a:rPr lang="en-US" smtClean="0"/>
-              <a:pPr>
-                <a:defRPr/>
-              </a:pPr>
+              <a:pPr/>
               <a:t>10</a:t>
             </a:fld>
             <a:endParaRPr lang="en-US" dirty="0"/>
           </a:p>
         </p:txBody>
       </p:sp>
+      <p:graphicFrame>
+        <p:nvGraphicFramePr>
+          <p:cNvPr id="3" name="Object 2"/>
+          <p:cNvGraphicFramePr>
+            <a:graphicFrameLocks noChangeAspect="1"/>
+          </p:cNvGraphicFramePr>
+          <p:nvPr>
+            <p:extLst>
+              <p:ext uri="{D42A27DB-BD31-4B8C-83A1-F6EECF244321}">
+                <p14:modId xmlns:p14="http://schemas.microsoft.com/office/powerpoint/2010/main" val="1041607882"/>
+              </p:ext>
+            </p:extLst>
+          </p:nvPr>
+        </p:nvGraphicFramePr>
+        <p:xfrm>
+          <a:off x="571765" y="3644900"/>
+          <a:ext cx="7933796" cy="2025650"/>
+        </p:xfrm>
+        <a:graphic>
+          <a:graphicData uri="http://schemas.openxmlformats.org/presentationml/2006/ole">
+            <mc:AlternateContent xmlns:mc="http://schemas.openxmlformats.org/markup-compatibility/2006">
+              <mc:Choice xmlns:v="urn:schemas-microsoft-com:vml" Requires="v">
+                <p:oleObj spid="_x0000_s418820" name="Equation" r:id="rId4" imgW="1790700" imgH="457200" progId="Equation.DSMT4">
+                  <p:embed/>
+                </p:oleObj>
+              </mc:Choice>
+              <mc:Fallback>
+                <p:oleObj name="Equation" r:id="rId4" imgW="1790700" imgH="457200" progId="Equation.DSMT4">
+                  <p:embed/>
+                  <p:pic>
+                    <p:nvPicPr>
+                      <p:cNvPr id="0" name=""/>
+                      <p:cNvPicPr/>
+                      <p:nvPr/>
+                    </p:nvPicPr>
+                    <p:blipFill>
+                      <a:blip r:embed="rId5"/>
+                      <a:stretch>
+                        <a:fillRect/>
+                      </a:stretch>
+                    </p:blipFill>
+                    <p:spPr>
+                      <a:xfrm>
+                        <a:off x="571765" y="3644900"/>
+                        <a:ext cx="7933796" cy="2025650"/>
+                      </a:xfrm>
+                      <a:prstGeom prst="rect">
+                        <a:avLst/>
+                      </a:prstGeom>
+                    </p:spPr>
+                  </p:pic>
+                </p:oleObj>
+              </mc:Fallback>
+            </mc:AlternateContent>
+          </a:graphicData>
+        </a:graphic>
+      </p:graphicFrame>
     </p:spTree>
     <p:extLst>
       <p:ext uri="{BB962C8B-B14F-4D97-AF65-F5344CB8AC3E}">
-        <p14:creationId xmlns:p14="http://schemas.microsoft.com/office/powerpoint/2010/main" val="4016570365"/>
+        <p14:creationId xmlns:p14="http://schemas.microsoft.com/office/powerpoint/2010/main" val="3051394283"/>
       </p:ext>
     </p:extLst>
   </p:cSld>
@@ -6198,7 +6491,7 @@
                             </p:stCondLst>
                             <p:childTnLst>
                               <p:par>
-                                <p:cTn id="5" presetID="9" presetClass="entr" presetSubtype="0" fill="hold" grpId="0" nodeType="clickEffect">
+                                <p:cTn id="5" presetID="22" presetClass="entr" presetSubtype="1" fill="hold" nodeType="clickEffect">
                                   <p:stCondLst>
                                     <p:cond delay="0"/>
                                   </p:stCondLst>
@@ -6211,11 +6504,7 @@
                                           </p:stCondLst>
                                         </p:cTn>
                                         <p:tgtEl>
-                                          <p:spTgt spid="3">
-                                            <p:txEl>
-                                              <p:pRg st="0" end="0"/>
-                                            </p:txEl>
-                                          </p:spTgt>
+                                          <p:spTgt spid="3"/>
                                         </p:tgtEl>
                                         <p:attrNameLst>
                                           <p:attrName>style.visibility</p:attrName>
@@ -6225,180 +6514,11 @@
                                         <p:strVal val="visible"/>
                                       </p:to>
                                     </p:set>
-                                    <p:animEffect transition="in" filter="dissolve">
+                                    <p:animEffect transition="in" filter="wipe(up)">
                                       <p:cBhvr>
-                                        <p:cTn id="7" dur="500"/>
+                                        <p:cTn id="7" dur="1000"/>
                                         <p:tgtEl>
-                                          <p:spTgt spid="3">
-                                            <p:txEl>
-                                              <p:pRg st="0" end="0"/>
-                                            </p:txEl>
-                                          </p:spTgt>
-                                        </p:tgtEl>
-                                      </p:cBhvr>
-                                    </p:animEffect>
-                                  </p:childTnLst>
-                                </p:cTn>
-                              </p:par>
-                            </p:childTnLst>
-                          </p:cTn>
-                        </p:par>
-                      </p:childTnLst>
-                    </p:cTn>
-                  </p:par>
-                  <p:par>
-                    <p:cTn id="8" fill="hold">
-                      <p:stCondLst>
-                        <p:cond delay="indefinite"/>
-                      </p:stCondLst>
-                      <p:childTnLst>
-                        <p:par>
-                          <p:cTn id="9" fill="hold">
-                            <p:stCondLst>
-                              <p:cond delay="0"/>
-                            </p:stCondLst>
-                            <p:childTnLst>
-                              <p:par>
-                                <p:cTn id="10" presetID="9" presetClass="entr" presetSubtype="0" fill="hold" grpId="0" nodeType="clickEffect">
-                                  <p:stCondLst>
-                                    <p:cond delay="0"/>
-                                  </p:stCondLst>
-                                  <p:childTnLst>
-                                    <p:set>
-                                      <p:cBhvr>
-                                        <p:cTn id="11" dur="1" fill="hold">
-                                          <p:stCondLst>
-                                            <p:cond delay="0"/>
-                                          </p:stCondLst>
-                                        </p:cTn>
-                                        <p:tgtEl>
-                                          <p:spTgt spid="3">
-                                            <p:txEl>
-                                              <p:pRg st="1" end="1"/>
-                                            </p:txEl>
-                                          </p:spTgt>
-                                        </p:tgtEl>
-                                        <p:attrNameLst>
-                                          <p:attrName>style.visibility</p:attrName>
-                                        </p:attrNameLst>
-                                      </p:cBhvr>
-                                      <p:to>
-                                        <p:strVal val="visible"/>
-                                      </p:to>
-                                    </p:set>
-                                    <p:animEffect transition="in" filter="dissolve">
-                                      <p:cBhvr>
-                                        <p:cTn id="12" dur="500"/>
-                                        <p:tgtEl>
-                                          <p:spTgt spid="3">
-                                            <p:txEl>
-                                              <p:pRg st="1" end="1"/>
-                                            </p:txEl>
-                                          </p:spTgt>
-                                        </p:tgtEl>
-                                      </p:cBhvr>
-                                    </p:animEffect>
-                                  </p:childTnLst>
-                                </p:cTn>
-                              </p:par>
-                              <p:par>
-                                <p:cTn id="13" presetID="9" presetClass="entr" presetSubtype="0" fill="hold" grpId="0" nodeType="withEffect">
-                                  <p:stCondLst>
-                                    <p:cond delay="0"/>
-                                  </p:stCondLst>
-                                  <p:childTnLst>
-                                    <p:set>
-                                      <p:cBhvr>
-                                        <p:cTn id="14" dur="1" fill="hold">
-                                          <p:stCondLst>
-                                            <p:cond delay="0"/>
-                                          </p:stCondLst>
-                                        </p:cTn>
-                                        <p:tgtEl>
-                                          <p:spTgt spid="3">
-                                            <p:txEl>
-                                              <p:pRg st="2" end="2"/>
-                                            </p:txEl>
-                                          </p:spTgt>
-                                        </p:tgtEl>
-                                        <p:attrNameLst>
-                                          <p:attrName>style.visibility</p:attrName>
-                                        </p:attrNameLst>
-                                      </p:cBhvr>
-                                      <p:to>
-                                        <p:strVal val="visible"/>
-                                      </p:to>
-                                    </p:set>
-                                    <p:animEffect transition="in" filter="dissolve">
-                                      <p:cBhvr>
-                                        <p:cTn id="15" dur="500"/>
-                                        <p:tgtEl>
-                                          <p:spTgt spid="3">
-                                            <p:txEl>
-                                              <p:pRg st="2" end="2"/>
-                                            </p:txEl>
-                                          </p:spTgt>
-                                        </p:tgtEl>
-                                      </p:cBhvr>
-                                    </p:animEffect>
-                                  </p:childTnLst>
-                                </p:cTn>
-                              </p:par>
-                            </p:childTnLst>
-                          </p:cTn>
-                        </p:par>
-                      </p:childTnLst>
-                    </p:cTn>
-                  </p:par>
-                  <p:par>
-                    <p:cTn id="16" fill="hold">
-                      <p:stCondLst>
-                        <p:cond delay="indefinite"/>
-                      </p:stCondLst>
-                      <p:childTnLst>
-                        <p:par>
-                          <p:cTn id="17" fill="hold">
-                            <p:stCondLst>
-                              <p:cond delay="0"/>
-                            </p:stCondLst>
-                            <p:childTnLst>
-                              <p:par>
-                                <p:cTn id="18" presetID="9" presetClass="entr" presetSubtype="0" fill="hold" grpId="0" nodeType="clickEffect">
-                                  <p:stCondLst>
-                                    <p:cond delay="0"/>
-                                  </p:stCondLst>
-                                  <p:childTnLst>
-                                    <p:set>
-                                      <p:cBhvr>
-                                        <p:cTn id="19" dur="1" fill="hold">
-                                          <p:stCondLst>
-                                            <p:cond delay="0"/>
-                                          </p:stCondLst>
-                                        </p:cTn>
-                                        <p:tgtEl>
-                                          <p:spTgt spid="3">
-                                            <p:txEl>
-                                              <p:pRg st="3" end="3"/>
-                                            </p:txEl>
-                                          </p:spTgt>
-                                        </p:tgtEl>
-                                        <p:attrNameLst>
-                                          <p:attrName>style.visibility</p:attrName>
-                                        </p:attrNameLst>
-                                      </p:cBhvr>
-                                      <p:to>
-                                        <p:strVal val="visible"/>
-                                      </p:to>
-                                    </p:set>
-                                    <p:animEffect transition="in" filter="dissolve">
-                                      <p:cBhvr>
-                                        <p:cTn id="20" dur="500"/>
-                                        <p:tgtEl>
-                                          <p:spTgt spid="3">
-                                            <p:txEl>
-                                              <p:pRg st="3" end="3"/>
-                                            </p:txEl>
-                                          </p:spTgt>
+                                          <p:spTgt spid="3"/>
                                         </p:tgtEl>
                                       </p:cBhvr>
                                     </p:animEffect>
@@ -6432,9 +6552,6 @@
         </p:cTn>
       </p:par>
     </p:tnLst>
-    <p:bldLst>
-      <p:bldP spid="3" grpId="0" build="p"/>
-    </p:bldLst>
   </p:timing>
 </p:sld>
 </file>
@@ -6458,7 +6575,69 @@
       </p:grpSpPr>
       <p:sp>
         <p:nvSpPr>
-          <p:cNvPr id="2" name="Title 1"/>
+          <p:cNvPr id="5" name="TextBox 4"/>
+          <p:cNvSpPr txBox="1"/>
+          <p:nvPr/>
+        </p:nvSpPr>
+        <p:spPr>
+          <a:xfrm>
+            <a:off x="124740" y="1717665"/>
+            <a:ext cx="8985240" cy="2585323"/>
+          </a:xfrm>
+          <a:prstGeom prst="rect">
+            <a:avLst/>
+          </a:prstGeom>
+          <a:noFill/>
+        </p:spPr>
+        <p:txBody>
+          <a:bodyPr wrap="square" rtlCol="0">
+            <a:spAutoFit/>
+          </a:bodyPr>
+          <a:lstStyle/>
+          <a:p>
+            <a:pPr algn="l"/>
+            <a:r>
+              <a:rPr lang="en-US" sz="5400" dirty="0" smtClean="0">
+                <a:latin typeface="Comic Sans MS" pitchFamily="66" charset="0"/>
+              </a:rPr>
+              <a:t>for example,</a:t>
+            </a:r>
+          </a:p>
+          <a:p>
+            <a:pPr algn="l"/>
+            <a:r>
+              <a:rPr lang="en-US" sz="5400" dirty="0" err="1" smtClean="0">
+                <a:solidFill>
+                  <a:srgbClr val="FF03E3"/>
+                </a:solidFill>
+                <a:latin typeface="Comic Sans MS" pitchFamily="66" charset="0"/>
+              </a:rPr>
+              <a:t>DeMorgan’s</a:t>
+            </a:r>
+            <a:r>
+              <a:rPr lang="en-US" sz="5400" dirty="0" smtClean="0">
+                <a:solidFill>
+                  <a:srgbClr val="FF03E3"/>
+                </a:solidFill>
+                <a:latin typeface="Comic Sans MS" pitchFamily="66" charset="0"/>
+              </a:rPr>
+              <a:t> law</a:t>
+            </a:r>
+          </a:p>
+          <a:p>
+            <a:pPr algn="l"/>
+            <a:endParaRPr lang="en-US" sz="5400" dirty="0">
+              <a:solidFill>
+                <a:srgbClr val="FF03E3"/>
+              </a:solidFill>
+              <a:latin typeface="Comic Sans MS" pitchFamily="66" charset="0"/>
+            </a:endParaRPr>
+          </a:p>
+        </p:txBody>
+      </p:sp>
+      <p:sp>
+        <p:nvSpPr>
+          <p:cNvPr id="9" name="Title 1"/>
           <p:cNvSpPr>
             <a:spLocks noGrp="1"/>
           </p:cNvSpPr>
@@ -6468,8 +6647,8 @@
         </p:nvSpPr>
         <p:spPr>
           <a:xfrm>
-            <a:off x="2311400" y="304800"/>
-            <a:ext cx="4787900" cy="1143000"/>
+            <a:off x="1651000" y="363538"/>
+            <a:ext cx="6794500" cy="1003300"/>
           </a:xfrm>
         </p:spPr>
         <p:txBody>
@@ -6477,168 +6656,16 @@
           <a:lstStyle/>
           <a:p>
             <a:r>
-              <a:rPr lang="en-US" sz="4800" dirty="0" smtClean="0"/>
-              <a:t>Soundness</a:t>
-            </a:r>
-            <a:endParaRPr lang="en-US" sz="4800" dirty="0"/>
-          </a:p>
-        </p:txBody>
-      </p:sp>
-      <p:sp>
-        <p:nvSpPr>
-          <p:cNvPr id="3" name="Content Placeholder 2"/>
-          <p:cNvSpPr>
-            <a:spLocks noGrp="1"/>
-          </p:cNvSpPr>
-          <p:nvPr>
-            <p:ph idx="1"/>
-          </p:nvPr>
-        </p:nvSpPr>
-        <p:spPr>
-          <a:xfrm>
-            <a:off x="550326" y="1255186"/>
-            <a:ext cx="8096250" cy="4957234"/>
-          </a:xfrm>
-        </p:spPr>
-        <p:txBody>
-          <a:bodyPr/>
-          <a:lstStyle/>
-          <a:p>
-            <a:r>
-              <a:rPr lang="en-US" sz="4800" dirty="0" smtClean="0">
-                <a:solidFill>
-                  <a:srgbClr val="BB0FAB"/>
-                </a:solidFill>
-              </a:rPr>
-              <a:t>modus ponens</a:t>
-            </a:r>
-            <a:r>
-              <a:rPr lang="en-US" sz="4800" dirty="0" smtClean="0"/>
-              <a:t> is sound:</a:t>
-            </a:r>
-          </a:p>
-          <a:p>
-            <a:r>
-              <a:rPr lang="en-US" sz="5400" dirty="0" smtClean="0"/>
-              <a:t>if </a:t>
-            </a:r>
-            <a:r>
-              <a:rPr lang="en-US" sz="5400" dirty="0" smtClean="0">
-                <a:solidFill>
-                  <a:srgbClr val="0000FF"/>
-                </a:solidFill>
-              </a:rPr>
-              <a:t>P</a:t>
-            </a:r>
-            <a:r>
-              <a:rPr lang="en-US" sz="5400" dirty="0" smtClean="0"/>
-              <a:t> is </a:t>
-            </a:r>
-            <a:r>
-              <a:rPr lang="en-US" sz="5400" dirty="0" smtClean="0">
-                <a:solidFill>
-                  <a:srgbClr val="008000"/>
-                </a:solidFill>
-              </a:rPr>
-              <a:t>true</a:t>
-            </a:r>
-            <a:r>
-              <a:rPr lang="en-US" sz="5400" dirty="0" smtClean="0"/>
-              <a:t>,</a:t>
-            </a:r>
-          </a:p>
-          <a:p>
-            <a:r>
-              <a:rPr lang="en-US" sz="5400" dirty="0" smtClean="0"/>
-              <a:t>and </a:t>
-            </a:r>
-            <a:r>
-              <a:rPr lang="en-US" sz="5400" dirty="0" smtClean="0">
-                <a:solidFill>
-                  <a:srgbClr val="0000FF"/>
-                </a:solidFill>
-              </a:rPr>
-              <a:t>P </a:t>
-            </a:r>
-            <a:r>
-              <a:rPr lang="en-US" sz="4400" dirty="0" smtClean="0">
-                <a:solidFill>
-                  <a:srgbClr val="0000FF"/>
-                </a:solidFill>
-              </a:rPr>
-              <a:t>IMPLIES</a:t>
-            </a:r>
-            <a:r>
-              <a:rPr lang="en-US" sz="5400" dirty="0" smtClean="0">
-                <a:solidFill>
-                  <a:srgbClr val="0000FF"/>
-                </a:solidFill>
-              </a:rPr>
-              <a:t> Q </a:t>
-            </a:r>
-            <a:r>
-              <a:rPr lang="en-US" sz="5400" dirty="0" smtClean="0"/>
-              <a:t>is </a:t>
-            </a:r>
-            <a:r>
-              <a:rPr lang="en-US" sz="5400" dirty="0" smtClean="0">
-                <a:solidFill>
-                  <a:srgbClr val="008000"/>
-                </a:solidFill>
-              </a:rPr>
-              <a:t>true</a:t>
-            </a:r>
-            <a:r>
-              <a:rPr lang="en-US" sz="5400" dirty="0" smtClean="0"/>
-              <a:t>,</a:t>
-            </a:r>
-          </a:p>
-          <a:p>
-            <a:r>
-              <a:rPr lang="en-US" sz="5400" dirty="0" smtClean="0"/>
-              <a:t>then </a:t>
-            </a:r>
-            <a:r>
-              <a:rPr lang="en-US" sz="5400" dirty="0" smtClean="0">
-                <a:solidFill>
-                  <a:srgbClr val="0000FF"/>
-                </a:solidFill>
-              </a:rPr>
-              <a:t>Q</a:t>
-            </a:r>
-            <a:r>
-              <a:rPr lang="en-US" sz="5400" dirty="0" smtClean="0"/>
-              <a:t> must be </a:t>
-            </a:r>
-            <a:r>
-              <a:rPr lang="en-US" sz="5400" dirty="0" smtClean="0">
-                <a:solidFill>
-                  <a:srgbClr val="008000"/>
-                </a:solidFill>
-              </a:rPr>
-              <a:t>true,</a:t>
-            </a:r>
-          </a:p>
-          <a:p>
-            <a:r>
-              <a:rPr lang="en-US" sz="5400" dirty="0" smtClean="0"/>
-              <a:t>―</a:t>
-            </a:r>
-            <a:r>
-              <a:rPr lang="en-US" sz="5400" dirty="0"/>
-              <a:t>by </a:t>
-            </a:r>
-            <a:r>
-              <a:rPr lang="en-US" sz="5400" dirty="0" smtClean="0"/>
-              <a:t>truth table.</a:t>
-            </a:r>
-            <a:endParaRPr lang="en-US" sz="5400" dirty="0"/>
-          </a:p>
-        </p:txBody>
-      </p:sp>
-      <p:sp>
-        <p:nvSpPr>
-          <p:cNvPr id="4" name="Slide Number Placeholder 3"/>
+              <a:rPr lang="en-US" sz="4000" dirty="0" smtClean="0"/>
+              <a:t>Algebra for Equivalence</a:t>
+            </a:r>
+            <a:endParaRPr lang="en-US" sz="4000" dirty="0"/>
+          </a:p>
+        </p:txBody>
+      </p:sp>
+      <p:sp>
+        <p:nvSpPr>
+          <p:cNvPr id="4" name="Slide Number Placeholder 2"/>
           <p:cNvSpPr>
             <a:spLocks noGrp="1"/>
           </p:cNvSpPr>
@@ -6648,36 +6675,88 @@
         </p:nvSpPr>
         <p:spPr>
           <a:xfrm>
-            <a:off x="7430148" y="6553200"/>
-            <a:ext cx="1713856" cy="276999"/>
+            <a:off x="7537747" y="6553200"/>
+            <a:ext cx="1606254" cy="276999"/>
           </a:xfrm>
         </p:spPr>
         <p:txBody>
           <a:bodyPr/>
           <a:lstStyle/>
           <a:p>
-            <a:pPr>
-              <a:defRPr/>
-            </a:pPr>
             <a:r>
               <a:rPr lang="en-US" dirty="0" smtClean="0"/>
-              <a:t>propositional logic..</a:t>
-            </a:r>
-            <a:fld id="{A528ADE2-B74F-4D9D-8D04-FB5D781EAB51}" type="slidenum">
+              <a:t>propositional logic.</a:t>
+            </a:r>
+            <a:fld id="{3251DA95-B240-47FE-901D-B78FC8E8E532}" type="slidenum">
               <a:rPr lang="en-US" smtClean="0"/>
-              <a:pPr>
-                <a:defRPr/>
-              </a:pPr>
+              <a:pPr/>
               <a:t>11</a:t>
             </a:fld>
             <a:endParaRPr lang="en-US" dirty="0"/>
           </a:p>
         </p:txBody>
       </p:sp>
+      <p:graphicFrame>
+        <p:nvGraphicFramePr>
+          <p:cNvPr id="3" name="Object 2"/>
+          <p:cNvGraphicFramePr>
+            <a:graphicFrameLocks noChangeAspect="1"/>
+          </p:cNvGraphicFramePr>
+          <p:nvPr>
+            <p:extLst>
+              <p:ext uri="{D42A27DB-BD31-4B8C-83A1-F6EECF244321}">
+                <p14:modId xmlns:p14="http://schemas.microsoft.com/office/powerpoint/2010/main" val="3546711320"/>
+              </p:ext>
+            </p:extLst>
+          </p:nvPr>
+        </p:nvGraphicFramePr>
+        <p:xfrm>
+          <a:off x="1217613" y="3644900"/>
+          <a:ext cx="6640512" cy="2025650"/>
+        </p:xfrm>
+        <a:graphic>
+          <a:graphicData uri="http://schemas.openxmlformats.org/presentationml/2006/ole">
+            <mc:AlternateContent xmlns:mc="http://schemas.openxmlformats.org/markup-compatibility/2006">
+              <mc:Choice xmlns:v="urn:schemas-microsoft-com:vml" Requires="v">
+                <p:oleObj spid="_x0000_s419843" name="Equation" r:id="rId4" imgW="1498600" imgH="457200" progId="Equation.DSMT4">
+                  <p:embed/>
+                </p:oleObj>
+              </mc:Choice>
+              <mc:Fallback>
+                <p:oleObj name="Equation" r:id="rId4" imgW="1498600" imgH="457200" progId="Equation.DSMT4">
+                  <p:embed/>
+                  <p:pic>
+                    <p:nvPicPr>
+                      <p:cNvPr id="0" name=""/>
+                      <p:cNvPicPr/>
+                      <p:nvPr/>
+                    </p:nvPicPr>
+                    <p:blipFill>
+                      <a:blip r:embed="rId5"/>
+                      <a:stretch>
+                        <a:fillRect/>
+                      </a:stretch>
+                    </p:blipFill>
+                    <p:spPr>
+                      <a:xfrm>
+                        <a:off x="1217613" y="3644900"/>
+                        <a:ext cx="6640512" cy="2025650"/>
+                      </a:xfrm>
+                      <a:prstGeom prst="rect">
+                        <a:avLst/>
+                      </a:prstGeom>
+                    </p:spPr>
+                  </p:pic>
+                </p:oleObj>
+              </mc:Fallback>
+            </mc:AlternateContent>
+          </a:graphicData>
+        </a:graphic>
+      </p:graphicFrame>
     </p:spTree>
     <p:extLst>
       <p:ext uri="{BB962C8B-B14F-4D97-AF65-F5344CB8AC3E}">
-        <p14:creationId xmlns:p14="http://schemas.microsoft.com/office/powerpoint/2010/main" val="537572226"/>
+        <p14:creationId xmlns:p14="http://schemas.microsoft.com/office/powerpoint/2010/main" val="427619550"/>
       </p:ext>
     </p:extLst>
   </p:cSld>
@@ -6708,7 +6787,7 @@
                             </p:stCondLst>
                             <p:childTnLst>
                               <p:par>
-                                <p:cTn id="5" presetID="9" presetClass="entr" presetSubtype="0" fill="hold" grpId="1" nodeType="clickEffect">
+                                <p:cTn id="5" presetID="22" presetClass="entr" presetSubtype="1" fill="hold" nodeType="clickEffect">
                                   <p:stCondLst>
                                     <p:cond delay="0"/>
                                   </p:stCondLst>
@@ -6721,11 +6800,7 @@
                                           </p:stCondLst>
                                         </p:cTn>
                                         <p:tgtEl>
-                                          <p:spTgt spid="3">
-                                            <p:txEl>
-                                              <p:pRg st="0" end="0"/>
-                                            </p:txEl>
-                                          </p:spTgt>
+                                          <p:spTgt spid="3"/>
                                         </p:tgtEl>
                                         <p:attrNameLst>
                                           <p:attrName>style.visibility</p:attrName>
@@ -6735,259 +6810,11 @@
                                         <p:strVal val="visible"/>
                                       </p:to>
                                     </p:set>
-                                    <p:animEffect transition="in" filter="dissolve">
+                                    <p:animEffect transition="in" filter="wipe(up)">
                                       <p:cBhvr>
-                                        <p:cTn id="7" dur="500"/>
+                                        <p:cTn id="7" dur="1000"/>
                                         <p:tgtEl>
-                                          <p:spTgt spid="3">
-                                            <p:txEl>
-                                              <p:pRg st="0" end="0"/>
-                                            </p:txEl>
-                                          </p:spTgt>
-                                        </p:tgtEl>
-                                      </p:cBhvr>
-                                    </p:animEffect>
-                                  </p:childTnLst>
-                                </p:cTn>
-                              </p:par>
-                            </p:childTnLst>
-                          </p:cTn>
-                        </p:par>
-                      </p:childTnLst>
-                    </p:cTn>
-                  </p:par>
-                  <p:par>
-                    <p:cTn id="8" fill="hold">
-                      <p:stCondLst>
-                        <p:cond delay="indefinite"/>
-                      </p:stCondLst>
-                      <p:childTnLst>
-                        <p:par>
-                          <p:cTn id="9" fill="hold">
-                            <p:stCondLst>
-                              <p:cond delay="0"/>
-                            </p:stCondLst>
-                            <p:childTnLst>
-                              <p:par>
-                                <p:cTn id="10" presetID="9" presetClass="entr" presetSubtype="0" fill="hold" grpId="1" nodeType="clickEffect">
-                                  <p:stCondLst>
-                                    <p:cond delay="0"/>
-                                  </p:stCondLst>
-                                  <p:childTnLst>
-                                    <p:set>
-                                      <p:cBhvr>
-                                        <p:cTn id="11" dur="1" fill="hold">
-                                          <p:stCondLst>
-                                            <p:cond delay="0"/>
-                                          </p:stCondLst>
-                                        </p:cTn>
-                                        <p:tgtEl>
-                                          <p:spTgt spid="3">
-                                            <p:txEl>
-                                              <p:pRg st="1" end="1"/>
-                                            </p:txEl>
-                                          </p:spTgt>
-                                        </p:tgtEl>
-                                        <p:attrNameLst>
-                                          <p:attrName>style.visibility</p:attrName>
-                                        </p:attrNameLst>
-                                      </p:cBhvr>
-                                      <p:to>
-                                        <p:strVal val="visible"/>
-                                      </p:to>
-                                    </p:set>
-                                    <p:animEffect transition="in" filter="dissolve">
-                                      <p:cBhvr>
-                                        <p:cTn id="12" dur="500"/>
-                                        <p:tgtEl>
-                                          <p:spTgt spid="3">
-                                            <p:txEl>
-                                              <p:pRg st="1" end="1"/>
-                                            </p:txEl>
-                                          </p:spTgt>
-                                        </p:tgtEl>
-                                      </p:cBhvr>
-                                    </p:animEffect>
-                                  </p:childTnLst>
-                                </p:cTn>
-                              </p:par>
-                            </p:childTnLst>
-                          </p:cTn>
-                        </p:par>
-                      </p:childTnLst>
-                    </p:cTn>
-                  </p:par>
-                  <p:par>
-                    <p:cTn id="13" fill="hold">
-                      <p:stCondLst>
-                        <p:cond delay="indefinite"/>
-                      </p:stCondLst>
-                      <p:childTnLst>
-                        <p:par>
-                          <p:cTn id="14" fill="hold">
-                            <p:stCondLst>
-                              <p:cond delay="0"/>
-                            </p:stCondLst>
-                            <p:childTnLst>
-                              <p:par>
-                                <p:cTn id="15" presetID="9" presetClass="entr" presetSubtype="0" fill="hold" grpId="1" nodeType="clickEffect">
-                                  <p:stCondLst>
-                                    <p:cond delay="0"/>
-                                  </p:stCondLst>
-                                  <p:childTnLst>
-                                    <p:set>
-                                      <p:cBhvr>
-                                        <p:cTn id="16" dur="1" fill="hold">
-                                          <p:stCondLst>
-                                            <p:cond delay="0"/>
-                                          </p:stCondLst>
-                                        </p:cTn>
-                                        <p:tgtEl>
-                                          <p:spTgt spid="3">
-                                            <p:txEl>
-                                              <p:pRg st="2" end="2"/>
-                                            </p:txEl>
-                                          </p:spTgt>
-                                        </p:tgtEl>
-                                        <p:attrNameLst>
-                                          <p:attrName>style.visibility</p:attrName>
-                                        </p:attrNameLst>
-                                      </p:cBhvr>
-                                      <p:to>
-                                        <p:strVal val="visible"/>
-                                      </p:to>
-                                    </p:set>
-                                    <p:animEffect transition="in" filter="dissolve">
-                                      <p:cBhvr>
-                                        <p:cTn id="17" dur="500"/>
-                                        <p:tgtEl>
-                                          <p:spTgt spid="3">
-                                            <p:txEl>
-                                              <p:pRg st="2" end="2"/>
-                                            </p:txEl>
-                                          </p:spTgt>
-                                        </p:tgtEl>
-                                      </p:cBhvr>
-                                    </p:animEffect>
-                                  </p:childTnLst>
-                                </p:cTn>
-                              </p:par>
-                            </p:childTnLst>
-                          </p:cTn>
-                        </p:par>
-                      </p:childTnLst>
-                    </p:cTn>
-                  </p:par>
-                  <p:par>
-                    <p:cTn id="18" fill="hold">
-                      <p:stCondLst>
-                        <p:cond delay="indefinite"/>
-                      </p:stCondLst>
-                      <p:childTnLst>
-                        <p:par>
-                          <p:cTn id="19" fill="hold">
-                            <p:stCondLst>
-                              <p:cond delay="0"/>
-                            </p:stCondLst>
-                            <p:childTnLst>
-                              <p:par>
-                                <p:cTn id="20" presetID="9" presetClass="entr" presetSubtype="0" fill="hold" grpId="1" nodeType="clickEffect">
-                                  <p:stCondLst>
-                                    <p:cond delay="0"/>
-                                  </p:stCondLst>
-                                  <p:childTnLst>
-                                    <p:set>
-                                      <p:cBhvr>
-                                        <p:cTn id="21" dur="1" fill="hold">
-                                          <p:stCondLst>
-                                            <p:cond delay="0"/>
-                                          </p:stCondLst>
-                                        </p:cTn>
-                                        <p:tgtEl>
-                                          <p:spTgt spid="3">
-                                            <p:txEl>
-                                              <p:pRg st="3" end="3"/>
-                                            </p:txEl>
-                                          </p:spTgt>
-                                        </p:tgtEl>
-                                        <p:attrNameLst>
-                                          <p:attrName>style.visibility</p:attrName>
-                                        </p:attrNameLst>
-                                      </p:cBhvr>
-                                      <p:to>
-                                        <p:strVal val="visible"/>
-                                      </p:to>
-                                    </p:set>
-                                    <p:animEffect transition="in" filter="dissolve">
-                                      <p:cBhvr>
-                                        <p:cTn id="22" dur="500"/>
-                                        <p:tgtEl>
-                                          <p:spTgt spid="3">
-                                            <p:txEl>
-                                              <p:pRg st="3" end="3"/>
-                                            </p:txEl>
-                                          </p:spTgt>
-                                        </p:tgtEl>
-                                      </p:cBhvr>
-                                    </p:animEffect>
-                                  </p:childTnLst>
-                                </p:cTn>
-                              </p:par>
-                            </p:childTnLst>
-                          </p:cTn>
-                        </p:par>
-                      </p:childTnLst>
-                    </p:cTn>
-                  </p:par>
-                  <p:par>
-                    <p:cTn id="23" fill="hold">
-                      <p:stCondLst>
-                        <p:cond delay="indefinite"/>
-                      </p:stCondLst>
-                      <p:childTnLst>
-                        <p:par>
-                          <p:cTn id="24" fill="hold">
-                            <p:stCondLst>
-                              <p:cond delay="0"/>
-                            </p:stCondLst>
-                            <p:childTnLst>
-                              <p:par>
-                                <p:cTn id="25" presetID="9" presetClass="entr" presetSubtype="0" fill="hold" grpId="1" nodeType="clickEffect">
-                                  <p:stCondLst>
-                                    <p:cond delay="0"/>
-                                  </p:stCondLst>
-                                  <p:childTnLst>
-                                    <p:set>
-                                      <p:cBhvr>
-                                        <p:cTn id="26" dur="1" fill="hold">
-                                          <p:stCondLst>
-                                            <p:cond delay="0"/>
-                                          </p:stCondLst>
-                                        </p:cTn>
-                                        <p:tgtEl>
-                                          <p:spTgt spid="3">
-                                            <p:txEl>
-                                              <p:pRg st="4" end="4"/>
-                                            </p:txEl>
-                                          </p:spTgt>
-                                        </p:tgtEl>
-                                        <p:attrNameLst>
-                                          <p:attrName>style.visibility</p:attrName>
-                                        </p:attrNameLst>
-                                      </p:cBhvr>
-                                      <p:to>
-                                        <p:strVal val="visible"/>
-                                      </p:to>
-                                    </p:set>
-                                    <p:animEffect transition="in" filter="dissolve">
-                                      <p:cBhvr>
-                                        <p:cTn id="27" dur="500"/>
-                                        <p:tgtEl>
-                                          <p:spTgt spid="3">
-                                            <p:txEl>
-                                              <p:pRg st="4" end="4"/>
-                                            </p:txEl>
-                                          </p:spTgt>
+                                          <p:spTgt spid="3"/>
                                         </p:tgtEl>
                                       </p:cBhvr>
                                     </p:animEffect>
@@ -7021,9 +6848,6 @@
         </p:cTn>
       </p:par>
     </p:tnLst>
-    <p:bldLst>
-      <p:bldP spid="3" grpId="1" build="p"/>
-    </p:bldLst>
   </p:timing>
 </p:sld>
 </file>
@@ -7047,7 +6871,141 @@
       </p:grpSpPr>
       <p:sp>
         <p:nvSpPr>
-          <p:cNvPr id="13" name="Title 12"/>
+          <p:cNvPr id="5" name="TextBox 4"/>
+          <p:cNvSpPr txBox="1"/>
+          <p:nvPr/>
+        </p:nvSpPr>
+        <p:spPr>
+          <a:xfrm>
+            <a:off x="124740" y="1717665"/>
+            <a:ext cx="8985240" cy="3416320"/>
+          </a:xfrm>
+          <a:prstGeom prst="rect">
+            <a:avLst/>
+          </a:prstGeom>
+          <a:noFill/>
+        </p:spPr>
+        <p:txBody>
+          <a:bodyPr wrap="square" rtlCol="0">
+            <a:spAutoFit/>
+          </a:bodyPr>
+          <a:lstStyle/>
+          <a:p>
+            <a:pPr algn="l"/>
+            <a:r>
+              <a:rPr lang="en-US" sz="5400" dirty="0">
+                <a:solidFill>
+                  <a:srgbClr val="000000"/>
+                </a:solidFill>
+                <a:latin typeface="Comic Sans MS" pitchFamily="66" charset="0"/>
+              </a:rPr>
+              <a:t>The set of rules for </a:t>
+            </a:r>
+            <a:r>
+              <a:rPr lang="en-US" sz="5400" dirty="0" smtClean="0">
+                <a:solidFill>
+                  <a:schemeClr val="accent1">
+                    <a:lumMod val="50000"/>
+                  </a:schemeClr>
+                </a:solidFill>
+                <a:latin typeface="Comic Sans MS" pitchFamily="66" charset="0"/>
+              </a:rPr>
+              <a:t>≡</a:t>
+            </a:r>
+            <a:r>
+              <a:rPr lang="en-US" sz="5400" dirty="0" smtClean="0">
+                <a:solidFill>
+                  <a:srgbClr val="000000"/>
+                </a:solidFill>
+                <a:latin typeface="Comic Sans MS" pitchFamily="66" charset="0"/>
+              </a:rPr>
+              <a:t> in the</a:t>
+            </a:r>
+            <a:r>
+              <a:rPr lang="en-US" sz="5400" dirty="0" smtClean="0">
+                <a:solidFill>
+                  <a:schemeClr val="accent5">
+                    <a:lumMod val="50000"/>
+                  </a:schemeClr>
+                </a:solidFill>
+                <a:latin typeface="Comic Sans MS" pitchFamily="66" charset="0"/>
+              </a:rPr>
+              <a:t> </a:t>
+            </a:r>
+            <a:r>
+              <a:rPr lang="en-US" sz="5400" dirty="0" smtClean="0">
+                <a:latin typeface="Comic Sans MS" pitchFamily="66" charset="0"/>
+              </a:rPr>
+              <a:t>text are </a:t>
+            </a:r>
+            <a:r>
+              <a:rPr lang="en-US" sz="5400" dirty="0" smtClean="0">
+                <a:solidFill>
+                  <a:srgbClr val="FF03E3"/>
+                </a:solidFill>
+                <a:latin typeface="Comic Sans MS" pitchFamily="66" charset="0"/>
+              </a:rPr>
+              <a:t>complete</a:t>
+            </a:r>
+            <a:r>
+              <a:rPr lang="en-US" sz="5400" dirty="0" smtClean="0">
+                <a:latin typeface="Comic Sans MS" pitchFamily="66" charset="0"/>
+              </a:rPr>
+              <a:t>:</a:t>
+            </a:r>
+          </a:p>
+          <a:p>
+            <a:pPr algn="l"/>
+            <a:r>
+              <a:rPr lang="en-US" sz="5400" dirty="0" smtClean="0">
+                <a:latin typeface="Comic Sans MS" pitchFamily="66" charset="0"/>
+              </a:rPr>
+              <a:t>if two formulas are </a:t>
+            </a:r>
+            <a:r>
+              <a:rPr lang="en-US" sz="5400" dirty="0" smtClean="0">
+                <a:solidFill>
+                  <a:schemeClr val="accent5">
+                    <a:lumMod val="50000"/>
+                  </a:schemeClr>
+                </a:solidFill>
+                <a:latin typeface="Comic Sans MS" pitchFamily="66" charset="0"/>
+              </a:rPr>
+              <a:t>≡</a:t>
+            </a:r>
+            <a:r>
+              <a:rPr lang="en-US" sz="5400" dirty="0" smtClean="0">
+                <a:solidFill>
+                  <a:srgbClr val="000000"/>
+                </a:solidFill>
+                <a:latin typeface="Comic Sans MS" pitchFamily="66" charset="0"/>
+              </a:rPr>
+              <a:t>,</a:t>
+            </a:r>
+          </a:p>
+          <a:p>
+            <a:pPr algn="l"/>
+            <a:r>
+              <a:rPr lang="en-US" sz="5400" dirty="0" smtClean="0">
+                <a:solidFill>
+                  <a:srgbClr val="000000"/>
+                </a:solidFill>
+                <a:latin typeface="Comic Sans MS" pitchFamily="66" charset="0"/>
+              </a:rPr>
+              <a:t>these rules can prove it.</a:t>
+            </a:r>
+            <a:endParaRPr lang="en-US" sz="5400" dirty="0">
+              <a:solidFill>
+                <a:srgbClr val="000000"/>
+              </a:solidFill>
+              <a:latin typeface="Comic Sans MS" pitchFamily="66" charset="0"/>
+            </a:endParaRPr>
+          </a:p>
+        </p:txBody>
+      </p:sp>
+      <p:sp>
+        <p:nvSpPr>
+          <p:cNvPr id="9" name="Title 1"/>
           <p:cNvSpPr>
             <a:spLocks noGrp="1"/>
           </p:cNvSpPr>
@@ -7057,8 +7015,8 @@
         </p:nvSpPr>
         <p:spPr>
           <a:xfrm>
-            <a:off x="2260600" y="304800"/>
-            <a:ext cx="6121400" cy="1193800"/>
+            <a:off x="1651000" y="363538"/>
+            <a:ext cx="6794500" cy="1003300"/>
           </a:xfrm>
         </p:spPr>
         <p:txBody>
@@ -7066,183 +7024,10 @@
           <a:lstStyle/>
           <a:p>
             <a:r>
-              <a:rPr lang="en-US" sz="4600" dirty="0" smtClean="0"/>
-              <a:t>Soundness &amp; Validity</a:t>
-            </a:r>
-            <a:endParaRPr lang="en-US" sz="4600" dirty="0"/>
-          </a:p>
-        </p:txBody>
-      </p:sp>
-      <p:sp>
-        <p:nvSpPr>
-          <p:cNvPr id="14" name="TextBox 13"/>
-          <p:cNvSpPr txBox="1"/>
-          <p:nvPr/>
-        </p:nvSpPr>
-        <p:spPr>
-          <a:xfrm>
-            <a:off x="459546" y="1675812"/>
-            <a:ext cx="8481254" cy="3416320"/>
-          </a:xfrm>
-          <a:prstGeom prst="rect">
-            <a:avLst/>
-          </a:prstGeom>
-          <a:noFill/>
-        </p:spPr>
-        <p:txBody>
-          <a:bodyPr wrap="square" rtlCol="0">
-            <a:spAutoFit/>
-          </a:bodyPr>
-          <a:lstStyle/>
-          <a:p>
-            <a:pPr algn="l"/>
-            <a:r>
-              <a:rPr lang="en-US" sz="4400" i="1" dirty="0" smtClean="0">
-                <a:latin typeface="Comic Sans MS"/>
-                <a:cs typeface="Comic Sans MS"/>
-              </a:rPr>
-              <a:t>Lemma:</a:t>
-            </a:r>
-            <a:r>
-              <a:rPr lang="en-US" sz="4800" dirty="0" smtClean="0">
-                <a:latin typeface="Comic Sans MS"/>
-                <a:cs typeface="Comic Sans MS"/>
-              </a:rPr>
-              <a:t> </a:t>
-            </a:r>
-            <a:r>
-              <a:rPr lang="en-US" sz="5400" dirty="0" smtClean="0">
-                <a:latin typeface="Comic Sans MS"/>
-                <a:cs typeface="Comic Sans MS"/>
-              </a:rPr>
-              <a:t>A rule is sound </a:t>
-            </a:r>
-            <a:r>
-              <a:rPr lang="en-US" sz="5400" dirty="0" err="1" smtClean="0">
-                <a:latin typeface="Comic Sans MS"/>
-                <a:cs typeface="Comic Sans MS"/>
-              </a:rPr>
-              <a:t>iff</a:t>
-            </a:r>
-            <a:endParaRPr lang="en-US" sz="5400" dirty="0" smtClean="0">
-              <a:latin typeface="Comic Sans MS"/>
-              <a:cs typeface="Comic Sans MS"/>
-            </a:endParaRPr>
-          </a:p>
-          <a:p>
-            <a:pPr algn="l"/>
-            <a:r>
-              <a:rPr lang="en-US" sz="4800" dirty="0" smtClean="0">
-                <a:solidFill>
-                  <a:schemeClr val="accent1">
-                    <a:lumMod val="50000"/>
-                  </a:schemeClr>
-                </a:solidFill>
-                <a:latin typeface="Comic Sans MS"/>
-                <a:cs typeface="Comic Sans MS"/>
-              </a:rPr>
-              <a:t> </a:t>
-            </a:r>
-            <a:r>
-              <a:rPr lang="en-US" sz="4800" dirty="0" smtClean="0">
-                <a:solidFill>
-                  <a:srgbClr val="0000FF"/>
-                </a:solidFill>
-                <a:latin typeface="Comic Sans MS"/>
-                <a:cs typeface="Comic Sans MS"/>
-              </a:rPr>
-              <a:t>AND</a:t>
-            </a:r>
-            <a:r>
-              <a:rPr lang="en-US" sz="5400" dirty="0" smtClean="0">
-                <a:solidFill>
-                  <a:srgbClr val="0000FF"/>
-                </a:solidFill>
-                <a:latin typeface="Comic Sans MS"/>
-                <a:cs typeface="Comic Sans MS"/>
-              </a:rPr>
-              <a:t>{Antecedents}</a:t>
-            </a:r>
-          </a:p>
-          <a:p>
-            <a:pPr algn="l"/>
-            <a:r>
-              <a:rPr lang="en-US" sz="5400" dirty="0">
-                <a:solidFill>
-                  <a:srgbClr val="0000FF"/>
-                </a:solidFill>
-                <a:latin typeface="Comic Sans MS"/>
-                <a:cs typeface="Comic Sans MS"/>
-                <a:sym typeface="Euclid Symbol"/>
-              </a:rPr>
-              <a:t> </a:t>
-            </a:r>
-            <a:r>
-              <a:rPr lang="en-US" sz="5400" dirty="0" smtClean="0">
-                <a:solidFill>
-                  <a:srgbClr val="0000FF"/>
-                </a:solidFill>
-                <a:latin typeface="Comic Sans MS"/>
-                <a:cs typeface="Comic Sans MS"/>
-                <a:sym typeface="Euclid Symbol"/>
-              </a:rPr>
-              <a:t>       </a:t>
-            </a:r>
-            <a:r>
-              <a:rPr lang="en-US" sz="4800" dirty="0" smtClean="0">
-                <a:solidFill>
-                  <a:srgbClr val="0000FF"/>
-                </a:solidFill>
-                <a:latin typeface="Comic Sans MS"/>
-                <a:cs typeface="Comic Sans MS"/>
-                <a:sym typeface="Euclid Symbol"/>
-              </a:rPr>
-              <a:t>IMPLIES</a:t>
-            </a:r>
-            <a:r>
-              <a:rPr lang="en-US" sz="5400" dirty="0" smtClean="0">
-                <a:solidFill>
-                  <a:srgbClr val="0000FF"/>
-                </a:solidFill>
-                <a:latin typeface="cmsy10"/>
-                <a:sym typeface="Euclid Symbol"/>
-              </a:rPr>
-              <a:t> </a:t>
-            </a:r>
-            <a:r>
-              <a:rPr lang="en-US" sz="5400" dirty="0" smtClean="0">
-                <a:solidFill>
-                  <a:srgbClr val="0000FF"/>
-                </a:solidFill>
-                <a:latin typeface="Comic Sans MS" pitchFamily="66" charset="0"/>
-                <a:sym typeface="Euclid Symbol"/>
-              </a:rPr>
-              <a:t>Conclusion</a:t>
-            </a:r>
-          </a:p>
-          <a:p>
-            <a:pPr algn="l"/>
-            <a:r>
-              <a:rPr lang="en-US" sz="5400" dirty="0" smtClean="0">
-                <a:latin typeface="Comic Sans MS" pitchFamily="66" charset="0"/>
-              </a:rPr>
-              <a:t>is </a:t>
-            </a:r>
-            <a:r>
-              <a:rPr lang="en-US" sz="5400" dirty="0" smtClean="0">
-                <a:solidFill>
-                  <a:srgbClr val="006600"/>
-                </a:solidFill>
-                <a:latin typeface="Comic Sans MS" pitchFamily="66" charset="0"/>
-              </a:rPr>
-              <a:t>valid</a:t>
-            </a:r>
-            <a:r>
-              <a:rPr lang="en-US" sz="5400" dirty="0" smtClean="0">
-                <a:latin typeface="Comic Sans MS" pitchFamily="66" charset="0"/>
-              </a:rPr>
-              <a:t>.</a:t>
-            </a:r>
+              <a:rPr lang="en-US" sz="4000" dirty="0" smtClean="0"/>
+              <a:t>Algebra for Equivalence</a:t>
+            </a:r>
+            <a:endParaRPr lang="en-US" sz="4000" dirty="0"/>
           </a:p>
         </p:txBody>
       </p:sp>
@@ -7258,8 +7043,8 @@
         </p:nvSpPr>
         <p:spPr>
           <a:xfrm>
-            <a:off x="7443821" y="6553200"/>
-            <a:ext cx="1700180" cy="276999"/>
+            <a:off x="7537747" y="6553200"/>
+            <a:ext cx="1606254" cy="276999"/>
           </a:xfrm>
         </p:spPr>
         <p:txBody>
@@ -7280,6 +7065,11 @@
         </p:txBody>
       </p:sp>
     </p:spTree>
+    <p:extLst>
+      <p:ext uri="{BB962C8B-B14F-4D97-AF65-F5344CB8AC3E}">
+        <p14:creationId xmlns:p14="http://schemas.microsoft.com/office/powerpoint/2010/main" val="816375592"/>
+      </p:ext>
+    </p:extLst>
   </p:cSld>
   <p:clrMapOvr>
     <a:masterClrMapping/>
@@ -7324,6 +7114,649 @@
             <p:ph type="title"/>
           </p:nvPr>
         </p:nvSpPr>
+        <p:spPr>
+          <a:xfrm>
+            <a:off x="2070100" y="304800"/>
+            <a:ext cx="5715000" cy="1257300"/>
+          </a:xfrm>
+        </p:spPr>
+        <p:txBody>
+          <a:bodyPr/>
+          <a:lstStyle/>
+          <a:p>
+            <a:r>
+              <a:rPr lang="en-US" sz="4800" dirty="0" smtClean="0"/>
+              <a:t>A Proof System</a:t>
+            </a:r>
+            <a:endParaRPr lang="en-US" sz="4800" dirty="0"/>
+          </a:p>
+        </p:txBody>
+      </p:sp>
+      <p:sp>
+        <p:nvSpPr>
+          <p:cNvPr id="3" name="Slide Number Placeholder 2"/>
+          <p:cNvSpPr>
+            <a:spLocks noGrp="1"/>
+          </p:cNvSpPr>
+          <p:nvPr>
+            <p:ph type="sldNum" sz="quarter" idx="10"/>
+          </p:nvPr>
+        </p:nvSpPr>
+        <p:spPr/>
+        <p:txBody>
+          <a:bodyPr/>
+          <a:lstStyle/>
+          <a:p>
+            <a:pPr>
+              <a:defRPr/>
+            </a:pPr>
+            <a:r>
+              <a:rPr lang="en-US" smtClean="0"/>
+              <a:t>propositional logic.</a:t>
+            </a:r>
+            <a:fld id="{DB6F0ED6-FEF5-4C9C-B1CC-29B47EC66FAA}" type="slidenum">
+              <a:rPr lang="en-US" smtClean="0"/>
+              <a:pPr>
+                <a:defRPr/>
+              </a:pPr>
+              <a:t>13</a:t>
+            </a:fld>
+            <a:endParaRPr lang="en-US" dirty="0"/>
+          </a:p>
+        </p:txBody>
+      </p:sp>
+      <p:sp>
+        <p:nvSpPr>
+          <p:cNvPr id="4" name="TextBox 3"/>
+          <p:cNvSpPr txBox="1"/>
+          <p:nvPr/>
+        </p:nvSpPr>
+        <p:spPr>
+          <a:xfrm>
+            <a:off x="138113" y="1511300"/>
+            <a:ext cx="8902700" cy="4247317"/>
+          </a:xfrm>
+          <a:prstGeom prst="rect">
+            <a:avLst/>
+          </a:prstGeom>
+          <a:noFill/>
+        </p:spPr>
+        <p:txBody>
+          <a:bodyPr wrap="square" rtlCol="0">
+            <a:spAutoFit/>
+          </a:bodyPr>
+          <a:lstStyle/>
+          <a:p>
+            <a:pPr algn="l"/>
+            <a:r>
+              <a:rPr lang="en-US" sz="5400" dirty="0" smtClean="0">
+                <a:latin typeface="Comic Sans MS" pitchFamily="66" charset="0"/>
+              </a:rPr>
+              <a:t>Another approach is to start with some valid formulas (</a:t>
+            </a:r>
+            <a:r>
+              <a:rPr lang="en-US" sz="5400" dirty="0" smtClean="0">
+                <a:solidFill>
+                  <a:srgbClr val="FF03E3"/>
+                </a:solidFill>
+                <a:latin typeface="Comic Sans MS" pitchFamily="66" charset="0"/>
+              </a:rPr>
+              <a:t>axioms</a:t>
+            </a:r>
+            <a:r>
+              <a:rPr lang="en-US" sz="5400" dirty="0" smtClean="0">
+                <a:latin typeface="Comic Sans MS" pitchFamily="66" charset="0"/>
+              </a:rPr>
+              <a:t>) and deduce more valid formulas using </a:t>
+            </a:r>
+            <a:r>
+              <a:rPr lang="en-US" sz="5400" dirty="0" smtClean="0">
+                <a:solidFill>
+                  <a:srgbClr val="FF03E3"/>
+                </a:solidFill>
+                <a:latin typeface="Comic Sans MS" pitchFamily="66" charset="0"/>
+              </a:rPr>
+              <a:t>proof </a:t>
+            </a:r>
+            <a:r>
+              <a:rPr lang="en-US" sz="5400" dirty="0" smtClean="0">
+                <a:solidFill>
+                  <a:srgbClr val="FF03E3"/>
+                </a:solidFill>
+                <a:latin typeface="Comic Sans MS" pitchFamily="66" charset="0"/>
+              </a:rPr>
+              <a:t>rules</a:t>
+            </a:r>
+            <a:endParaRPr lang="en-US" sz="5400" dirty="0" smtClean="0">
+              <a:solidFill>
+                <a:srgbClr val="FF03E3"/>
+              </a:solidFill>
+              <a:latin typeface="Comic Sans MS" pitchFamily="66" charset="0"/>
+            </a:endParaRPr>
+          </a:p>
+        </p:txBody>
+      </p:sp>
+    </p:spTree>
+    <p:extLst>
+      <p:ext uri="{BB962C8B-B14F-4D97-AF65-F5344CB8AC3E}">
+        <p14:creationId xmlns:p14="http://schemas.microsoft.com/office/powerpoint/2010/main" val="2500915568"/>
+      </p:ext>
+    </p:extLst>
+  </p:cSld>
+  <p:clrMapOvr>
+    <a:masterClrMapping/>
+  </p:clrMapOvr>
+  <mc:AlternateContent xmlns:mc="http://schemas.openxmlformats.org/markup-compatibility/2006">
+    <mc:Choice xmlns:p14="http://schemas.microsoft.com/office/powerpoint/2010/main" Requires="p14">
+      <p:transition spd="slow" p14:dur="1100" advClick="0">
+        <p:fade thruBlk="1"/>
+      </p:transition>
+    </mc:Choice>
+    <mc:Fallback>
+      <p:transition xmlns:p14="http://schemas.microsoft.com/office/powerpoint/2010/main" spd="slow" advClick="0">
+        <p:fade thruBlk="1"/>
+      </p:transition>
+    </mc:Fallback>
+  </mc:AlternateContent>
+  <p:timing>
+    <p:tnLst>
+      <p:par>
+        <p:cTn xmlns:p14="http://schemas.microsoft.com/office/powerpoint/2010/main" id="1" dur="indefinite" restart="never" nodeType="tmRoot"/>
+      </p:par>
+    </p:tnLst>
+  </p:timing>
+</p:sld>
+</file>
+
+<file path=ppt/slides/slide14.xml><?xml version="1.0" encoding="utf-8"?>
+<p:sld xmlns:a="http://schemas.openxmlformats.org/drawingml/2006/main" xmlns:r="http://schemas.openxmlformats.org/officeDocument/2006/relationships" xmlns:p="http://schemas.openxmlformats.org/presentationml/2006/main">
+  <p:cSld>
+    <p:spTree>
+      <p:nvGrpSpPr>
+        <p:cNvPr id="1" name=""/>
+        <p:cNvGrpSpPr/>
+        <p:nvPr/>
+      </p:nvGrpSpPr>
+      <p:grpSpPr>
+        <a:xfrm>
+          <a:off x="0" y="0"/>
+          <a:ext cx="0" cy="0"/>
+          <a:chOff x="0" y="0"/>
+          <a:chExt cx="0" cy="0"/>
+        </a:xfrm>
+      </p:grpSpPr>
+      <p:sp>
+        <p:nvSpPr>
+          <p:cNvPr id="2" name="Title 1"/>
+          <p:cNvSpPr>
+            <a:spLocks noGrp="1"/>
+          </p:cNvSpPr>
+          <p:nvPr>
+            <p:ph type="title"/>
+          </p:nvPr>
+        </p:nvSpPr>
+        <p:spPr>
+          <a:xfrm>
+            <a:off x="2070100" y="304800"/>
+            <a:ext cx="5715000" cy="1257300"/>
+          </a:xfrm>
+        </p:spPr>
+        <p:txBody>
+          <a:bodyPr/>
+          <a:lstStyle/>
+          <a:p>
+            <a:r>
+              <a:rPr lang="en-US" sz="4800" dirty="0" smtClean="0"/>
+              <a:t>A Proof System</a:t>
+            </a:r>
+            <a:endParaRPr lang="en-US" sz="4800" dirty="0"/>
+          </a:p>
+        </p:txBody>
+      </p:sp>
+      <p:sp>
+        <p:nvSpPr>
+          <p:cNvPr id="3" name="Slide Number Placeholder 2"/>
+          <p:cNvSpPr>
+            <a:spLocks noGrp="1"/>
+          </p:cNvSpPr>
+          <p:nvPr>
+            <p:ph type="sldNum" sz="quarter" idx="10"/>
+          </p:nvPr>
+        </p:nvSpPr>
+        <p:spPr/>
+        <p:txBody>
+          <a:bodyPr/>
+          <a:lstStyle/>
+          <a:p>
+            <a:pPr>
+              <a:defRPr/>
+            </a:pPr>
+            <a:r>
+              <a:rPr lang="en-US" smtClean="0"/>
+              <a:t>propositional logic.</a:t>
+            </a:r>
+            <a:fld id="{DB6F0ED6-FEF5-4C9C-B1CC-29B47EC66FAA}" type="slidenum">
+              <a:rPr lang="en-US" smtClean="0"/>
+              <a:pPr>
+                <a:defRPr/>
+              </a:pPr>
+              <a:t>14</a:t>
+            </a:fld>
+            <a:endParaRPr lang="en-US" dirty="0"/>
+          </a:p>
+        </p:txBody>
+      </p:sp>
+      <p:sp>
+        <p:nvSpPr>
+          <p:cNvPr id="4" name="TextBox 3"/>
+          <p:cNvSpPr txBox="1"/>
+          <p:nvPr/>
+        </p:nvSpPr>
+        <p:spPr>
+          <a:xfrm>
+            <a:off x="138113" y="1511300"/>
+            <a:ext cx="8902700" cy="2123658"/>
+          </a:xfrm>
+          <a:prstGeom prst="rect">
+            <a:avLst/>
+          </a:prstGeom>
+          <a:noFill/>
+        </p:spPr>
+        <p:txBody>
+          <a:bodyPr wrap="square" rtlCol="0">
+            <a:spAutoFit/>
+          </a:bodyPr>
+          <a:lstStyle/>
+          <a:p>
+            <a:pPr algn="l"/>
+            <a:r>
+              <a:rPr lang="en-US" sz="4400" kern="0" dirty="0" err="1">
+                <a:solidFill>
+                  <a:srgbClr val="FF03E3"/>
+                </a:solidFill>
+                <a:latin typeface="Comic Sans MS" pitchFamily="66" charset="0"/>
+                <a:ea typeface="+mj-ea"/>
+                <a:cs typeface="+mj-cs"/>
+              </a:rPr>
+              <a:t>Lukasiewicz</a:t>
+            </a:r>
+            <a:r>
+              <a:rPr lang="en-US" sz="4400" kern="0" dirty="0">
+                <a:solidFill>
+                  <a:srgbClr val="FF03E3"/>
+                </a:solidFill>
+                <a:latin typeface="Comic Sans MS" pitchFamily="66" charset="0"/>
+                <a:ea typeface="+mj-ea"/>
+                <a:cs typeface="+mj-cs"/>
+              </a:rPr>
+              <a:t>’ </a:t>
+            </a:r>
+            <a:r>
+              <a:rPr lang="en-US" sz="4400" kern="0" dirty="0" smtClean="0">
+                <a:solidFill>
+                  <a:srgbClr val="FF03E3"/>
+                </a:solidFill>
+                <a:latin typeface="Comic Sans MS" pitchFamily="66" charset="0"/>
+                <a:ea typeface="+mj-ea"/>
+                <a:cs typeface="+mj-cs"/>
+              </a:rPr>
+              <a:t>proof system</a:t>
+            </a:r>
+            <a:r>
+              <a:rPr lang="en-US" sz="4400" kern="0" dirty="0" smtClean="0">
+                <a:solidFill>
+                  <a:srgbClr val="000000"/>
+                </a:solidFill>
+                <a:latin typeface="Comic Sans MS" pitchFamily="66" charset="0"/>
+                <a:ea typeface="+mj-ea"/>
+                <a:cs typeface="+mj-cs"/>
+              </a:rPr>
+              <a:t> is a particularly elegant example of this idea.</a:t>
+            </a:r>
+            <a:endParaRPr lang="en-US" sz="4400" dirty="0" smtClean="0">
+              <a:latin typeface="Comic Sans MS"/>
+              <a:cs typeface="Comic Sans MS"/>
+            </a:endParaRPr>
+          </a:p>
+        </p:txBody>
+      </p:sp>
+    </p:spTree>
+    <p:extLst>
+      <p:ext uri="{BB962C8B-B14F-4D97-AF65-F5344CB8AC3E}">
+        <p14:creationId xmlns:p14="http://schemas.microsoft.com/office/powerpoint/2010/main" val="105430775"/>
+      </p:ext>
+    </p:extLst>
+  </p:cSld>
+  <p:clrMapOvr>
+    <a:masterClrMapping/>
+  </p:clrMapOvr>
+  <mc:AlternateContent xmlns:mc="http://schemas.openxmlformats.org/markup-compatibility/2006">
+    <mc:Choice xmlns:p14="http://schemas.microsoft.com/office/powerpoint/2010/main" Requires="p14">
+      <p:transition spd="slow" p14:dur="1100" advClick="0">
+        <p:fade thruBlk="1"/>
+      </p:transition>
+    </mc:Choice>
+    <mc:Fallback>
+      <p:transition xmlns:p14="http://schemas.microsoft.com/office/powerpoint/2010/main" spd="slow" advClick="0">
+        <p:fade thruBlk="1"/>
+      </p:transition>
+    </mc:Fallback>
+  </mc:AlternateContent>
+  <p:timing>
+    <p:tnLst>
+      <p:par>
+        <p:cTn xmlns:p14="http://schemas.microsoft.com/office/powerpoint/2010/main" id="1" dur="indefinite" restart="never" nodeType="tmRoot"/>
+      </p:par>
+    </p:tnLst>
+  </p:timing>
+</p:sld>
+</file>
+
+<file path=ppt/slides/slide15.xml><?xml version="1.0" encoding="utf-8"?>
+<p:sld xmlns:a="http://schemas.openxmlformats.org/drawingml/2006/main" xmlns:r="http://schemas.openxmlformats.org/officeDocument/2006/relationships" xmlns:p="http://schemas.openxmlformats.org/presentationml/2006/main">
+  <p:cSld>
+    <p:spTree>
+      <p:nvGrpSpPr>
+        <p:cNvPr id="1" name=""/>
+        <p:cNvGrpSpPr/>
+        <p:nvPr/>
+      </p:nvGrpSpPr>
+      <p:grpSpPr>
+        <a:xfrm>
+          <a:off x="0" y="0"/>
+          <a:ext cx="0" cy="0"/>
+          <a:chOff x="0" y="0"/>
+          <a:chExt cx="0" cy="0"/>
+        </a:xfrm>
+      </p:grpSpPr>
+      <p:sp>
+        <p:nvSpPr>
+          <p:cNvPr id="2" name="Title 1"/>
+          <p:cNvSpPr>
+            <a:spLocks noGrp="1"/>
+          </p:cNvSpPr>
+          <p:nvPr>
+            <p:ph type="title"/>
+          </p:nvPr>
+        </p:nvSpPr>
+        <p:spPr>
+          <a:xfrm>
+            <a:off x="2070100" y="304800"/>
+            <a:ext cx="5715000" cy="1257300"/>
+          </a:xfrm>
+        </p:spPr>
+        <p:txBody>
+          <a:bodyPr/>
+          <a:lstStyle/>
+          <a:p>
+            <a:r>
+              <a:rPr lang="en-US" sz="4800" dirty="0" smtClean="0"/>
+              <a:t>A Proof System</a:t>
+            </a:r>
+            <a:endParaRPr lang="en-US" sz="4800" dirty="0"/>
+          </a:p>
+        </p:txBody>
+      </p:sp>
+      <p:sp>
+        <p:nvSpPr>
+          <p:cNvPr id="3" name="Slide Number Placeholder 2"/>
+          <p:cNvSpPr>
+            <a:spLocks noGrp="1"/>
+          </p:cNvSpPr>
+          <p:nvPr>
+            <p:ph type="sldNum" sz="quarter" idx="10"/>
+          </p:nvPr>
+        </p:nvSpPr>
+        <p:spPr/>
+        <p:txBody>
+          <a:bodyPr/>
+          <a:lstStyle/>
+          <a:p>
+            <a:pPr>
+              <a:defRPr/>
+            </a:pPr>
+            <a:r>
+              <a:rPr lang="en-US" smtClean="0"/>
+              <a:t>propositional logic.</a:t>
+            </a:r>
+            <a:fld id="{DB6F0ED6-FEF5-4C9C-B1CC-29B47EC66FAA}" type="slidenum">
+              <a:rPr lang="en-US" smtClean="0"/>
+              <a:pPr>
+                <a:defRPr/>
+              </a:pPr>
+              <a:t>15</a:t>
+            </a:fld>
+            <a:endParaRPr lang="en-US" dirty="0"/>
+          </a:p>
+        </p:txBody>
+      </p:sp>
+      <p:sp>
+        <p:nvSpPr>
+          <p:cNvPr id="4" name="TextBox 3"/>
+          <p:cNvSpPr txBox="1"/>
+          <p:nvPr/>
+        </p:nvSpPr>
+        <p:spPr>
+          <a:xfrm>
+            <a:off x="138113" y="1511300"/>
+            <a:ext cx="8902700" cy="3477875"/>
+          </a:xfrm>
+          <a:prstGeom prst="rect">
+            <a:avLst/>
+          </a:prstGeom>
+          <a:noFill/>
+        </p:spPr>
+        <p:txBody>
+          <a:bodyPr wrap="square" rtlCol="0">
+            <a:spAutoFit/>
+          </a:bodyPr>
+          <a:lstStyle/>
+          <a:p>
+            <a:pPr algn="l"/>
+            <a:r>
+              <a:rPr lang="en-US" sz="4400" kern="0" dirty="0" err="1">
+                <a:solidFill>
+                  <a:srgbClr val="FF03E3"/>
+                </a:solidFill>
+                <a:latin typeface="Comic Sans MS" pitchFamily="66" charset="0"/>
+                <a:ea typeface="+mj-ea"/>
+                <a:cs typeface="+mj-cs"/>
+              </a:rPr>
+              <a:t>Lukasiewicz</a:t>
+            </a:r>
+            <a:r>
+              <a:rPr lang="en-US" sz="4400" kern="0" dirty="0">
+                <a:solidFill>
+                  <a:srgbClr val="FF03E3"/>
+                </a:solidFill>
+                <a:latin typeface="Comic Sans MS" pitchFamily="66" charset="0"/>
+                <a:ea typeface="+mj-ea"/>
+                <a:cs typeface="+mj-cs"/>
+              </a:rPr>
+              <a:t>’ </a:t>
+            </a:r>
+            <a:r>
+              <a:rPr lang="en-US" sz="4400" kern="0" dirty="0" smtClean="0">
+                <a:solidFill>
+                  <a:srgbClr val="FF03E3"/>
+                </a:solidFill>
+                <a:latin typeface="Comic Sans MS" pitchFamily="66" charset="0"/>
+                <a:ea typeface="+mj-ea"/>
+                <a:cs typeface="+mj-cs"/>
+              </a:rPr>
+              <a:t>proof system</a:t>
+            </a:r>
+            <a:r>
+              <a:rPr lang="en-US" sz="4400" kern="0" dirty="0" smtClean="0">
+                <a:solidFill>
+                  <a:srgbClr val="000000"/>
+                </a:solidFill>
+                <a:latin typeface="Comic Sans MS" pitchFamily="66" charset="0"/>
+                <a:ea typeface="+mj-ea"/>
+                <a:cs typeface="+mj-cs"/>
+              </a:rPr>
+              <a:t> is a particularly elegant example of this idea.  It covers formulas whose only </a:t>
+            </a:r>
+            <a:r>
+              <a:rPr lang="en-US" sz="4400" kern="0" dirty="0" smtClean="0">
+                <a:solidFill>
+                  <a:srgbClr val="000000"/>
+                </a:solidFill>
+                <a:latin typeface="Comic Sans MS" pitchFamily="66" charset="0"/>
+                <a:ea typeface="+mj-ea"/>
+                <a:cs typeface="+mj-cs"/>
+              </a:rPr>
+              <a:t>logical operators are </a:t>
+            </a:r>
+            <a:r>
+              <a:rPr lang="en-US" kern="0" dirty="0" smtClean="0">
+                <a:solidFill>
+                  <a:srgbClr val="0000E5"/>
+                </a:solidFill>
+                <a:latin typeface="Comic Sans MS" pitchFamily="66" charset="0"/>
+                <a:ea typeface="+mj-ea"/>
+                <a:cs typeface="+mj-cs"/>
+              </a:rPr>
+              <a:t>IMPLIES</a:t>
+            </a:r>
+            <a:r>
+              <a:rPr lang="en-US" sz="4400" kern="0" dirty="0" smtClean="0">
+                <a:solidFill>
+                  <a:srgbClr val="0000E5"/>
+                </a:solidFill>
+                <a:latin typeface="Comic Sans MS" pitchFamily="66" charset="0"/>
+                <a:ea typeface="+mj-ea"/>
+                <a:cs typeface="+mj-cs"/>
+              </a:rPr>
+              <a:t> </a:t>
+            </a:r>
+            <a:r>
+              <a:rPr lang="en-US" sz="4400" kern="0" dirty="0" smtClean="0">
+                <a:latin typeface="Comic Sans MS" pitchFamily="66" charset="0"/>
+                <a:ea typeface="+mj-ea"/>
+                <a:cs typeface="+mj-cs"/>
+              </a:rPr>
+              <a:t>(</a:t>
+            </a:r>
+            <a:r>
+              <a:rPr lang="en-US" sz="4400" kern="0" dirty="0" smtClean="0">
+                <a:solidFill>
+                  <a:srgbClr val="0000E5"/>
+                </a:solidFill>
+                <a:latin typeface="Symbol"/>
+                <a:sym typeface="Symbol"/>
+              </a:rPr>
+              <a:t>→</a:t>
+            </a:r>
+            <a:r>
+              <a:rPr lang="en-US" sz="4400" kern="0" dirty="0" smtClean="0">
+                <a:solidFill>
+                  <a:srgbClr val="000000"/>
+                </a:solidFill>
+                <a:latin typeface="Comic Sans MS"/>
+                <a:cs typeface="Comic Sans MS"/>
+                <a:sym typeface="Symbol"/>
+              </a:rPr>
+              <a:t>) and</a:t>
+            </a:r>
+            <a:r>
+              <a:rPr lang="en-US" sz="4400" kern="0" dirty="0" smtClean="0">
+                <a:solidFill>
+                  <a:srgbClr val="0000E5"/>
+                </a:solidFill>
+                <a:latin typeface="Comic Sans MS"/>
+                <a:cs typeface="Comic Sans MS"/>
+                <a:sym typeface="Symbol"/>
+              </a:rPr>
+              <a:t> </a:t>
+            </a:r>
+            <a:r>
+              <a:rPr lang="en-US" kern="0" dirty="0" smtClean="0">
+                <a:solidFill>
+                  <a:schemeClr val="accent1">
+                    <a:lumMod val="50000"/>
+                  </a:schemeClr>
+                </a:solidFill>
+                <a:latin typeface="Comic Sans MS"/>
+                <a:cs typeface="Comic Sans MS"/>
+                <a:sym typeface="Symbol"/>
+              </a:rPr>
+              <a:t>NOT</a:t>
+            </a:r>
+            <a:r>
+              <a:rPr lang="en-US" kern="0" dirty="0" smtClean="0">
+                <a:latin typeface="Comic Sans MS"/>
+                <a:cs typeface="Comic Sans MS"/>
+                <a:sym typeface="Symbol"/>
+              </a:rPr>
+              <a:t>.</a:t>
+            </a:r>
+            <a:endParaRPr lang="en-US" sz="4400" dirty="0" smtClean="0">
+              <a:latin typeface="Comic Sans MS"/>
+              <a:cs typeface="Comic Sans MS"/>
+            </a:endParaRPr>
+          </a:p>
+        </p:txBody>
+      </p:sp>
+    </p:spTree>
+    <p:extLst>
+      <p:ext uri="{BB962C8B-B14F-4D97-AF65-F5344CB8AC3E}">
+        <p14:creationId xmlns:p14="http://schemas.microsoft.com/office/powerpoint/2010/main" val="82109001"/>
+      </p:ext>
+    </p:extLst>
+  </p:cSld>
+  <p:clrMapOvr>
+    <a:masterClrMapping/>
+  </p:clrMapOvr>
+  <mc:AlternateContent xmlns:mc="http://schemas.openxmlformats.org/markup-compatibility/2006">
+    <mc:Choice xmlns:p14="http://schemas.microsoft.com/office/powerpoint/2010/main" Requires="p14">
+      <p:transition spd="slow" p14:dur="1100" advClick="0">
+        <p:fade thruBlk="1"/>
+      </p:transition>
+    </mc:Choice>
+    <mc:Fallback>
+      <p:transition xmlns:p14="http://schemas.microsoft.com/office/powerpoint/2010/main" spd="slow" advClick="0">
+        <p:fade thruBlk="1"/>
+      </p:transition>
+    </mc:Fallback>
+  </mc:AlternateContent>
+  <p:timing>
+    <p:tnLst>
+      <p:par>
+        <p:cTn xmlns:p14="http://schemas.microsoft.com/office/powerpoint/2010/main" id="1" dur="indefinite" restart="never" nodeType="tmRoot"/>
+      </p:par>
+    </p:tnLst>
+  </p:timing>
+</p:sld>
+</file>
+
+<file path=ppt/slides/slide16.xml><?xml version="1.0" encoding="utf-8"?>
+<p:sld xmlns:a="http://schemas.openxmlformats.org/drawingml/2006/main" xmlns:r="http://schemas.openxmlformats.org/officeDocument/2006/relationships" xmlns:p="http://schemas.openxmlformats.org/presentationml/2006/main">
+  <p:cSld>
+    <p:spTree>
+      <p:nvGrpSpPr>
+        <p:cNvPr id="1" name=""/>
+        <p:cNvGrpSpPr/>
+        <p:nvPr/>
+      </p:nvGrpSpPr>
+      <p:grpSpPr>
+        <a:xfrm>
+          <a:off x="0" y="0"/>
+          <a:ext cx="0" cy="0"/>
+          <a:chOff x="0" y="0"/>
+          <a:chExt cx="0" cy="0"/>
+        </a:xfrm>
+      </p:grpSpPr>
+      <p:sp>
+        <p:nvSpPr>
+          <p:cNvPr id="2" name="Title 1"/>
+          <p:cNvSpPr>
+            <a:spLocks noGrp="1"/>
+          </p:cNvSpPr>
+          <p:nvPr>
+            <p:ph type="title"/>
+          </p:nvPr>
+        </p:nvSpPr>
         <p:spPr/>
         <p:txBody>
           <a:bodyPr/>
@@ -7353,8 +7786,8 @@
         </p:nvSpPr>
         <p:spPr>
           <a:xfrm>
-            <a:off x="67208" y="1431462"/>
-            <a:ext cx="9021172" cy="4140226"/>
+            <a:off x="143408" y="1431462"/>
+            <a:ext cx="8848192" cy="4194638"/>
           </a:xfrm>
         </p:spPr>
         <p:txBody>
@@ -7363,7 +7796,7 @@
           <a:p>
             <a:r>
               <a:rPr lang="en-US" sz="4400" dirty="0" smtClean="0"/>
-              <a:t>3 Axiom patterns:</a:t>
+              <a:t>     Axioms:</a:t>
             </a:r>
             <a:endParaRPr lang="en-US" sz="4000" dirty="0" smtClean="0"/>
           </a:p>
@@ -7373,8 +7806,12 @@
               <a:buAutoNum type="arabicParenR"/>
             </a:pPr>
             <a:r>
+              <a:rPr lang="en-US" sz="4000" dirty="0"/>
+              <a:t> </a:t>
+            </a:r>
+            <a:r>
               <a:rPr lang="en-US" sz="4000" dirty="0" smtClean="0"/>
-              <a:t>	</a:t>
+              <a:t> </a:t>
             </a:r>
             <a:r>
               <a:rPr lang="en-US" sz="4000" dirty="0" smtClean="0">
@@ -7435,18 +7872,29 @@
                   <a:srgbClr val="0000FF"/>
                 </a:solidFill>
               </a:rPr>
-              <a:t> P</a:t>
-            </a:r>
-            <a:endParaRPr lang="en-US" sz="4000" dirty="0" smtClean="0"/>
-          </a:p>
-          <a:p>
-            <a:pPr marL="742950" indent="-742950">
+              <a:t> </a:t>
+            </a:r>
+            <a:r>
+              <a:rPr lang="en-US" sz="4000" dirty="0" smtClean="0">
+                <a:solidFill>
+                  <a:srgbClr val="0000FF"/>
+                </a:solidFill>
+              </a:rPr>
+              <a:t>P</a:t>
+            </a:r>
+          </a:p>
+          <a:p>
+            <a:pPr marL="514350" indent="-514350">
               <a:buFont typeface="+mj-lt"/>
               <a:buAutoNum type="arabicParenR"/>
             </a:pPr>
             <a:r>
-              <a:rPr lang="en-US" sz="4000" dirty="0" smtClean="0"/>
-              <a:t>	</a:t>
+              <a:rPr lang="en-US" sz="4000" dirty="0" smtClean="0">
+                <a:solidFill>
+                  <a:srgbClr val="000000"/>
+                </a:solidFill>
+              </a:rPr>
+              <a:t>  </a:t>
             </a:r>
             <a:r>
               <a:rPr lang="en-US" sz="4000" dirty="0" smtClean="0">
@@ -7457,7 +7905,7 @@
               <a:t>P </a:t>
             </a:r>
             <a:r>
-              <a:rPr lang="en-US" sz="4000" dirty="0" smtClean="0">
+              <a:rPr lang="en-US" sz="4000" dirty="0">
                 <a:solidFill>
                   <a:srgbClr val="0000FF"/>
                 </a:solidFill>
@@ -7467,21 +7915,77 @@
               <a:t>→ </a:t>
             </a:r>
             <a:r>
+              <a:rPr lang="en-US" sz="4000" dirty="0">
+                <a:solidFill>
+                  <a:srgbClr val="0000FF"/>
+                </a:solidFill>
+              </a:rPr>
+              <a:t>(</a:t>
+            </a:r>
+            <a:r>
+              <a:rPr lang="en-US" sz="4000" dirty="0">
+                <a:solidFill>
+                  <a:srgbClr val="0000FF"/>
+                </a:solidFill>
+                <a:latin typeface="cmsy10"/>
+              </a:rPr>
+              <a:t>¬</a:t>
+            </a:r>
+            <a:r>
+              <a:rPr lang="en-US" sz="4000" dirty="0">
+                <a:solidFill>
+                  <a:srgbClr val="0000FF"/>
+                </a:solidFill>
+              </a:rPr>
+              <a:t>P </a:t>
+            </a:r>
+            <a:r>
+              <a:rPr lang="en-US" sz="4000" dirty="0">
+                <a:solidFill>
+                  <a:srgbClr val="0000FF"/>
+                </a:solidFill>
+                <a:latin typeface="Symbol"/>
+                <a:sym typeface="Symbol"/>
+              </a:rPr>
+              <a:t>→</a:t>
+            </a:r>
+            <a:r>
+              <a:rPr lang="en-US" sz="4000" dirty="0">
+                <a:solidFill>
+                  <a:srgbClr val="0000FF"/>
+                </a:solidFill>
+              </a:rPr>
+              <a:t> Q)</a:t>
+            </a:r>
+            <a:r>
+              <a:rPr lang="en-US" sz="4000" dirty="0"/>
+              <a:t> </a:t>
+            </a:r>
+            <a:r>
+              <a:rPr lang="en-US" sz="4000" dirty="0" smtClean="0"/>
+              <a:t>	</a:t>
+            </a:r>
+          </a:p>
+          <a:p>
+            <a:pPr marL="742950" indent="-742950">
+              <a:buFont typeface="+mj-lt"/>
+              <a:buAutoNum type="arabicParenR"/>
+            </a:pPr>
+            <a:r>
+              <a:rPr lang="en-US" sz="4000" dirty="0" smtClean="0">
+                <a:solidFill>
+                  <a:srgbClr val="000000"/>
+                </a:solidFill>
+              </a:rPr>
+              <a:t> </a:t>
+            </a:r>
+            <a:r>
               <a:rPr lang="en-US" sz="4000" dirty="0" smtClean="0">
                 <a:solidFill>
                   <a:srgbClr val="0000FF"/>
                 </a:solidFill>
               </a:rPr>
               <a:t>(</a:t>
-            </a:r>
-            <a:r>
-              <a:rPr lang="en-US" sz="4000" dirty="0" smtClean="0">
-                <a:solidFill>
-                  <a:srgbClr val="0000FF"/>
-                </a:solidFill>
-                <a:latin typeface="cmsy10"/>
-              </a:rPr>
-              <a:t>¬</a:t>
             </a:r>
             <a:r>
               <a:rPr lang="en-US" sz="4000" dirty="0" smtClean="0">
@@ -7507,29 +8011,7 @@
                   <a:srgbClr val="0000FF"/>
                 </a:solidFill>
               </a:rPr>
-              <a:t> Q)</a:t>
-            </a:r>
-            <a:r>
-              <a:rPr lang="en-US" sz="4000" dirty="0" smtClean="0"/>
-              <a:t> </a:t>
-            </a:r>
-          </a:p>
-          <a:p>
-            <a:pPr marL="742950" indent="-742950">
-              <a:buFont typeface="+mj-lt"/>
-              <a:buAutoNum type="arabicParenR"/>
-            </a:pPr>
-            <a:r>
-              <a:rPr lang="en-US" sz="4000" dirty="0" smtClean="0"/>
-              <a:t>	</a:t>
-            </a:r>
-            <a:r>
-              <a:rPr lang="en-US" sz="4000" dirty="0" smtClean="0">
-                <a:solidFill>
-                  <a:srgbClr val="0000FF"/>
-                </a:solidFill>
-              </a:rPr>
-              <a:t>(P </a:t>
+              <a:t> Q) </a:t>
             </a:r>
             <a:r>
               <a:rPr lang="en-US" sz="4000" dirty="0" smtClean="0">
@@ -7547,7 +8029,7 @@
                   <a:srgbClr val="0000FF"/>
                 </a:solidFill>
               </a:rPr>
-              <a:t> Q) </a:t>
+              <a:t> ((Q </a:t>
             </a:r>
             <a:r>
               <a:rPr lang="en-US" sz="4000" dirty="0" smtClean="0">
@@ -7565,7 +8047,7 @@
                   <a:srgbClr val="0000FF"/>
                 </a:solidFill>
               </a:rPr>
-              <a:t> ((Q </a:t>
+              <a:t> R) </a:t>
             </a:r>
             <a:r>
               <a:rPr lang="en-US" sz="4000" dirty="0" smtClean="0">
@@ -7583,7 +8065,7 @@
                   <a:srgbClr val="0000FF"/>
                 </a:solidFill>
               </a:rPr>
-              <a:t> R) </a:t>
+              <a:t> (P </a:t>
             </a:r>
             <a:r>
               <a:rPr lang="en-US" sz="4000" dirty="0" smtClean="0">
@@ -7601,24 +8083,6 @@
                   <a:srgbClr val="0000FF"/>
                 </a:solidFill>
               </a:rPr>
-              <a:t> (P </a:t>
-            </a:r>
-            <a:r>
-              <a:rPr lang="en-US" sz="4000" dirty="0" smtClean="0">
-                <a:solidFill>
-                  <a:srgbClr val="0000FF"/>
-                </a:solidFill>
-                <a:latin typeface="Symbol"/>
-                <a:sym typeface="Symbol"/>
-              </a:rPr>
-              <a:t>→</a:t>
-            </a:r>
-            <a:r>
-              <a:rPr lang="en-US" sz="4000" dirty="0" smtClean="0">
-                <a:solidFill>
-                  <a:srgbClr val="0000FF"/>
-                </a:solidFill>
-              </a:rPr>
               <a:t> R))</a:t>
             </a:r>
           </a:p>
@@ -7633,7 +8097,19 @@
             </a:pPr>
             <a:r>
               <a:rPr lang="en-US" sz="4400" dirty="0" smtClean="0"/>
-              <a:t>1 Rule: </a:t>
+              <a:t>     The only </a:t>
+            </a:r>
+            <a:r>
+              <a:rPr lang="en-US" sz="4400" dirty="0"/>
+              <a:t>r</a:t>
+            </a:r>
+            <a:r>
+              <a:rPr lang="en-US" sz="4400" dirty="0" smtClean="0"/>
+              <a:t>ule</a:t>
+            </a:r>
+            <a:r>
+              <a:rPr lang="en-US" sz="4400" dirty="0" smtClean="0"/>
+              <a:t>: </a:t>
             </a:r>
             <a:r>
               <a:rPr lang="en-US" sz="4400" dirty="0" smtClean="0">
@@ -7673,7 +8149,7 @@
             <a:fld id="{3251DA95-B240-47FE-901D-B78FC8E8E532}" type="slidenum">
               <a:rPr lang="en-US" smtClean="0"/>
               <a:pPr/>
-              <a:t>13</a:t>
+              <a:t>16</a:t>
             </a:fld>
             <a:endParaRPr lang="en-US" dirty="0"/>
           </a:p>
@@ -7684,18 +8160,9 @@
   <p:clrMapOvr>
     <a:masterClrMapping/>
   </p:clrMapOvr>
-  <mc:AlternateContent xmlns:mc="http://schemas.openxmlformats.org/markup-compatibility/2006" xmlns:p14="http://schemas.microsoft.com/office/powerpoint/2010/main">
-    <mc:Choice Requires="p14">
-      <p:transition spd="slow" p14:dur="1200" advClick="0">
-        <p:fade thruBlk="1"/>
-      </p:transition>
-    </mc:Choice>
-    <mc:Fallback xmlns="">
-      <p:transition xmlns:p14="http://schemas.microsoft.com/office/powerpoint/2010/main" spd="slow" advClick="0">
-        <p:fade thruBlk="1"/>
-      </p:transition>
-    </mc:Fallback>
-  </mc:AlternateContent>
+  <p:transition xmlns:p14="http://schemas.microsoft.com/office/powerpoint/2010/main" spd="slow" advClick="0">
+    <p:fade/>
+  </p:transition>
   <p:timing>
     <p:tnLst>
       <p:par>
@@ -7717,7 +8184,7 @@
                             </p:stCondLst>
                             <p:childTnLst>
                               <p:par>
-                                <p:cTn id="5" presetID="1" presetClass="entr" presetSubtype="0" fill="hold" nodeType="clickEffect">
+                                <p:cTn id="5" presetID="22" presetClass="entr" presetSubtype="8" fill="hold" nodeType="clickEffect">
                                   <p:stCondLst>
                                     <p:cond delay="0"/>
                                   </p:stCondLst>
@@ -7725,55 +8192,6 @@
                                     <p:set>
                                       <p:cBhvr>
                                         <p:cTn id="6" dur="1" fill="hold">
-                                          <p:stCondLst>
-                                            <p:cond delay="0"/>
-                                          </p:stCondLst>
-                                        </p:cTn>
-                                        <p:tgtEl>
-                                          <p:spTgt spid="3">
-                                            <p:txEl>
-                                              <p:pRg st="0" end="0"/>
-                                            </p:txEl>
-                                          </p:spTgt>
-                                        </p:tgtEl>
-                                        <p:attrNameLst>
-                                          <p:attrName>style.visibility</p:attrName>
-                                        </p:attrNameLst>
-                                      </p:cBhvr>
-                                      <p:to>
-                                        <p:strVal val="visible"/>
-                                      </p:to>
-                                    </p:set>
-                                  </p:childTnLst>
-                                </p:cTn>
-                              </p:par>
-                            </p:childTnLst>
-                          </p:cTn>
-                        </p:par>
-                      </p:childTnLst>
-                    </p:cTn>
-                  </p:par>
-                  <p:par>
-                    <p:cTn id="7" fill="hold">
-                      <p:stCondLst>
-                        <p:cond delay="indefinite"/>
-                      </p:stCondLst>
-                      <p:childTnLst>
-                        <p:par>
-                          <p:cTn id="8" fill="hold">
-                            <p:stCondLst>
-                              <p:cond delay="0"/>
-                            </p:stCondLst>
-                            <p:childTnLst>
-                              <p:par>
-                                <p:cTn id="9" presetID="9" presetClass="entr" presetSubtype="0" fill="hold" nodeType="clickEffect">
-                                  <p:stCondLst>
-                                    <p:cond delay="0"/>
-                                  </p:stCondLst>
-                                  <p:childTnLst>
-                                    <p:set>
-                                      <p:cBhvr>
-                                        <p:cTn id="10" dur="1" fill="hold">
                                           <p:stCondLst>
                                             <p:cond delay="0"/>
                                           </p:stCondLst>
@@ -7793,9 +8211,9 @@
                                         <p:strVal val="visible"/>
                                       </p:to>
                                     </p:set>
-                                    <p:animEffect transition="in" filter="dissolve">
+                                    <p:animEffect transition="in" filter="wipe(left)">
                                       <p:cBhvr>
-                                        <p:cTn id="11" dur="500"/>
+                                        <p:cTn id="7" dur="1000"/>
                                         <p:tgtEl>
                                           <p:spTgt spid="3">
                                             <p:txEl>
@@ -7808,15 +8226,33 @@
                                   </p:childTnLst>
                                 </p:cTn>
                               </p:par>
+                            </p:childTnLst>
+                          </p:cTn>
+                        </p:par>
+                      </p:childTnLst>
+                    </p:cTn>
+                  </p:par>
+                  <p:par>
+                    <p:cTn id="8" fill="hold">
+                      <p:stCondLst>
+                        <p:cond delay="indefinite"/>
+                      </p:stCondLst>
+                      <p:childTnLst>
+                        <p:par>
+                          <p:cTn id="9" fill="hold">
+                            <p:stCondLst>
+                              <p:cond delay="0"/>
+                            </p:stCondLst>
+                            <p:childTnLst>
                               <p:par>
-                                <p:cTn id="12" presetID="9" presetClass="entr" presetSubtype="0" fill="hold" nodeType="withEffect">
+                                <p:cTn id="10" presetID="22" presetClass="entr" presetSubtype="8" fill="hold" nodeType="clickEffect">
                                   <p:stCondLst>
                                     <p:cond delay="0"/>
                                   </p:stCondLst>
                                   <p:childTnLst>
                                     <p:set>
                                       <p:cBhvr>
-                                        <p:cTn id="13" dur="1" fill="hold">
+                                        <p:cTn id="11" dur="1" fill="hold">
                                           <p:stCondLst>
                                             <p:cond delay="0"/>
                                           </p:stCondLst>
@@ -7836,9 +8272,9 @@
                                         <p:strVal val="visible"/>
                                       </p:to>
                                     </p:set>
-                                    <p:animEffect transition="in" filter="dissolve">
+                                    <p:animEffect transition="in" filter="wipe(left)">
                                       <p:cBhvr>
-                                        <p:cTn id="14" dur="500"/>
+                                        <p:cTn id="12" dur="1000"/>
                                         <p:tgtEl>
                                           <p:spTgt spid="3">
                                             <p:txEl>
@@ -7851,8 +8287,26 @@
                                   </p:childTnLst>
                                 </p:cTn>
                               </p:par>
+                            </p:childTnLst>
+                          </p:cTn>
+                        </p:par>
+                      </p:childTnLst>
+                    </p:cTn>
+                  </p:par>
+                  <p:par>
+                    <p:cTn id="13" fill="hold">
+                      <p:stCondLst>
+                        <p:cond delay="indefinite"/>
+                      </p:stCondLst>
+                      <p:childTnLst>
+                        <p:par>
+                          <p:cTn id="14" fill="hold">
+                            <p:stCondLst>
+                              <p:cond delay="0"/>
+                            </p:stCondLst>
+                            <p:childTnLst>
                               <p:par>
-                                <p:cTn id="15" presetID="9" presetClass="entr" presetSubtype="0" fill="hold" nodeType="withEffect">
+                                <p:cTn id="15" presetID="22" presetClass="entr" presetSubtype="8" fill="hold" nodeType="clickEffect">
                                   <p:stCondLst>
                                     <p:cond delay="0"/>
                                   </p:stCondLst>
@@ -7879,9 +8333,9 @@
                                         <p:strVal val="visible"/>
                                       </p:to>
                                     </p:set>
-                                    <p:animEffect transition="in" filter="dissolve">
+                                    <p:animEffect transition="in" filter="wipe(left)">
                                       <p:cBhvr>
-                                        <p:cTn id="17" dur="500"/>
+                                        <p:cTn id="17" dur="1000"/>
                                         <p:tgtEl>
                                           <p:spTgt spid="3">
                                             <p:txEl>
@@ -7986,7 +8440,7 @@
 </p:sld>
 </file>
 
-<file path=ppt/slides/slide14.xml><?xml version="1.0" encoding="utf-8"?>
+<file path=ppt/slides/slide17.xml><?xml version="1.0" encoding="utf-8"?>
 <p:sld xmlns:a="http://schemas.openxmlformats.org/drawingml/2006/main" xmlns:r="http://schemas.openxmlformats.org/officeDocument/2006/relationships" xmlns:p="http://schemas.openxmlformats.org/presentationml/2006/main" show="0">
   <p:cSld>
     <p:spTree>
@@ -8053,7 +8507,11 @@
             <a:pPr marL="0" indent="0"/>
             <a:r>
               <a:rPr lang="en-US" sz="4400" dirty="0" smtClean="0"/>
-              <a:t>3 Axiom forms:</a:t>
+              <a:t>Three Axioms</a:t>
+            </a:r>
+            <a:r>
+              <a:rPr lang="en-US" sz="4400" dirty="0" smtClean="0"/>
+              <a:t>:</a:t>
             </a:r>
             <a:endParaRPr lang="en-US" sz="4000" dirty="0" smtClean="0">
               <a:solidFill>
@@ -8142,7 +8600,7 @@
             <a:fld id="{3251DA95-B240-47FE-901D-B78FC8E8E532}" type="slidenum">
               <a:rPr lang="en-US" smtClean="0"/>
               <a:pPr/>
-              <a:t>14</a:t>
+              <a:t>17</a:t>
             </a:fld>
             <a:endParaRPr lang="en-US" dirty="0"/>
           </a:p>
@@ -8157,7 +8615,7 @@
           <p:nvPr>
             <p:extLst>
               <p:ext uri="{D42A27DB-BD31-4B8C-83A1-F6EECF244321}">
-                <p14:modId xmlns:p14="http://schemas.microsoft.com/office/powerpoint/2010/main" val="3140150640"/>
+                <p14:modId xmlns:p14="http://schemas.microsoft.com/office/powerpoint/2010/main" val="3038470198"/>
               </p:ext>
             </p:extLst>
           </p:nvPr>
@@ -8170,7 +8628,7 @@
           <a:graphicData uri="http://schemas.openxmlformats.org/presentationml/2006/ole">
             <mc:AlternateContent xmlns:mc="http://schemas.openxmlformats.org/markup-compatibility/2006">
               <mc:Choice xmlns:v="urn:schemas-microsoft-com:vml" Requires="v">
-                <p:oleObj spid="_x0000_s406640" name="Equation" r:id="rId3" imgW="850900" imgH="241300" progId="Equation.DSMT4">
+                <p:oleObj spid="_x0000_s406661" name="Equation" r:id="rId3" imgW="850900" imgH="241300" progId="Equation.DSMT4">
                   <p:embed/>
                 </p:oleObj>
               </mc:Choice>
@@ -8227,7 +8685,7 @@
           <a:graphicData uri="http://schemas.openxmlformats.org/presentationml/2006/ole">
             <mc:AlternateContent xmlns:mc="http://schemas.openxmlformats.org/markup-compatibility/2006">
               <mc:Choice xmlns:v="urn:schemas-microsoft-com:vml" Requires="v">
-                <p:oleObj spid="_x0000_s406641" name="Equation" r:id="rId5" imgW="139700" imgH="215900" progId="Equation.DSMT4">
+                <p:oleObj spid="_x0000_s406662" name="Equation" r:id="rId5" imgW="139700" imgH="215900" progId="Equation.DSMT4">
                   <p:embed/>
                 </p:oleObj>
               </mc:Choice>
@@ -8284,7 +8742,7 @@
           <a:graphicData uri="http://schemas.openxmlformats.org/presentationml/2006/ole">
             <mc:AlternateContent xmlns:mc="http://schemas.openxmlformats.org/markup-compatibility/2006">
               <mc:Choice xmlns:v="urn:schemas-microsoft-com:vml" Requires="v">
-                <p:oleObj spid="_x0000_s406642" name="Equation" r:id="rId7" imgW="901700" imgH="241300" progId="Equation.DSMT4">
+                <p:oleObj spid="_x0000_s406663" name="Equation" r:id="rId7" imgW="901700" imgH="241300" progId="Equation.DSMT4">
                   <p:embed/>
                 </p:oleObj>
               </mc:Choice>
@@ -8382,7 +8840,7 @@
           <a:graphicData uri="http://schemas.openxmlformats.org/presentationml/2006/ole">
             <mc:AlternateContent xmlns:mc="http://schemas.openxmlformats.org/markup-compatibility/2006">
               <mc:Choice xmlns:v="urn:schemas-microsoft-com:vml" Requires="v">
-                <p:oleObj spid="_x0000_s406643" name="Equation" r:id="rId9" imgW="2209800" imgH="215900" progId="Equation.DSMT4">
+                <p:oleObj spid="_x0000_s406664" name="Equation" r:id="rId9" imgW="2209800" imgH="215900" progId="Equation.DSMT4">
                   <p:embed/>
                 </p:oleObj>
               </mc:Choice>
@@ -8788,7 +9246,7 @@
 </p:sld>
 </file>
 
-<file path=ppt/slides/slide15.xml><?xml version="1.0" encoding="utf-8"?>
+<file path=ppt/slides/slide18.xml><?xml version="1.0" encoding="utf-8"?>
 <p:sld xmlns:a="http://schemas.openxmlformats.org/drawingml/2006/main" xmlns:r="http://schemas.openxmlformats.org/officeDocument/2006/relationships" xmlns:p="http://schemas.openxmlformats.org/presentationml/2006/main">
   <p:cSld>
     <p:spTree>
@@ -8923,7 +9381,7 @@
             <a:fld id="{3251DA95-B240-47FE-901D-B78FC8E8E532}" type="slidenum">
               <a:rPr lang="en-US" smtClean="0"/>
               <a:pPr/>
-              <a:t>15</a:t>
+              <a:t>18</a:t>
             </a:fld>
             <a:endParaRPr lang="en-US" dirty="0"/>
           </a:p>
@@ -9074,7 +9532,7 @@
 </p:sld>
 </file>
 
-<file path=ppt/slides/slide16.xml><?xml version="1.0" encoding="utf-8"?>
+<file path=ppt/slides/slide19.xml><?xml version="1.0" encoding="utf-8"?>
 <p:sld xmlns:a="http://schemas.openxmlformats.org/drawingml/2006/main" xmlns:r="http://schemas.openxmlformats.org/officeDocument/2006/relationships" xmlns:p="http://schemas.openxmlformats.org/presentationml/2006/main">
   <p:cSld>
     <p:spTree>
@@ -9101,29 +9559,20 @@
             <p:ph type="title"/>
           </p:nvPr>
         </p:nvSpPr>
-        <p:spPr>
-          <a:xfrm>
-            <a:off x="1391102" y="304800"/>
-            <a:ext cx="7543800" cy="1143000"/>
-          </a:xfrm>
-        </p:spPr>
+        <p:spPr/>
         <p:txBody>
           <a:bodyPr/>
           <a:lstStyle/>
           <a:p>
             <a:r>
-              <a:rPr lang="en-US" sz="4000" dirty="0" smtClean="0"/>
-              <a:t>A </a:t>
-            </a:r>
-            <a:r>
-              <a:rPr lang="en-US" sz="4000" dirty="0" err="1" smtClean="0"/>
+              <a:rPr lang="en-US" sz="3600" dirty="0" err="1" smtClean="0"/>
               <a:t>Lukasiewicz</a:t>
             </a:r>
             <a:r>
-              <a:rPr lang="en-US" sz="4000" dirty="0" smtClean="0"/>
-              <a:t>’ Proof</a:t>
-            </a:r>
-            <a:endParaRPr lang="en-US" sz="4000" dirty="0"/>
+              <a:rPr lang="en-US" sz="3600" dirty="0" smtClean="0"/>
+              <a:t>’ Proof System</a:t>
+            </a:r>
+            <a:endParaRPr lang="en-US" sz="3600" dirty="0"/>
           </a:p>
         </p:txBody>
       </p:sp>
@@ -9139,38 +9588,61 @@
         </p:nvSpPr>
         <p:spPr>
           <a:xfrm>
-            <a:off x="535595" y="1254858"/>
-            <a:ext cx="4607906" cy="1232226"/>
+            <a:off x="122828" y="1514900"/>
+            <a:ext cx="9021172" cy="4936699"/>
           </a:xfrm>
         </p:spPr>
         <p:txBody>
           <a:bodyPr/>
           <a:lstStyle/>
           <a:p>
-            <a:pPr>
-              <a:lnSpc>
-                <a:spcPct val="120000"/>
-              </a:lnSpc>
-            </a:pPr>
-            <a:r>
-              <a:rPr lang="en-US" sz="5400" dirty="0" smtClean="0"/>
-              <a:t>3</a:t>
-            </a:r>
-            <a:r>
-              <a:rPr lang="en-US" sz="5400" baseline="30000" dirty="0" smtClean="0"/>
-              <a:t>rd</a:t>
-            </a:r>
-            <a:r>
-              <a:rPr lang="en-US" sz="5400" dirty="0" smtClean="0"/>
-              <a:t> axiom:</a:t>
-            </a:r>
-            <a:endParaRPr lang="en-US" sz="5400" dirty="0"/>
-          </a:p>
-        </p:txBody>
-      </p:sp>
-      <p:sp>
-        <p:nvSpPr>
-          <p:cNvPr id="9" name="Slide Number Placeholder 2"/>
+            <a:r>
+              <a:rPr lang="en-US" sz="4400" dirty="0" smtClean="0"/>
+              <a:t>Prove formulas by starting with</a:t>
+            </a:r>
+          </a:p>
+          <a:p>
+            <a:r>
+              <a:rPr lang="en-US" sz="4400" dirty="0" smtClean="0"/>
+              <a:t>axioms and repeatedly applying</a:t>
+            </a:r>
+          </a:p>
+          <a:p>
+            <a:r>
+              <a:rPr lang="en-US" sz="4400" dirty="0" smtClean="0"/>
+              <a:t>the inference rule</a:t>
+            </a:r>
+            <a:r>
+              <a:rPr lang="en-US" sz="4400" dirty="0" smtClean="0"/>
+              <a:t>.</a:t>
+            </a:r>
+          </a:p>
+          <a:p>
+            <a:r>
+              <a:rPr lang="en-US" sz="4400" dirty="0" smtClean="0"/>
+              <a:t>To illustrate the idea of a proof </a:t>
+            </a:r>
+          </a:p>
+          <a:p>
+            <a:r>
+              <a:rPr lang="en-US" sz="4400" dirty="0" smtClean="0"/>
+              <a:t>system we’ll do an example,</a:t>
+            </a:r>
+          </a:p>
+          <a:p>
+            <a:r>
+              <a:rPr lang="en-US" sz="4400" dirty="0" smtClean="0"/>
+              <a:t>which you may safely skip</a:t>
+            </a:r>
+          </a:p>
+          <a:p>
+            <a:endParaRPr lang="en-US" sz="4400" dirty="0" smtClean="0"/>
+          </a:p>
+        </p:txBody>
+      </p:sp>
+      <p:sp>
+        <p:nvSpPr>
+          <p:cNvPr id="4" name="Slide Number Placeholder 2"/>
           <p:cNvSpPr>
             <a:spLocks noGrp="1"/>
           </p:cNvSpPr>
@@ -9195,1145 +9667,16 @@
             <a:fld id="{3251DA95-B240-47FE-901D-B78FC8E8E532}" type="slidenum">
               <a:rPr lang="en-US" smtClean="0"/>
               <a:pPr/>
-              <a:t>16</a:t>
+              <a:t>19</a:t>
             </a:fld>
             <a:endParaRPr lang="en-US" dirty="0"/>
-          </a:p>
-        </p:txBody>
-      </p:sp>
-      <p:graphicFrame>
-        <p:nvGraphicFramePr>
-          <p:cNvPr id="6" name="Object 5"/>
-          <p:cNvGraphicFramePr>
-            <a:graphicFrameLocks noChangeAspect="1"/>
-          </p:cNvGraphicFramePr>
-          <p:nvPr>
-            <p:extLst>
-              <p:ext uri="{D42A27DB-BD31-4B8C-83A1-F6EECF244321}">
-                <p14:modId xmlns:p14="http://schemas.microsoft.com/office/powerpoint/2010/main" val="2438547695"/>
-              </p:ext>
-            </p:extLst>
-          </p:nvPr>
-        </p:nvGraphicFramePr>
-        <p:xfrm>
-          <a:off x="300565" y="2767013"/>
-          <a:ext cx="8461375" cy="2317750"/>
-        </p:xfrm>
-        <a:graphic>
-          <a:graphicData uri="http://schemas.openxmlformats.org/presentationml/2006/ole">
-            <mc:AlternateContent xmlns:mc="http://schemas.openxmlformats.org/markup-compatibility/2006">
-              <mc:Choice xmlns:v="urn:schemas-microsoft-com:vml" Requires="v">
-                <p:oleObj spid="_x0000_s409635" name="Equation" r:id="rId3" imgW="1854200" imgH="508000" progId="Equation.3">
-                  <p:embed/>
-                </p:oleObj>
-              </mc:Choice>
-              <mc:Fallback>
-                <p:oleObj name="Equation" r:id="rId3" imgW="1854200" imgH="508000" progId="Equation.3">
-                  <p:embed/>
-                  <p:pic>
-                    <p:nvPicPr>
-                      <p:cNvPr id="0" name=""/>
-                      <p:cNvPicPr/>
-                      <p:nvPr/>
-                    </p:nvPicPr>
-                    <p:blipFill>
-                      <a:blip r:embed="rId4"/>
-                      <a:stretch>
-                        <a:fillRect/>
-                      </a:stretch>
-                    </p:blipFill>
-                    <p:spPr>
-                      <a:xfrm>
-                        <a:off x="300565" y="2767013"/>
-                        <a:ext cx="8461375" cy="2317750"/>
-                      </a:xfrm>
-                      <a:prstGeom prst="rect">
-                        <a:avLst/>
-                      </a:prstGeom>
-                    </p:spPr>
-                  </p:pic>
-                </p:oleObj>
-              </mc:Fallback>
-            </mc:AlternateContent>
-          </a:graphicData>
-        </a:graphic>
-      </p:graphicFrame>
-      <p:sp>
-        <p:nvSpPr>
-          <p:cNvPr id="5" name="TextBox 4"/>
-          <p:cNvSpPr txBox="1"/>
-          <p:nvPr/>
-        </p:nvSpPr>
-        <p:spPr>
-          <a:xfrm>
-            <a:off x="1852084" y="5154084"/>
-            <a:ext cx="4733913" cy="923330"/>
-          </a:xfrm>
-          <a:prstGeom prst="rect">
-            <a:avLst/>
-          </a:prstGeom>
-          <a:noFill/>
-        </p:spPr>
-        <p:txBody>
-          <a:bodyPr wrap="none" rtlCol="0">
-            <a:spAutoFit/>
-          </a:bodyPr>
-          <a:lstStyle/>
-          <a:p>
-            <a:pPr algn="l"/>
-            <a:r>
-              <a:rPr lang="en-US" sz="5400" dirty="0" smtClean="0">
-                <a:latin typeface="Comic Sans MS" pitchFamily="66" charset="0"/>
-              </a:rPr>
-              <a:t>replace </a:t>
-            </a:r>
-            <a:r>
-              <a:rPr lang="en-US" sz="5400" dirty="0" smtClean="0">
-                <a:solidFill>
-                  <a:srgbClr val="0000FF"/>
-                </a:solidFill>
-                <a:latin typeface="Comic Sans MS" pitchFamily="66" charset="0"/>
-              </a:rPr>
-              <a:t>R</a:t>
-            </a:r>
-            <a:r>
-              <a:rPr lang="en-US" sz="5400" dirty="0" smtClean="0">
-                <a:latin typeface="Comic Sans MS" pitchFamily="66" charset="0"/>
-              </a:rPr>
-              <a:t> by </a:t>
-            </a:r>
-            <a:r>
-              <a:rPr lang="en-US" sz="5400" dirty="0" smtClean="0">
-                <a:solidFill>
-                  <a:srgbClr val="0000FF"/>
-                </a:solidFill>
-                <a:latin typeface="Comic Sans MS" pitchFamily="66" charset="0"/>
-              </a:rPr>
-              <a:t>P</a:t>
-            </a:r>
           </a:p>
         </p:txBody>
       </p:sp>
     </p:spTree>
     <p:extLst>
       <p:ext uri="{BB962C8B-B14F-4D97-AF65-F5344CB8AC3E}">
-        <p14:creationId xmlns:p14="http://schemas.microsoft.com/office/powerpoint/2010/main" val="1942635918"/>
-      </p:ext>
-    </p:extLst>
-  </p:cSld>
-  <p:clrMapOvr>
-    <a:masterClrMapping/>
-  </p:clrMapOvr>
-  <p:transition xmlns:p14="http://schemas.microsoft.com/office/powerpoint/2010/main" spd="slow" advClick="0">
-    <p:fade/>
-  </p:transition>
-  <p:timing>
-    <p:tnLst>
-      <p:par>
-        <p:cTn xmlns:p14="http://schemas.microsoft.com/office/powerpoint/2010/main" id="1" dur="indefinite" restart="never" nodeType="tmRoot">
-          <p:childTnLst>
-            <p:seq concurrent="1" nextAc="seek">
-              <p:cTn id="2" dur="indefinite" nodeType="mainSeq">
-                <p:childTnLst>
-                  <p:par>
-                    <p:cTn id="3" fill="hold">
-                      <p:stCondLst>
-                        <p:cond delay="indefinite"/>
-                        <p:cond evt="onBegin" delay="0">
-                          <p:tn val="2"/>
-                        </p:cond>
-                      </p:stCondLst>
-                      <p:childTnLst>
-                        <p:par>
-                          <p:cTn id="4" fill="hold">
-                            <p:stCondLst>
-                              <p:cond delay="0"/>
-                            </p:stCondLst>
-                            <p:childTnLst>
-                              <p:par>
-                                <p:cTn id="5" presetID="9" presetClass="entr" presetSubtype="0" fill="hold" nodeType="afterEffect">
-                                  <p:stCondLst>
-                                    <p:cond delay="0"/>
-                                  </p:stCondLst>
-                                  <p:childTnLst>
-                                    <p:set>
-                                      <p:cBhvr>
-                                        <p:cTn id="6" dur="1" fill="hold">
-                                          <p:stCondLst>
-                                            <p:cond delay="0"/>
-                                          </p:stCondLst>
-                                        </p:cTn>
-                                        <p:tgtEl>
-                                          <p:spTgt spid="6"/>
-                                        </p:tgtEl>
-                                        <p:attrNameLst>
-                                          <p:attrName>style.visibility</p:attrName>
-                                        </p:attrNameLst>
-                                      </p:cBhvr>
-                                      <p:to>
-                                        <p:strVal val="visible"/>
-                                      </p:to>
-                                    </p:set>
-                                    <p:animEffect transition="in" filter="dissolve">
-                                      <p:cBhvr>
-                                        <p:cTn id="7" dur="500"/>
-                                        <p:tgtEl>
-                                          <p:spTgt spid="6"/>
-                                        </p:tgtEl>
-                                      </p:cBhvr>
-                                    </p:animEffect>
-                                  </p:childTnLst>
-                                </p:cTn>
-                              </p:par>
-                            </p:childTnLst>
-                          </p:cTn>
-                        </p:par>
-                      </p:childTnLst>
-                    </p:cTn>
-                  </p:par>
-                  <p:par>
-                    <p:cTn id="8" fill="hold">
-                      <p:stCondLst>
-                        <p:cond delay="indefinite"/>
-                      </p:stCondLst>
-                      <p:childTnLst>
-                        <p:par>
-                          <p:cTn id="9" fill="hold">
-                            <p:stCondLst>
-                              <p:cond delay="0"/>
-                            </p:stCondLst>
-                            <p:childTnLst>
-                              <p:par>
-                                <p:cTn id="10" presetID="9" presetClass="entr" presetSubtype="0" fill="hold" grpId="0" nodeType="clickEffect">
-                                  <p:stCondLst>
-                                    <p:cond delay="0"/>
-                                  </p:stCondLst>
-                                  <p:childTnLst>
-                                    <p:set>
-                                      <p:cBhvr>
-                                        <p:cTn id="11" dur="1" fill="hold">
-                                          <p:stCondLst>
-                                            <p:cond delay="0"/>
-                                          </p:stCondLst>
-                                        </p:cTn>
-                                        <p:tgtEl>
-                                          <p:spTgt spid="5"/>
-                                        </p:tgtEl>
-                                        <p:attrNameLst>
-                                          <p:attrName>style.visibility</p:attrName>
-                                        </p:attrNameLst>
-                                      </p:cBhvr>
-                                      <p:to>
-                                        <p:strVal val="visible"/>
-                                      </p:to>
-                                    </p:set>
-                                    <p:animEffect transition="in" filter="dissolve">
-                                      <p:cBhvr>
-                                        <p:cTn id="12" dur="500"/>
-                                        <p:tgtEl>
-                                          <p:spTgt spid="5"/>
-                                        </p:tgtEl>
-                                      </p:cBhvr>
-                                    </p:animEffect>
-                                  </p:childTnLst>
-                                </p:cTn>
-                              </p:par>
-                            </p:childTnLst>
-                          </p:cTn>
-                        </p:par>
-                      </p:childTnLst>
-                    </p:cTn>
-                  </p:par>
-                </p:childTnLst>
-              </p:cTn>
-              <p:prevCondLst>
-                <p:cond evt="onPrev" delay="0">
-                  <p:tgtEl>
-                    <p:sldTgt/>
-                  </p:tgtEl>
-                </p:cond>
-              </p:prevCondLst>
-              <p:nextCondLst>
-                <p:cond evt="onNext" delay="0">
-                  <p:tgtEl>
-                    <p:sldTgt/>
-                  </p:tgtEl>
-                </p:cond>
-              </p:nextCondLst>
-            </p:seq>
-          </p:childTnLst>
-        </p:cTn>
-      </p:par>
-    </p:tnLst>
-    <p:bldLst>
-      <p:bldP spid="5" grpId="0"/>
-    </p:bldLst>
-  </p:timing>
-</p:sld>
-</file>
-
-<file path=ppt/slides/slide17.xml><?xml version="1.0" encoding="utf-8"?>
-<p:sld xmlns:a="http://schemas.openxmlformats.org/drawingml/2006/main" xmlns:r="http://schemas.openxmlformats.org/officeDocument/2006/relationships" xmlns:p="http://schemas.openxmlformats.org/presentationml/2006/main">
-  <p:cSld>
-    <p:spTree>
-      <p:nvGrpSpPr>
-        <p:cNvPr id="1" name=""/>
-        <p:cNvGrpSpPr/>
-        <p:nvPr/>
-      </p:nvGrpSpPr>
-      <p:grpSpPr>
-        <a:xfrm>
-          <a:off x="0" y="0"/>
-          <a:ext cx="0" cy="0"/>
-          <a:chOff x="0" y="0"/>
-          <a:chExt cx="0" cy="0"/>
-        </a:xfrm>
-      </p:grpSpPr>
-      <p:sp>
-        <p:nvSpPr>
-          <p:cNvPr id="2" name="Title 1"/>
-          <p:cNvSpPr>
-            <a:spLocks noGrp="1"/>
-          </p:cNvSpPr>
-          <p:nvPr>
-            <p:ph type="title"/>
-          </p:nvPr>
-        </p:nvSpPr>
-        <p:spPr>
-          <a:xfrm>
-            <a:off x="1391102" y="304800"/>
-            <a:ext cx="7543800" cy="1143000"/>
-          </a:xfrm>
-        </p:spPr>
-        <p:txBody>
-          <a:bodyPr/>
-          <a:lstStyle/>
-          <a:p>
-            <a:r>
-              <a:rPr lang="en-US" sz="4000" dirty="0" smtClean="0"/>
-              <a:t>A </a:t>
-            </a:r>
-            <a:r>
-              <a:rPr lang="en-US" sz="4000" dirty="0" err="1" smtClean="0"/>
-              <a:t>Lukasiewicz</a:t>
-            </a:r>
-            <a:r>
-              <a:rPr lang="en-US" sz="4000" dirty="0" smtClean="0"/>
-              <a:t>’ Proof</a:t>
-            </a:r>
-            <a:endParaRPr lang="en-US" sz="4000" dirty="0"/>
-          </a:p>
-        </p:txBody>
-      </p:sp>
-      <p:sp>
-        <p:nvSpPr>
-          <p:cNvPr id="9" name="Slide Number Placeholder 2"/>
-          <p:cNvSpPr>
-            <a:spLocks noGrp="1"/>
-          </p:cNvSpPr>
-          <p:nvPr>
-            <p:ph type="sldNum" sz="quarter" idx="10"/>
-          </p:nvPr>
-        </p:nvSpPr>
-        <p:spPr>
-          <a:xfrm>
-            <a:off x="7468467" y="6553200"/>
-            <a:ext cx="1675534" cy="276999"/>
-          </a:xfrm>
-        </p:spPr>
-        <p:txBody>
-          <a:bodyPr/>
-          <a:lstStyle/>
-          <a:p>
-            <a:r>
-              <a:rPr lang="en-US" dirty="0" smtClean="0"/>
-              <a:t>propositional logic.</a:t>
-            </a:r>
-            <a:fld id="{3251DA95-B240-47FE-901D-B78FC8E8E532}" type="slidenum">
-              <a:rPr lang="en-US" smtClean="0"/>
-              <a:pPr/>
-              <a:t>17</a:t>
-            </a:fld>
-            <a:endParaRPr lang="en-US" dirty="0"/>
-          </a:p>
-        </p:txBody>
-      </p:sp>
-      <p:graphicFrame>
-        <p:nvGraphicFramePr>
-          <p:cNvPr id="5" name="Object 4"/>
-          <p:cNvGraphicFramePr>
-            <a:graphicFrameLocks noChangeAspect="1"/>
-          </p:cNvGraphicFramePr>
-          <p:nvPr>
-            <p:extLst>
-              <p:ext uri="{D42A27DB-BD31-4B8C-83A1-F6EECF244321}">
-                <p14:modId xmlns:p14="http://schemas.microsoft.com/office/powerpoint/2010/main" val="3470694086"/>
-              </p:ext>
-            </p:extLst>
-          </p:nvPr>
-        </p:nvGraphicFramePr>
-        <p:xfrm>
-          <a:off x="303213" y="2697163"/>
-          <a:ext cx="8394700" cy="2414587"/>
-        </p:xfrm>
-        <a:graphic>
-          <a:graphicData uri="http://schemas.openxmlformats.org/presentationml/2006/ole">
-            <mc:AlternateContent xmlns:mc="http://schemas.openxmlformats.org/markup-compatibility/2006">
-              <mc:Choice xmlns:v="urn:schemas-microsoft-com:vml" Requires="v">
-                <p:oleObj spid="_x0000_s408631" name="Equation" r:id="rId3" imgW="1854200" imgH="533400" progId="Equation.DSMT4">
-                  <p:embed/>
-                </p:oleObj>
-              </mc:Choice>
-              <mc:Fallback>
-                <p:oleObj name="Equation" r:id="rId3" imgW="1854200" imgH="533400" progId="Equation.DSMT4">
-                  <p:embed/>
-                  <p:pic>
-                    <p:nvPicPr>
-                      <p:cNvPr id="0" name=""/>
-                      <p:cNvPicPr/>
-                      <p:nvPr/>
-                    </p:nvPicPr>
-                    <p:blipFill>
-                      <a:blip r:embed="rId4"/>
-                      <a:stretch>
-                        <a:fillRect/>
-                      </a:stretch>
-                    </p:blipFill>
-                    <p:spPr>
-                      <a:xfrm>
-                        <a:off x="303213" y="2697163"/>
-                        <a:ext cx="8394700" cy="2414587"/>
-                      </a:xfrm>
-                      <a:prstGeom prst="rect">
-                        <a:avLst/>
-                      </a:prstGeom>
-                    </p:spPr>
-                  </p:pic>
-                </p:oleObj>
-              </mc:Fallback>
-            </mc:AlternateContent>
-          </a:graphicData>
-        </a:graphic>
-      </p:graphicFrame>
-      <p:sp>
-        <p:nvSpPr>
-          <p:cNvPr id="13" name="Content Placeholder 2"/>
-          <p:cNvSpPr>
-            <a:spLocks noGrp="1"/>
-          </p:cNvSpPr>
-          <p:nvPr>
-            <p:ph idx="1"/>
-          </p:nvPr>
-        </p:nvSpPr>
-        <p:spPr>
-          <a:xfrm>
-            <a:off x="535595" y="1254858"/>
-            <a:ext cx="4607906" cy="1232226"/>
-          </a:xfrm>
-        </p:spPr>
-        <p:txBody>
-          <a:bodyPr/>
-          <a:lstStyle/>
-          <a:p>
-            <a:pPr>
-              <a:lnSpc>
-                <a:spcPct val="120000"/>
-              </a:lnSpc>
-            </a:pPr>
-            <a:r>
-              <a:rPr lang="en-US" sz="5400" dirty="0" smtClean="0"/>
-              <a:t>3</a:t>
-            </a:r>
-            <a:r>
-              <a:rPr lang="en-US" sz="5400" baseline="30000" dirty="0" smtClean="0"/>
-              <a:t>rd</a:t>
-            </a:r>
-            <a:r>
-              <a:rPr lang="en-US" sz="5400" dirty="0" smtClean="0"/>
-              <a:t> axiom:</a:t>
-            </a:r>
-            <a:endParaRPr lang="en-US" sz="5400" dirty="0"/>
-          </a:p>
-        </p:txBody>
-      </p:sp>
-      <p:sp>
-        <p:nvSpPr>
-          <p:cNvPr id="14" name="TextBox 13"/>
-          <p:cNvSpPr txBox="1"/>
-          <p:nvPr/>
-        </p:nvSpPr>
-        <p:spPr>
-          <a:xfrm>
-            <a:off x="1174772" y="5154084"/>
-            <a:ext cx="4338297" cy="923330"/>
-          </a:xfrm>
-          <a:prstGeom prst="rect">
-            <a:avLst/>
-          </a:prstGeom>
-          <a:noFill/>
-        </p:spPr>
-        <p:txBody>
-          <a:bodyPr wrap="none" rtlCol="0">
-            <a:spAutoFit/>
-          </a:bodyPr>
-          <a:lstStyle/>
-          <a:p>
-            <a:pPr algn="l"/>
-            <a:r>
-              <a:rPr lang="en-US" sz="5400" dirty="0" smtClean="0">
-                <a:latin typeface="Comic Sans MS" pitchFamily="66" charset="0"/>
-              </a:rPr>
-              <a:t>replace </a:t>
-            </a:r>
-            <a:r>
-              <a:rPr lang="en-US" sz="5400" dirty="0" smtClean="0">
-                <a:solidFill>
-                  <a:srgbClr val="0000FF"/>
-                </a:solidFill>
-                <a:latin typeface="Comic Sans MS" pitchFamily="66" charset="0"/>
-              </a:rPr>
-              <a:t>Q</a:t>
-            </a:r>
-            <a:r>
-              <a:rPr lang="en-US" sz="5400" dirty="0" smtClean="0">
-                <a:latin typeface="Comic Sans MS" pitchFamily="66" charset="0"/>
-              </a:rPr>
-              <a:t> by </a:t>
-            </a:r>
-            <a:endParaRPr lang="en-US" sz="5400" dirty="0" smtClean="0">
-              <a:solidFill>
-                <a:srgbClr val="0000FF"/>
-              </a:solidFill>
-              <a:latin typeface="Comic Sans MS" pitchFamily="66" charset="0"/>
-            </a:endParaRPr>
-          </a:p>
-        </p:txBody>
-      </p:sp>
-      <p:graphicFrame>
-        <p:nvGraphicFramePr>
-          <p:cNvPr id="16" name="Object 15"/>
-          <p:cNvGraphicFramePr>
-            <a:graphicFrameLocks noChangeAspect="1"/>
-          </p:cNvGraphicFramePr>
-          <p:nvPr>
-            <p:extLst>
-              <p:ext uri="{D42A27DB-BD31-4B8C-83A1-F6EECF244321}">
-                <p14:modId xmlns:p14="http://schemas.microsoft.com/office/powerpoint/2010/main" val="2863048557"/>
-              </p:ext>
-            </p:extLst>
-          </p:nvPr>
-        </p:nvGraphicFramePr>
-        <p:xfrm>
-          <a:off x="5435508" y="5103284"/>
-          <a:ext cx="2385595" cy="1054100"/>
-        </p:xfrm>
-        <a:graphic>
-          <a:graphicData uri="http://schemas.openxmlformats.org/presentationml/2006/ole">
-            <mc:AlternateContent xmlns:mc="http://schemas.openxmlformats.org/markup-compatibility/2006">
-              <mc:Choice xmlns:v="urn:schemas-microsoft-com:vml" Requires="v">
-                <p:oleObj spid="_x0000_s408632" name="Equation" r:id="rId5" imgW="546100" imgH="241300" progId="Equation.DSMT4">
-                  <p:embed/>
-                </p:oleObj>
-              </mc:Choice>
-              <mc:Fallback>
-                <p:oleObj name="Equation" r:id="rId5" imgW="546100" imgH="241300" progId="Equation.DSMT4">
-                  <p:embed/>
-                  <p:pic>
-                    <p:nvPicPr>
-                      <p:cNvPr id="0" name=""/>
-                      <p:cNvPicPr/>
-                      <p:nvPr/>
-                    </p:nvPicPr>
-                    <p:blipFill>
-                      <a:blip r:embed="rId6"/>
-                      <a:stretch>
-                        <a:fillRect/>
-                      </a:stretch>
-                    </p:blipFill>
-                    <p:spPr>
-                      <a:xfrm>
-                        <a:off x="5435508" y="5103284"/>
-                        <a:ext cx="2385595" cy="1054100"/>
-                      </a:xfrm>
-                      <a:prstGeom prst="rect">
-                        <a:avLst/>
-                      </a:prstGeom>
-                    </p:spPr>
-                  </p:pic>
-                </p:oleObj>
-              </mc:Fallback>
-            </mc:AlternateContent>
-          </a:graphicData>
-        </a:graphic>
-      </p:graphicFrame>
-    </p:spTree>
-  </p:cSld>
-  <p:clrMapOvr>
-    <a:masterClrMapping/>
-  </p:clrMapOvr>
-  <p:transition xmlns:p14="http://schemas.microsoft.com/office/powerpoint/2010/main" spd="slow" advClick="0">
-    <p:fade/>
-  </p:transition>
-  <p:timing>
-    <p:tnLst>
-      <p:par>
-        <p:cTn xmlns:p14="http://schemas.microsoft.com/office/powerpoint/2010/main" id="1" dur="indefinite" restart="never" nodeType="tmRoot">
-          <p:childTnLst>
-            <p:seq concurrent="1" nextAc="seek">
-              <p:cTn id="2" dur="indefinite" nodeType="mainSeq">
-                <p:childTnLst>
-                  <p:par>
-                    <p:cTn id="3" fill="hold">
-                      <p:stCondLst>
-                        <p:cond delay="indefinite"/>
-                      </p:stCondLst>
-                      <p:childTnLst>
-                        <p:par>
-                          <p:cTn id="4" fill="hold">
-                            <p:stCondLst>
-                              <p:cond delay="0"/>
-                            </p:stCondLst>
-                            <p:childTnLst>
-                              <p:par>
-                                <p:cTn id="5" presetID="9" presetClass="entr" presetSubtype="0" fill="hold" grpId="0" nodeType="clickEffect">
-                                  <p:stCondLst>
-                                    <p:cond delay="0"/>
-                                  </p:stCondLst>
-                                  <p:childTnLst>
-                                    <p:set>
-                                      <p:cBhvr>
-                                        <p:cTn id="6" dur="1" fill="hold">
-                                          <p:stCondLst>
-                                            <p:cond delay="0"/>
-                                          </p:stCondLst>
-                                        </p:cTn>
-                                        <p:tgtEl>
-                                          <p:spTgt spid="14"/>
-                                        </p:tgtEl>
-                                        <p:attrNameLst>
-                                          <p:attrName>style.visibility</p:attrName>
-                                        </p:attrNameLst>
-                                      </p:cBhvr>
-                                      <p:to>
-                                        <p:strVal val="visible"/>
-                                      </p:to>
-                                    </p:set>
-                                    <p:animEffect transition="in" filter="dissolve">
-                                      <p:cBhvr>
-                                        <p:cTn id="7" dur="500"/>
-                                        <p:tgtEl>
-                                          <p:spTgt spid="14"/>
-                                        </p:tgtEl>
-                                      </p:cBhvr>
-                                    </p:animEffect>
-                                  </p:childTnLst>
-                                </p:cTn>
-                              </p:par>
-                              <p:par>
-                                <p:cTn id="8" presetID="9" presetClass="entr" presetSubtype="0" fill="hold" nodeType="withEffect">
-                                  <p:stCondLst>
-                                    <p:cond delay="0"/>
-                                  </p:stCondLst>
-                                  <p:childTnLst>
-                                    <p:set>
-                                      <p:cBhvr>
-                                        <p:cTn id="9" dur="1" fill="hold">
-                                          <p:stCondLst>
-                                            <p:cond delay="0"/>
-                                          </p:stCondLst>
-                                        </p:cTn>
-                                        <p:tgtEl>
-                                          <p:spTgt spid="16"/>
-                                        </p:tgtEl>
-                                        <p:attrNameLst>
-                                          <p:attrName>style.visibility</p:attrName>
-                                        </p:attrNameLst>
-                                      </p:cBhvr>
-                                      <p:to>
-                                        <p:strVal val="visible"/>
-                                      </p:to>
-                                    </p:set>
-                                    <p:animEffect transition="in" filter="dissolve">
-                                      <p:cBhvr>
-                                        <p:cTn id="10" dur="500"/>
-                                        <p:tgtEl>
-                                          <p:spTgt spid="16"/>
-                                        </p:tgtEl>
-                                      </p:cBhvr>
-                                    </p:animEffect>
-                                  </p:childTnLst>
-                                </p:cTn>
-                              </p:par>
-                            </p:childTnLst>
-                          </p:cTn>
-                        </p:par>
-                      </p:childTnLst>
-                    </p:cTn>
-                  </p:par>
-                </p:childTnLst>
-              </p:cTn>
-              <p:prevCondLst>
-                <p:cond evt="onPrev" delay="0">
-                  <p:tgtEl>
-                    <p:sldTgt/>
-                  </p:tgtEl>
-                </p:cond>
-              </p:prevCondLst>
-              <p:nextCondLst>
-                <p:cond evt="onNext" delay="0">
-                  <p:tgtEl>
-                    <p:sldTgt/>
-                  </p:tgtEl>
-                </p:cond>
-              </p:nextCondLst>
-            </p:seq>
-          </p:childTnLst>
-        </p:cTn>
-      </p:par>
-    </p:tnLst>
-    <p:bldLst>
-      <p:bldP spid="14" grpId="0"/>
-    </p:bldLst>
-  </p:timing>
-</p:sld>
-</file>
-
-<file path=ppt/slides/slide18.xml><?xml version="1.0" encoding="utf-8"?>
-<p:sld xmlns:a="http://schemas.openxmlformats.org/drawingml/2006/main" xmlns:r="http://schemas.openxmlformats.org/officeDocument/2006/relationships" xmlns:p="http://schemas.openxmlformats.org/presentationml/2006/main">
-  <p:cSld>
-    <p:spTree>
-      <p:nvGrpSpPr>
-        <p:cNvPr id="1" name=""/>
-        <p:cNvGrpSpPr/>
-        <p:nvPr/>
-      </p:nvGrpSpPr>
-      <p:grpSpPr>
-        <a:xfrm>
-          <a:off x="0" y="0"/>
-          <a:ext cx="0" cy="0"/>
-          <a:chOff x="0" y="0"/>
-          <a:chExt cx="0" cy="0"/>
-        </a:xfrm>
-      </p:grpSpPr>
-      <p:sp>
-        <p:nvSpPr>
-          <p:cNvPr id="2" name="Title 1"/>
-          <p:cNvSpPr>
-            <a:spLocks noGrp="1"/>
-          </p:cNvSpPr>
-          <p:nvPr>
-            <p:ph type="title"/>
-          </p:nvPr>
-        </p:nvSpPr>
-        <p:spPr>
-          <a:xfrm>
-            <a:off x="1391102" y="304800"/>
-            <a:ext cx="7543800" cy="1143000"/>
-          </a:xfrm>
-        </p:spPr>
-        <p:txBody>
-          <a:bodyPr/>
-          <a:lstStyle/>
-          <a:p>
-            <a:r>
-              <a:rPr lang="en-US" sz="4000" dirty="0" smtClean="0"/>
-              <a:t>A </a:t>
-            </a:r>
-            <a:r>
-              <a:rPr lang="en-US" sz="4000" dirty="0" err="1" smtClean="0"/>
-              <a:t>Lukasiewicz</a:t>
-            </a:r>
-            <a:r>
-              <a:rPr lang="en-US" sz="4000" dirty="0" smtClean="0"/>
-              <a:t>’ Proof</a:t>
-            </a:r>
-            <a:endParaRPr lang="en-US" sz="4000" dirty="0"/>
-          </a:p>
-        </p:txBody>
-      </p:sp>
-      <p:sp>
-        <p:nvSpPr>
-          <p:cNvPr id="9" name="Slide Number Placeholder 2"/>
-          <p:cNvSpPr>
-            <a:spLocks noGrp="1"/>
-          </p:cNvSpPr>
-          <p:nvPr>
-            <p:ph type="sldNum" sz="quarter" idx="10"/>
-          </p:nvPr>
-        </p:nvSpPr>
-        <p:spPr>
-          <a:xfrm>
-            <a:off x="7468467" y="6553200"/>
-            <a:ext cx="1675534" cy="276999"/>
-          </a:xfrm>
-        </p:spPr>
-        <p:txBody>
-          <a:bodyPr/>
-          <a:lstStyle/>
-          <a:p>
-            <a:r>
-              <a:rPr lang="en-US" dirty="0" smtClean="0"/>
-              <a:t>propositional logic.</a:t>
-            </a:r>
-            <a:fld id="{3251DA95-B240-47FE-901D-B78FC8E8E532}" type="slidenum">
-              <a:rPr lang="en-US" smtClean="0"/>
-              <a:pPr/>
-              <a:t>18</a:t>
-            </a:fld>
-            <a:endParaRPr lang="en-US" dirty="0"/>
-          </a:p>
-        </p:txBody>
-      </p:sp>
-      <p:graphicFrame>
-        <p:nvGraphicFramePr>
-          <p:cNvPr id="4" name="Object 3"/>
-          <p:cNvGraphicFramePr>
-            <a:graphicFrameLocks noChangeAspect="1"/>
-          </p:cNvGraphicFramePr>
-          <p:nvPr>
-            <p:extLst>
-              <p:ext uri="{D42A27DB-BD31-4B8C-83A1-F6EECF244321}">
-                <p14:modId xmlns:p14="http://schemas.microsoft.com/office/powerpoint/2010/main" val="1763492554"/>
-              </p:ext>
-            </p:extLst>
-          </p:nvPr>
-        </p:nvGraphicFramePr>
-        <p:xfrm>
-          <a:off x="219423" y="2730499"/>
-          <a:ext cx="8614837" cy="2349501"/>
-        </p:xfrm>
-        <a:graphic>
-          <a:graphicData uri="http://schemas.openxmlformats.org/presentationml/2006/ole">
-            <mc:AlternateContent xmlns:mc="http://schemas.openxmlformats.org/markup-compatibility/2006">
-              <mc:Choice xmlns:v="urn:schemas-microsoft-com:vml" Requires="v">
-                <p:oleObj spid="_x0000_s410658" name="Equation" r:id="rId3" imgW="1955800" imgH="533400" progId="Equation.DSMT4">
-                  <p:embed/>
-                </p:oleObj>
-              </mc:Choice>
-              <mc:Fallback>
-                <p:oleObj name="Equation" r:id="rId3" imgW="1955800" imgH="533400" progId="Equation.DSMT4">
-                  <p:embed/>
-                  <p:pic>
-                    <p:nvPicPr>
-                      <p:cNvPr id="0" name=""/>
-                      <p:cNvPicPr/>
-                      <p:nvPr/>
-                    </p:nvPicPr>
-                    <p:blipFill>
-                      <a:blip r:embed="rId4"/>
-                      <a:stretch>
-                        <a:fillRect/>
-                      </a:stretch>
-                    </p:blipFill>
-                    <p:spPr>
-                      <a:xfrm>
-                        <a:off x="219423" y="2730499"/>
-                        <a:ext cx="8614837" cy="2349501"/>
-                      </a:xfrm>
-                      <a:prstGeom prst="rect">
-                        <a:avLst/>
-                      </a:prstGeom>
-                    </p:spPr>
-                  </p:pic>
-                </p:oleObj>
-              </mc:Fallback>
-            </mc:AlternateContent>
-          </a:graphicData>
-        </a:graphic>
-      </p:graphicFrame>
-      <p:grpSp>
-        <p:nvGrpSpPr>
-          <p:cNvPr id="7" name="Group 6"/>
-          <p:cNvGrpSpPr/>
-          <p:nvPr/>
-        </p:nvGrpSpPr>
-        <p:grpSpPr>
-          <a:xfrm>
-            <a:off x="847266" y="2162335"/>
-            <a:ext cx="3936402" cy="876913"/>
-            <a:chOff x="635598" y="3104247"/>
-            <a:chExt cx="3936402" cy="876913"/>
-          </a:xfrm>
-        </p:grpSpPr>
-        <p:sp>
-          <p:nvSpPr>
-            <p:cNvPr id="8" name="Left Brace 7"/>
-            <p:cNvSpPr/>
-            <p:nvPr/>
-          </p:nvSpPr>
-          <p:spPr>
-            <a:xfrm rot="5400000">
-              <a:off x="2461845" y="1871005"/>
-              <a:ext cx="283908" cy="3936402"/>
-            </a:xfrm>
-            <a:prstGeom prst="leftBrace">
-              <a:avLst/>
-            </a:prstGeom>
-            <a:ln w="25400">
-              <a:solidFill>
-                <a:srgbClr val="CC0099"/>
-              </a:solidFill>
-            </a:ln>
-          </p:spPr>
-          <p:style>
-            <a:lnRef idx="1">
-              <a:schemeClr val="accent1"/>
-            </a:lnRef>
-            <a:fillRef idx="0">
-              <a:schemeClr val="accent1"/>
-            </a:fillRef>
-            <a:effectRef idx="0">
-              <a:schemeClr val="accent1"/>
-            </a:effectRef>
-            <a:fontRef idx="minor">
-              <a:schemeClr val="tx1"/>
-            </a:fontRef>
-          </p:style>
-          <p:txBody>
-            <a:bodyPr rtlCol="0" anchor="ctr"/>
-            <a:lstStyle/>
-            <a:p>
-              <a:pPr algn="ctr"/>
-              <a:endParaRPr lang="en-US"/>
-            </a:p>
-          </p:txBody>
-        </p:sp>
-        <p:sp>
-          <p:nvSpPr>
-            <p:cNvPr id="10" name="TextBox 9"/>
-            <p:cNvSpPr txBox="1"/>
-            <p:nvPr/>
-          </p:nvSpPr>
-          <p:spPr>
-            <a:xfrm>
-              <a:off x="1589649" y="3104247"/>
-              <a:ext cx="2114681" cy="646331"/>
-            </a:xfrm>
-            <a:prstGeom prst="rect">
-              <a:avLst/>
-            </a:prstGeom>
-            <a:noFill/>
-          </p:spPr>
-          <p:txBody>
-            <a:bodyPr wrap="none" rtlCol="0">
-              <a:spAutoFit/>
-            </a:bodyPr>
-            <a:lstStyle/>
-            <a:p>
-              <a:r>
-                <a:rPr lang="en-US" sz="3600" dirty="0" smtClean="0">
-                  <a:solidFill>
-                    <a:srgbClr val="CC0099"/>
-                  </a:solidFill>
-                  <a:latin typeface="Comic Sans MS" pitchFamily="66" charset="0"/>
-                </a:rPr>
-                <a:t>Axiom 2)</a:t>
-              </a:r>
-              <a:endParaRPr lang="en-US" sz="3600" dirty="0">
-                <a:solidFill>
-                  <a:srgbClr val="CC0099"/>
-                </a:solidFill>
-                <a:latin typeface="Comic Sans MS" pitchFamily="66" charset="0"/>
-              </a:endParaRPr>
-            </a:p>
-          </p:txBody>
-        </p:sp>
-      </p:grpSp>
-      <p:sp>
-        <p:nvSpPr>
-          <p:cNvPr id="11" name="Content Placeholder 2"/>
-          <p:cNvSpPr txBox="1">
-            <a:spLocks/>
-          </p:cNvSpPr>
-          <p:nvPr/>
-        </p:nvSpPr>
-        <p:spPr bwMode="auto">
-          <a:xfrm>
-            <a:off x="535595" y="1254858"/>
-            <a:ext cx="4607906" cy="1232226"/>
-          </a:xfrm>
-          <a:prstGeom prst="rect">
-            <a:avLst/>
-          </a:prstGeom>
-          <a:noFill/>
-          <a:ln w="9525">
-            <a:noFill/>
-            <a:miter lim="800000"/>
-            <a:headEnd/>
-            <a:tailEnd/>
-          </a:ln>
-        </p:spPr>
-        <p:txBody>
-          <a:bodyPr vert="horz" wrap="square" lIns="91440" tIns="45720" rIns="91440" bIns="45720" numCol="1" anchor="t" anchorCtr="0" compatLnSpc="1">
-            <a:prstTxWarp prst="textNoShape">
-              <a:avLst/>
-            </a:prstTxWarp>
-          </a:bodyPr>
-          <a:lstStyle>
-            <a:lvl1pPr marL="342900" indent="-342900" algn="l" rtl="0" eaLnBrk="0" fontAlgn="base" hangingPunct="0">
-              <a:spcBef>
-                <a:spcPct val="20000"/>
-              </a:spcBef>
-              <a:spcAft>
-                <a:spcPct val="0"/>
-              </a:spcAft>
-              <a:buNone/>
-              <a:defRPr sz="3600">
-                <a:solidFill>
-                  <a:schemeClr val="tx1"/>
-                </a:solidFill>
-                <a:latin typeface="Comic Sans MS" pitchFamily="66" charset="0"/>
-                <a:ea typeface="+mn-ea"/>
-                <a:cs typeface="+mn-cs"/>
-              </a:defRPr>
-            </a:lvl1pPr>
-            <a:lvl2pPr marL="742950" indent="-285750" algn="l" rtl="0" eaLnBrk="0" fontAlgn="base" hangingPunct="0">
-              <a:spcBef>
-                <a:spcPct val="20000"/>
-              </a:spcBef>
-              <a:spcAft>
-                <a:spcPct val="0"/>
-              </a:spcAft>
-              <a:buChar char="–"/>
-              <a:defRPr sz="3200">
-                <a:solidFill>
-                  <a:schemeClr val="tx1"/>
-                </a:solidFill>
-                <a:latin typeface="Comic Sans MS" pitchFamily="66" charset="0"/>
-              </a:defRPr>
-            </a:lvl2pPr>
-            <a:lvl3pPr marL="1143000" indent="-228600" algn="l" rtl="0" eaLnBrk="0" fontAlgn="base" hangingPunct="0">
-              <a:spcBef>
-                <a:spcPct val="20000"/>
-              </a:spcBef>
-              <a:spcAft>
-                <a:spcPct val="0"/>
-              </a:spcAft>
-              <a:buChar char="•"/>
-              <a:defRPr sz="3200">
-                <a:solidFill>
-                  <a:schemeClr val="tx1"/>
-                </a:solidFill>
-                <a:latin typeface="Comic Sans MS" pitchFamily="66" charset="0"/>
-              </a:defRPr>
-            </a:lvl3pPr>
-            <a:lvl4pPr marL="1600200" indent="-228600" algn="l" rtl="0" eaLnBrk="0" fontAlgn="base" hangingPunct="0">
-              <a:spcBef>
-                <a:spcPct val="20000"/>
-              </a:spcBef>
-              <a:spcAft>
-                <a:spcPct val="0"/>
-              </a:spcAft>
-              <a:buChar char="–"/>
-              <a:defRPr sz="2800">
-                <a:solidFill>
-                  <a:schemeClr val="tx1"/>
-                </a:solidFill>
-                <a:latin typeface="Comic Sans MS" pitchFamily="66" charset="0"/>
-              </a:defRPr>
-            </a:lvl4pPr>
-            <a:lvl5pPr marL="2057400" indent="-228600" algn="l" rtl="0" eaLnBrk="0" fontAlgn="base" hangingPunct="0">
-              <a:spcBef>
-                <a:spcPct val="20000"/>
-              </a:spcBef>
-              <a:spcAft>
-                <a:spcPct val="0"/>
-              </a:spcAft>
-              <a:buChar char="»"/>
-              <a:defRPr sz="2800">
-                <a:solidFill>
-                  <a:schemeClr val="tx1"/>
-                </a:solidFill>
-                <a:latin typeface="Comic Sans MS" pitchFamily="66" charset="0"/>
-              </a:defRPr>
-            </a:lvl5pPr>
-            <a:lvl6pPr marL="2514600" indent="-228600" algn="l" rtl="0" fontAlgn="base">
-              <a:spcBef>
-                <a:spcPct val="20000"/>
-              </a:spcBef>
-              <a:spcAft>
-                <a:spcPct val="0"/>
-              </a:spcAft>
-              <a:buChar char="»"/>
-              <a:defRPr sz="2800">
-                <a:solidFill>
-                  <a:schemeClr val="tx1"/>
-                </a:solidFill>
-                <a:latin typeface="+mn-lt"/>
-              </a:defRPr>
-            </a:lvl6pPr>
-            <a:lvl7pPr marL="2971800" indent="-228600" algn="l" rtl="0" fontAlgn="base">
-              <a:spcBef>
-                <a:spcPct val="20000"/>
-              </a:spcBef>
-              <a:spcAft>
-                <a:spcPct val="0"/>
-              </a:spcAft>
-              <a:buChar char="»"/>
-              <a:defRPr sz="2800">
-                <a:solidFill>
-                  <a:schemeClr val="tx1"/>
-                </a:solidFill>
-                <a:latin typeface="+mn-lt"/>
-              </a:defRPr>
-            </a:lvl7pPr>
-            <a:lvl8pPr marL="3429000" indent="-228600" algn="l" rtl="0" fontAlgn="base">
-              <a:spcBef>
-                <a:spcPct val="20000"/>
-              </a:spcBef>
-              <a:spcAft>
-                <a:spcPct val="0"/>
-              </a:spcAft>
-              <a:buChar char="»"/>
-              <a:defRPr sz="2800">
-                <a:solidFill>
-                  <a:schemeClr val="tx1"/>
-                </a:solidFill>
-                <a:latin typeface="+mn-lt"/>
-              </a:defRPr>
-            </a:lvl8pPr>
-            <a:lvl9pPr marL="3886200" indent="-228600" algn="l" rtl="0" fontAlgn="base">
-              <a:spcBef>
-                <a:spcPct val="20000"/>
-              </a:spcBef>
-              <a:spcAft>
-                <a:spcPct val="0"/>
-              </a:spcAft>
-              <a:buChar char="»"/>
-              <a:defRPr sz="2800">
-                <a:solidFill>
-                  <a:schemeClr val="tx1"/>
-                </a:solidFill>
-                <a:latin typeface="+mn-lt"/>
-              </a:defRPr>
-            </a:lvl9pPr>
-          </a:lstStyle>
-          <a:p>
-            <a:pPr>
-              <a:lnSpc>
-                <a:spcPct val="120000"/>
-              </a:lnSpc>
-            </a:pPr>
-            <a:r>
-              <a:rPr lang="en-US" sz="5400" smtClean="0"/>
-              <a:t>3</a:t>
-            </a:r>
-            <a:r>
-              <a:rPr lang="en-US" sz="5400" baseline="30000" smtClean="0"/>
-              <a:t>rd</a:t>
-            </a:r>
-            <a:r>
-              <a:rPr lang="en-US" sz="5400" smtClean="0"/>
-              <a:t> axiom:</a:t>
-            </a:r>
-            <a:endParaRPr lang="en-US" sz="5400" dirty="0"/>
-          </a:p>
-        </p:txBody>
-      </p:sp>
-    </p:spTree>
-    <p:extLst>
-      <p:ext uri="{BB962C8B-B14F-4D97-AF65-F5344CB8AC3E}">
-        <p14:creationId xmlns:p14="http://schemas.microsoft.com/office/powerpoint/2010/main" val="654305877"/>
+        <p14:creationId xmlns:p14="http://schemas.microsoft.com/office/powerpoint/2010/main" val="475195655"/>
       </p:ext>
     </p:extLst>
   </p:cSld>
@@ -10377,7 +9720,11 @@
                                           </p:stCondLst>
                                         </p:cTn>
                                         <p:tgtEl>
-                                          <p:spTgt spid="7"/>
+                                          <p:spTgt spid="3">
+                                            <p:txEl>
+                                              <p:pRg st="3" end="3"/>
+                                            </p:txEl>
+                                          </p:spTgt>
                                         </p:tgtEl>
                                         <p:attrNameLst>
                                           <p:attrName>style.visibility</p:attrName>
@@ -10391,7 +9738,97 @@
                                       <p:cBhvr>
                                         <p:cTn id="7" dur="500"/>
                                         <p:tgtEl>
-                                          <p:spTgt spid="7"/>
+                                          <p:spTgt spid="3">
+                                            <p:txEl>
+                                              <p:pRg st="3" end="3"/>
+                                            </p:txEl>
+                                          </p:spTgt>
+                                        </p:tgtEl>
+                                      </p:cBhvr>
+                                    </p:animEffect>
+                                  </p:childTnLst>
+                                </p:cTn>
+                              </p:par>
+                              <p:par>
+                                <p:cTn id="8" presetID="9" presetClass="entr" presetSubtype="0" fill="hold" nodeType="withEffect">
+                                  <p:stCondLst>
+                                    <p:cond delay="0"/>
+                                  </p:stCondLst>
+                                  <p:childTnLst>
+                                    <p:set>
+                                      <p:cBhvr>
+                                        <p:cTn id="9" dur="1" fill="hold">
+                                          <p:stCondLst>
+                                            <p:cond delay="0"/>
+                                          </p:stCondLst>
+                                        </p:cTn>
+                                        <p:tgtEl>
+                                          <p:spTgt spid="3">
+                                            <p:txEl>
+                                              <p:pRg st="4" end="4"/>
+                                            </p:txEl>
+                                          </p:spTgt>
+                                        </p:tgtEl>
+                                        <p:attrNameLst>
+                                          <p:attrName>style.visibility</p:attrName>
+                                        </p:attrNameLst>
+                                      </p:cBhvr>
+                                      <p:to>
+                                        <p:strVal val="visible"/>
+                                      </p:to>
+                                    </p:set>
+                                    <p:animEffect transition="in" filter="dissolve">
+                                      <p:cBhvr>
+                                        <p:cTn id="10" dur="500"/>
+                                        <p:tgtEl>
+                                          <p:spTgt spid="3">
+                                            <p:txEl>
+                                              <p:pRg st="4" end="4"/>
+                                            </p:txEl>
+                                          </p:spTgt>
+                                        </p:tgtEl>
+                                      </p:cBhvr>
+                                    </p:animEffect>
+                                  </p:childTnLst>
+                                </p:cTn>
+                              </p:par>
+                              <p:par>
+                                <p:cTn id="11" presetID="9" presetClass="entr" presetSubtype="0" fill="hold" nodeType="withEffect">
+                                  <p:stCondLst>
+                                    <p:cond delay="0"/>
+                                  </p:stCondLst>
+                                  <p:childTnLst>
+                                    <p:set>
+                                      <p:cBhvr>
+                                        <p:cTn id="12" dur="1" fill="hold">
+                                          <p:stCondLst>
+                                            <p:cond delay="0"/>
+                                          </p:stCondLst>
+                                        </p:cTn>
+                                        <p:tgtEl>
+                                          <p:spTgt spid="3">
+                                            <p:txEl>
+                                              <p:pRg st="5" end="5"/>
+                                            </p:txEl>
+                                          </p:spTgt>
+                                        </p:tgtEl>
+                                        <p:attrNameLst>
+                                          <p:attrName>style.visibility</p:attrName>
+                                        </p:attrNameLst>
+                                      </p:cBhvr>
+                                      <p:to>
+                                        <p:strVal val="visible"/>
+                                      </p:to>
+                                    </p:set>
+                                    <p:animEffect transition="in" filter="dissolve">
+                                      <p:cBhvr>
+                                        <p:cTn id="13" dur="500"/>
+                                        <p:tgtEl>
+                                          <p:spTgt spid="3">
+                                            <p:txEl>
+                                              <p:pRg st="5" end="5"/>
+                                            </p:txEl>
+                                          </p:spTgt>
                                         </p:tgtEl>
                                       </p:cBhvr>
                                     </p:animEffect>
@@ -10429,321 +9866,8 @@
 </p:sld>
 </file>
 
-<file path=ppt/slides/slide19.xml><?xml version="1.0" encoding="utf-8"?>
-<p:sld xmlns:a="http://schemas.openxmlformats.org/drawingml/2006/main" xmlns:r="http://schemas.openxmlformats.org/officeDocument/2006/relationships" xmlns:p="http://schemas.openxmlformats.org/presentationml/2006/main">
-  <p:cSld>
-    <p:spTree>
-      <p:nvGrpSpPr>
-        <p:cNvPr id="1" name=""/>
-        <p:cNvGrpSpPr/>
-        <p:nvPr/>
-      </p:nvGrpSpPr>
-      <p:grpSpPr>
-        <a:xfrm>
-          <a:off x="0" y="0"/>
-          <a:ext cx="0" cy="0"/>
-          <a:chOff x="0" y="0"/>
-          <a:chExt cx="0" cy="0"/>
-        </a:xfrm>
-      </p:grpSpPr>
-      <p:sp>
-        <p:nvSpPr>
-          <p:cNvPr id="2" name="Title 1"/>
-          <p:cNvSpPr>
-            <a:spLocks noGrp="1"/>
-          </p:cNvSpPr>
-          <p:nvPr>
-            <p:ph type="title"/>
-          </p:nvPr>
-        </p:nvSpPr>
-        <p:spPr>
-          <a:xfrm>
-            <a:off x="1391102" y="304800"/>
-            <a:ext cx="7543800" cy="1143000"/>
-          </a:xfrm>
-        </p:spPr>
-        <p:txBody>
-          <a:bodyPr/>
-          <a:lstStyle/>
-          <a:p>
-            <a:r>
-              <a:rPr lang="en-US" sz="4000" dirty="0" smtClean="0"/>
-              <a:t>A </a:t>
-            </a:r>
-            <a:r>
-              <a:rPr lang="en-US" sz="4000" dirty="0" err="1" smtClean="0"/>
-              <a:t>Lukasiewicz</a:t>
-            </a:r>
-            <a:r>
-              <a:rPr lang="en-US" sz="4000" dirty="0" smtClean="0"/>
-              <a:t>’ Proof</a:t>
-            </a:r>
-            <a:endParaRPr lang="en-US" sz="4000" dirty="0"/>
-          </a:p>
-        </p:txBody>
-      </p:sp>
-      <p:sp>
-        <p:nvSpPr>
-          <p:cNvPr id="9" name="Slide Number Placeholder 2"/>
-          <p:cNvSpPr>
-            <a:spLocks noGrp="1"/>
-          </p:cNvSpPr>
-          <p:nvPr>
-            <p:ph type="sldNum" sz="quarter" idx="10"/>
-          </p:nvPr>
-        </p:nvSpPr>
-        <p:spPr>
-          <a:xfrm>
-            <a:off x="7468467" y="6553200"/>
-            <a:ext cx="1675534" cy="276999"/>
-          </a:xfrm>
-        </p:spPr>
-        <p:txBody>
-          <a:bodyPr/>
-          <a:lstStyle/>
-          <a:p>
-            <a:r>
-              <a:rPr lang="en-US" dirty="0" smtClean="0"/>
-              <a:t>propositional logic.</a:t>
-            </a:r>
-            <a:fld id="{3251DA95-B240-47FE-901D-B78FC8E8E532}" type="slidenum">
-              <a:rPr lang="en-US" smtClean="0"/>
-              <a:pPr/>
-              <a:t>19</a:t>
-            </a:fld>
-            <a:endParaRPr lang="en-US" dirty="0"/>
-          </a:p>
-        </p:txBody>
-      </p:sp>
-      <p:graphicFrame>
-        <p:nvGraphicFramePr>
-          <p:cNvPr id="4" name="Object 3"/>
-          <p:cNvGraphicFramePr>
-            <a:graphicFrameLocks noChangeAspect="1"/>
-          </p:cNvGraphicFramePr>
-          <p:nvPr>
-            <p:extLst>
-              <p:ext uri="{D42A27DB-BD31-4B8C-83A1-F6EECF244321}">
-                <p14:modId xmlns:p14="http://schemas.microsoft.com/office/powerpoint/2010/main" val="1710734301"/>
-              </p:ext>
-            </p:extLst>
-          </p:nvPr>
-        </p:nvGraphicFramePr>
-        <p:xfrm>
-          <a:off x="219423" y="2730499"/>
-          <a:ext cx="8614837" cy="2349501"/>
-        </p:xfrm>
-        <a:graphic>
-          <a:graphicData uri="http://schemas.openxmlformats.org/presentationml/2006/ole">
-            <mc:AlternateContent xmlns:mc="http://schemas.openxmlformats.org/markup-compatibility/2006">
-              <mc:Choice xmlns:v="urn:schemas-microsoft-com:vml" Requires="v">
-                <p:oleObj spid="_x0000_s411681" name="Equation" r:id="rId3" imgW="1955800" imgH="533400" progId="Equation.DSMT4">
-                  <p:embed/>
-                </p:oleObj>
-              </mc:Choice>
-              <mc:Fallback>
-                <p:oleObj name="Equation" r:id="rId3" imgW="1955800" imgH="533400" progId="Equation.DSMT4">
-                  <p:embed/>
-                  <p:pic>
-                    <p:nvPicPr>
-                      <p:cNvPr id="0" name=""/>
-                      <p:cNvPicPr/>
-                      <p:nvPr/>
-                    </p:nvPicPr>
-                    <p:blipFill>
-                      <a:blip r:embed="rId4"/>
-                      <a:stretch>
-                        <a:fillRect/>
-                      </a:stretch>
-                    </p:blipFill>
-                    <p:spPr>
-                      <a:xfrm>
-                        <a:off x="219423" y="2730499"/>
-                        <a:ext cx="8614837" cy="2349501"/>
-                      </a:xfrm>
-                      <a:prstGeom prst="rect">
-                        <a:avLst/>
-                      </a:prstGeom>
-                    </p:spPr>
-                  </p:pic>
-                </p:oleObj>
-              </mc:Fallback>
-            </mc:AlternateContent>
-          </a:graphicData>
-        </a:graphic>
-      </p:graphicFrame>
-      <p:grpSp>
-        <p:nvGrpSpPr>
-          <p:cNvPr id="7" name="Group 6"/>
-          <p:cNvGrpSpPr/>
-          <p:nvPr/>
-        </p:nvGrpSpPr>
-        <p:grpSpPr>
-          <a:xfrm>
-            <a:off x="847266" y="2162335"/>
-            <a:ext cx="3936402" cy="876913"/>
-            <a:chOff x="635598" y="3104247"/>
-            <a:chExt cx="3936402" cy="876913"/>
-          </a:xfrm>
-        </p:grpSpPr>
-        <p:sp>
-          <p:nvSpPr>
-            <p:cNvPr id="8" name="Left Brace 7"/>
-            <p:cNvSpPr/>
-            <p:nvPr/>
-          </p:nvSpPr>
-          <p:spPr>
-            <a:xfrm rot="5400000">
-              <a:off x="2461845" y="1871005"/>
-              <a:ext cx="283908" cy="3936402"/>
-            </a:xfrm>
-            <a:prstGeom prst="leftBrace">
-              <a:avLst/>
-            </a:prstGeom>
-            <a:ln w="25400">
-              <a:solidFill>
-                <a:srgbClr val="CC0099"/>
-              </a:solidFill>
-            </a:ln>
-          </p:spPr>
-          <p:style>
-            <a:lnRef idx="1">
-              <a:schemeClr val="accent1"/>
-            </a:lnRef>
-            <a:fillRef idx="0">
-              <a:schemeClr val="accent1"/>
-            </a:fillRef>
-            <a:effectRef idx="0">
-              <a:schemeClr val="accent1"/>
-            </a:effectRef>
-            <a:fontRef idx="minor">
-              <a:schemeClr val="tx1"/>
-            </a:fontRef>
-          </p:style>
-          <p:txBody>
-            <a:bodyPr rtlCol="0" anchor="ctr"/>
-            <a:lstStyle/>
-            <a:p>
-              <a:pPr algn="ctr"/>
-              <a:endParaRPr lang="en-US"/>
-            </a:p>
-          </p:txBody>
-        </p:sp>
-        <p:sp>
-          <p:nvSpPr>
-            <p:cNvPr id="10" name="TextBox 9"/>
-            <p:cNvSpPr txBox="1"/>
-            <p:nvPr/>
-          </p:nvSpPr>
-          <p:spPr>
-            <a:xfrm>
-              <a:off x="1589649" y="3104247"/>
-              <a:ext cx="2114681" cy="646331"/>
-            </a:xfrm>
-            <a:prstGeom prst="rect">
-              <a:avLst/>
-            </a:prstGeom>
-            <a:noFill/>
-          </p:spPr>
-          <p:txBody>
-            <a:bodyPr wrap="none" rtlCol="0">
-              <a:spAutoFit/>
-            </a:bodyPr>
-            <a:lstStyle/>
-            <a:p>
-              <a:r>
-                <a:rPr lang="en-US" sz="3600" dirty="0" smtClean="0">
-                  <a:solidFill>
-                    <a:srgbClr val="CC0099"/>
-                  </a:solidFill>
-                  <a:latin typeface="Comic Sans MS" pitchFamily="66" charset="0"/>
-                </a:rPr>
-                <a:t>Axiom 2)</a:t>
-              </a:r>
-              <a:endParaRPr lang="en-US" sz="3600" dirty="0">
-                <a:solidFill>
-                  <a:srgbClr val="CC0099"/>
-                </a:solidFill>
-                <a:latin typeface="Comic Sans MS" pitchFamily="66" charset="0"/>
-              </a:endParaRPr>
-            </a:p>
-          </p:txBody>
-        </p:sp>
-      </p:grpSp>
-      <p:sp>
-        <p:nvSpPr>
-          <p:cNvPr id="12" name="TextBox 11"/>
-          <p:cNvSpPr txBox="1"/>
-          <p:nvPr/>
-        </p:nvSpPr>
-        <p:spPr>
-          <a:xfrm>
-            <a:off x="551343" y="1349196"/>
-            <a:ext cx="6724918" cy="830997"/>
-          </a:xfrm>
-          <a:prstGeom prst="rect">
-            <a:avLst/>
-          </a:prstGeom>
-          <a:noFill/>
-        </p:spPr>
-        <p:txBody>
-          <a:bodyPr wrap="none" rtlCol="0">
-            <a:spAutoFit/>
-          </a:bodyPr>
-          <a:lstStyle/>
-          <a:p>
-            <a:r>
-              <a:rPr lang="en-US" sz="4800" dirty="0" smtClean="0">
-                <a:latin typeface="Comic Sans MS" pitchFamily="66" charset="0"/>
-              </a:rPr>
-              <a:t>so apply </a:t>
-            </a:r>
-            <a:r>
-              <a:rPr lang="en-US" sz="4800" dirty="0" smtClean="0">
-                <a:solidFill>
-                  <a:srgbClr val="0000FF"/>
-                </a:solidFill>
-                <a:latin typeface="Comic Sans MS" pitchFamily="66" charset="0"/>
-              </a:rPr>
-              <a:t>modus ponens</a:t>
-            </a:r>
-            <a:r>
-              <a:rPr lang="en-US" sz="4800" dirty="0" smtClean="0">
-                <a:latin typeface="Comic Sans MS" pitchFamily="66" charset="0"/>
-              </a:rPr>
-              <a:t>:</a:t>
-            </a:r>
-            <a:endParaRPr lang="en-US" sz="4800" dirty="0">
-              <a:latin typeface="Comic Sans MS" pitchFamily="66" charset="0"/>
-            </a:endParaRPr>
-          </a:p>
-        </p:txBody>
-      </p:sp>
-    </p:spTree>
-    <p:extLst>
-      <p:ext uri="{BB962C8B-B14F-4D97-AF65-F5344CB8AC3E}">
-        <p14:creationId xmlns:p14="http://schemas.microsoft.com/office/powerpoint/2010/main" val="4105154637"/>
-      </p:ext>
-    </p:extLst>
-  </p:cSld>
-  <p:clrMapOvr>
-    <a:masterClrMapping/>
-  </p:clrMapOvr>
-  <p:transition xmlns:p14="http://schemas.microsoft.com/office/powerpoint/2010/main" spd="slow" advClick="0">
-    <p:fade/>
-  </p:transition>
-  <p:timing>
-    <p:tnLst>
-      <p:par>
-        <p:cTn xmlns:p14="http://schemas.microsoft.com/office/powerpoint/2010/main" id="1" dur="indefinite" restart="never" nodeType="tmRoot"/>
-      </p:par>
-    </p:tnLst>
-  </p:timing>
-</p:sld>
-</file>
-
 <file path=ppt/slides/slide2.xml><?xml version="1.0" encoding="utf-8"?>
-<p:sld xmlns:a="http://schemas.openxmlformats.org/drawingml/2006/main" xmlns:r="http://schemas.openxmlformats.org/officeDocument/2006/relationships" xmlns:p="http://schemas.openxmlformats.org/presentationml/2006/main">
+<p:sld xmlns:a="http://schemas.openxmlformats.org/drawingml/2006/main" xmlns:r="http://schemas.openxmlformats.org/officeDocument/2006/relationships" xmlns:p="http://schemas.openxmlformats.org/presentationml/2006/main" show="0">
   <p:cSld>
     <p:spTree>
       <p:nvGrpSpPr>
@@ -12186,7 +11310,7 @@
     <a:masterClrMapping/>
   </p:clrMapOvr>
   <p:transition xmlns:p14="http://schemas.microsoft.com/office/powerpoint/2010/main" spd="slow" advClick="0">
-    <p:fade thruBlk="1"/>
+    <p:fade/>
   </p:transition>
   <p:timing>
     <p:tnLst>
@@ -12557,6 +11681,47 @@
       </p:sp>
       <p:sp>
         <p:nvSpPr>
+          <p:cNvPr id="3" name="Content Placeholder 2"/>
+          <p:cNvSpPr>
+            <a:spLocks noGrp="1"/>
+          </p:cNvSpPr>
+          <p:nvPr>
+            <p:ph idx="1"/>
+          </p:nvPr>
+        </p:nvSpPr>
+        <p:spPr>
+          <a:xfrm>
+            <a:off x="535595" y="1254858"/>
+            <a:ext cx="4607906" cy="1232226"/>
+          </a:xfrm>
+        </p:spPr>
+        <p:txBody>
+          <a:bodyPr/>
+          <a:lstStyle/>
+          <a:p>
+            <a:pPr>
+              <a:lnSpc>
+                <a:spcPct val="120000"/>
+              </a:lnSpc>
+            </a:pPr>
+            <a:r>
+              <a:rPr lang="en-US" sz="5400" dirty="0" smtClean="0"/>
+              <a:t>3</a:t>
+            </a:r>
+            <a:r>
+              <a:rPr lang="en-US" sz="5400" baseline="30000" dirty="0" smtClean="0"/>
+              <a:t>rd</a:t>
+            </a:r>
+            <a:r>
+              <a:rPr lang="en-US" sz="5400" dirty="0" smtClean="0"/>
+              <a:t> axiom:</a:t>
+            </a:r>
+            <a:endParaRPr lang="en-US" sz="5400" dirty="0"/>
+          </a:p>
+        </p:txBody>
+      </p:sp>
+      <p:sp>
+        <p:nvSpPr>
           <p:cNvPr id="9" name="Slide Number Placeholder 2"/>
           <p:cNvSpPr>
             <a:spLocks noGrp="1"/>
@@ -12583,6 +11748,1633 @@
               <a:rPr lang="en-US" smtClean="0"/>
               <a:pPr/>
               <a:t>20</a:t>
+            </a:fld>
+            <a:endParaRPr lang="en-US" dirty="0"/>
+          </a:p>
+        </p:txBody>
+      </p:sp>
+      <p:graphicFrame>
+        <p:nvGraphicFramePr>
+          <p:cNvPr id="6" name="Object 5"/>
+          <p:cNvGraphicFramePr>
+            <a:graphicFrameLocks noChangeAspect="1"/>
+          </p:cNvGraphicFramePr>
+          <p:nvPr>
+            <p:extLst>
+              <p:ext uri="{D42A27DB-BD31-4B8C-83A1-F6EECF244321}">
+                <p14:modId xmlns:p14="http://schemas.microsoft.com/office/powerpoint/2010/main" val="2438547695"/>
+              </p:ext>
+            </p:extLst>
+          </p:nvPr>
+        </p:nvGraphicFramePr>
+        <p:xfrm>
+          <a:off x="300565" y="2767013"/>
+          <a:ext cx="8461375" cy="2317750"/>
+        </p:xfrm>
+        <a:graphic>
+          <a:graphicData uri="http://schemas.openxmlformats.org/presentationml/2006/ole">
+            <mc:AlternateContent xmlns:mc="http://schemas.openxmlformats.org/markup-compatibility/2006">
+              <mc:Choice xmlns:v="urn:schemas-microsoft-com:vml" Requires="v">
+                <p:oleObj spid="_x0000_s409639" name="Equation" r:id="rId3" imgW="1854200" imgH="508000" progId="Equation.3">
+                  <p:embed/>
+                </p:oleObj>
+              </mc:Choice>
+              <mc:Fallback>
+                <p:oleObj name="Equation" r:id="rId3" imgW="1854200" imgH="508000" progId="Equation.3">
+                  <p:embed/>
+                  <p:pic>
+                    <p:nvPicPr>
+                      <p:cNvPr id="0" name=""/>
+                      <p:cNvPicPr/>
+                      <p:nvPr/>
+                    </p:nvPicPr>
+                    <p:blipFill>
+                      <a:blip r:embed="rId4"/>
+                      <a:stretch>
+                        <a:fillRect/>
+                      </a:stretch>
+                    </p:blipFill>
+                    <p:spPr>
+                      <a:xfrm>
+                        <a:off x="300565" y="2767013"/>
+                        <a:ext cx="8461375" cy="2317750"/>
+                      </a:xfrm>
+                      <a:prstGeom prst="rect">
+                        <a:avLst/>
+                      </a:prstGeom>
+                    </p:spPr>
+                  </p:pic>
+                </p:oleObj>
+              </mc:Fallback>
+            </mc:AlternateContent>
+          </a:graphicData>
+        </a:graphic>
+      </p:graphicFrame>
+      <p:sp>
+        <p:nvSpPr>
+          <p:cNvPr id="5" name="TextBox 4"/>
+          <p:cNvSpPr txBox="1"/>
+          <p:nvPr/>
+        </p:nvSpPr>
+        <p:spPr>
+          <a:xfrm>
+            <a:off x="1852084" y="5154084"/>
+            <a:ext cx="4733913" cy="923330"/>
+          </a:xfrm>
+          <a:prstGeom prst="rect">
+            <a:avLst/>
+          </a:prstGeom>
+          <a:noFill/>
+        </p:spPr>
+        <p:txBody>
+          <a:bodyPr wrap="none" rtlCol="0">
+            <a:spAutoFit/>
+          </a:bodyPr>
+          <a:lstStyle/>
+          <a:p>
+            <a:pPr algn="l"/>
+            <a:r>
+              <a:rPr lang="en-US" sz="5400" dirty="0" smtClean="0">
+                <a:latin typeface="Comic Sans MS" pitchFamily="66" charset="0"/>
+              </a:rPr>
+              <a:t>replace </a:t>
+            </a:r>
+            <a:r>
+              <a:rPr lang="en-US" sz="5400" dirty="0" smtClean="0">
+                <a:solidFill>
+                  <a:srgbClr val="0000FF"/>
+                </a:solidFill>
+                <a:latin typeface="Comic Sans MS" pitchFamily="66" charset="0"/>
+              </a:rPr>
+              <a:t>R</a:t>
+            </a:r>
+            <a:r>
+              <a:rPr lang="en-US" sz="5400" dirty="0" smtClean="0">
+                <a:latin typeface="Comic Sans MS" pitchFamily="66" charset="0"/>
+              </a:rPr>
+              <a:t> by </a:t>
+            </a:r>
+            <a:r>
+              <a:rPr lang="en-US" sz="5400" dirty="0" smtClean="0">
+                <a:solidFill>
+                  <a:srgbClr val="0000FF"/>
+                </a:solidFill>
+                <a:latin typeface="Comic Sans MS" pitchFamily="66" charset="0"/>
+              </a:rPr>
+              <a:t>P</a:t>
+            </a:r>
+          </a:p>
+        </p:txBody>
+      </p:sp>
+    </p:spTree>
+    <p:extLst>
+      <p:ext uri="{BB962C8B-B14F-4D97-AF65-F5344CB8AC3E}">
+        <p14:creationId xmlns:p14="http://schemas.microsoft.com/office/powerpoint/2010/main" val="1942635918"/>
+      </p:ext>
+    </p:extLst>
+  </p:cSld>
+  <p:clrMapOvr>
+    <a:masterClrMapping/>
+  </p:clrMapOvr>
+  <p:transition xmlns:p14="http://schemas.microsoft.com/office/powerpoint/2010/main" spd="slow" advClick="0">
+    <p:fade/>
+  </p:transition>
+  <p:timing>
+    <p:tnLst>
+      <p:par>
+        <p:cTn xmlns:p14="http://schemas.microsoft.com/office/powerpoint/2010/main" id="1" dur="indefinite" restart="never" nodeType="tmRoot">
+          <p:childTnLst>
+            <p:seq concurrent="1" nextAc="seek">
+              <p:cTn id="2" dur="indefinite" nodeType="mainSeq">
+                <p:childTnLst>
+                  <p:par>
+                    <p:cTn id="3" fill="hold">
+                      <p:stCondLst>
+                        <p:cond delay="indefinite"/>
+                        <p:cond evt="onBegin" delay="0">
+                          <p:tn val="2"/>
+                        </p:cond>
+                      </p:stCondLst>
+                      <p:childTnLst>
+                        <p:par>
+                          <p:cTn id="4" fill="hold">
+                            <p:stCondLst>
+                              <p:cond delay="0"/>
+                            </p:stCondLst>
+                            <p:childTnLst>
+                              <p:par>
+                                <p:cTn id="5" presetID="9" presetClass="entr" presetSubtype="0" fill="hold" nodeType="afterEffect">
+                                  <p:stCondLst>
+                                    <p:cond delay="0"/>
+                                  </p:stCondLst>
+                                  <p:childTnLst>
+                                    <p:set>
+                                      <p:cBhvr>
+                                        <p:cTn id="6" dur="1" fill="hold">
+                                          <p:stCondLst>
+                                            <p:cond delay="0"/>
+                                          </p:stCondLst>
+                                        </p:cTn>
+                                        <p:tgtEl>
+                                          <p:spTgt spid="6"/>
+                                        </p:tgtEl>
+                                        <p:attrNameLst>
+                                          <p:attrName>style.visibility</p:attrName>
+                                        </p:attrNameLst>
+                                      </p:cBhvr>
+                                      <p:to>
+                                        <p:strVal val="visible"/>
+                                      </p:to>
+                                    </p:set>
+                                    <p:animEffect transition="in" filter="dissolve">
+                                      <p:cBhvr>
+                                        <p:cTn id="7" dur="500"/>
+                                        <p:tgtEl>
+                                          <p:spTgt spid="6"/>
+                                        </p:tgtEl>
+                                      </p:cBhvr>
+                                    </p:animEffect>
+                                  </p:childTnLst>
+                                </p:cTn>
+                              </p:par>
+                            </p:childTnLst>
+                          </p:cTn>
+                        </p:par>
+                      </p:childTnLst>
+                    </p:cTn>
+                  </p:par>
+                  <p:par>
+                    <p:cTn id="8" fill="hold">
+                      <p:stCondLst>
+                        <p:cond delay="indefinite"/>
+                      </p:stCondLst>
+                      <p:childTnLst>
+                        <p:par>
+                          <p:cTn id="9" fill="hold">
+                            <p:stCondLst>
+                              <p:cond delay="0"/>
+                            </p:stCondLst>
+                            <p:childTnLst>
+                              <p:par>
+                                <p:cTn id="10" presetID="9" presetClass="entr" presetSubtype="0" fill="hold" grpId="0" nodeType="clickEffect">
+                                  <p:stCondLst>
+                                    <p:cond delay="0"/>
+                                  </p:stCondLst>
+                                  <p:childTnLst>
+                                    <p:set>
+                                      <p:cBhvr>
+                                        <p:cTn id="11" dur="1" fill="hold">
+                                          <p:stCondLst>
+                                            <p:cond delay="0"/>
+                                          </p:stCondLst>
+                                        </p:cTn>
+                                        <p:tgtEl>
+                                          <p:spTgt spid="5"/>
+                                        </p:tgtEl>
+                                        <p:attrNameLst>
+                                          <p:attrName>style.visibility</p:attrName>
+                                        </p:attrNameLst>
+                                      </p:cBhvr>
+                                      <p:to>
+                                        <p:strVal val="visible"/>
+                                      </p:to>
+                                    </p:set>
+                                    <p:animEffect transition="in" filter="dissolve">
+                                      <p:cBhvr>
+                                        <p:cTn id="12" dur="500"/>
+                                        <p:tgtEl>
+                                          <p:spTgt spid="5"/>
+                                        </p:tgtEl>
+                                      </p:cBhvr>
+                                    </p:animEffect>
+                                  </p:childTnLst>
+                                </p:cTn>
+                              </p:par>
+                            </p:childTnLst>
+                          </p:cTn>
+                        </p:par>
+                      </p:childTnLst>
+                    </p:cTn>
+                  </p:par>
+                </p:childTnLst>
+              </p:cTn>
+              <p:prevCondLst>
+                <p:cond evt="onPrev" delay="0">
+                  <p:tgtEl>
+                    <p:sldTgt/>
+                  </p:tgtEl>
+                </p:cond>
+              </p:prevCondLst>
+              <p:nextCondLst>
+                <p:cond evt="onNext" delay="0">
+                  <p:tgtEl>
+                    <p:sldTgt/>
+                  </p:tgtEl>
+                </p:cond>
+              </p:nextCondLst>
+            </p:seq>
+          </p:childTnLst>
+        </p:cTn>
+      </p:par>
+    </p:tnLst>
+    <p:bldLst>
+      <p:bldP spid="5" grpId="0"/>
+    </p:bldLst>
+  </p:timing>
+</p:sld>
+</file>
+
+<file path=ppt/slides/slide21.xml><?xml version="1.0" encoding="utf-8"?>
+<p:sld xmlns:a="http://schemas.openxmlformats.org/drawingml/2006/main" xmlns:r="http://schemas.openxmlformats.org/officeDocument/2006/relationships" xmlns:p="http://schemas.openxmlformats.org/presentationml/2006/main">
+  <p:cSld>
+    <p:spTree>
+      <p:nvGrpSpPr>
+        <p:cNvPr id="1" name=""/>
+        <p:cNvGrpSpPr/>
+        <p:nvPr/>
+      </p:nvGrpSpPr>
+      <p:grpSpPr>
+        <a:xfrm>
+          <a:off x="0" y="0"/>
+          <a:ext cx="0" cy="0"/>
+          <a:chOff x="0" y="0"/>
+          <a:chExt cx="0" cy="0"/>
+        </a:xfrm>
+      </p:grpSpPr>
+      <p:sp>
+        <p:nvSpPr>
+          <p:cNvPr id="2" name="Title 1"/>
+          <p:cNvSpPr>
+            <a:spLocks noGrp="1"/>
+          </p:cNvSpPr>
+          <p:nvPr>
+            <p:ph type="title"/>
+          </p:nvPr>
+        </p:nvSpPr>
+        <p:spPr>
+          <a:xfrm>
+            <a:off x="1391102" y="304800"/>
+            <a:ext cx="7543800" cy="1143000"/>
+          </a:xfrm>
+        </p:spPr>
+        <p:txBody>
+          <a:bodyPr/>
+          <a:lstStyle/>
+          <a:p>
+            <a:r>
+              <a:rPr lang="en-US" sz="4000" dirty="0" smtClean="0"/>
+              <a:t>A </a:t>
+            </a:r>
+            <a:r>
+              <a:rPr lang="en-US" sz="4000" dirty="0" err="1" smtClean="0"/>
+              <a:t>Lukasiewicz</a:t>
+            </a:r>
+            <a:r>
+              <a:rPr lang="en-US" sz="4000" dirty="0" smtClean="0"/>
+              <a:t>’ Proof</a:t>
+            </a:r>
+            <a:endParaRPr lang="en-US" sz="4000" dirty="0"/>
+          </a:p>
+        </p:txBody>
+      </p:sp>
+      <p:sp>
+        <p:nvSpPr>
+          <p:cNvPr id="9" name="Slide Number Placeholder 2"/>
+          <p:cNvSpPr>
+            <a:spLocks noGrp="1"/>
+          </p:cNvSpPr>
+          <p:nvPr>
+            <p:ph type="sldNum" sz="quarter" idx="10"/>
+          </p:nvPr>
+        </p:nvSpPr>
+        <p:spPr>
+          <a:xfrm>
+            <a:off x="7468467" y="6553200"/>
+            <a:ext cx="1675534" cy="276999"/>
+          </a:xfrm>
+        </p:spPr>
+        <p:txBody>
+          <a:bodyPr/>
+          <a:lstStyle/>
+          <a:p>
+            <a:r>
+              <a:rPr lang="en-US" dirty="0" smtClean="0"/>
+              <a:t>propositional logic.</a:t>
+            </a:r>
+            <a:fld id="{3251DA95-B240-47FE-901D-B78FC8E8E532}" type="slidenum">
+              <a:rPr lang="en-US" smtClean="0"/>
+              <a:pPr/>
+              <a:t>21</a:t>
+            </a:fld>
+            <a:endParaRPr lang="en-US" dirty="0"/>
+          </a:p>
+        </p:txBody>
+      </p:sp>
+      <p:graphicFrame>
+        <p:nvGraphicFramePr>
+          <p:cNvPr id="5" name="Object 4"/>
+          <p:cNvGraphicFramePr>
+            <a:graphicFrameLocks noChangeAspect="1"/>
+          </p:cNvGraphicFramePr>
+          <p:nvPr>
+            <p:extLst>
+              <p:ext uri="{D42A27DB-BD31-4B8C-83A1-F6EECF244321}">
+                <p14:modId xmlns:p14="http://schemas.microsoft.com/office/powerpoint/2010/main" val="3470694086"/>
+              </p:ext>
+            </p:extLst>
+          </p:nvPr>
+        </p:nvGraphicFramePr>
+        <p:xfrm>
+          <a:off x="303213" y="2697163"/>
+          <a:ext cx="8394700" cy="2414587"/>
+        </p:xfrm>
+        <a:graphic>
+          <a:graphicData uri="http://schemas.openxmlformats.org/presentationml/2006/ole">
+            <mc:AlternateContent xmlns:mc="http://schemas.openxmlformats.org/markup-compatibility/2006">
+              <mc:Choice xmlns:v="urn:schemas-microsoft-com:vml" Requires="v">
+                <p:oleObj spid="_x0000_s408638" name="Equation" r:id="rId3" imgW="1854200" imgH="533400" progId="Equation.DSMT4">
+                  <p:embed/>
+                </p:oleObj>
+              </mc:Choice>
+              <mc:Fallback>
+                <p:oleObj name="Equation" r:id="rId3" imgW="1854200" imgH="533400" progId="Equation.DSMT4">
+                  <p:embed/>
+                  <p:pic>
+                    <p:nvPicPr>
+                      <p:cNvPr id="0" name=""/>
+                      <p:cNvPicPr/>
+                      <p:nvPr/>
+                    </p:nvPicPr>
+                    <p:blipFill>
+                      <a:blip r:embed="rId4"/>
+                      <a:stretch>
+                        <a:fillRect/>
+                      </a:stretch>
+                    </p:blipFill>
+                    <p:spPr>
+                      <a:xfrm>
+                        <a:off x="303213" y="2697163"/>
+                        <a:ext cx="8394700" cy="2414587"/>
+                      </a:xfrm>
+                      <a:prstGeom prst="rect">
+                        <a:avLst/>
+                      </a:prstGeom>
+                    </p:spPr>
+                  </p:pic>
+                </p:oleObj>
+              </mc:Fallback>
+            </mc:AlternateContent>
+          </a:graphicData>
+        </a:graphic>
+      </p:graphicFrame>
+      <p:sp>
+        <p:nvSpPr>
+          <p:cNvPr id="13" name="Content Placeholder 2"/>
+          <p:cNvSpPr>
+            <a:spLocks noGrp="1"/>
+          </p:cNvSpPr>
+          <p:nvPr>
+            <p:ph idx="1"/>
+          </p:nvPr>
+        </p:nvSpPr>
+        <p:spPr>
+          <a:xfrm>
+            <a:off x="535595" y="1254858"/>
+            <a:ext cx="4607906" cy="1232226"/>
+          </a:xfrm>
+        </p:spPr>
+        <p:txBody>
+          <a:bodyPr/>
+          <a:lstStyle/>
+          <a:p>
+            <a:pPr>
+              <a:lnSpc>
+                <a:spcPct val="120000"/>
+              </a:lnSpc>
+            </a:pPr>
+            <a:r>
+              <a:rPr lang="en-US" sz="5400" dirty="0" smtClean="0"/>
+              <a:t>3</a:t>
+            </a:r>
+            <a:r>
+              <a:rPr lang="en-US" sz="5400" baseline="30000" dirty="0" smtClean="0"/>
+              <a:t>rd</a:t>
+            </a:r>
+            <a:r>
+              <a:rPr lang="en-US" sz="5400" dirty="0" smtClean="0"/>
+              <a:t> axiom:</a:t>
+            </a:r>
+            <a:endParaRPr lang="en-US" sz="5400" dirty="0"/>
+          </a:p>
+        </p:txBody>
+      </p:sp>
+      <p:sp>
+        <p:nvSpPr>
+          <p:cNvPr id="14" name="TextBox 13"/>
+          <p:cNvSpPr txBox="1"/>
+          <p:nvPr/>
+        </p:nvSpPr>
+        <p:spPr>
+          <a:xfrm>
+            <a:off x="1174772" y="5154084"/>
+            <a:ext cx="4338297" cy="923330"/>
+          </a:xfrm>
+          <a:prstGeom prst="rect">
+            <a:avLst/>
+          </a:prstGeom>
+          <a:noFill/>
+        </p:spPr>
+        <p:txBody>
+          <a:bodyPr wrap="none" rtlCol="0">
+            <a:spAutoFit/>
+          </a:bodyPr>
+          <a:lstStyle/>
+          <a:p>
+            <a:pPr algn="l"/>
+            <a:r>
+              <a:rPr lang="en-US" sz="5400" dirty="0" smtClean="0">
+                <a:latin typeface="Comic Sans MS" pitchFamily="66" charset="0"/>
+              </a:rPr>
+              <a:t>replace </a:t>
+            </a:r>
+            <a:r>
+              <a:rPr lang="en-US" sz="5400" dirty="0" smtClean="0">
+                <a:solidFill>
+                  <a:srgbClr val="0000FF"/>
+                </a:solidFill>
+                <a:latin typeface="Comic Sans MS" pitchFamily="66" charset="0"/>
+              </a:rPr>
+              <a:t>Q</a:t>
+            </a:r>
+            <a:r>
+              <a:rPr lang="en-US" sz="5400" dirty="0" smtClean="0">
+                <a:latin typeface="Comic Sans MS" pitchFamily="66" charset="0"/>
+              </a:rPr>
+              <a:t> by </a:t>
+            </a:r>
+            <a:endParaRPr lang="en-US" sz="5400" dirty="0" smtClean="0">
+              <a:solidFill>
+                <a:srgbClr val="0000FF"/>
+              </a:solidFill>
+              <a:latin typeface="Comic Sans MS" pitchFamily="66" charset="0"/>
+            </a:endParaRPr>
+          </a:p>
+        </p:txBody>
+      </p:sp>
+      <p:graphicFrame>
+        <p:nvGraphicFramePr>
+          <p:cNvPr id="16" name="Object 15"/>
+          <p:cNvGraphicFramePr>
+            <a:graphicFrameLocks noChangeAspect="1"/>
+          </p:cNvGraphicFramePr>
+          <p:nvPr>
+            <p:extLst>
+              <p:ext uri="{D42A27DB-BD31-4B8C-83A1-F6EECF244321}">
+                <p14:modId xmlns:p14="http://schemas.microsoft.com/office/powerpoint/2010/main" val="2863048557"/>
+              </p:ext>
+            </p:extLst>
+          </p:nvPr>
+        </p:nvGraphicFramePr>
+        <p:xfrm>
+          <a:off x="5435508" y="5103284"/>
+          <a:ext cx="2385595" cy="1054100"/>
+        </p:xfrm>
+        <a:graphic>
+          <a:graphicData uri="http://schemas.openxmlformats.org/presentationml/2006/ole">
+            <mc:AlternateContent xmlns:mc="http://schemas.openxmlformats.org/markup-compatibility/2006">
+              <mc:Choice xmlns:v="urn:schemas-microsoft-com:vml" Requires="v">
+                <p:oleObj spid="_x0000_s408639" name="Equation" r:id="rId5" imgW="546100" imgH="241300" progId="Equation.DSMT4">
+                  <p:embed/>
+                </p:oleObj>
+              </mc:Choice>
+              <mc:Fallback>
+                <p:oleObj name="Equation" r:id="rId5" imgW="546100" imgH="241300" progId="Equation.DSMT4">
+                  <p:embed/>
+                  <p:pic>
+                    <p:nvPicPr>
+                      <p:cNvPr id="0" name=""/>
+                      <p:cNvPicPr/>
+                      <p:nvPr/>
+                    </p:nvPicPr>
+                    <p:blipFill>
+                      <a:blip r:embed="rId6"/>
+                      <a:stretch>
+                        <a:fillRect/>
+                      </a:stretch>
+                    </p:blipFill>
+                    <p:spPr>
+                      <a:xfrm>
+                        <a:off x="5435508" y="5103284"/>
+                        <a:ext cx="2385595" cy="1054100"/>
+                      </a:xfrm>
+                      <a:prstGeom prst="rect">
+                        <a:avLst/>
+                      </a:prstGeom>
+                    </p:spPr>
+                  </p:pic>
+                </p:oleObj>
+              </mc:Fallback>
+            </mc:AlternateContent>
+          </a:graphicData>
+        </a:graphic>
+      </p:graphicFrame>
+    </p:spTree>
+  </p:cSld>
+  <p:clrMapOvr>
+    <a:masterClrMapping/>
+  </p:clrMapOvr>
+  <p:transition xmlns:p14="http://schemas.microsoft.com/office/powerpoint/2010/main" spd="slow" advClick="0">
+    <p:fade/>
+  </p:transition>
+  <p:timing>
+    <p:tnLst>
+      <p:par>
+        <p:cTn xmlns:p14="http://schemas.microsoft.com/office/powerpoint/2010/main" id="1" dur="indefinite" restart="never" nodeType="tmRoot">
+          <p:childTnLst>
+            <p:seq concurrent="1" nextAc="seek">
+              <p:cTn id="2" dur="indefinite" nodeType="mainSeq">
+                <p:childTnLst>
+                  <p:par>
+                    <p:cTn id="3" fill="hold">
+                      <p:stCondLst>
+                        <p:cond delay="indefinite"/>
+                      </p:stCondLst>
+                      <p:childTnLst>
+                        <p:par>
+                          <p:cTn id="4" fill="hold">
+                            <p:stCondLst>
+                              <p:cond delay="0"/>
+                            </p:stCondLst>
+                            <p:childTnLst>
+                              <p:par>
+                                <p:cTn id="5" presetID="9" presetClass="entr" presetSubtype="0" fill="hold" grpId="0" nodeType="clickEffect">
+                                  <p:stCondLst>
+                                    <p:cond delay="0"/>
+                                  </p:stCondLst>
+                                  <p:childTnLst>
+                                    <p:set>
+                                      <p:cBhvr>
+                                        <p:cTn id="6" dur="1" fill="hold">
+                                          <p:stCondLst>
+                                            <p:cond delay="0"/>
+                                          </p:stCondLst>
+                                        </p:cTn>
+                                        <p:tgtEl>
+                                          <p:spTgt spid="14"/>
+                                        </p:tgtEl>
+                                        <p:attrNameLst>
+                                          <p:attrName>style.visibility</p:attrName>
+                                        </p:attrNameLst>
+                                      </p:cBhvr>
+                                      <p:to>
+                                        <p:strVal val="visible"/>
+                                      </p:to>
+                                    </p:set>
+                                    <p:animEffect transition="in" filter="dissolve">
+                                      <p:cBhvr>
+                                        <p:cTn id="7" dur="500"/>
+                                        <p:tgtEl>
+                                          <p:spTgt spid="14"/>
+                                        </p:tgtEl>
+                                      </p:cBhvr>
+                                    </p:animEffect>
+                                  </p:childTnLst>
+                                </p:cTn>
+                              </p:par>
+                              <p:par>
+                                <p:cTn id="8" presetID="9" presetClass="entr" presetSubtype="0" fill="hold" nodeType="withEffect">
+                                  <p:stCondLst>
+                                    <p:cond delay="0"/>
+                                  </p:stCondLst>
+                                  <p:childTnLst>
+                                    <p:set>
+                                      <p:cBhvr>
+                                        <p:cTn id="9" dur="1" fill="hold">
+                                          <p:stCondLst>
+                                            <p:cond delay="0"/>
+                                          </p:stCondLst>
+                                        </p:cTn>
+                                        <p:tgtEl>
+                                          <p:spTgt spid="16"/>
+                                        </p:tgtEl>
+                                        <p:attrNameLst>
+                                          <p:attrName>style.visibility</p:attrName>
+                                        </p:attrNameLst>
+                                      </p:cBhvr>
+                                      <p:to>
+                                        <p:strVal val="visible"/>
+                                      </p:to>
+                                    </p:set>
+                                    <p:animEffect transition="in" filter="dissolve">
+                                      <p:cBhvr>
+                                        <p:cTn id="10" dur="500"/>
+                                        <p:tgtEl>
+                                          <p:spTgt spid="16"/>
+                                        </p:tgtEl>
+                                      </p:cBhvr>
+                                    </p:animEffect>
+                                  </p:childTnLst>
+                                </p:cTn>
+                              </p:par>
+                            </p:childTnLst>
+                          </p:cTn>
+                        </p:par>
+                      </p:childTnLst>
+                    </p:cTn>
+                  </p:par>
+                </p:childTnLst>
+              </p:cTn>
+              <p:prevCondLst>
+                <p:cond evt="onPrev" delay="0">
+                  <p:tgtEl>
+                    <p:sldTgt/>
+                  </p:tgtEl>
+                </p:cond>
+              </p:prevCondLst>
+              <p:nextCondLst>
+                <p:cond evt="onNext" delay="0">
+                  <p:tgtEl>
+                    <p:sldTgt/>
+                  </p:tgtEl>
+                </p:cond>
+              </p:nextCondLst>
+            </p:seq>
+          </p:childTnLst>
+        </p:cTn>
+      </p:par>
+    </p:tnLst>
+    <p:bldLst>
+      <p:bldP spid="14" grpId="0"/>
+    </p:bldLst>
+  </p:timing>
+</p:sld>
+</file>
+
+<file path=ppt/slides/slide22.xml><?xml version="1.0" encoding="utf-8"?>
+<p:sld xmlns:a="http://schemas.openxmlformats.org/drawingml/2006/main" xmlns:r="http://schemas.openxmlformats.org/officeDocument/2006/relationships" xmlns:p="http://schemas.openxmlformats.org/presentationml/2006/main">
+  <p:cSld>
+    <p:spTree>
+      <p:nvGrpSpPr>
+        <p:cNvPr id="1" name=""/>
+        <p:cNvGrpSpPr/>
+        <p:nvPr/>
+      </p:nvGrpSpPr>
+      <p:grpSpPr>
+        <a:xfrm>
+          <a:off x="0" y="0"/>
+          <a:ext cx="0" cy="0"/>
+          <a:chOff x="0" y="0"/>
+          <a:chExt cx="0" cy="0"/>
+        </a:xfrm>
+      </p:grpSpPr>
+      <p:sp>
+        <p:nvSpPr>
+          <p:cNvPr id="2" name="Title 1"/>
+          <p:cNvSpPr>
+            <a:spLocks noGrp="1"/>
+          </p:cNvSpPr>
+          <p:nvPr>
+            <p:ph type="title"/>
+          </p:nvPr>
+        </p:nvSpPr>
+        <p:spPr>
+          <a:xfrm>
+            <a:off x="1391102" y="304800"/>
+            <a:ext cx="7543800" cy="1143000"/>
+          </a:xfrm>
+        </p:spPr>
+        <p:txBody>
+          <a:bodyPr/>
+          <a:lstStyle/>
+          <a:p>
+            <a:r>
+              <a:rPr lang="en-US" sz="4000" dirty="0" smtClean="0"/>
+              <a:t>A </a:t>
+            </a:r>
+            <a:r>
+              <a:rPr lang="en-US" sz="4000" dirty="0" err="1" smtClean="0"/>
+              <a:t>Lukasiewicz</a:t>
+            </a:r>
+            <a:r>
+              <a:rPr lang="en-US" sz="4000" dirty="0" smtClean="0"/>
+              <a:t>’ Proof</a:t>
+            </a:r>
+            <a:endParaRPr lang="en-US" sz="4000" dirty="0"/>
+          </a:p>
+        </p:txBody>
+      </p:sp>
+      <p:sp>
+        <p:nvSpPr>
+          <p:cNvPr id="9" name="Slide Number Placeholder 2"/>
+          <p:cNvSpPr>
+            <a:spLocks noGrp="1"/>
+          </p:cNvSpPr>
+          <p:nvPr>
+            <p:ph type="sldNum" sz="quarter" idx="10"/>
+          </p:nvPr>
+        </p:nvSpPr>
+        <p:spPr>
+          <a:xfrm>
+            <a:off x="7468467" y="6553200"/>
+            <a:ext cx="1675534" cy="276999"/>
+          </a:xfrm>
+        </p:spPr>
+        <p:txBody>
+          <a:bodyPr/>
+          <a:lstStyle/>
+          <a:p>
+            <a:r>
+              <a:rPr lang="en-US" dirty="0" smtClean="0"/>
+              <a:t>propositional logic.</a:t>
+            </a:r>
+            <a:fld id="{3251DA95-B240-47FE-901D-B78FC8E8E532}" type="slidenum">
+              <a:rPr lang="en-US" smtClean="0"/>
+              <a:pPr/>
+              <a:t>22</a:t>
+            </a:fld>
+            <a:endParaRPr lang="en-US" dirty="0"/>
+          </a:p>
+        </p:txBody>
+      </p:sp>
+      <p:graphicFrame>
+        <p:nvGraphicFramePr>
+          <p:cNvPr id="4" name="Object 3"/>
+          <p:cNvGraphicFramePr>
+            <a:graphicFrameLocks noChangeAspect="1"/>
+          </p:cNvGraphicFramePr>
+          <p:nvPr>
+            <p:extLst>
+              <p:ext uri="{D42A27DB-BD31-4B8C-83A1-F6EECF244321}">
+                <p14:modId xmlns:p14="http://schemas.microsoft.com/office/powerpoint/2010/main" val="1763492554"/>
+              </p:ext>
+            </p:extLst>
+          </p:nvPr>
+        </p:nvGraphicFramePr>
+        <p:xfrm>
+          <a:off x="219423" y="2730499"/>
+          <a:ext cx="8614837" cy="2349501"/>
+        </p:xfrm>
+        <a:graphic>
+          <a:graphicData uri="http://schemas.openxmlformats.org/presentationml/2006/ole">
+            <mc:AlternateContent xmlns:mc="http://schemas.openxmlformats.org/markup-compatibility/2006">
+              <mc:Choice xmlns:v="urn:schemas-microsoft-com:vml" Requires="v">
+                <p:oleObj spid="_x0000_s410662" name="Equation" r:id="rId3" imgW="1955800" imgH="533400" progId="Equation.DSMT4">
+                  <p:embed/>
+                </p:oleObj>
+              </mc:Choice>
+              <mc:Fallback>
+                <p:oleObj name="Equation" r:id="rId3" imgW="1955800" imgH="533400" progId="Equation.DSMT4">
+                  <p:embed/>
+                  <p:pic>
+                    <p:nvPicPr>
+                      <p:cNvPr id="0" name=""/>
+                      <p:cNvPicPr/>
+                      <p:nvPr/>
+                    </p:nvPicPr>
+                    <p:blipFill>
+                      <a:blip r:embed="rId4"/>
+                      <a:stretch>
+                        <a:fillRect/>
+                      </a:stretch>
+                    </p:blipFill>
+                    <p:spPr>
+                      <a:xfrm>
+                        <a:off x="219423" y="2730499"/>
+                        <a:ext cx="8614837" cy="2349501"/>
+                      </a:xfrm>
+                      <a:prstGeom prst="rect">
+                        <a:avLst/>
+                      </a:prstGeom>
+                    </p:spPr>
+                  </p:pic>
+                </p:oleObj>
+              </mc:Fallback>
+            </mc:AlternateContent>
+          </a:graphicData>
+        </a:graphic>
+      </p:graphicFrame>
+      <p:grpSp>
+        <p:nvGrpSpPr>
+          <p:cNvPr id="7" name="Group 6"/>
+          <p:cNvGrpSpPr/>
+          <p:nvPr/>
+        </p:nvGrpSpPr>
+        <p:grpSpPr>
+          <a:xfrm>
+            <a:off x="847266" y="2162335"/>
+            <a:ext cx="3936402" cy="876913"/>
+            <a:chOff x="635598" y="3104247"/>
+            <a:chExt cx="3936402" cy="876913"/>
+          </a:xfrm>
+        </p:grpSpPr>
+        <p:sp>
+          <p:nvSpPr>
+            <p:cNvPr id="8" name="Left Brace 7"/>
+            <p:cNvSpPr/>
+            <p:nvPr/>
+          </p:nvSpPr>
+          <p:spPr>
+            <a:xfrm rot="5400000">
+              <a:off x="2461845" y="1871005"/>
+              <a:ext cx="283908" cy="3936402"/>
+            </a:xfrm>
+            <a:prstGeom prst="leftBrace">
+              <a:avLst/>
+            </a:prstGeom>
+            <a:ln w="25400">
+              <a:solidFill>
+                <a:srgbClr val="CC0099"/>
+              </a:solidFill>
+            </a:ln>
+          </p:spPr>
+          <p:style>
+            <a:lnRef idx="1">
+              <a:schemeClr val="accent1"/>
+            </a:lnRef>
+            <a:fillRef idx="0">
+              <a:schemeClr val="accent1"/>
+            </a:fillRef>
+            <a:effectRef idx="0">
+              <a:schemeClr val="accent1"/>
+            </a:effectRef>
+            <a:fontRef idx="minor">
+              <a:schemeClr val="tx1"/>
+            </a:fontRef>
+          </p:style>
+          <p:txBody>
+            <a:bodyPr rtlCol="0" anchor="ctr"/>
+            <a:lstStyle/>
+            <a:p>
+              <a:pPr algn="ctr"/>
+              <a:endParaRPr lang="en-US"/>
+            </a:p>
+          </p:txBody>
+        </p:sp>
+        <p:sp>
+          <p:nvSpPr>
+            <p:cNvPr id="10" name="TextBox 9"/>
+            <p:cNvSpPr txBox="1"/>
+            <p:nvPr/>
+          </p:nvSpPr>
+          <p:spPr>
+            <a:xfrm>
+              <a:off x="1589649" y="3104247"/>
+              <a:ext cx="2114681" cy="646331"/>
+            </a:xfrm>
+            <a:prstGeom prst="rect">
+              <a:avLst/>
+            </a:prstGeom>
+            <a:noFill/>
+          </p:spPr>
+          <p:txBody>
+            <a:bodyPr wrap="none" rtlCol="0">
+              <a:spAutoFit/>
+            </a:bodyPr>
+            <a:lstStyle/>
+            <a:p>
+              <a:r>
+                <a:rPr lang="en-US" sz="3600" dirty="0" smtClean="0">
+                  <a:solidFill>
+                    <a:srgbClr val="CC0099"/>
+                  </a:solidFill>
+                  <a:latin typeface="Comic Sans MS" pitchFamily="66" charset="0"/>
+                </a:rPr>
+                <a:t>Axiom 2)</a:t>
+              </a:r>
+              <a:endParaRPr lang="en-US" sz="3600" dirty="0">
+                <a:solidFill>
+                  <a:srgbClr val="CC0099"/>
+                </a:solidFill>
+                <a:latin typeface="Comic Sans MS" pitchFamily="66" charset="0"/>
+              </a:endParaRPr>
+            </a:p>
+          </p:txBody>
+        </p:sp>
+      </p:grpSp>
+      <p:sp>
+        <p:nvSpPr>
+          <p:cNvPr id="11" name="Content Placeholder 2"/>
+          <p:cNvSpPr txBox="1">
+            <a:spLocks/>
+          </p:cNvSpPr>
+          <p:nvPr/>
+        </p:nvSpPr>
+        <p:spPr bwMode="auto">
+          <a:xfrm>
+            <a:off x="535595" y="1254858"/>
+            <a:ext cx="4607906" cy="1232226"/>
+          </a:xfrm>
+          <a:prstGeom prst="rect">
+            <a:avLst/>
+          </a:prstGeom>
+          <a:noFill/>
+          <a:ln w="9525">
+            <a:noFill/>
+            <a:miter lim="800000"/>
+            <a:headEnd/>
+            <a:tailEnd/>
+          </a:ln>
+        </p:spPr>
+        <p:txBody>
+          <a:bodyPr vert="horz" wrap="square" lIns="91440" tIns="45720" rIns="91440" bIns="45720" numCol="1" anchor="t" anchorCtr="0" compatLnSpc="1">
+            <a:prstTxWarp prst="textNoShape">
+              <a:avLst/>
+            </a:prstTxWarp>
+          </a:bodyPr>
+          <a:lstStyle>
+            <a:lvl1pPr marL="342900" indent="-342900" algn="l" rtl="0" eaLnBrk="0" fontAlgn="base" hangingPunct="0">
+              <a:spcBef>
+                <a:spcPct val="20000"/>
+              </a:spcBef>
+              <a:spcAft>
+                <a:spcPct val="0"/>
+              </a:spcAft>
+              <a:buNone/>
+              <a:defRPr sz="3600">
+                <a:solidFill>
+                  <a:schemeClr val="tx1"/>
+                </a:solidFill>
+                <a:latin typeface="Comic Sans MS" pitchFamily="66" charset="0"/>
+                <a:ea typeface="+mn-ea"/>
+                <a:cs typeface="+mn-cs"/>
+              </a:defRPr>
+            </a:lvl1pPr>
+            <a:lvl2pPr marL="742950" indent="-285750" algn="l" rtl="0" eaLnBrk="0" fontAlgn="base" hangingPunct="0">
+              <a:spcBef>
+                <a:spcPct val="20000"/>
+              </a:spcBef>
+              <a:spcAft>
+                <a:spcPct val="0"/>
+              </a:spcAft>
+              <a:buChar char="–"/>
+              <a:defRPr sz="3200">
+                <a:solidFill>
+                  <a:schemeClr val="tx1"/>
+                </a:solidFill>
+                <a:latin typeface="Comic Sans MS" pitchFamily="66" charset="0"/>
+              </a:defRPr>
+            </a:lvl2pPr>
+            <a:lvl3pPr marL="1143000" indent="-228600" algn="l" rtl="0" eaLnBrk="0" fontAlgn="base" hangingPunct="0">
+              <a:spcBef>
+                <a:spcPct val="20000"/>
+              </a:spcBef>
+              <a:spcAft>
+                <a:spcPct val="0"/>
+              </a:spcAft>
+              <a:buChar char="•"/>
+              <a:defRPr sz="3200">
+                <a:solidFill>
+                  <a:schemeClr val="tx1"/>
+                </a:solidFill>
+                <a:latin typeface="Comic Sans MS" pitchFamily="66" charset="0"/>
+              </a:defRPr>
+            </a:lvl3pPr>
+            <a:lvl4pPr marL="1600200" indent="-228600" algn="l" rtl="0" eaLnBrk="0" fontAlgn="base" hangingPunct="0">
+              <a:spcBef>
+                <a:spcPct val="20000"/>
+              </a:spcBef>
+              <a:spcAft>
+                <a:spcPct val="0"/>
+              </a:spcAft>
+              <a:buChar char="–"/>
+              <a:defRPr sz="2800">
+                <a:solidFill>
+                  <a:schemeClr val="tx1"/>
+                </a:solidFill>
+                <a:latin typeface="Comic Sans MS" pitchFamily="66" charset="0"/>
+              </a:defRPr>
+            </a:lvl4pPr>
+            <a:lvl5pPr marL="2057400" indent="-228600" algn="l" rtl="0" eaLnBrk="0" fontAlgn="base" hangingPunct="0">
+              <a:spcBef>
+                <a:spcPct val="20000"/>
+              </a:spcBef>
+              <a:spcAft>
+                <a:spcPct val="0"/>
+              </a:spcAft>
+              <a:buChar char="»"/>
+              <a:defRPr sz="2800">
+                <a:solidFill>
+                  <a:schemeClr val="tx1"/>
+                </a:solidFill>
+                <a:latin typeface="Comic Sans MS" pitchFamily="66" charset="0"/>
+              </a:defRPr>
+            </a:lvl5pPr>
+            <a:lvl6pPr marL="2514600" indent="-228600" algn="l" rtl="0" fontAlgn="base">
+              <a:spcBef>
+                <a:spcPct val="20000"/>
+              </a:spcBef>
+              <a:spcAft>
+                <a:spcPct val="0"/>
+              </a:spcAft>
+              <a:buChar char="»"/>
+              <a:defRPr sz="2800">
+                <a:solidFill>
+                  <a:schemeClr val="tx1"/>
+                </a:solidFill>
+                <a:latin typeface="+mn-lt"/>
+              </a:defRPr>
+            </a:lvl6pPr>
+            <a:lvl7pPr marL="2971800" indent="-228600" algn="l" rtl="0" fontAlgn="base">
+              <a:spcBef>
+                <a:spcPct val="20000"/>
+              </a:spcBef>
+              <a:spcAft>
+                <a:spcPct val="0"/>
+              </a:spcAft>
+              <a:buChar char="»"/>
+              <a:defRPr sz="2800">
+                <a:solidFill>
+                  <a:schemeClr val="tx1"/>
+                </a:solidFill>
+                <a:latin typeface="+mn-lt"/>
+              </a:defRPr>
+            </a:lvl7pPr>
+            <a:lvl8pPr marL="3429000" indent="-228600" algn="l" rtl="0" fontAlgn="base">
+              <a:spcBef>
+                <a:spcPct val="20000"/>
+              </a:spcBef>
+              <a:spcAft>
+                <a:spcPct val="0"/>
+              </a:spcAft>
+              <a:buChar char="»"/>
+              <a:defRPr sz="2800">
+                <a:solidFill>
+                  <a:schemeClr val="tx1"/>
+                </a:solidFill>
+                <a:latin typeface="+mn-lt"/>
+              </a:defRPr>
+            </a:lvl8pPr>
+            <a:lvl9pPr marL="3886200" indent="-228600" algn="l" rtl="0" fontAlgn="base">
+              <a:spcBef>
+                <a:spcPct val="20000"/>
+              </a:spcBef>
+              <a:spcAft>
+                <a:spcPct val="0"/>
+              </a:spcAft>
+              <a:buChar char="»"/>
+              <a:defRPr sz="2800">
+                <a:solidFill>
+                  <a:schemeClr val="tx1"/>
+                </a:solidFill>
+                <a:latin typeface="+mn-lt"/>
+              </a:defRPr>
+            </a:lvl9pPr>
+          </a:lstStyle>
+          <a:p>
+            <a:pPr>
+              <a:lnSpc>
+                <a:spcPct val="120000"/>
+              </a:lnSpc>
+            </a:pPr>
+            <a:r>
+              <a:rPr lang="en-US" sz="5400" smtClean="0"/>
+              <a:t>3</a:t>
+            </a:r>
+            <a:r>
+              <a:rPr lang="en-US" sz="5400" baseline="30000" smtClean="0"/>
+              <a:t>rd</a:t>
+            </a:r>
+            <a:r>
+              <a:rPr lang="en-US" sz="5400" smtClean="0"/>
+              <a:t> axiom:</a:t>
+            </a:r>
+            <a:endParaRPr lang="en-US" sz="5400" dirty="0"/>
+          </a:p>
+        </p:txBody>
+      </p:sp>
+    </p:spTree>
+    <p:extLst>
+      <p:ext uri="{BB962C8B-B14F-4D97-AF65-F5344CB8AC3E}">
+        <p14:creationId xmlns:p14="http://schemas.microsoft.com/office/powerpoint/2010/main" val="654305877"/>
+      </p:ext>
+    </p:extLst>
+  </p:cSld>
+  <p:clrMapOvr>
+    <a:masterClrMapping/>
+  </p:clrMapOvr>
+  <p:transition xmlns:p14="http://schemas.microsoft.com/office/powerpoint/2010/main" spd="slow" advClick="0">
+    <p:fade/>
+  </p:transition>
+  <p:timing>
+    <p:tnLst>
+      <p:par>
+        <p:cTn xmlns:p14="http://schemas.microsoft.com/office/powerpoint/2010/main" id="1" dur="indefinite" restart="never" nodeType="tmRoot">
+          <p:childTnLst>
+            <p:seq concurrent="1" nextAc="seek">
+              <p:cTn id="2" dur="indefinite" nodeType="mainSeq">
+                <p:childTnLst>
+                  <p:par>
+                    <p:cTn id="3" fill="hold">
+                      <p:stCondLst>
+                        <p:cond delay="indefinite"/>
+                      </p:stCondLst>
+                      <p:childTnLst>
+                        <p:par>
+                          <p:cTn id="4" fill="hold">
+                            <p:stCondLst>
+                              <p:cond delay="0"/>
+                            </p:stCondLst>
+                            <p:childTnLst>
+                              <p:par>
+                                <p:cTn id="5" presetID="9" presetClass="entr" presetSubtype="0" fill="hold" nodeType="clickEffect">
+                                  <p:stCondLst>
+                                    <p:cond delay="0"/>
+                                  </p:stCondLst>
+                                  <p:childTnLst>
+                                    <p:set>
+                                      <p:cBhvr>
+                                        <p:cTn id="6" dur="1" fill="hold">
+                                          <p:stCondLst>
+                                            <p:cond delay="0"/>
+                                          </p:stCondLst>
+                                        </p:cTn>
+                                        <p:tgtEl>
+                                          <p:spTgt spid="7"/>
+                                        </p:tgtEl>
+                                        <p:attrNameLst>
+                                          <p:attrName>style.visibility</p:attrName>
+                                        </p:attrNameLst>
+                                      </p:cBhvr>
+                                      <p:to>
+                                        <p:strVal val="visible"/>
+                                      </p:to>
+                                    </p:set>
+                                    <p:animEffect transition="in" filter="dissolve">
+                                      <p:cBhvr>
+                                        <p:cTn id="7" dur="500"/>
+                                        <p:tgtEl>
+                                          <p:spTgt spid="7"/>
+                                        </p:tgtEl>
+                                      </p:cBhvr>
+                                    </p:animEffect>
+                                  </p:childTnLst>
+                                </p:cTn>
+                              </p:par>
+                            </p:childTnLst>
+                          </p:cTn>
+                        </p:par>
+                      </p:childTnLst>
+                    </p:cTn>
+                  </p:par>
+                </p:childTnLst>
+              </p:cTn>
+              <p:prevCondLst>
+                <p:cond evt="onPrev" delay="0">
+                  <p:tgtEl>
+                    <p:sldTgt/>
+                  </p:tgtEl>
+                </p:cond>
+              </p:prevCondLst>
+              <p:nextCondLst>
+                <p:cond evt="onNext" delay="0">
+                  <p:tgtEl>
+                    <p:sldTgt/>
+                  </p:tgtEl>
+                </p:cond>
+              </p:nextCondLst>
+            </p:seq>
+          </p:childTnLst>
+        </p:cTn>
+      </p:par>
+    </p:tnLst>
+  </p:timing>
+</p:sld>
+</file>
+
+<file path=ppt/slides/slide23.xml><?xml version="1.0" encoding="utf-8"?>
+<p:sld xmlns:a="http://schemas.openxmlformats.org/drawingml/2006/main" xmlns:r="http://schemas.openxmlformats.org/officeDocument/2006/relationships" xmlns:p="http://schemas.openxmlformats.org/presentationml/2006/main">
+  <p:cSld>
+    <p:spTree>
+      <p:nvGrpSpPr>
+        <p:cNvPr id="1" name=""/>
+        <p:cNvGrpSpPr/>
+        <p:nvPr/>
+      </p:nvGrpSpPr>
+      <p:grpSpPr>
+        <a:xfrm>
+          <a:off x="0" y="0"/>
+          <a:ext cx="0" cy="0"/>
+          <a:chOff x="0" y="0"/>
+          <a:chExt cx="0" cy="0"/>
+        </a:xfrm>
+      </p:grpSpPr>
+      <p:sp>
+        <p:nvSpPr>
+          <p:cNvPr id="2" name="Title 1"/>
+          <p:cNvSpPr>
+            <a:spLocks noGrp="1"/>
+          </p:cNvSpPr>
+          <p:nvPr>
+            <p:ph type="title"/>
+          </p:nvPr>
+        </p:nvSpPr>
+        <p:spPr>
+          <a:xfrm>
+            <a:off x="1391102" y="304800"/>
+            <a:ext cx="7543800" cy="1143000"/>
+          </a:xfrm>
+        </p:spPr>
+        <p:txBody>
+          <a:bodyPr/>
+          <a:lstStyle/>
+          <a:p>
+            <a:r>
+              <a:rPr lang="en-US" sz="4000" dirty="0" smtClean="0"/>
+              <a:t>A </a:t>
+            </a:r>
+            <a:r>
+              <a:rPr lang="en-US" sz="4000" dirty="0" err="1" smtClean="0"/>
+              <a:t>Lukasiewicz</a:t>
+            </a:r>
+            <a:r>
+              <a:rPr lang="en-US" sz="4000" dirty="0" smtClean="0"/>
+              <a:t>’ Proof</a:t>
+            </a:r>
+            <a:endParaRPr lang="en-US" sz="4000" dirty="0"/>
+          </a:p>
+        </p:txBody>
+      </p:sp>
+      <p:sp>
+        <p:nvSpPr>
+          <p:cNvPr id="9" name="Slide Number Placeholder 2"/>
+          <p:cNvSpPr>
+            <a:spLocks noGrp="1"/>
+          </p:cNvSpPr>
+          <p:nvPr>
+            <p:ph type="sldNum" sz="quarter" idx="10"/>
+          </p:nvPr>
+        </p:nvSpPr>
+        <p:spPr>
+          <a:xfrm>
+            <a:off x="7468467" y="6553200"/>
+            <a:ext cx="1675534" cy="276999"/>
+          </a:xfrm>
+        </p:spPr>
+        <p:txBody>
+          <a:bodyPr/>
+          <a:lstStyle/>
+          <a:p>
+            <a:r>
+              <a:rPr lang="en-US" dirty="0" smtClean="0"/>
+              <a:t>propositional logic.</a:t>
+            </a:r>
+            <a:fld id="{3251DA95-B240-47FE-901D-B78FC8E8E532}" type="slidenum">
+              <a:rPr lang="en-US" smtClean="0"/>
+              <a:pPr/>
+              <a:t>23</a:t>
+            </a:fld>
+            <a:endParaRPr lang="en-US" dirty="0"/>
+          </a:p>
+        </p:txBody>
+      </p:sp>
+      <p:graphicFrame>
+        <p:nvGraphicFramePr>
+          <p:cNvPr id="4" name="Object 3"/>
+          <p:cNvGraphicFramePr>
+            <a:graphicFrameLocks noChangeAspect="1"/>
+          </p:cNvGraphicFramePr>
+          <p:nvPr>
+            <p:extLst>
+              <p:ext uri="{D42A27DB-BD31-4B8C-83A1-F6EECF244321}">
+                <p14:modId xmlns:p14="http://schemas.microsoft.com/office/powerpoint/2010/main" val="1710734301"/>
+              </p:ext>
+            </p:extLst>
+          </p:nvPr>
+        </p:nvGraphicFramePr>
+        <p:xfrm>
+          <a:off x="219423" y="2730499"/>
+          <a:ext cx="8614837" cy="2349501"/>
+        </p:xfrm>
+        <a:graphic>
+          <a:graphicData uri="http://schemas.openxmlformats.org/presentationml/2006/ole">
+            <mc:AlternateContent xmlns:mc="http://schemas.openxmlformats.org/markup-compatibility/2006">
+              <mc:Choice xmlns:v="urn:schemas-microsoft-com:vml" Requires="v">
+                <p:oleObj spid="_x0000_s411685" name="Equation" r:id="rId3" imgW="1955800" imgH="533400" progId="Equation.DSMT4">
+                  <p:embed/>
+                </p:oleObj>
+              </mc:Choice>
+              <mc:Fallback>
+                <p:oleObj name="Equation" r:id="rId3" imgW="1955800" imgH="533400" progId="Equation.DSMT4">
+                  <p:embed/>
+                  <p:pic>
+                    <p:nvPicPr>
+                      <p:cNvPr id="0" name=""/>
+                      <p:cNvPicPr/>
+                      <p:nvPr/>
+                    </p:nvPicPr>
+                    <p:blipFill>
+                      <a:blip r:embed="rId4"/>
+                      <a:stretch>
+                        <a:fillRect/>
+                      </a:stretch>
+                    </p:blipFill>
+                    <p:spPr>
+                      <a:xfrm>
+                        <a:off x="219423" y="2730499"/>
+                        <a:ext cx="8614837" cy="2349501"/>
+                      </a:xfrm>
+                      <a:prstGeom prst="rect">
+                        <a:avLst/>
+                      </a:prstGeom>
+                    </p:spPr>
+                  </p:pic>
+                </p:oleObj>
+              </mc:Fallback>
+            </mc:AlternateContent>
+          </a:graphicData>
+        </a:graphic>
+      </p:graphicFrame>
+      <p:grpSp>
+        <p:nvGrpSpPr>
+          <p:cNvPr id="7" name="Group 6"/>
+          <p:cNvGrpSpPr/>
+          <p:nvPr/>
+        </p:nvGrpSpPr>
+        <p:grpSpPr>
+          <a:xfrm>
+            <a:off x="847266" y="2162335"/>
+            <a:ext cx="3936402" cy="876913"/>
+            <a:chOff x="635598" y="3104247"/>
+            <a:chExt cx="3936402" cy="876913"/>
+          </a:xfrm>
+        </p:grpSpPr>
+        <p:sp>
+          <p:nvSpPr>
+            <p:cNvPr id="8" name="Left Brace 7"/>
+            <p:cNvSpPr/>
+            <p:nvPr/>
+          </p:nvSpPr>
+          <p:spPr>
+            <a:xfrm rot="5400000">
+              <a:off x="2461845" y="1871005"/>
+              <a:ext cx="283908" cy="3936402"/>
+            </a:xfrm>
+            <a:prstGeom prst="leftBrace">
+              <a:avLst/>
+            </a:prstGeom>
+            <a:ln w="25400">
+              <a:solidFill>
+                <a:srgbClr val="CC0099"/>
+              </a:solidFill>
+            </a:ln>
+          </p:spPr>
+          <p:style>
+            <a:lnRef idx="1">
+              <a:schemeClr val="accent1"/>
+            </a:lnRef>
+            <a:fillRef idx="0">
+              <a:schemeClr val="accent1"/>
+            </a:fillRef>
+            <a:effectRef idx="0">
+              <a:schemeClr val="accent1"/>
+            </a:effectRef>
+            <a:fontRef idx="minor">
+              <a:schemeClr val="tx1"/>
+            </a:fontRef>
+          </p:style>
+          <p:txBody>
+            <a:bodyPr rtlCol="0" anchor="ctr"/>
+            <a:lstStyle/>
+            <a:p>
+              <a:pPr algn="ctr"/>
+              <a:endParaRPr lang="en-US"/>
+            </a:p>
+          </p:txBody>
+        </p:sp>
+        <p:sp>
+          <p:nvSpPr>
+            <p:cNvPr id="10" name="TextBox 9"/>
+            <p:cNvSpPr txBox="1"/>
+            <p:nvPr/>
+          </p:nvSpPr>
+          <p:spPr>
+            <a:xfrm>
+              <a:off x="1589649" y="3104247"/>
+              <a:ext cx="2114681" cy="646331"/>
+            </a:xfrm>
+            <a:prstGeom prst="rect">
+              <a:avLst/>
+            </a:prstGeom>
+            <a:noFill/>
+          </p:spPr>
+          <p:txBody>
+            <a:bodyPr wrap="none" rtlCol="0">
+              <a:spAutoFit/>
+            </a:bodyPr>
+            <a:lstStyle/>
+            <a:p>
+              <a:r>
+                <a:rPr lang="en-US" sz="3600" dirty="0" smtClean="0">
+                  <a:solidFill>
+                    <a:srgbClr val="CC0099"/>
+                  </a:solidFill>
+                  <a:latin typeface="Comic Sans MS" pitchFamily="66" charset="0"/>
+                </a:rPr>
+                <a:t>Axiom 2)</a:t>
+              </a:r>
+              <a:endParaRPr lang="en-US" sz="3600" dirty="0">
+                <a:solidFill>
+                  <a:srgbClr val="CC0099"/>
+                </a:solidFill>
+                <a:latin typeface="Comic Sans MS" pitchFamily="66" charset="0"/>
+              </a:endParaRPr>
+            </a:p>
+          </p:txBody>
+        </p:sp>
+      </p:grpSp>
+      <p:sp>
+        <p:nvSpPr>
+          <p:cNvPr id="12" name="TextBox 11"/>
+          <p:cNvSpPr txBox="1"/>
+          <p:nvPr/>
+        </p:nvSpPr>
+        <p:spPr>
+          <a:xfrm>
+            <a:off x="551343" y="1349196"/>
+            <a:ext cx="6724918" cy="830997"/>
+          </a:xfrm>
+          <a:prstGeom prst="rect">
+            <a:avLst/>
+          </a:prstGeom>
+          <a:noFill/>
+        </p:spPr>
+        <p:txBody>
+          <a:bodyPr wrap="none" rtlCol="0">
+            <a:spAutoFit/>
+          </a:bodyPr>
+          <a:lstStyle/>
+          <a:p>
+            <a:r>
+              <a:rPr lang="en-US" sz="4800" dirty="0" smtClean="0">
+                <a:latin typeface="Comic Sans MS" pitchFamily="66" charset="0"/>
+              </a:rPr>
+              <a:t>so apply </a:t>
+            </a:r>
+            <a:r>
+              <a:rPr lang="en-US" sz="4800" dirty="0" smtClean="0">
+                <a:solidFill>
+                  <a:srgbClr val="0000FF"/>
+                </a:solidFill>
+                <a:latin typeface="Comic Sans MS" pitchFamily="66" charset="0"/>
+              </a:rPr>
+              <a:t>modus ponens</a:t>
+            </a:r>
+            <a:r>
+              <a:rPr lang="en-US" sz="4800" dirty="0" smtClean="0">
+                <a:latin typeface="Comic Sans MS" pitchFamily="66" charset="0"/>
+              </a:rPr>
+              <a:t>:</a:t>
+            </a:r>
+            <a:endParaRPr lang="en-US" sz="4800" dirty="0">
+              <a:latin typeface="Comic Sans MS" pitchFamily="66" charset="0"/>
+            </a:endParaRPr>
+          </a:p>
+        </p:txBody>
+      </p:sp>
+    </p:spTree>
+    <p:extLst>
+      <p:ext uri="{BB962C8B-B14F-4D97-AF65-F5344CB8AC3E}">
+        <p14:creationId xmlns:p14="http://schemas.microsoft.com/office/powerpoint/2010/main" val="4105154637"/>
+      </p:ext>
+    </p:extLst>
+  </p:cSld>
+  <p:clrMapOvr>
+    <a:masterClrMapping/>
+  </p:clrMapOvr>
+  <p:transition xmlns:p14="http://schemas.microsoft.com/office/powerpoint/2010/main" spd="slow" advClick="0">
+    <p:fade/>
+  </p:transition>
+  <p:timing>
+    <p:tnLst>
+      <p:par>
+        <p:cTn xmlns:p14="http://schemas.microsoft.com/office/powerpoint/2010/main" id="1" dur="indefinite" restart="never" nodeType="tmRoot"/>
+      </p:par>
+    </p:tnLst>
+  </p:timing>
+</p:sld>
+</file>
+
+<file path=ppt/slides/slide24.xml><?xml version="1.0" encoding="utf-8"?>
+<p:sld xmlns:a="http://schemas.openxmlformats.org/drawingml/2006/main" xmlns:r="http://schemas.openxmlformats.org/officeDocument/2006/relationships" xmlns:p="http://schemas.openxmlformats.org/presentationml/2006/main">
+  <p:cSld>
+    <p:spTree>
+      <p:nvGrpSpPr>
+        <p:cNvPr id="1" name=""/>
+        <p:cNvGrpSpPr/>
+        <p:nvPr/>
+      </p:nvGrpSpPr>
+      <p:grpSpPr>
+        <a:xfrm>
+          <a:off x="0" y="0"/>
+          <a:ext cx="0" cy="0"/>
+          <a:chOff x="0" y="0"/>
+          <a:chExt cx="0" cy="0"/>
+        </a:xfrm>
+      </p:grpSpPr>
+      <p:sp>
+        <p:nvSpPr>
+          <p:cNvPr id="2" name="Title 1"/>
+          <p:cNvSpPr>
+            <a:spLocks noGrp="1"/>
+          </p:cNvSpPr>
+          <p:nvPr>
+            <p:ph type="title"/>
+          </p:nvPr>
+        </p:nvSpPr>
+        <p:spPr>
+          <a:xfrm>
+            <a:off x="1391102" y="304800"/>
+            <a:ext cx="7543800" cy="1143000"/>
+          </a:xfrm>
+        </p:spPr>
+        <p:txBody>
+          <a:bodyPr/>
+          <a:lstStyle/>
+          <a:p>
+            <a:r>
+              <a:rPr lang="en-US" sz="4000" dirty="0" smtClean="0"/>
+              <a:t>A </a:t>
+            </a:r>
+            <a:r>
+              <a:rPr lang="en-US" sz="4000" dirty="0" err="1" smtClean="0"/>
+              <a:t>Lukasiewicz</a:t>
+            </a:r>
+            <a:r>
+              <a:rPr lang="en-US" sz="4000" dirty="0" smtClean="0"/>
+              <a:t>’ Proof</a:t>
+            </a:r>
+            <a:endParaRPr lang="en-US" sz="4000" dirty="0"/>
+          </a:p>
+        </p:txBody>
+      </p:sp>
+      <p:sp>
+        <p:nvSpPr>
+          <p:cNvPr id="9" name="Slide Number Placeholder 2"/>
+          <p:cNvSpPr>
+            <a:spLocks noGrp="1"/>
+          </p:cNvSpPr>
+          <p:nvPr>
+            <p:ph type="sldNum" sz="quarter" idx="10"/>
+          </p:nvPr>
+        </p:nvSpPr>
+        <p:spPr>
+          <a:xfrm>
+            <a:off x="7468467" y="6553200"/>
+            <a:ext cx="1675534" cy="276999"/>
+          </a:xfrm>
+        </p:spPr>
+        <p:txBody>
+          <a:bodyPr/>
+          <a:lstStyle/>
+          <a:p>
+            <a:r>
+              <a:rPr lang="en-US" dirty="0" smtClean="0"/>
+              <a:t>propositional logic.</a:t>
+            </a:r>
+            <a:fld id="{3251DA95-B240-47FE-901D-B78FC8E8E532}" type="slidenum">
+              <a:rPr lang="en-US" smtClean="0"/>
+              <a:pPr/>
+              <a:t>24</a:t>
             </a:fld>
             <a:endParaRPr lang="en-US" dirty="0"/>
           </a:p>
@@ -12610,7 +13402,7 @@
           <a:graphicData uri="http://schemas.openxmlformats.org/presentationml/2006/ole">
             <mc:AlternateContent xmlns:mc="http://schemas.openxmlformats.org/markup-compatibility/2006">
               <mc:Choice xmlns:v="urn:schemas-microsoft-com:vml" Requires="v">
-                <p:oleObj spid="_x0000_s412704" name="Equation" r:id="rId3" imgW="1955800" imgH="482600" progId="Equation.3">
+                <p:oleObj spid="_x0000_s412708" name="Equation" r:id="rId3" imgW="1955800" imgH="482600" progId="Equation.3">
                   <p:embed/>
                 </p:oleObj>
               </mc:Choice>
@@ -12947,7 +13739,7 @@
 </p:sld>
 </file>
 
-<file path=ppt/slides/slide21.xml><?xml version="1.0" encoding="utf-8"?>
+<file path=ppt/slides/slide25.xml><?xml version="1.0" encoding="utf-8"?>
 <p:sld xmlns:a="http://schemas.openxmlformats.org/drawingml/2006/main" xmlns:r="http://schemas.openxmlformats.org/officeDocument/2006/relationships" xmlns:p="http://schemas.openxmlformats.org/presentationml/2006/main">
   <p:cSld>
     <p:spTree>
@@ -13027,7 +13819,7 @@
             <a:fld id="{3251DA95-B240-47FE-901D-B78FC8E8E532}" type="slidenum">
               <a:rPr lang="en-US" smtClean="0"/>
               <a:pPr/>
-              <a:t>21</a:t>
+              <a:t>25</a:t>
             </a:fld>
             <a:endParaRPr lang="en-US" dirty="0"/>
           </a:p>
@@ -13055,7 +13847,7 @@
           <a:graphicData uri="http://schemas.openxmlformats.org/presentationml/2006/ole">
             <mc:AlternateContent xmlns:mc="http://schemas.openxmlformats.org/markup-compatibility/2006">
               <mc:Choice xmlns:v="urn:schemas-microsoft-com:vml" Requires="v">
-                <p:oleObj spid="_x0000_s413728" name="Equation" r:id="rId3" imgW="546100" imgH="215900" progId="Equation.DSMT4">
+                <p:oleObj spid="_x0000_s413732" name="Equation" r:id="rId3" imgW="546100" imgH="215900" progId="Equation.DSMT4">
                   <p:embed/>
                 </p:oleObj>
               </mc:Choice>
@@ -13162,7 +13954,7 @@
 </p:sld>
 </file>
 
-<file path=ppt/slides/slide22.xml><?xml version="1.0" encoding="utf-8"?>
+<file path=ppt/slides/slide26.xml><?xml version="1.0" encoding="utf-8"?>
 <p:sld xmlns:a="http://schemas.openxmlformats.org/drawingml/2006/main" xmlns:r="http://schemas.openxmlformats.org/officeDocument/2006/relationships" xmlns:p="http://schemas.openxmlformats.org/presentationml/2006/main">
   <p:cSld>
     <p:spTree>
@@ -13503,7 +14295,7 @@
             <a:fld id="{3251DA95-B240-47FE-901D-B78FC8E8E532}" type="slidenum">
               <a:rPr lang="en-US" smtClean="0"/>
               <a:pPr/>
-              <a:t>22</a:t>
+              <a:t>26</a:t>
             </a:fld>
             <a:endParaRPr lang="en-US" dirty="0"/>
           </a:p>
@@ -13515,7 +14307,7 @@
     <a:masterClrMapping/>
   </p:clrMapOvr>
   <p:transition xmlns:p14="http://schemas.microsoft.com/office/powerpoint/2010/main" spd="slow" advClick="0">
-    <p:fade thruBlk="1"/>
+    <p:fade/>
   </p:transition>
   <p:timing>
     <p:tnLst>
@@ -13764,7 +14556,7 @@
 </p:sld>
 </file>
 
-<file path=ppt/slides/slide23.xml><?xml version="1.0" encoding="utf-8"?>
+<file path=ppt/slides/slide27.xml><?xml version="1.0" encoding="utf-8"?>
 <p:sld xmlns:a="http://schemas.openxmlformats.org/drawingml/2006/main" xmlns:r="http://schemas.openxmlformats.org/officeDocument/2006/relationships" xmlns:p="http://schemas.openxmlformats.org/presentationml/2006/main">
   <p:cSld>
     <p:spTree>
@@ -14020,7 +14812,7 @@
             <a:fld id="{3251DA95-B240-47FE-901D-B78FC8E8E532}" type="slidenum">
               <a:rPr lang="en-US" smtClean="0"/>
               <a:pPr/>
-              <a:t>23</a:t>
+              <a:t>27</a:t>
             </a:fld>
             <a:endParaRPr lang="en-US" dirty="0"/>
           </a:p>
@@ -14363,7 +15155,7 @@
 </p:sld>
 </file>
 
-<file path=ppt/slides/slide24.xml><?xml version="1.0" encoding="utf-8"?>
+<file path=ppt/slides/slide28.xml><?xml version="1.0" encoding="utf-8"?>
 <p:sld xmlns:a="http://schemas.openxmlformats.org/drawingml/2006/main" xmlns:r="http://schemas.openxmlformats.org/officeDocument/2006/relationships" xmlns:p="http://schemas.openxmlformats.org/presentationml/2006/main">
   <p:cSld>
     <p:spTree>
@@ -14416,8 +15208,8 @@
         </p:nvSpPr>
         <p:spPr>
           <a:xfrm>
-            <a:off x="397779" y="1855332"/>
-            <a:ext cx="8322397" cy="3134364"/>
+            <a:off x="766079" y="1601332"/>
+            <a:ext cx="7704821" cy="3785652"/>
           </a:xfrm>
           <a:prstGeom prst="rect">
             <a:avLst/>
@@ -14435,16 +15227,25 @@
               <a:rPr lang="en-US" sz="4800" dirty="0" smtClean="0">
                 <a:latin typeface="Comic Sans MS" pitchFamily="66" charset="0"/>
               </a:rPr>
-              <a:t>Deduction proofs in general</a:t>
-            </a:r>
-          </a:p>
-          <a:p>
-            <a:pPr algn="l"/>
+              <a:t>Algebraic &amp; deduction </a:t>
+            </a:r>
             <a:r>
               <a:rPr lang="en-US" sz="4800" dirty="0" smtClean="0">
                 <a:latin typeface="Comic Sans MS" pitchFamily="66" charset="0"/>
               </a:rPr>
-              <a:t>no better than truth tables. </a:t>
+              <a:t>proofs in </a:t>
+            </a:r>
+            <a:r>
+              <a:rPr lang="en-US" sz="4800" dirty="0" smtClean="0">
+                <a:latin typeface="Comic Sans MS" pitchFamily="66" charset="0"/>
+              </a:rPr>
+              <a:t>general are no </a:t>
+            </a:r>
+            <a:r>
+              <a:rPr lang="en-US" sz="4800" dirty="0" smtClean="0">
+                <a:latin typeface="Comic Sans MS" pitchFamily="66" charset="0"/>
+              </a:rPr>
+              <a:t>better than truth tables. </a:t>
             </a:r>
           </a:p>
           <a:p>
@@ -14506,7 +15307,7 @@
             <a:fld id="{3251DA95-B240-47FE-901D-B78FC8E8E532}" type="slidenum">
               <a:rPr lang="en-US" smtClean="0"/>
               <a:pPr/>
-              <a:t>24</a:t>
+              <a:t>28</a:t>
             </a:fld>
             <a:endParaRPr lang="en-US" dirty="0"/>
           </a:p>
@@ -14518,7 +15319,7 @@
     <a:masterClrMapping/>
   </p:clrMapOvr>
   <p:transition xmlns:p14="http://schemas.microsoft.com/office/powerpoint/2010/main" spd="slow" advClick="0">
-    <p:fade thruBlk="1"/>
+    <p:fade/>
   </p:transition>
   <p:timing>
     <p:tnLst>
@@ -14556,7 +15357,7 @@
                                         <p:tgtEl>
                                           <p:spTgt spid="5">
                                             <p:txEl>
-                                              <p:pRg st="2" end="2"/>
+                                              <p:pRg st="1" end="1"/>
                                             </p:txEl>
                                           </p:spTgt>
                                         </p:tgtEl>
@@ -14587,7 +15388,7 @@
                                         <p:tgtEl>
                                           <p:spTgt spid="5">
                                             <p:txEl>
-                                              <p:pRg st="3" end="3"/>
+                                              <p:pRg st="2" end="2"/>
                                             </p:txEl>
                                           </p:spTgt>
                                         </p:tgtEl>
@@ -14633,8 +15434,8 @@
 </p:sld>
 </file>
 
-<file path=ppt/slides/slide25.xml><?xml version="1.0" encoding="utf-8"?>
-<p:sld xmlns:a="http://schemas.openxmlformats.org/drawingml/2006/main" xmlns:r="http://schemas.openxmlformats.org/officeDocument/2006/relationships" xmlns:p="http://schemas.openxmlformats.org/presentationml/2006/main">
+<file path=ppt/slides/slide29.xml><?xml version="1.0" encoding="utf-8"?>
+<p:sld xmlns:a="http://schemas.openxmlformats.org/drawingml/2006/main" xmlns:r="http://schemas.openxmlformats.org/officeDocument/2006/relationships" xmlns:p="http://schemas.openxmlformats.org/presentationml/2006/main" show="0">
   <p:cSld>
     <p:spTree>
       <p:nvGrpSpPr>
@@ -14775,7 +15576,7 @@
             <a:fld id="{3251DA95-B240-47FE-901D-B78FC8E8E532}" type="slidenum">
               <a:rPr lang="en-US" smtClean="0"/>
               <a:pPr/>
-              <a:t>25</a:t>
+              <a:t>29</a:t>
             </a:fld>
             <a:endParaRPr lang="en-US" dirty="0"/>
           </a:p>
@@ -14907,18 +15708,9 @@
   <p:clrMapOvr>
     <a:masterClrMapping/>
   </p:clrMapOvr>
-  <mc:AlternateContent xmlns:mc="http://schemas.openxmlformats.org/markup-compatibility/2006" xmlns:p14="http://schemas.microsoft.com/office/powerpoint/2010/main">
-    <mc:Choice Requires="p14">
-      <p:transition spd="slow" p14:dur="1200" advClick="0">
-        <p:fade thruBlk="1"/>
-      </p:transition>
-    </mc:Choice>
-    <mc:Fallback xmlns="">
-      <p:transition xmlns:p14="http://schemas.microsoft.com/office/powerpoint/2010/main" spd="slow" advClick="0">
-        <p:fade thruBlk="1"/>
-      </p:transition>
-    </mc:Fallback>
-  </mc:AlternateContent>
+  <p:transition xmlns:p14="http://schemas.microsoft.com/office/powerpoint/2010/main" spd="slow" advClick="0">
+    <p:fade/>
+  </p:transition>
   <p:timing>
     <p:tnLst>
       <p:par>
@@ -14929,8 +15721,8 @@
 </p:sld>
 </file>
 
-<file path=ppt/slides/slide26.xml><?xml version="1.0" encoding="utf-8"?>
-<p:sld xmlns:a="http://schemas.openxmlformats.org/drawingml/2006/main" xmlns:r="http://schemas.openxmlformats.org/officeDocument/2006/relationships" xmlns:p="http://schemas.openxmlformats.org/presentationml/2006/main">
+<file path=ppt/slides/slide3.xml><?xml version="1.0" encoding="utf-8"?>
+<p:sld xmlns:a="http://schemas.openxmlformats.org/drawingml/2006/main" xmlns:r="http://schemas.openxmlformats.org/officeDocument/2006/relationships" xmlns:p="http://schemas.openxmlformats.org/presentationml/2006/main" show="0">
   <p:cSld>
     <p:spTree>
       <p:nvGrpSpPr>
@@ -14948,6 +15740,311 @@
       </p:grpSpPr>
       <p:sp>
         <p:nvSpPr>
+          <p:cNvPr id="20484" name="Rectangle 2"/>
+          <p:cNvSpPr>
+            <a:spLocks noGrp="1" noChangeArrowheads="1"/>
+          </p:cNvSpPr>
+          <p:nvPr>
+            <p:ph type="title"/>
+          </p:nvPr>
+        </p:nvSpPr>
+        <p:spPr>
+          <a:xfrm>
+            <a:off x="1766294" y="304800"/>
+            <a:ext cx="5600272" cy="1071937"/>
+          </a:xfrm>
+        </p:spPr>
+        <p:txBody>
+          <a:bodyPr/>
+          <a:lstStyle/>
+          <a:p>
+            <a:pPr eaLnBrk="1" hangingPunct="1"/>
+            <a:r>
+              <a:rPr lang="en-US" sz="4000" dirty="0" smtClean="0"/>
+              <a:t>A True Implication</a:t>
+            </a:r>
+          </a:p>
+        </p:txBody>
+      </p:sp>
+      <p:sp>
+        <p:nvSpPr>
+          <p:cNvPr id="5" name="TextBox 4"/>
+          <p:cNvSpPr txBox="1"/>
+          <p:nvPr/>
+        </p:nvSpPr>
+        <p:spPr>
+          <a:xfrm>
+            <a:off x="386121" y="1897044"/>
+            <a:ext cx="8141429" cy="2308324"/>
+          </a:xfrm>
+          <a:prstGeom prst="rect">
+            <a:avLst/>
+          </a:prstGeom>
+          <a:noFill/>
+        </p:spPr>
+        <p:txBody>
+          <a:bodyPr wrap="square" rtlCol="0">
+            <a:spAutoFit/>
+          </a:bodyPr>
+          <a:lstStyle/>
+          <a:p>
+            <a:pPr algn="l"/>
+            <a:r>
+              <a:rPr lang="en-US" sz="4800" dirty="0" smtClean="0">
+                <a:solidFill>
+                  <a:schemeClr val="accent1">
+                    <a:lumMod val="50000"/>
+                  </a:schemeClr>
+                </a:solidFill>
+                <a:latin typeface="Comic Sans MS" pitchFamily="66" charset="0"/>
+              </a:rPr>
+              <a:t>(1=-1)</a:t>
+            </a:r>
+            <a:r>
+              <a:rPr lang="en-US" sz="4400" dirty="0" smtClean="0">
+                <a:solidFill>
+                  <a:schemeClr val="accent1">
+                    <a:lumMod val="50000"/>
+                  </a:schemeClr>
+                </a:solidFill>
+                <a:latin typeface="Comic Sans MS" pitchFamily="66" charset="0"/>
+              </a:rPr>
+              <a:t> </a:t>
+            </a:r>
+            <a:r>
+              <a:rPr lang="en-US" sz="4000" dirty="0" smtClean="0">
+                <a:solidFill>
+                  <a:schemeClr val="accent1">
+                    <a:lumMod val="50000"/>
+                  </a:schemeClr>
+                </a:solidFill>
+                <a:latin typeface="Comic Sans MS" pitchFamily="66" charset="0"/>
+              </a:rPr>
+              <a:t>IMPLIES</a:t>
+            </a:r>
+            <a:r>
+              <a:rPr lang="en-US" sz="4800" dirty="0" smtClean="0">
+                <a:solidFill>
+                  <a:schemeClr val="accent1">
+                    <a:lumMod val="50000"/>
+                  </a:schemeClr>
+                </a:solidFill>
+                <a:latin typeface="Comic Sans MS" pitchFamily="66" charset="0"/>
+              </a:rPr>
+              <a:t> (I am Pope)</a:t>
+            </a:r>
+          </a:p>
+          <a:p>
+            <a:pPr algn="l"/>
+            <a:r>
+              <a:rPr lang="en-US" sz="4800" dirty="0" smtClean="0">
+                <a:latin typeface="Comic Sans MS" pitchFamily="66" charset="0"/>
+              </a:rPr>
+              <a:t>We reasoned</a:t>
+            </a:r>
+            <a:r>
+              <a:rPr lang="en-US" sz="4800" i="1" dirty="0" smtClean="0">
+                <a:latin typeface="Comic Sans MS" pitchFamily="66" charset="0"/>
+              </a:rPr>
+              <a:t> correctly </a:t>
+            </a:r>
+            <a:r>
+              <a:rPr lang="en-US" sz="4800" dirty="0" smtClean="0">
+                <a:latin typeface="Comic Sans MS" pitchFamily="66" charset="0"/>
+              </a:rPr>
+              <a:t>to</a:t>
+            </a:r>
+          </a:p>
+          <a:p>
+            <a:pPr algn="l"/>
+            <a:r>
+              <a:rPr lang="en-US" sz="4800" dirty="0" smtClean="0">
+                <a:latin typeface="Comic Sans MS" pitchFamily="66" charset="0"/>
+              </a:rPr>
+              <a:t>reach the false conclusion</a:t>
+            </a:r>
+          </a:p>
+        </p:txBody>
+      </p:sp>
+      <p:sp>
+        <p:nvSpPr>
+          <p:cNvPr id="7" name="Slide Number Placeholder 2"/>
+          <p:cNvSpPr>
+            <a:spLocks noGrp="1"/>
+          </p:cNvSpPr>
+          <p:nvPr>
+            <p:ph type="sldNum" sz="quarter" idx="10"/>
+          </p:nvPr>
+        </p:nvSpPr>
+        <p:spPr>
+          <a:xfrm>
+            <a:off x="7537748" y="6553200"/>
+            <a:ext cx="1606254" cy="276999"/>
+          </a:xfrm>
+          <a:noFill/>
+        </p:spPr>
+        <p:txBody>
+          <a:bodyPr/>
+          <a:lstStyle/>
+          <a:p>
+            <a:r>
+              <a:rPr lang="en-US" dirty="0" smtClean="0"/>
+              <a:t>propositional logic.</a:t>
+            </a:r>
+            <a:fld id="{0150943C-9303-41DF-A6FA-7E32D6C5D18E}" type="slidenum">
+              <a:rPr lang="en-US" smtClean="0"/>
+              <a:pPr/>
+              <a:t>3</a:t>
+            </a:fld>
+            <a:endParaRPr lang="en-US" dirty="0" smtClean="0"/>
+          </a:p>
+        </p:txBody>
+      </p:sp>
+    </p:spTree>
+    <p:extLst>
+      <p:ext uri="{BB962C8B-B14F-4D97-AF65-F5344CB8AC3E}">
+        <p14:creationId xmlns:p14="http://schemas.microsoft.com/office/powerpoint/2010/main" val="88418492"/>
+      </p:ext>
+    </p:extLst>
+  </p:cSld>
+  <p:clrMapOvr>
+    <a:masterClrMapping/>
+  </p:clrMapOvr>
+  <p:transition xmlns:p14="http://schemas.microsoft.com/office/powerpoint/2010/main" spd="slow" advClick="0">
+    <p:fade/>
+  </p:transition>
+  <p:timing>
+    <p:tnLst>
+      <p:par>
+        <p:cTn xmlns:p14="http://schemas.microsoft.com/office/powerpoint/2010/main" id="1" dur="indefinite" restart="never" nodeType="tmRoot">
+          <p:childTnLst>
+            <p:seq concurrent="1" nextAc="seek">
+              <p:cTn id="2" dur="indefinite" nodeType="mainSeq">
+                <p:childTnLst>
+                  <p:par>
+                    <p:cTn id="3" fill="hold">
+                      <p:stCondLst>
+                        <p:cond delay="indefinite"/>
+                      </p:stCondLst>
+                      <p:childTnLst>
+                        <p:par>
+                          <p:cTn id="4" fill="hold">
+                            <p:stCondLst>
+                              <p:cond delay="0"/>
+                            </p:stCondLst>
+                            <p:childTnLst>
+                              <p:par>
+                                <p:cTn id="5" presetID="1" presetClass="entr" presetSubtype="0" fill="hold" nodeType="clickEffect">
+                                  <p:stCondLst>
+                                    <p:cond delay="0"/>
+                                  </p:stCondLst>
+                                  <p:childTnLst>
+                                    <p:set>
+                                      <p:cBhvr>
+                                        <p:cTn id="6" dur="1" fill="hold">
+                                          <p:stCondLst>
+                                            <p:cond delay="0"/>
+                                          </p:stCondLst>
+                                        </p:cTn>
+                                        <p:tgtEl>
+                                          <p:spTgt spid="5">
+                                            <p:txEl>
+                                              <p:pRg st="1" end="1"/>
+                                            </p:txEl>
+                                          </p:spTgt>
+                                        </p:tgtEl>
+                                        <p:attrNameLst>
+                                          <p:attrName>style.visibility</p:attrName>
+                                        </p:attrNameLst>
+                                      </p:cBhvr>
+                                      <p:to>
+                                        <p:strVal val="visible"/>
+                                      </p:to>
+                                    </p:set>
+                                  </p:childTnLst>
+                                </p:cTn>
+                              </p:par>
+                              <p:par>
+                                <p:cTn id="7" presetID="1" presetClass="entr" presetSubtype="0" fill="hold" nodeType="withEffect">
+                                  <p:stCondLst>
+                                    <p:cond delay="0"/>
+                                  </p:stCondLst>
+                                  <p:childTnLst>
+                                    <p:set>
+                                      <p:cBhvr>
+                                        <p:cTn id="8" dur="1" fill="hold">
+                                          <p:stCondLst>
+                                            <p:cond delay="0"/>
+                                          </p:stCondLst>
+                                        </p:cTn>
+                                        <p:tgtEl>
+                                          <p:spTgt spid="5">
+                                            <p:txEl>
+                                              <p:pRg st="2" end="2"/>
+                                            </p:txEl>
+                                          </p:spTgt>
+                                        </p:tgtEl>
+                                        <p:attrNameLst>
+                                          <p:attrName>style.visibility</p:attrName>
+                                        </p:attrNameLst>
+                                      </p:cBhvr>
+                                      <p:to>
+                                        <p:strVal val="visible"/>
+                                      </p:to>
+                                    </p:set>
+                                  </p:childTnLst>
+                                </p:cTn>
+                              </p:par>
+                            </p:childTnLst>
+                          </p:cTn>
+                        </p:par>
+                      </p:childTnLst>
+                    </p:cTn>
+                  </p:par>
+                </p:childTnLst>
+              </p:cTn>
+              <p:prevCondLst>
+                <p:cond evt="onPrev" delay="0">
+                  <p:tgtEl>
+                    <p:sldTgt/>
+                  </p:tgtEl>
+                </p:cond>
+              </p:prevCondLst>
+              <p:nextCondLst>
+                <p:cond evt="onNext" delay="0">
+                  <p:tgtEl>
+                    <p:sldTgt/>
+                  </p:tgtEl>
+                </p:cond>
+              </p:nextCondLst>
+            </p:seq>
+          </p:childTnLst>
+        </p:cTn>
+      </p:par>
+    </p:tnLst>
+  </p:timing>
+</p:sld>
+</file>
+
+<file path=ppt/slides/slide30.xml><?xml version="1.0" encoding="utf-8"?>
+<p:sld xmlns:a="http://schemas.openxmlformats.org/drawingml/2006/main" xmlns:r="http://schemas.openxmlformats.org/officeDocument/2006/relationships" xmlns:p="http://schemas.openxmlformats.org/presentationml/2006/main" show="0">
+  <p:cSld>
+    <p:spTree>
+      <p:nvGrpSpPr>
+        <p:cNvPr id="1" name=""/>
+        <p:cNvGrpSpPr/>
+        <p:nvPr/>
+      </p:nvGrpSpPr>
+      <p:grpSpPr>
+        <a:xfrm>
+          <a:off x="0" y="0"/>
+          <a:ext cx="0" cy="0"/>
+          <a:chOff x="0" y="0"/>
+          <a:chExt cx="0" cy="0"/>
+        </a:xfrm>
+      </p:grpSpPr>
+      <p:sp>
+        <p:nvSpPr>
           <p:cNvPr id="6" name="Slide Number Placeholder 2"/>
           <p:cNvSpPr>
             <a:spLocks noGrp="1"/>
@@ -14974,7 +16071,7 @@
             <a:fld id="{0150943C-9303-41DF-A6FA-7E32D6C5D18E}" type="slidenum">
               <a:rPr lang="en-US" smtClean="0"/>
               <a:pPr/>
-              <a:t>26</a:t>
+              <a:t>30</a:t>
             </a:fld>
             <a:endParaRPr lang="en-US" dirty="0" smtClean="0"/>
           </a:p>
@@ -15030,7 +16127,7 @@
           <a:graphicData uri="http://schemas.openxmlformats.org/presentationml/2006/ole">
             <mc:AlternateContent xmlns:mc="http://schemas.openxmlformats.org/markup-compatibility/2006">
               <mc:Choice xmlns:v="urn:schemas-microsoft-com:vml" Requires="v">
-                <p:oleObj spid="_x0000_s339017" name="Equation" r:id="rId4" imgW="876300" imgH="1130300" progId="Equation.DSMT4">
+                <p:oleObj spid="_x0000_s339021" name="Equation" r:id="rId4" imgW="876300" imgH="1130300" progId="Equation.DSMT4">
                   <p:embed/>
                 </p:oleObj>
               </mc:Choice>
@@ -15096,8 +16193,8 @@
 </p:sld>
 </file>
 
-<file path=ppt/slides/slide27.xml><?xml version="1.0" encoding="utf-8"?>
-<p:sld xmlns:a="http://schemas.openxmlformats.org/drawingml/2006/main" xmlns:r="http://schemas.openxmlformats.org/officeDocument/2006/relationships" xmlns:p="http://schemas.openxmlformats.org/presentationml/2006/main">
+<file path=ppt/slides/slide31.xml><?xml version="1.0" encoding="utf-8"?>
+<p:sld xmlns:a="http://schemas.openxmlformats.org/drawingml/2006/main" xmlns:r="http://schemas.openxmlformats.org/officeDocument/2006/relationships" xmlns:p="http://schemas.openxmlformats.org/presentationml/2006/main" show="0">
   <p:cSld>
     <p:spTree>
       <p:nvGrpSpPr>
@@ -15295,7 +16392,7 @@
             <a:fld id="{0150943C-9303-41DF-A6FA-7E32D6C5D18E}" type="slidenum">
               <a:rPr lang="en-US" smtClean="0"/>
               <a:pPr/>
-              <a:t>27</a:t>
+              <a:t>31</a:t>
             </a:fld>
             <a:endParaRPr lang="en-US" dirty="0" smtClean="0"/>
           </a:p>
@@ -15351,7 +16448,7 @@
           <a:graphicData uri="http://schemas.openxmlformats.org/presentationml/2006/ole">
             <mc:AlternateContent xmlns:mc="http://schemas.openxmlformats.org/markup-compatibility/2006">
               <mc:Choice xmlns:v="urn:schemas-microsoft-com:vml" Requires="v">
-                <p:oleObj spid="_x0000_s400458" name="Equation" r:id="rId5" imgW="2349500" imgH="1016000" progId="Equation.DSMT4">
+                <p:oleObj spid="_x0000_s400462" name="Equation" r:id="rId5" imgW="2349500" imgH="1016000" progId="Equation.DSMT4">
                   <p:embed/>
                 </p:oleObj>
               </mc:Choice>
@@ -15417,8 +16514,8 @@
 </p:sld>
 </file>
 
-<file path=ppt/slides/slide28.xml><?xml version="1.0" encoding="utf-8"?>
-<p:sld xmlns:a="http://schemas.openxmlformats.org/drawingml/2006/main" xmlns:r="http://schemas.openxmlformats.org/officeDocument/2006/relationships" xmlns:p="http://schemas.openxmlformats.org/presentationml/2006/main">
+<file path=ppt/slides/slide32.xml><?xml version="1.0" encoding="utf-8"?>
+<p:sld xmlns:a="http://schemas.openxmlformats.org/drawingml/2006/main" xmlns:r="http://schemas.openxmlformats.org/officeDocument/2006/relationships" xmlns:p="http://schemas.openxmlformats.org/presentationml/2006/main" show="0">
   <p:cSld>
     <p:spTree>
       <p:nvGrpSpPr>
@@ -16315,7 +17412,7 @@
                 <a:tabLst/>
                 <a:defRPr/>
               </a:pPr>
-              <a:t>28</a:t>
+              <a:t>32</a:t>
             </a:fld>
             <a:endParaRPr kumimoji="0" lang="en-US" sz="1200" b="0" i="0" u="none" strike="noStrike" kern="1200" cap="none" spc="0" normalizeH="0" baseline="0" noProof="0" dirty="0" smtClean="0">
               <a:ln>
@@ -16384,7 +17481,7 @@
           <a:graphicData uri="http://schemas.openxmlformats.org/presentationml/2006/ole">
             <mc:AlternateContent xmlns:mc="http://schemas.openxmlformats.org/markup-compatibility/2006">
               <mc:Choice xmlns:v="urn:schemas-microsoft-com:vml" Requires="v">
-                <p:oleObj spid="_x0000_s401482" name="Equation" r:id="rId4" imgW="3784600" imgH="1295400" progId="Equation.DSMT4">
+                <p:oleObj spid="_x0000_s401486" name="Equation" r:id="rId4" imgW="3784600" imgH="1295400" progId="Equation.DSMT4">
                   <p:embed/>
                 </p:oleObj>
               </mc:Choice>
@@ -16450,7 +17547,7 @@
 </p:sld>
 </file>
 
-<file path=ppt/slides/slide29.xml><?xml version="1.0" encoding="utf-8"?>
+<file path=ppt/slides/slide33.xml><?xml version="1.0" encoding="utf-8"?>
 <p:sld xmlns:a="http://schemas.openxmlformats.org/drawingml/2006/main" xmlns:r="http://schemas.openxmlformats.org/officeDocument/2006/relationships" xmlns:p="http://schemas.openxmlformats.org/presentationml/2006/main" show="0">
   <p:cSld>
     <p:spTree>
@@ -16495,7 +17592,7 @@
             <a:fld id="{CBD9AEC5-2546-4473-B982-5733658B7CFB}" type="slidenum">
               <a:rPr lang="en-US" sz="1200" smtClean="0"/>
               <a:pPr/>
-              <a:t>29</a:t>
+              <a:t>33</a:t>
             </a:fld>
             <a:endParaRPr lang="en-US" sz="1200" dirty="0" smtClean="0"/>
           </a:p>
@@ -16599,313 +17696,8 @@
 </p:sld>
 </file>
 
-<file path=ppt/slides/slide3.xml><?xml version="1.0" encoding="utf-8"?>
-<p:sld xmlns:a="http://schemas.openxmlformats.org/drawingml/2006/main" xmlns:r="http://schemas.openxmlformats.org/officeDocument/2006/relationships" xmlns:p="http://schemas.openxmlformats.org/presentationml/2006/main">
-  <p:cSld>
-    <p:spTree>
-      <p:nvGrpSpPr>
-        <p:cNvPr id="1" name=""/>
-        <p:cNvGrpSpPr/>
-        <p:nvPr/>
-      </p:nvGrpSpPr>
-      <p:grpSpPr>
-        <a:xfrm>
-          <a:off x="0" y="0"/>
-          <a:ext cx="0" cy="0"/>
-          <a:chOff x="0" y="0"/>
-          <a:chExt cx="0" cy="0"/>
-        </a:xfrm>
-      </p:grpSpPr>
-      <p:sp>
-        <p:nvSpPr>
-          <p:cNvPr id="20484" name="Rectangle 2"/>
-          <p:cNvSpPr>
-            <a:spLocks noGrp="1" noChangeArrowheads="1"/>
-          </p:cNvSpPr>
-          <p:nvPr>
-            <p:ph type="title"/>
-          </p:nvPr>
-        </p:nvSpPr>
-        <p:spPr>
-          <a:xfrm>
-            <a:off x="1766294" y="304800"/>
-            <a:ext cx="5600272" cy="1071937"/>
-          </a:xfrm>
-        </p:spPr>
-        <p:txBody>
-          <a:bodyPr/>
-          <a:lstStyle/>
-          <a:p>
-            <a:pPr eaLnBrk="1" hangingPunct="1"/>
-            <a:r>
-              <a:rPr lang="en-US" sz="4000" dirty="0" smtClean="0"/>
-              <a:t>A True Implication</a:t>
-            </a:r>
-          </a:p>
-        </p:txBody>
-      </p:sp>
-      <p:sp>
-        <p:nvSpPr>
-          <p:cNvPr id="5" name="TextBox 4"/>
-          <p:cNvSpPr txBox="1"/>
-          <p:nvPr/>
-        </p:nvSpPr>
-        <p:spPr>
-          <a:xfrm>
-            <a:off x="386121" y="1897044"/>
-            <a:ext cx="8141429" cy="2308324"/>
-          </a:xfrm>
-          <a:prstGeom prst="rect">
-            <a:avLst/>
-          </a:prstGeom>
-          <a:noFill/>
-        </p:spPr>
-        <p:txBody>
-          <a:bodyPr wrap="square" rtlCol="0">
-            <a:spAutoFit/>
-          </a:bodyPr>
-          <a:lstStyle/>
-          <a:p>
-            <a:pPr algn="l"/>
-            <a:r>
-              <a:rPr lang="en-US" sz="4800" dirty="0" smtClean="0">
-                <a:solidFill>
-                  <a:schemeClr val="accent1">
-                    <a:lumMod val="50000"/>
-                  </a:schemeClr>
-                </a:solidFill>
-                <a:latin typeface="Comic Sans MS" pitchFamily="66" charset="0"/>
-              </a:rPr>
-              <a:t>(1=-1)</a:t>
-            </a:r>
-            <a:r>
-              <a:rPr lang="en-US" sz="4400" dirty="0" smtClean="0">
-                <a:solidFill>
-                  <a:schemeClr val="accent1">
-                    <a:lumMod val="50000"/>
-                  </a:schemeClr>
-                </a:solidFill>
-                <a:latin typeface="Comic Sans MS" pitchFamily="66" charset="0"/>
-              </a:rPr>
-              <a:t> </a:t>
-            </a:r>
-            <a:r>
-              <a:rPr lang="en-US" sz="4000" dirty="0" smtClean="0">
-                <a:solidFill>
-                  <a:schemeClr val="accent1">
-                    <a:lumMod val="50000"/>
-                  </a:schemeClr>
-                </a:solidFill>
-                <a:latin typeface="Comic Sans MS" pitchFamily="66" charset="0"/>
-              </a:rPr>
-              <a:t>IMPLIES</a:t>
-            </a:r>
-            <a:r>
-              <a:rPr lang="en-US" sz="4800" dirty="0" smtClean="0">
-                <a:solidFill>
-                  <a:schemeClr val="accent1">
-                    <a:lumMod val="50000"/>
-                  </a:schemeClr>
-                </a:solidFill>
-                <a:latin typeface="Comic Sans MS" pitchFamily="66" charset="0"/>
-              </a:rPr>
-              <a:t> (I am Pope)</a:t>
-            </a:r>
-          </a:p>
-          <a:p>
-            <a:pPr algn="l"/>
-            <a:r>
-              <a:rPr lang="en-US" sz="4800" dirty="0" smtClean="0">
-                <a:latin typeface="Comic Sans MS" pitchFamily="66" charset="0"/>
-              </a:rPr>
-              <a:t>We reasoned</a:t>
-            </a:r>
-            <a:r>
-              <a:rPr lang="en-US" sz="4800" i="1" dirty="0" smtClean="0">
-                <a:latin typeface="Comic Sans MS" pitchFamily="66" charset="0"/>
-              </a:rPr>
-              <a:t> correctly </a:t>
-            </a:r>
-            <a:r>
-              <a:rPr lang="en-US" sz="4800" dirty="0" smtClean="0">
-                <a:latin typeface="Comic Sans MS" pitchFamily="66" charset="0"/>
-              </a:rPr>
-              <a:t>to</a:t>
-            </a:r>
-          </a:p>
-          <a:p>
-            <a:pPr algn="l"/>
-            <a:r>
-              <a:rPr lang="en-US" sz="4800" dirty="0" smtClean="0">
-                <a:latin typeface="Comic Sans MS" pitchFamily="66" charset="0"/>
-              </a:rPr>
-              <a:t>reach the false conclusion</a:t>
-            </a:r>
-          </a:p>
-        </p:txBody>
-      </p:sp>
-      <p:sp>
-        <p:nvSpPr>
-          <p:cNvPr id="7" name="Slide Number Placeholder 2"/>
-          <p:cNvSpPr>
-            <a:spLocks noGrp="1"/>
-          </p:cNvSpPr>
-          <p:nvPr>
-            <p:ph type="sldNum" sz="quarter" idx="10"/>
-          </p:nvPr>
-        </p:nvSpPr>
-        <p:spPr>
-          <a:xfrm>
-            <a:off x="7537748" y="6553200"/>
-            <a:ext cx="1606254" cy="276999"/>
-          </a:xfrm>
-          <a:noFill/>
-        </p:spPr>
-        <p:txBody>
-          <a:bodyPr/>
-          <a:lstStyle/>
-          <a:p>
-            <a:r>
-              <a:rPr lang="en-US" dirty="0" smtClean="0"/>
-              <a:t>propositional logic.</a:t>
-            </a:r>
-            <a:fld id="{0150943C-9303-41DF-A6FA-7E32D6C5D18E}" type="slidenum">
-              <a:rPr lang="en-US" smtClean="0"/>
-              <a:pPr/>
-              <a:t>3</a:t>
-            </a:fld>
-            <a:endParaRPr lang="en-US" dirty="0" smtClean="0"/>
-          </a:p>
-        </p:txBody>
-      </p:sp>
-    </p:spTree>
-    <p:extLst>
-      <p:ext uri="{BB962C8B-B14F-4D97-AF65-F5344CB8AC3E}">
-        <p14:creationId xmlns:p14="http://schemas.microsoft.com/office/powerpoint/2010/main" val="88418492"/>
-      </p:ext>
-    </p:extLst>
-  </p:cSld>
-  <p:clrMapOvr>
-    <a:masterClrMapping/>
-  </p:clrMapOvr>
-  <p:transition xmlns:p14="http://schemas.microsoft.com/office/powerpoint/2010/main" spd="slow" advClick="0">
-    <p:fade/>
-  </p:transition>
-  <p:timing>
-    <p:tnLst>
-      <p:par>
-        <p:cTn xmlns:p14="http://schemas.microsoft.com/office/powerpoint/2010/main" id="1" dur="indefinite" restart="never" nodeType="tmRoot">
-          <p:childTnLst>
-            <p:seq concurrent="1" nextAc="seek">
-              <p:cTn id="2" dur="indefinite" nodeType="mainSeq">
-                <p:childTnLst>
-                  <p:par>
-                    <p:cTn id="3" fill="hold">
-                      <p:stCondLst>
-                        <p:cond delay="indefinite"/>
-                      </p:stCondLst>
-                      <p:childTnLst>
-                        <p:par>
-                          <p:cTn id="4" fill="hold">
-                            <p:stCondLst>
-                              <p:cond delay="0"/>
-                            </p:stCondLst>
-                            <p:childTnLst>
-                              <p:par>
-                                <p:cTn id="5" presetID="1" presetClass="entr" presetSubtype="0" fill="hold" nodeType="clickEffect">
-                                  <p:stCondLst>
-                                    <p:cond delay="0"/>
-                                  </p:stCondLst>
-                                  <p:childTnLst>
-                                    <p:set>
-                                      <p:cBhvr>
-                                        <p:cTn id="6" dur="1" fill="hold">
-                                          <p:stCondLst>
-                                            <p:cond delay="0"/>
-                                          </p:stCondLst>
-                                        </p:cTn>
-                                        <p:tgtEl>
-                                          <p:spTgt spid="5">
-                                            <p:txEl>
-                                              <p:pRg st="1" end="1"/>
-                                            </p:txEl>
-                                          </p:spTgt>
-                                        </p:tgtEl>
-                                        <p:attrNameLst>
-                                          <p:attrName>style.visibility</p:attrName>
-                                        </p:attrNameLst>
-                                      </p:cBhvr>
-                                      <p:to>
-                                        <p:strVal val="visible"/>
-                                      </p:to>
-                                    </p:set>
-                                  </p:childTnLst>
-                                </p:cTn>
-                              </p:par>
-                              <p:par>
-                                <p:cTn id="7" presetID="1" presetClass="entr" presetSubtype="0" fill="hold" nodeType="withEffect">
-                                  <p:stCondLst>
-                                    <p:cond delay="0"/>
-                                  </p:stCondLst>
-                                  <p:childTnLst>
-                                    <p:set>
-                                      <p:cBhvr>
-                                        <p:cTn id="8" dur="1" fill="hold">
-                                          <p:stCondLst>
-                                            <p:cond delay="0"/>
-                                          </p:stCondLst>
-                                        </p:cTn>
-                                        <p:tgtEl>
-                                          <p:spTgt spid="5">
-                                            <p:txEl>
-                                              <p:pRg st="2" end="2"/>
-                                            </p:txEl>
-                                          </p:spTgt>
-                                        </p:tgtEl>
-                                        <p:attrNameLst>
-                                          <p:attrName>style.visibility</p:attrName>
-                                        </p:attrNameLst>
-                                      </p:cBhvr>
-                                      <p:to>
-                                        <p:strVal val="visible"/>
-                                      </p:to>
-                                    </p:set>
-                                  </p:childTnLst>
-                                </p:cTn>
-                              </p:par>
-                            </p:childTnLst>
-                          </p:cTn>
-                        </p:par>
-                      </p:childTnLst>
-                    </p:cTn>
-                  </p:par>
-                </p:childTnLst>
-              </p:cTn>
-              <p:prevCondLst>
-                <p:cond evt="onPrev" delay="0">
-                  <p:tgtEl>
-                    <p:sldTgt/>
-                  </p:tgtEl>
-                </p:cond>
-              </p:prevCondLst>
-              <p:nextCondLst>
-                <p:cond evt="onNext" delay="0">
-                  <p:tgtEl>
-                    <p:sldTgt/>
-                  </p:tgtEl>
-                </p:cond>
-              </p:nextCondLst>
-            </p:seq>
-          </p:childTnLst>
-        </p:cTn>
-      </p:par>
-    </p:tnLst>
-  </p:timing>
-</p:sld>
-</file>
-
 <file path=ppt/slides/slide4.xml><?xml version="1.0" encoding="utf-8"?>
-<p:sld xmlns:a="http://schemas.openxmlformats.org/drawingml/2006/main" xmlns:r="http://schemas.openxmlformats.org/officeDocument/2006/relationships" xmlns:p="http://schemas.openxmlformats.org/presentationml/2006/main">
+<p:sld xmlns:a="http://schemas.openxmlformats.org/drawingml/2006/main" xmlns:r="http://schemas.openxmlformats.org/officeDocument/2006/relationships" xmlns:p="http://schemas.openxmlformats.org/presentationml/2006/main" show="0">
   <p:cSld>
     <p:spTree>
       <p:nvGrpSpPr>
@@ -17307,7 +18099,7 @@
 </file>
 
 <file path=ppt/slides/slide5.xml><?xml version="1.0" encoding="utf-8"?>
-<p:sld xmlns:a="http://schemas.openxmlformats.org/drawingml/2006/main" xmlns:r="http://schemas.openxmlformats.org/officeDocument/2006/relationships" xmlns:p="http://schemas.openxmlformats.org/presentationml/2006/main">
+<p:sld xmlns:a="http://schemas.openxmlformats.org/drawingml/2006/main" xmlns:r="http://schemas.openxmlformats.org/officeDocument/2006/relationships" xmlns:p="http://schemas.openxmlformats.org/presentationml/2006/main" show="0">
   <p:cSld>
     <p:spTree>
       <p:nvGrpSpPr>
@@ -17510,7 +18302,7 @@
 </file>
 
 <file path=ppt/slides/slide6.xml><?xml version="1.0" encoding="utf-8"?>
-<p:sld xmlns:a="http://schemas.openxmlformats.org/drawingml/2006/main" xmlns:r="http://schemas.openxmlformats.org/officeDocument/2006/relationships" xmlns:p="http://schemas.openxmlformats.org/presentationml/2006/main">
+<p:sld xmlns:a="http://schemas.openxmlformats.org/drawingml/2006/main" xmlns:r="http://schemas.openxmlformats.org/officeDocument/2006/relationships" xmlns:p="http://schemas.openxmlformats.org/presentationml/2006/main" show="0">
   <p:cSld>
     <p:spTree>
       <p:nvGrpSpPr>
@@ -17918,7 +18710,7 @@
 </file>
 
 <file path=ppt/slides/slide7.xml><?xml version="1.0" encoding="utf-8"?>
-<p:sld xmlns:a="http://schemas.openxmlformats.org/drawingml/2006/main" xmlns:r="http://schemas.openxmlformats.org/officeDocument/2006/relationships" xmlns:p="http://schemas.openxmlformats.org/presentationml/2006/main">
+<p:sld xmlns:a="http://schemas.openxmlformats.org/drawingml/2006/main" xmlns:r="http://schemas.openxmlformats.org/officeDocument/2006/relationships" xmlns:p="http://schemas.openxmlformats.org/presentationml/2006/main" show="0">
   <p:cSld>
     <p:spTree>
       <p:nvGrpSpPr>
@@ -18311,13 +19103,13 @@
   <p:clrMapOvr>
     <a:masterClrMapping/>
   </p:clrMapOvr>
-  <mc:AlternateContent xmlns:mc="http://schemas.openxmlformats.org/markup-compatibility/2006" xmlns:p14="http://schemas.microsoft.com/office/powerpoint/2010/main">
-    <mc:Choice Requires="p14">
-      <p:transition spd="slow" p14:dur="1200" advClick="0">
+  <mc:AlternateContent xmlns:mc="http://schemas.openxmlformats.org/markup-compatibility/2006">
+    <mc:Choice xmlns:p14="http://schemas.microsoft.com/office/powerpoint/2010/main" Requires="p14">
+      <p:transition spd="slow" p14:dur="1100" advClick="0">
         <p:fade thruBlk="1"/>
       </p:transition>
     </mc:Choice>
-    <mc:Fallback xmlns="">
+    <mc:Fallback>
       <p:transition xmlns:p14="http://schemas.microsoft.com/office/powerpoint/2010/main" spd="slow" advClick="0">
         <p:fade thruBlk="1"/>
       </p:transition>
@@ -18352,7 +19144,45 @@
       </p:grpSpPr>
       <p:sp>
         <p:nvSpPr>
-          <p:cNvPr id="2" name="Title 1"/>
+          <p:cNvPr id="5" name="TextBox 4"/>
+          <p:cNvSpPr txBox="1"/>
+          <p:nvPr/>
+        </p:nvSpPr>
+        <p:spPr>
+          <a:xfrm>
+            <a:off x="124740" y="1717665"/>
+            <a:ext cx="8985240" cy="4247317"/>
+          </a:xfrm>
+          <a:prstGeom prst="rect">
+            <a:avLst/>
+          </a:prstGeom>
+          <a:noFill/>
+        </p:spPr>
+        <p:txBody>
+          <a:bodyPr wrap="square" rtlCol="0">
+            <a:spAutoFit/>
+          </a:bodyPr>
+          <a:lstStyle/>
+          <a:p>
+            <a:pPr algn="l"/>
+            <a:r>
+              <a:rPr lang="en-US" sz="5400" dirty="0" smtClean="0">
+                <a:latin typeface="Comic Sans MS" pitchFamily="66" charset="0"/>
+              </a:rPr>
+              <a:t>The text describes a bunch of algebraic rules to prove that propositional formulas are equivalent</a:t>
+            </a:r>
+          </a:p>
+          <a:p>
+            <a:pPr algn="l"/>
+            <a:endParaRPr lang="en-US" sz="5400" dirty="0">
+              <a:latin typeface="Comic Sans MS" pitchFamily="66" charset="0"/>
+            </a:endParaRPr>
+          </a:p>
+        </p:txBody>
+      </p:sp>
+      <p:sp>
+        <p:nvSpPr>
+          <p:cNvPr id="9" name="Title 1"/>
           <p:cNvSpPr>
             <a:spLocks noGrp="1"/>
           </p:cNvSpPr>
@@ -18360,30 +19190,27 @@
             <p:ph type="title"/>
           </p:nvPr>
         </p:nvSpPr>
-        <p:spPr/>
+        <p:spPr>
+          <a:xfrm>
+            <a:off x="1651000" y="363538"/>
+            <a:ext cx="6794500" cy="1003300"/>
+          </a:xfrm>
+        </p:spPr>
         <p:txBody>
           <a:bodyPr/>
           <a:lstStyle/>
           <a:p>
             <a:r>
-              <a:rPr lang="en-US" dirty="0" smtClean="0">
-                <a:solidFill>
-                  <a:srgbClr val="BB0FAB"/>
-                </a:solidFill>
-              </a:rPr>
-              <a:t>modus ponens</a:t>
-            </a:r>
-            <a:r>
-              <a:rPr lang="en-US" dirty="0" smtClean="0"/>
-              <a:t> rule</a:t>
-            </a:r>
-            <a:endParaRPr lang="en-US" dirty="0"/>
-          </a:p>
-        </p:txBody>
-      </p:sp>
-      <p:sp>
-        <p:nvSpPr>
-          <p:cNvPr id="4" name="Slide Number Placeholder 3"/>
+              <a:rPr lang="en-US" sz="4000" dirty="0" smtClean="0"/>
+              <a:t>Proving Validity</a:t>
+            </a:r>
+            <a:endParaRPr lang="en-US" sz="4000" dirty="0"/>
+          </a:p>
+        </p:txBody>
+      </p:sp>
+      <p:sp>
+        <p:nvSpPr>
+          <p:cNvPr id="4" name="Slide Number Placeholder 2"/>
           <p:cNvSpPr>
             <a:spLocks noGrp="1"/>
           </p:cNvSpPr>
@@ -18393,207 +19220,31 @@
         </p:nvSpPr>
         <p:spPr>
           <a:xfrm>
-            <a:off x="7499428" y="6553200"/>
-            <a:ext cx="1644576" cy="276999"/>
+            <a:off x="7537747" y="6553200"/>
+            <a:ext cx="1606254" cy="276999"/>
           </a:xfrm>
         </p:spPr>
         <p:txBody>
           <a:bodyPr/>
           <a:lstStyle/>
           <a:p>
-            <a:pPr>
-              <a:defRPr/>
-            </a:pPr>
             <a:r>
               <a:rPr lang="en-US" dirty="0" smtClean="0"/>
-              <a:t>propositional logic..</a:t>
-            </a:r>
-            <a:fld id="{A528ADE2-B74F-4D9D-8D04-FB5D781EAB51}" type="slidenum">
+              <a:t>propositional logic.</a:t>
+            </a:r>
+            <a:fld id="{3251DA95-B240-47FE-901D-B78FC8E8E532}" type="slidenum">
               <a:rPr lang="en-US" smtClean="0"/>
-              <a:pPr>
-                <a:defRPr/>
-              </a:pPr>
+              <a:pPr/>
               <a:t>9</a:t>
             </a:fld>
             <a:endParaRPr lang="en-US" dirty="0"/>
           </a:p>
         </p:txBody>
       </p:sp>
-      <p:graphicFrame>
-        <p:nvGraphicFramePr>
-          <p:cNvPr id="5" name="Object 4"/>
-          <p:cNvGraphicFramePr>
-            <a:graphicFrameLocks noChangeAspect="1"/>
-          </p:cNvGraphicFramePr>
-          <p:nvPr>
-            <p:extLst>
-              <p:ext uri="{D42A27DB-BD31-4B8C-83A1-F6EECF244321}">
-                <p14:modId xmlns:p14="http://schemas.microsoft.com/office/powerpoint/2010/main" val="4009171247"/>
-              </p:ext>
-            </p:extLst>
-          </p:nvPr>
-        </p:nvGraphicFramePr>
-        <p:xfrm>
-          <a:off x="1476294" y="2233074"/>
-          <a:ext cx="5794456" cy="2429933"/>
-        </p:xfrm>
-        <a:graphic>
-          <a:graphicData uri="http://schemas.openxmlformats.org/presentationml/2006/ole">
-            <mc:AlternateContent xmlns:mc="http://schemas.openxmlformats.org/markup-compatibility/2006">
-              <mc:Choice xmlns:v="urn:schemas-microsoft-com:vml" Requires="v">
-                <p:oleObj spid="_x0000_s1083" name="Equation" r:id="rId3" imgW="1181100" imgH="495300" progId="Equation.DSMT4">
-                  <p:embed/>
-                </p:oleObj>
-              </mc:Choice>
-              <mc:Fallback>
-                <p:oleObj name="Equation" r:id="rId3" imgW="1181100" imgH="495300" progId="Equation.DSMT4">
-                  <p:embed/>
-                  <p:pic>
-                    <p:nvPicPr>
-                      <p:cNvPr id="0" name=""/>
-                      <p:cNvPicPr/>
-                      <p:nvPr/>
-                    </p:nvPicPr>
-                    <p:blipFill>
-                      <a:blip r:embed="rId4"/>
-                      <a:stretch>
-                        <a:fillRect/>
-                      </a:stretch>
-                    </p:blipFill>
-                    <p:spPr>
-                      <a:xfrm>
-                        <a:off x="1476294" y="2233074"/>
-                        <a:ext cx="5794456" cy="2429933"/>
-                      </a:xfrm>
-                      <a:prstGeom prst="rect">
-                        <a:avLst/>
-                      </a:prstGeom>
-                    </p:spPr>
-                  </p:pic>
-                </p:oleObj>
-              </mc:Fallback>
-            </mc:AlternateContent>
-          </a:graphicData>
-        </a:graphic>
-      </p:graphicFrame>
-      <p:graphicFrame>
-        <p:nvGraphicFramePr>
-          <p:cNvPr id="6" name="Object 5"/>
-          <p:cNvGraphicFramePr>
-            <a:graphicFrameLocks noChangeAspect="1"/>
-          </p:cNvGraphicFramePr>
-          <p:nvPr>
-            <p:extLst>
-              <p:ext uri="{D42A27DB-BD31-4B8C-83A1-F6EECF244321}">
-                <p14:modId xmlns:p14="http://schemas.microsoft.com/office/powerpoint/2010/main" val="3968756022"/>
-              </p:ext>
-            </p:extLst>
-          </p:nvPr>
-        </p:nvGraphicFramePr>
-        <p:xfrm>
-          <a:off x="1505999" y="896409"/>
-          <a:ext cx="5658909" cy="3396925"/>
-        </p:xfrm>
-        <a:graphic>
-          <a:graphicData uri="http://schemas.openxmlformats.org/presentationml/2006/ole">
-            <mc:AlternateContent xmlns:mc="http://schemas.openxmlformats.org/markup-compatibility/2006">
-              <mc:Choice xmlns:v="urn:schemas-microsoft-com:vml" Requires="v">
-                <p:oleObj spid="_x0000_s1084" name="Equation" r:id="rId5" imgW="762000" imgH="457200" progId="Equation.DSMT4">
-                  <p:embed/>
-                </p:oleObj>
-              </mc:Choice>
-              <mc:Fallback>
-                <p:oleObj name="Equation" r:id="rId5" imgW="762000" imgH="457200" progId="Equation.DSMT4">
-                  <p:embed/>
-                  <p:pic>
-                    <p:nvPicPr>
-                      <p:cNvPr id="0" name=""/>
-                      <p:cNvPicPr/>
-                      <p:nvPr/>
-                    </p:nvPicPr>
-                    <p:blipFill>
-                      <a:blip r:embed="rId6"/>
-                      <a:stretch>
-                        <a:fillRect/>
-                      </a:stretch>
-                    </p:blipFill>
-                    <p:spPr>
-                      <a:xfrm>
-                        <a:off x="1505999" y="896409"/>
-                        <a:ext cx="5658909" cy="3396925"/>
-                      </a:xfrm>
-                      <a:prstGeom prst="rect">
-                        <a:avLst/>
-                      </a:prstGeom>
-                    </p:spPr>
-                  </p:pic>
-                </p:oleObj>
-              </mc:Fallback>
-            </mc:AlternateContent>
-          </a:graphicData>
-        </a:graphic>
-      </p:graphicFrame>
-      <p:graphicFrame>
-        <p:nvGraphicFramePr>
-          <p:cNvPr id="7" name="Object 6"/>
-          <p:cNvGraphicFramePr>
-            <a:graphicFrameLocks noChangeAspect="1"/>
-          </p:cNvGraphicFramePr>
-          <p:nvPr>
-            <p:extLst>
-              <p:ext uri="{D42A27DB-BD31-4B8C-83A1-F6EECF244321}">
-                <p14:modId xmlns:p14="http://schemas.microsoft.com/office/powerpoint/2010/main" val="137192701"/>
-              </p:ext>
-            </p:extLst>
-          </p:nvPr>
-        </p:nvGraphicFramePr>
-        <p:xfrm>
-          <a:off x="3384550" y="3429000"/>
-          <a:ext cx="2033588" cy="1976438"/>
-        </p:xfrm>
-        <a:graphic>
-          <a:graphicData uri="http://schemas.openxmlformats.org/presentationml/2006/ole">
-            <mc:AlternateContent xmlns:mc="http://schemas.openxmlformats.org/markup-compatibility/2006">
-              <mc:Choice xmlns:v="urn:schemas-microsoft-com:vml" Requires="v">
-                <p:oleObj spid="_x0000_s1085" name="Equation" r:id="rId7" imgW="444500" imgH="431800" progId="Equation.DSMT4">
-                  <p:embed/>
-                </p:oleObj>
-              </mc:Choice>
-              <mc:Fallback>
-                <p:oleObj name="Equation" r:id="rId7" imgW="444500" imgH="431800" progId="Equation.DSMT4">
-                  <p:embed/>
-                  <p:pic>
-                    <p:nvPicPr>
-                      <p:cNvPr id="0" name=""/>
-                      <p:cNvPicPr/>
-                      <p:nvPr/>
-                    </p:nvPicPr>
-                    <p:blipFill>
-                      <a:blip r:embed="rId8"/>
-                      <a:stretch>
-                        <a:fillRect/>
-                      </a:stretch>
-                    </p:blipFill>
-                    <p:spPr>
-                      <a:xfrm>
-                        <a:off x="3384550" y="3429000"/>
-                        <a:ext cx="2033588" cy="1976438"/>
-                      </a:xfrm>
-                      <a:prstGeom prst="rect">
-                        <a:avLst/>
-                      </a:prstGeom>
-                    </p:spPr>
-                  </p:pic>
-                </p:oleObj>
-              </mc:Fallback>
-            </mc:AlternateContent>
-          </a:graphicData>
-        </a:graphic>
-      </p:graphicFrame>
     </p:spTree>
     <p:extLst>
       <p:ext uri="{BB962C8B-B14F-4D97-AF65-F5344CB8AC3E}">
-        <p14:creationId xmlns:p14="http://schemas.microsoft.com/office/powerpoint/2010/main" val="3165137657"/>
+        <p14:creationId xmlns:p14="http://schemas.microsoft.com/office/powerpoint/2010/main" val="2402037063"/>
       </p:ext>
     </p:extLst>
   </p:cSld>
@@ -18606,136 +19257,7 @@
   <p:timing>
     <p:tnLst>
       <p:par>
-        <p:cTn xmlns:p14="http://schemas.microsoft.com/office/powerpoint/2010/main" id="1" dur="indefinite" restart="never" nodeType="tmRoot">
-          <p:childTnLst>
-            <p:seq concurrent="1" nextAc="seek">
-              <p:cTn id="2" dur="indefinite" nodeType="mainSeq">
-                <p:childTnLst>
-                  <p:par>
-                    <p:cTn id="3" fill="hold">
-                      <p:stCondLst>
-                        <p:cond delay="indefinite"/>
-                      </p:stCondLst>
-                      <p:childTnLst>
-                        <p:par>
-                          <p:cTn id="4" fill="hold">
-                            <p:stCondLst>
-                              <p:cond delay="0"/>
-                            </p:stCondLst>
-                            <p:childTnLst>
-                              <p:par>
-                                <p:cTn id="5" presetID="22" presetClass="entr" presetSubtype="1" fill="hold" nodeType="clickEffect">
-                                  <p:stCondLst>
-                                    <p:cond delay="0"/>
-                                  </p:stCondLst>
-                                  <p:childTnLst>
-                                    <p:set>
-                                      <p:cBhvr>
-                                        <p:cTn id="6" dur="1" fill="hold">
-                                          <p:stCondLst>
-                                            <p:cond delay="0"/>
-                                          </p:stCondLst>
-                                        </p:cTn>
-                                        <p:tgtEl>
-                                          <p:spTgt spid="6"/>
-                                        </p:tgtEl>
-                                        <p:attrNameLst>
-                                          <p:attrName>style.visibility</p:attrName>
-                                        </p:attrNameLst>
-                                      </p:cBhvr>
-                                      <p:to>
-                                        <p:strVal val="visible"/>
-                                      </p:to>
-                                    </p:set>
-                                    <p:animEffect transition="in" filter="wipe(up)">
-                                      <p:cBhvr>
-                                        <p:cTn id="7" dur="1000"/>
-                                        <p:tgtEl>
-                                          <p:spTgt spid="6"/>
-                                        </p:tgtEl>
-                                      </p:cBhvr>
-                                    </p:animEffect>
-                                  </p:childTnLst>
-                                </p:cTn>
-                              </p:par>
-                            </p:childTnLst>
-                          </p:cTn>
-                        </p:par>
-                      </p:childTnLst>
-                    </p:cTn>
-                  </p:par>
-                  <p:par>
-                    <p:cTn id="8" fill="hold">
-                      <p:stCondLst>
-                        <p:cond delay="indefinite"/>
-                      </p:stCondLst>
-                      <p:childTnLst>
-                        <p:par>
-                          <p:cTn id="9" fill="hold">
-                            <p:stCondLst>
-                              <p:cond delay="0"/>
-                            </p:stCondLst>
-                            <p:childTnLst>
-                              <p:par>
-                                <p:cTn id="10" presetID="22" presetClass="entr" presetSubtype="4" fill="hold" nodeType="clickEffect">
-                                  <p:stCondLst>
-                                    <p:cond delay="0"/>
-                                  </p:stCondLst>
-                                  <p:childTnLst>
-                                    <p:set>
-                                      <p:cBhvr>
-                                        <p:cTn id="11" dur="1" fill="hold">
-                                          <p:stCondLst>
-                                            <p:cond delay="0"/>
-                                          </p:stCondLst>
-                                        </p:cTn>
-                                        <p:tgtEl>
-                                          <p:spTgt spid="7"/>
-                                        </p:tgtEl>
-                                        <p:attrNameLst>
-                                          <p:attrName>style.visibility</p:attrName>
-                                        </p:attrNameLst>
-                                      </p:cBhvr>
-                                      <p:to>
-                                        <p:strVal val="visible"/>
-                                      </p:to>
-                                    </p:set>
-                                    <p:animEffect transition="in" filter="wipe(down)">
-                                      <p:cBhvr>
-                                        <p:cTn id="12" dur="500"/>
-                                        <p:tgtEl>
-                                          <p:spTgt spid="7"/>
-                                        </p:tgtEl>
-                                      </p:cBhvr>
-                                    </p:animEffect>
-                                  </p:childTnLst>
-                                </p:cTn>
-                              </p:par>
-                            </p:childTnLst>
-                          </p:cTn>
-                        </p:par>
-                      </p:childTnLst>
-                    </p:cTn>
-                  </p:par>
-                </p:childTnLst>
-              </p:cTn>
-              <p:prevCondLst>
-                <p:cond evt="onPrev" delay="0">
-                  <p:tgtEl>
-                    <p:sldTgt/>
-                  </p:tgtEl>
-                </p:cond>
-              </p:prevCondLst>
-              <p:nextCondLst>
-                <p:cond evt="onNext" delay="0">
-                  <p:tgtEl>
-                    <p:sldTgt/>
-                  </p:tgtEl>
-                </p:cond>
-              </p:nextCondLst>
-            </p:seq>
-          </p:childTnLst>
-        </p:cTn>
+        <p:cTn xmlns:p14="http://schemas.microsoft.com/office/powerpoint/2010/main" id="1" dur="indefinite" restart="never" nodeType="tmRoot"/>
       </p:par>
     </p:tnLst>
   </p:timing>

--- a/spring14/slidesS14/propositional-logic.pptx
+++ b/spring14/slidesS14/propositional-logic.pptx
@@ -6,50 +6,39 @@
     <p:sldMasterId id="2147483651" r:id="rId2"/>
   </p:sldMasterIdLst>
   <p:notesMasterIdLst>
-    <p:notesMasterId r:id="rId36"/>
+    <p:notesMasterId r:id="rId25"/>
   </p:notesMasterIdLst>
   <p:handoutMasterIdLst>
-    <p:handoutMasterId r:id="rId37"/>
+    <p:handoutMasterId r:id="rId26"/>
   </p:handoutMasterIdLst>
   <p:sldIdLst>
     <p:sldId id="392" r:id="rId3"/>
-    <p:sldId id="467" r:id="rId4"/>
-    <p:sldId id="468" r:id="rId5"/>
-    <p:sldId id="469" r:id="rId6"/>
-    <p:sldId id="470" r:id="rId7"/>
-    <p:sldId id="471" r:id="rId8"/>
-    <p:sldId id="472" r:id="rId9"/>
-    <p:sldId id="447" r:id="rId10"/>
-    <p:sldId id="488" r:id="rId11"/>
-    <p:sldId id="489" r:id="rId12"/>
-    <p:sldId id="491" r:id="rId13"/>
-    <p:sldId id="492" r:id="rId14"/>
-    <p:sldId id="493" r:id="rId15"/>
-    <p:sldId id="494" r:id="rId16"/>
-    <p:sldId id="495" r:id="rId17"/>
-    <p:sldId id="448" r:id="rId18"/>
-    <p:sldId id="475" r:id="rId19"/>
-    <p:sldId id="449" r:id="rId20"/>
-    <p:sldId id="496" r:id="rId21"/>
-    <p:sldId id="479" r:id="rId22"/>
-    <p:sldId id="450" r:id="rId23"/>
-    <p:sldId id="480" r:id="rId24"/>
-    <p:sldId id="481" r:id="rId25"/>
-    <p:sldId id="482" r:id="rId26"/>
-    <p:sldId id="483" r:id="rId27"/>
-    <p:sldId id="452" r:id="rId28"/>
-    <p:sldId id="453" r:id="rId29"/>
-    <p:sldId id="455" r:id="rId30"/>
-    <p:sldId id="430" r:id="rId31"/>
-    <p:sldId id="431" r:id="rId32"/>
-    <p:sldId id="432" r:id="rId33"/>
-    <p:sldId id="433" r:id="rId34"/>
-    <p:sldId id="427" r:id="rId35"/>
+    <p:sldId id="447" r:id="rId4"/>
+    <p:sldId id="488" r:id="rId5"/>
+    <p:sldId id="489" r:id="rId6"/>
+    <p:sldId id="491" r:id="rId7"/>
+    <p:sldId id="492" r:id="rId8"/>
+    <p:sldId id="493" r:id="rId9"/>
+    <p:sldId id="494" r:id="rId10"/>
+    <p:sldId id="495" r:id="rId11"/>
+    <p:sldId id="448" r:id="rId12"/>
+    <p:sldId id="475" r:id="rId13"/>
+    <p:sldId id="449" r:id="rId14"/>
+    <p:sldId id="496" r:id="rId15"/>
+    <p:sldId id="479" r:id="rId16"/>
+    <p:sldId id="450" r:id="rId17"/>
+    <p:sldId id="480" r:id="rId18"/>
+    <p:sldId id="481" r:id="rId19"/>
+    <p:sldId id="482" r:id="rId20"/>
+    <p:sldId id="483" r:id="rId21"/>
+    <p:sldId id="452" r:id="rId22"/>
+    <p:sldId id="453" r:id="rId23"/>
+    <p:sldId id="455" r:id="rId24"/>
   </p:sldIdLst>
   <p:sldSz cx="9144000" cy="6858000" type="screen4x3"/>
   <p:notesSz cx="9601200" cy="7315200"/>
   <p:custDataLst>
-    <p:tags r:id="rId39"/>
+    <p:tags r:id="rId28"/>
   </p:custDataLst>
   <p:defaultTextStyle>
     <a:defPPr>
@@ -939,749 +928,6 @@
 </p:notes>
 </file>
 
-<file path=ppt/notesSlides/notesSlide10.xml><?xml version="1.0" encoding="utf-8"?>
-<p:notes xmlns:a="http://schemas.openxmlformats.org/drawingml/2006/main" xmlns:r="http://schemas.openxmlformats.org/officeDocument/2006/relationships" xmlns:p="http://schemas.openxmlformats.org/presentationml/2006/main">
-  <p:cSld>
-    <p:spTree>
-      <p:nvGrpSpPr>
-        <p:cNvPr id="1" name=""/>
-        <p:cNvGrpSpPr/>
-        <p:nvPr/>
-      </p:nvGrpSpPr>
-      <p:grpSpPr>
-        <a:xfrm>
-          <a:off x="0" y="0"/>
-          <a:ext cx="0" cy="0"/>
-          <a:chOff x="0" y="0"/>
-          <a:chExt cx="0" cy="0"/>
-        </a:xfrm>
-      </p:grpSpPr>
-      <p:sp>
-        <p:nvSpPr>
-          <p:cNvPr id="2" name="Slide Image Placeholder 1"/>
-          <p:cNvSpPr>
-            <a:spLocks noGrp="1" noRot="1" noChangeAspect="1"/>
-          </p:cNvSpPr>
-          <p:nvPr>
-            <p:ph type="sldImg"/>
-          </p:nvPr>
-        </p:nvSpPr>
-        <p:spPr/>
-      </p:sp>
-      <p:sp>
-        <p:nvSpPr>
-          <p:cNvPr id="3" name="Notes Placeholder 2"/>
-          <p:cNvSpPr>
-            <a:spLocks noGrp="1"/>
-          </p:cNvSpPr>
-          <p:nvPr>
-            <p:ph type="body" idx="1"/>
-          </p:nvPr>
-        </p:nvSpPr>
-        <p:spPr/>
-        <p:txBody>
-          <a:bodyPr>
-            <a:normAutofit/>
-          </a:bodyPr>
-          <a:lstStyle/>
-          <a:p>
-            <a:endParaRPr lang="en-US"/>
-          </a:p>
-        </p:txBody>
-      </p:sp>
-      <p:sp>
-        <p:nvSpPr>
-          <p:cNvPr id="4" name="Slide Number Placeholder 3"/>
-          <p:cNvSpPr>
-            <a:spLocks noGrp="1"/>
-          </p:cNvSpPr>
-          <p:nvPr>
-            <p:ph type="sldNum" sz="quarter" idx="10"/>
-          </p:nvPr>
-        </p:nvSpPr>
-        <p:spPr/>
-        <p:txBody>
-          <a:bodyPr/>
-          <a:lstStyle/>
-          <a:p>
-            <a:fld id="{A02B9F3F-3042-489F-AF35-1A733968F079}" type="slidenum">
-              <a:rPr lang="en-US" smtClean="0"/>
-              <a:pPr/>
-              <a:t>10</a:t>
-            </a:fld>
-            <a:endParaRPr lang="en-US"/>
-          </a:p>
-        </p:txBody>
-      </p:sp>
-    </p:spTree>
-  </p:cSld>
-  <p:clrMapOvr>
-    <a:masterClrMapping/>
-  </p:clrMapOvr>
-</p:notes>
-</file>
-
-<file path=ppt/notesSlides/notesSlide11.xml><?xml version="1.0" encoding="utf-8"?>
-<p:notes xmlns:a="http://schemas.openxmlformats.org/drawingml/2006/main" xmlns:r="http://schemas.openxmlformats.org/officeDocument/2006/relationships" xmlns:p="http://schemas.openxmlformats.org/presentationml/2006/main">
-  <p:cSld>
-    <p:spTree>
-      <p:nvGrpSpPr>
-        <p:cNvPr id="1" name=""/>
-        <p:cNvGrpSpPr/>
-        <p:nvPr/>
-      </p:nvGrpSpPr>
-      <p:grpSpPr>
-        <a:xfrm>
-          <a:off x="0" y="0"/>
-          <a:ext cx="0" cy="0"/>
-          <a:chOff x="0" y="0"/>
-          <a:chExt cx="0" cy="0"/>
-        </a:xfrm>
-      </p:grpSpPr>
-      <p:sp>
-        <p:nvSpPr>
-          <p:cNvPr id="2" name="Slide Image Placeholder 1"/>
-          <p:cNvSpPr>
-            <a:spLocks noGrp="1" noRot="1" noChangeAspect="1"/>
-          </p:cNvSpPr>
-          <p:nvPr>
-            <p:ph type="sldImg"/>
-          </p:nvPr>
-        </p:nvSpPr>
-        <p:spPr/>
-      </p:sp>
-      <p:sp>
-        <p:nvSpPr>
-          <p:cNvPr id="3" name="Notes Placeholder 2"/>
-          <p:cNvSpPr>
-            <a:spLocks noGrp="1"/>
-          </p:cNvSpPr>
-          <p:nvPr>
-            <p:ph type="body" idx="1"/>
-          </p:nvPr>
-        </p:nvSpPr>
-        <p:spPr/>
-        <p:txBody>
-          <a:bodyPr>
-            <a:normAutofit/>
-          </a:bodyPr>
-          <a:lstStyle/>
-          <a:p>
-            <a:endParaRPr lang="en-US"/>
-          </a:p>
-        </p:txBody>
-      </p:sp>
-      <p:sp>
-        <p:nvSpPr>
-          <p:cNvPr id="4" name="Slide Number Placeholder 3"/>
-          <p:cNvSpPr>
-            <a:spLocks noGrp="1"/>
-          </p:cNvSpPr>
-          <p:nvPr>
-            <p:ph type="sldNum" sz="quarter" idx="10"/>
-          </p:nvPr>
-        </p:nvSpPr>
-        <p:spPr/>
-        <p:txBody>
-          <a:bodyPr/>
-          <a:lstStyle/>
-          <a:p>
-            <a:fld id="{A02B9F3F-3042-489F-AF35-1A733968F079}" type="slidenum">
-              <a:rPr lang="en-US" smtClean="0"/>
-              <a:pPr/>
-              <a:t>11</a:t>
-            </a:fld>
-            <a:endParaRPr lang="en-US"/>
-          </a:p>
-        </p:txBody>
-      </p:sp>
-    </p:spTree>
-  </p:cSld>
-  <p:clrMapOvr>
-    <a:masterClrMapping/>
-  </p:clrMapOvr>
-</p:notes>
-</file>
-
-<file path=ppt/notesSlides/notesSlide12.xml><?xml version="1.0" encoding="utf-8"?>
-<p:notes xmlns:a="http://schemas.openxmlformats.org/drawingml/2006/main" xmlns:r="http://schemas.openxmlformats.org/officeDocument/2006/relationships" xmlns:p="http://schemas.openxmlformats.org/presentationml/2006/main">
-  <p:cSld>
-    <p:spTree>
-      <p:nvGrpSpPr>
-        <p:cNvPr id="1" name=""/>
-        <p:cNvGrpSpPr/>
-        <p:nvPr/>
-      </p:nvGrpSpPr>
-      <p:grpSpPr>
-        <a:xfrm>
-          <a:off x="0" y="0"/>
-          <a:ext cx="0" cy="0"/>
-          <a:chOff x="0" y="0"/>
-          <a:chExt cx="0" cy="0"/>
-        </a:xfrm>
-      </p:grpSpPr>
-      <p:sp>
-        <p:nvSpPr>
-          <p:cNvPr id="2" name="Slide Image Placeholder 1"/>
-          <p:cNvSpPr>
-            <a:spLocks noGrp="1" noRot="1" noChangeAspect="1"/>
-          </p:cNvSpPr>
-          <p:nvPr>
-            <p:ph type="sldImg"/>
-          </p:nvPr>
-        </p:nvSpPr>
-        <p:spPr/>
-      </p:sp>
-      <p:sp>
-        <p:nvSpPr>
-          <p:cNvPr id="3" name="Notes Placeholder 2"/>
-          <p:cNvSpPr>
-            <a:spLocks noGrp="1"/>
-          </p:cNvSpPr>
-          <p:nvPr>
-            <p:ph type="body" idx="1"/>
-          </p:nvPr>
-        </p:nvSpPr>
-        <p:spPr/>
-        <p:txBody>
-          <a:bodyPr>
-            <a:normAutofit/>
-          </a:bodyPr>
-          <a:lstStyle/>
-          <a:p>
-            <a:endParaRPr lang="en-US"/>
-          </a:p>
-        </p:txBody>
-      </p:sp>
-      <p:sp>
-        <p:nvSpPr>
-          <p:cNvPr id="4" name="Slide Number Placeholder 3"/>
-          <p:cNvSpPr>
-            <a:spLocks noGrp="1"/>
-          </p:cNvSpPr>
-          <p:nvPr>
-            <p:ph type="sldNum" sz="quarter" idx="10"/>
-          </p:nvPr>
-        </p:nvSpPr>
-        <p:spPr/>
-        <p:txBody>
-          <a:bodyPr/>
-          <a:lstStyle/>
-          <a:p>
-            <a:fld id="{A02B9F3F-3042-489F-AF35-1A733968F079}" type="slidenum">
-              <a:rPr lang="en-US" smtClean="0"/>
-              <a:pPr/>
-              <a:t>12</a:t>
-            </a:fld>
-            <a:endParaRPr lang="en-US"/>
-          </a:p>
-        </p:txBody>
-      </p:sp>
-    </p:spTree>
-  </p:cSld>
-  <p:clrMapOvr>
-    <a:masterClrMapping/>
-  </p:clrMapOvr>
-</p:notes>
-</file>
-
-<file path=ppt/notesSlides/notesSlide13.xml><?xml version="1.0" encoding="utf-8"?>
-<p:notes xmlns:a="http://schemas.openxmlformats.org/drawingml/2006/main" xmlns:r="http://schemas.openxmlformats.org/officeDocument/2006/relationships" xmlns:p="http://schemas.openxmlformats.org/presentationml/2006/main">
-  <p:cSld>
-    <p:spTree>
-      <p:nvGrpSpPr>
-        <p:cNvPr id="1" name=""/>
-        <p:cNvGrpSpPr/>
-        <p:nvPr/>
-      </p:nvGrpSpPr>
-      <p:grpSpPr>
-        <a:xfrm>
-          <a:off x="0" y="0"/>
-          <a:ext cx="0" cy="0"/>
-          <a:chOff x="0" y="0"/>
-          <a:chExt cx="0" cy="0"/>
-        </a:xfrm>
-      </p:grpSpPr>
-      <p:sp>
-        <p:nvSpPr>
-          <p:cNvPr id="2" name="Slide Image Placeholder 1"/>
-          <p:cNvSpPr>
-            <a:spLocks noGrp="1" noRot="1" noChangeAspect="1"/>
-          </p:cNvSpPr>
-          <p:nvPr>
-            <p:ph type="sldImg"/>
-          </p:nvPr>
-        </p:nvSpPr>
-        <p:spPr/>
-      </p:sp>
-      <p:sp>
-        <p:nvSpPr>
-          <p:cNvPr id="3" name="Notes Placeholder 2"/>
-          <p:cNvSpPr>
-            <a:spLocks noGrp="1"/>
-          </p:cNvSpPr>
-          <p:nvPr>
-            <p:ph type="body" idx="1"/>
-          </p:nvPr>
-        </p:nvSpPr>
-        <p:spPr/>
-        <p:txBody>
-          <a:bodyPr>
-            <a:normAutofit/>
-          </a:bodyPr>
-          <a:lstStyle/>
-          <a:p>
-            <a:endParaRPr lang="en-US"/>
-          </a:p>
-        </p:txBody>
-      </p:sp>
-      <p:sp>
-        <p:nvSpPr>
-          <p:cNvPr id="4" name="Slide Number Placeholder 3"/>
-          <p:cNvSpPr>
-            <a:spLocks noGrp="1"/>
-          </p:cNvSpPr>
-          <p:nvPr>
-            <p:ph type="sldNum" sz="quarter" idx="10"/>
-          </p:nvPr>
-        </p:nvSpPr>
-        <p:spPr/>
-        <p:txBody>
-          <a:bodyPr/>
-          <a:lstStyle/>
-          <a:p>
-            <a:fld id="{A02B9F3F-3042-489F-AF35-1A733968F079}" type="slidenum">
-              <a:rPr lang="en-US" smtClean="0"/>
-              <a:pPr/>
-              <a:t>28</a:t>
-            </a:fld>
-            <a:endParaRPr lang="en-US"/>
-          </a:p>
-        </p:txBody>
-      </p:sp>
-    </p:spTree>
-  </p:cSld>
-  <p:clrMapOvr>
-    <a:masterClrMapping/>
-  </p:clrMapOvr>
-</p:notes>
-</file>
-
-<file path=ppt/notesSlides/notesSlide14.xml><?xml version="1.0" encoding="utf-8"?>
-<p:notes xmlns:a="http://schemas.openxmlformats.org/drawingml/2006/main" xmlns:r="http://schemas.openxmlformats.org/officeDocument/2006/relationships" xmlns:p="http://schemas.openxmlformats.org/presentationml/2006/main">
-  <p:cSld>
-    <p:spTree>
-      <p:nvGrpSpPr>
-        <p:cNvPr id="1" name=""/>
-        <p:cNvGrpSpPr/>
-        <p:nvPr/>
-      </p:nvGrpSpPr>
-      <p:grpSpPr>
-        <a:xfrm>
-          <a:off x="0" y="0"/>
-          <a:ext cx="0" cy="0"/>
-          <a:chOff x="0" y="0"/>
-          <a:chExt cx="0" cy="0"/>
-        </a:xfrm>
-      </p:grpSpPr>
-      <p:sp>
-        <p:nvSpPr>
-          <p:cNvPr id="2" name="Slide Image Placeholder 1"/>
-          <p:cNvSpPr>
-            <a:spLocks noGrp="1" noRot="1" noChangeAspect="1"/>
-          </p:cNvSpPr>
-          <p:nvPr>
-            <p:ph type="sldImg"/>
-          </p:nvPr>
-        </p:nvSpPr>
-        <p:spPr/>
-      </p:sp>
-      <p:sp>
-        <p:nvSpPr>
-          <p:cNvPr id="3" name="Notes Placeholder 2"/>
-          <p:cNvSpPr>
-            <a:spLocks noGrp="1"/>
-          </p:cNvSpPr>
-          <p:nvPr>
-            <p:ph type="body" idx="1"/>
-          </p:nvPr>
-        </p:nvSpPr>
-        <p:spPr/>
-        <p:txBody>
-          <a:bodyPr>
-            <a:normAutofit/>
-          </a:bodyPr>
-          <a:lstStyle/>
-          <a:p>
-            <a:endParaRPr lang="en-US"/>
-          </a:p>
-        </p:txBody>
-      </p:sp>
-      <p:sp>
-        <p:nvSpPr>
-          <p:cNvPr id="4" name="Slide Number Placeholder 3"/>
-          <p:cNvSpPr>
-            <a:spLocks noGrp="1"/>
-          </p:cNvSpPr>
-          <p:nvPr>
-            <p:ph type="sldNum" sz="quarter" idx="10"/>
-          </p:nvPr>
-        </p:nvSpPr>
-        <p:spPr/>
-        <p:txBody>
-          <a:bodyPr/>
-          <a:lstStyle/>
-          <a:p>
-            <a:fld id="{A02B9F3F-3042-489F-AF35-1A733968F079}" type="slidenum">
-              <a:rPr lang="en-US" smtClean="0"/>
-              <a:pPr/>
-              <a:t>29</a:t>
-            </a:fld>
-            <a:endParaRPr lang="en-US"/>
-          </a:p>
-        </p:txBody>
-      </p:sp>
-    </p:spTree>
-  </p:cSld>
-  <p:clrMapOvr>
-    <a:masterClrMapping/>
-  </p:clrMapOvr>
-</p:notes>
-</file>
-
-<file path=ppt/notesSlides/notesSlide15.xml><?xml version="1.0" encoding="utf-8"?>
-<p:notes xmlns:a="http://schemas.openxmlformats.org/drawingml/2006/main" xmlns:r="http://schemas.openxmlformats.org/officeDocument/2006/relationships" xmlns:p="http://schemas.openxmlformats.org/presentationml/2006/main">
-  <p:cSld>
-    <p:spTree>
-      <p:nvGrpSpPr>
-        <p:cNvPr id="1" name=""/>
-        <p:cNvGrpSpPr/>
-        <p:nvPr/>
-      </p:nvGrpSpPr>
-      <p:grpSpPr>
-        <a:xfrm>
-          <a:off x="0" y="0"/>
-          <a:ext cx="0" cy="0"/>
-          <a:chOff x="0" y="0"/>
-          <a:chExt cx="0" cy="0"/>
-        </a:xfrm>
-      </p:grpSpPr>
-      <p:sp>
-        <p:nvSpPr>
-          <p:cNvPr id="2" name="Slide Image Placeholder 1"/>
-          <p:cNvSpPr>
-            <a:spLocks noGrp="1" noRot="1" noChangeAspect="1"/>
-          </p:cNvSpPr>
-          <p:nvPr>
-            <p:ph type="sldImg"/>
-          </p:nvPr>
-        </p:nvSpPr>
-        <p:spPr/>
-      </p:sp>
-      <p:sp>
-        <p:nvSpPr>
-          <p:cNvPr id="3" name="Notes Placeholder 2"/>
-          <p:cNvSpPr>
-            <a:spLocks noGrp="1"/>
-          </p:cNvSpPr>
-          <p:nvPr>
-            <p:ph type="body" idx="1"/>
-          </p:nvPr>
-        </p:nvSpPr>
-        <p:spPr/>
-        <p:txBody>
-          <a:bodyPr>
-            <a:normAutofit/>
-          </a:bodyPr>
-          <a:lstStyle/>
-          <a:p>
-            <a:endParaRPr lang="en-US"/>
-          </a:p>
-        </p:txBody>
-      </p:sp>
-      <p:sp>
-        <p:nvSpPr>
-          <p:cNvPr id="4" name="Slide Number Placeholder 3"/>
-          <p:cNvSpPr>
-            <a:spLocks noGrp="1"/>
-          </p:cNvSpPr>
-          <p:nvPr>
-            <p:ph type="sldNum" sz="quarter" idx="10"/>
-          </p:nvPr>
-        </p:nvSpPr>
-        <p:spPr/>
-        <p:txBody>
-          <a:bodyPr/>
-          <a:lstStyle/>
-          <a:p>
-            <a:fld id="{A02B9F3F-3042-489F-AF35-1A733968F079}" type="slidenum">
-              <a:rPr lang="en-US" smtClean="0"/>
-              <a:pPr/>
-              <a:t>30</a:t>
-            </a:fld>
-            <a:endParaRPr lang="en-US"/>
-          </a:p>
-        </p:txBody>
-      </p:sp>
-    </p:spTree>
-  </p:cSld>
-  <p:clrMapOvr>
-    <a:masterClrMapping/>
-  </p:clrMapOvr>
-</p:notes>
-</file>
-
-<file path=ppt/notesSlides/notesSlide16.xml><?xml version="1.0" encoding="utf-8"?>
-<p:notes xmlns:a="http://schemas.openxmlformats.org/drawingml/2006/main" xmlns:r="http://schemas.openxmlformats.org/officeDocument/2006/relationships" xmlns:p="http://schemas.openxmlformats.org/presentationml/2006/main">
-  <p:cSld>
-    <p:spTree>
-      <p:nvGrpSpPr>
-        <p:cNvPr id="1" name=""/>
-        <p:cNvGrpSpPr/>
-        <p:nvPr/>
-      </p:nvGrpSpPr>
-      <p:grpSpPr>
-        <a:xfrm>
-          <a:off x="0" y="0"/>
-          <a:ext cx="0" cy="0"/>
-          <a:chOff x="0" y="0"/>
-          <a:chExt cx="0" cy="0"/>
-        </a:xfrm>
-      </p:grpSpPr>
-      <p:sp>
-        <p:nvSpPr>
-          <p:cNvPr id="2" name="Slide Image Placeholder 1"/>
-          <p:cNvSpPr>
-            <a:spLocks noGrp="1" noRot="1" noChangeAspect="1"/>
-          </p:cNvSpPr>
-          <p:nvPr>
-            <p:ph type="sldImg"/>
-          </p:nvPr>
-        </p:nvSpPr>
-        <p:spPr/>
-      </p:sp>
-      <p:sp>
-        <p:nvSpPr>
-          <p:cNvPr id="3" name="Notes Placeholder 2"/>
-          <p:cNvSpPr>
-            <a:spLocks noGrp="1"/>
-          </p:cNvSpPr>
-          <p:nvPr>
-            <p:ph type="body" idx="1"/>
-          </p:nvPr>
-        </p:nvSpPr>
-        <p:spPr/>
-        <p:txBody>
-          <a:bodyPr>
-            <a:normAutofit/>
-          </a:bodyPr>
-          <a:lstStyle/>
-          <a:p>
-            <a:endParaRPr lang="en-US"/>
-          </a:p>
-        </p:txBody>
-      </p:sp>
-      <p:sp>
-        <p:nvSpPr>
-          <p:cNvPr id="4" name="Slide Number Placeholder 3"/>
-          <p:cNvSpPr>
-            <a:spLocks noGrp="1"/>
-          </p:cNvSpPr>
-          <p:nvPr>
-            <p:ph type="sldNum" sz="quarter" idx="10"/>
-          </p:nvPr>
-        </p:nvSpPr>
-        <p:spPr/>
-        <p:txBody>
-          <a:bodyPr/>
-          <a:lstStyle/>
-          <a:p>
-            <a:fld id="{A02B9F3F-3042-489F-AF35-1A733968F079}" type="slidenum">
-              <a:rPr lang="en-US" smtClean="0"/>
-              <a:pPr/>
-              <a:t>31</a:t>
-            </a:fld>
-            <a:endParaRPr lang="en-US"/>
-          </a:p>
-        </p:txBody>
-      </p:sp>
-    </p:spTree>
-  </p:cSld>
-  <p:clrMapOvr>
-    <a:masterClrMapping/>
-  </p:clrMapOvr>
-</p:notes>
-</file>
-
-<file path=ppt/notesSlides/notesSlide17.xml><?xml version="1.0" encoding="utf-8"?>
-<p:notes xmlns:a="http://schemas.openxmlformats.org/drawingml/2006/main" xmlns:r="http://schemas.openxmlformats.org/officeDocument/2006/relationships" xmlns:p="http://schemas.openxmlformats.org/presentationml/2006/main">
-  <p:cSld>
-    <p:spTree>
-      <p:nvGrpSpPr>
-        <p:cNvPr id="1" name=""/>
-        <p:cNvGrpSpPr/>
-        <p:nvPr/>
-      </p:nvGrpSpPr>
-      <p:grpSpPr>
-        <a:xfrm>
-          <a:off x="0" y="0"/>
-          <a:ext cx="0" cy="0"/>
-          <a:chOff x="0" y="0"/>
-          <a:chExt cx="0" cy="0"/>
-        </a:xfrm>
-      </p:grpSpPr>
-      <p:sp>
-        <p:nvSpPr>
-          <p:cNvPr id="2" name="Slide Image Placeholder 1"/>
-          <p:cNvSpPr>
-            <a:spLocks noGrp="1" noRot="1" noChangeAspect="1"/>
-          </p:cNvSpPr>
-          <p:nvPr>
-            <p:ph type="sldImg"/>
-          </p:nvPr>
-        </p:nvSpPr>
-        <p:spPr/>
-      </p:sp>
-      <p:sp>
-        <p:nvSpPr>
-          <p:cNvPr id="3" name="Notes Placeholder 2"/>
-          <p:cNvSpPr>
-            <a:spLocks noGrp="1"/>
-          </p:cNvSpPr>
-          <p:nvPr>
-            <p:ph type="body" idx="1"/>
-          </p:nvPr>
-        </p:nvSpPr>
-        <p:spPr/>
-        <p:txBody>
-          <a:bodyPr>
-            <a:normAutofit/>
-          </a:bodyPr>
-          <a:lstStyle/>
-          <a:p>
-            <a:endParaRPr lang="en-US"/>
-          </a:p>
-        </p:txBody>
-      </p:sp>
-      <p:sp>
-        <p:nvSpPr>
-          <p:cNvPr id="4" name="Slide Number Placeholder 3"/>
-          <p:cNvSpPr>
-            <a:spLocks noGrp="1"/>
-          </p:cNvSpPr>
-          <p:nvPr>
-            <p:ph type="sldNum" sz="quarter" idx="10"/>
-          </p:nvPr>
-        </p:nvSpPr>
-        <p:spPr/>
-        <p:txBody>
-          <a:bodyPr/>
-          <a:lstStyle/>
-          <a:p>
-            <a:fld id="{A02B9F3F-3042-489F-AF35-1A733968F079}" type="slidenum">
-              <a:rPr lang="en-US" smtClean="0"/>
-              <a:pPr/>
-              <a:t>32</a:t>
-            </a:fld>
-            <a:endParaRPr lang="en-US"/>
-          </a:p>
-        </p:txBody>
-      </p:sp>
-    </p:spTree>
-  </p:cSld>
-  <p:clrMapOvr>
-    <a:masterClrMapping/>
-  </p:clrMapOvr>
-</p:notes>
-</file>
-
-<file path=ppt/notesSlides/notesSlide18.xml><?xml version="1.0" encoding="utf-8"?>
-<p:notes xmlns:a="http://schemas.openxmlformats.org/drawingml/2006/main" xmlns:r="http://schemas.openxmlformats.org/officeDocument/2006/relationships" xmlns:p="http://schemas.openxmlformats.org/presentationml/2006/main">
-  <p:cSld>
-    <p:spTree>
-      <p:nvGrpSpPr>
-        <p:cNvPr id="1" name=""/>
-        <p:cNvGrpSpPr/>
-        <p:nvPr/>
-      </p:nvGrpSpPr>
-      <p:grpSpPr>
-        <a:xfrm>
-          <a:off x="0" y="0"/>
-          <a:ext cx="0" cy="0"/>
-          <a:chOff x="0" y="0"/>
-          <a:chExt cx="0" cy="0"/>
-        </a:xfrm>
-      </p:grpSpPr>
-      <p:sp>
-        <p:nvSpPr>
-          <p:cNvPr id="72706" name="Rectangle 7"/>
-          <p:cNvSpPr>
-            <a:spLocks noGrp="1" noChangeArrowheads="1"/>
-          </p:cNvSpPr>
-          <p:nvPr>
-            <p:ph type="sldNum" sz="quarter" idx="5"/>
-          </p:nvPr>
-        </p:nvSpPr>
-        <p:spPr>
-          <a:noFill/>
-        </p:spPr>
-        <p:txBody>
-          <a:bodyPr/>
-          <a:lstStyle/>
-          <a:p>
-            <a:fld id="{6653F924-F418-411E-8C35-24F3766CE997}" type="slidenum">
-              <a:rPr lang="en-US" smtClean="0"/>
-              <a:pPr/>
-              <a:t>33</a:t>
-            </a:fld>
-            <a:endParaRPr lang="en-US" smtClean="0"/>
-          </a:p>
-        </p:txBody>
-      </p:sp>
-      <p:sp>
-        <p:nvSpPr>
-          <p:cNvPr id="72707" name="Rectangle 2"/>
-          <p:cNvSpPr>
-            <a:spLocks noGrp="1" noRot="1" noChangeAspect="1" noChangeArrowheads="1" noTextEdit="1"/>
-          </p:cNvSpPr>
-          <p:nvPr>
-            <p:ph type="sldImg"/>
-          </p:nvPr>
-        </p:nvSpPr>
-        <p:spPr>
-          <a:ln/>
-        </p:spPr>
-      </p:sp>
-      <p:sp>
-        <p:nvSpPr>
-          <p:cNvPr id="72708" name="Rectangle 3"/>
-          <p:cNvSpPr>
-            <a:spLocks noGrp="1" noChangeArrowheads="1"/>
-          </p:cNvSpPr>
-          <p:nvPr>
-            <p:ph type="body" idx="1"/>
-          </p:nvPr>
-        </p:nvSpPr>
-        <p:spPr>
-          <a:noFill/>
-          <a:ln/>
-        </p:spPr>
-        <p:txBody>
-          <a:bodyPr/>
-          <a:lstStyle/>
-          <a:p>
-            <a:endParaRPr lang="en-US" smtClean="0"/>
-          </a:p>
-        </p:txBody>
-      </p:sp>
-    </p:spTree>
-  </p:cSld>
-  <p:clrMapOvr>
-    <a:masterClrMapping/>
-  </p:clrMapOvr>
-</p:notes>
-</file>
-
 <file path=ppt/notesSlides/notesSlide2.xml><?xml version="1.0" encoding="utf-8"?>
 <p:notes xmlns:a="http://schemas.openxmlformats.org/drawingml/2006/main" xmlns:r="http://schemas.openxmlformats.org/officeDocument/2006/relationships" xmlns:p="http://schemas.openxmlformats.org/presentationml/2006/main">
   <p:cSld>
@@ -1783,66 +1029,58 @@
       </p:grpSpPr>
       <p:sp>
         <p:nvSpPr>
-          <p:cNvPr id="69634" name="Rectangle 7"/>
+          <p:cNvPr id="2" name="Slide Image Placeholder 1"/>
           <p:cNvSpPr>
-            <a:spLocks noGrp="1" noChangeArrowheads="1"/>
+            <a:spLocks noGrp="1" noRot="1" noChangeAspect="1"/>
           </p:cNvSpPr>
           <p:nvPr>
-            <p:ph type="sldNum" sz="quarter" idx="5"/>
+            <p:ph type="sldImg"/>
           </p:nvPr>
         </p:nvSpPr>
-        <p:spPr>
-          <a:noFill/>
-        </p:spPr>
+        <p:spPr/>
+      </p:sp>
+      <p:sp>
+        <p:nvSpPr>
+          <p:cNvPr id="3" name="Notes Placeholder 2"/>
+          <p:cNvSpPr>
+            <a:spLocks noGrp="1"/>
+          </p:cNvSpPr>
+          <p:nvPr>
+            <p:ph type="body" idx="1"/>
+          </p:nvPr>
+        </p:nvSpPr>
+        <p:spPr/>
+        <p:txBody>
+          <a:bodyPr>
+            <a:normAutofit/>
+          </a:bodyPr>
+          <a:lstStyle/>
+          <a:p>
+            <a:endParaRPr lang="en-US"/>
+          </a:p>
+        </p:txBody>
+      </p:sp>
+      <p:sp>
+        <p:nvSpPr>
+          <p:cNvPr id="4" name="Slide Number Placeholder 3"/>
+          <p:cNvSpPr>
+            <a:spLocks noGrp="1"/>
+          </p:cNvSpPr>
+          <p:nvPr>
+            <p:ph type="sldNum" sz="quarter" idx="10"/>
+          </p:nvPr>
+        </p:nvSpPr>
+        <p:spPr/>
         <p:txBody>
           <a:bodyPr/>
           <a:lstStyle/>
           <a:p>
-            <a:fld id="{E9897216-F7CF-45C8-938C-7B4DBF3D59F9}" type="slidenum">
-              <a:rPr lang="en-US"/>
+            <a:fld id="{A02B9F3F-3042-489F-AF35-1A733968F079}" type="slidenum">
+              <a:rPr lang="en-US" smtClean="0"/>
               <a:pPr/>
               <a:t>3</a:t>
             </a:fld>
             <a:endParaRPr lang="en-US"/>
-          </a:p>
-        </p:txBody>
-      </p:sp>
-      <p:sp>
-        <p:nvSpPr>
-          <p:cNvPr id="69635" name="Rectangle 2"/>
-          <p:cNvSpPr>
-            <a:spLocks noGrp="1" noRot="1" noChangeAspect="1" noChangeArrowheads="1" noTextEdit="1"/>
-          </p:cNvSpPr>
-          <p:nvPr>
-            <p:ph type="sldImg"/>
-          </p:nvPr>
-        </p:nvSpPr>
-        <p:spPr>
-          <a:ln/>
-        </p:spPr>
-      </p:sp>
-      <p:sp>
-        <p:nvSpPr>
-          <p:cNvPr id="69636" name="Rectangle 3"/>
-          <p:cNvSpPr>
-            <a:spLocks noGrp="1" noChangeArrowheads="1"/>
-          </p:cNvSpPr>
-          <p:nvPr>
-            <p:ph type="body" idx="1"/>
-          </p:nvPr>
-        </p:nvSpPr>
-        <p:spPr>
-          <a:noFill/>
-          <a:ln/>
-        </p:spPr>
-        <p:txBody>
-          <a:bodyPr/>
-          <a:lstStyle/>
-          <a:p>
-            <a:pPr eaLnBrk="1" hangingPunct="1"/>
-            <a:endParaRPr lang="en-US" smtClean="0">
-              <a:cs typeface="Arial" charset="0"/>
-            </a:endParaRPr>
           </a:p>
         </p:txBody>
       </p:sp>
@@ -1873,66 +1111,58 @@
       </p:grpSpPr>
       <p:sp>
         <p:nvSpPr>
-          <p:cNvPr id="69634" name="Rectangle 7"/>
+          <p:cNvPr id="2" name="Slide Image Placeholder 1"/>
           <p:cNvSpPr>
-            <a:spLocks noGrp="1" noChangeArrowheads="1"/>
+            <a:spLocks noGrp="1" noRot="1" noChangeAspect="1"/>
           </p:cNvSpPr>
           <p:nvPr>
-            <p:ph type="sldNum" sz="quarter" idx="5"/>
+            <p:ph type="sldImg"/>
           </p:nvPr>
         </p:nvSpPr>
-        <p:spPr>
-          <a:noFill/>
-        </p:spPr>
+        <p:spPr/>
+      </p:sp>
+      <p:sp>
+        <p:nvSpPr>
+          <p:cNvPr id="3" name="Notes Placeholder 2"/>
+          <p:cNvSpPr>
+            <a:spLocks noGrp="1"/>
+          </p:cNvSpPr>
+          <p:nvPr>
+            <p:ph type="body" idx="1"/>
+          </p:nvPr>
+        </p:nvSpPr>
+        <p:spPr/>
+        <p:txBody>
+          <a:bodyPr>
+            <a:normAutofit/>
+          </a:bodyPr>
+          <a:lstStyle/>
+          <a:p>
+            <a:endParaRPr lang="en-US"/>
+          </a:p>
+        </p:txBody>
+      </p:sp>
+      <p:sp>
+        <p:nvSpPr>
+          <p:cNvPr id="4" name="Slide Number Placeholder 3"/>
+          <p:cNvSpPr>
+            <a:spLocks noGrp="1"/>
+          </p:cNvSpPr>
+          <p:nvPr>
+            <p:ph type="sldNum" sz="quarter" idx="10"/>
+          </p:nvPr>
+        </p:nvSpPr>
+        <p:spPr/>
         <p:txBody>
           <a:bodyPr/>
           <a:lstStyle/>
           <a:p>
-            <a:fld id="{E9897216-F7CF-45C8-938C-7B4DBF3D59F9}" type="slidenum">
-              <a:rPr lang="en-US"/>
+            <a:fld id="{A02B9F3F-3042-489F-AF35-1A733968F079}" type="slidenum">
+              <a:rPr lang="en-US" smtClean="0"/>
               <a:pPr/>
               <a:t>4</a:t>
             </a:fld>
             <a:endParaRPr lang="en-US"/>
-          </a:p>
-        </p:txBody>
-      </p:sp>
-      <p:sp>
-        <p:nvSpPr>
-          <p:cNvPr id="69635" name="Rectangle 2"/>
-          <p:cNvSpPr>
-            <a:spLocks noGrp="1" noRot="1" noChangeAspect="1" noChangeArrowheads="1" noTextEdit="1"/>
-          </p:cNvSpPr>
-          <p:nvPr>
-            <p:ph type="sldImg"/>
-          </p:nvPr>
-        </p:nvSpPr>
-        <p:spPr>
-          <a:ln/>
-        </p:spPr>
-      </p:sp>
-      <p:sp>
-        <p:nvSpPr>
-          <p:cNvPr id="69636" name="Rectangle 3"/>
-          <p:cNvSpPr>
-            <a:spLocks noGrp="1" noChangeArrowheads="1"/>
-          </p:cNvSpPr>
-          <p:nvPr>
-            <p:ph type="body" idx="1"/>
-          </p:nvPr>
-        </p:nvSpPr>
-        <p:spPr>
-          <a:noFill/>
-          <a:ln/>
-        </p:spPr>
-        <p:txBody>
-          <a:bodyPr/>
-          <a:lstStyle/>
-          <a:p>
-            <a:pPr eaLnBrk="1" hangingPunct="1"/>
-            <a:endParaRPr lang="en-US" smtClean="0">
-              <a:cs typeface="Arial" charset="0"/>
-            </a:endParaRPr>
           </a:p>
         </p:txBody>
       </p:sp>
@@ -1963,66 +1193,58 @@
       </p:grpSpPr>
       <p:sp>
         <p:nvSpPr>
-          <p:cNvPr id="69634" name="Rectangle 7"/>
+          <p:cNvPr id="2" name="Slide Image Placeholder 1"/>
           <p:cNvSpPr>
-            <a:spLocks noGrp="1" noChangeArrowheads="1"/>
+            <a:spLocks noGrp="1" noRot="1" noChangeAspect="1"/>
           </p:cNvSpPr>
           <p:nvPr>
-            <p:ph type="sldNum" sz="quarter" idx="5"/>
+            <p:ph type="sldImg"/>
           </p:nvPr>
         </p:nvSpPr>
-        <p:spPr>
-          <a:noFill/>
-        </p:spPr>
+        <p:spPr/>
+      </p:sp>
+      <p:sp>
+        <p:nvSpPr>
+          <p:cNvPr id="3" name="Notes Placeholder 2"/>
+          <p:cNvSpPr>
+            <a:spLocks noGrp="1"/>
+          </p:cNvSpPr>
+          <p:nvPr>
+            <p:ph type="body" idx="1"/>
+          </p:nvPr>
+        </p:nvSpPr>
+        <p:spPr/>
+        <p:txBody>
+          <a:bodyPr>
+            <a:normAutofit/>
+          </a:bodyPr>
+          <a:lstStyle/>
+          <a:p>
+            <a:endParaRPr lang="en-US"/>
+          </a:p>
+        </p:txBody>
+      </p:sp>
+      <p:sp>
+        <p:nvSpPr>
+          <p:cNvPr id="4" name="Slide Number Placeholder 3"/>
+          <p:cNvSpPr>
+            <a:spLocks noGrp="1"/>
+          </p:cNvSpPr>
+          <p:nvPr>
+            <p:ph type="sldNum" sz="quarter" idx="10"/>
+          </p:nvPr>
+        </p:nvSpPr>
+        <p:spPr/>
         <p:txBody>
           <a:bodyPr/>
           <a:lstStyle/>
           <a:p>
-            <a:fld id="{E9897216-F7CF-45C8-938C-7B4DBF3D59F9}" type="slidenum">
-              <a:rPr lang="en-US"/>
+            <a:fld id="{A02B9F3F-3042-489F-AF35-1A733968F079}" type="slidenum">
+              <a:rPr lang="en-US" smtClean="0"/>
               <a:pPr/>
               <a:t>5</a:t>
             </a:fld>
             <a:endParaRPr lang="en-US"/>
-          </a:p>
-        </p:txBody>
-      </p:sp>
-      <p:sp>
-        <p:nvSpPr>
-          <p:cNvPr id="69635" name="Rectangle 2"/>
-          <p:cNvSpPr>
-            <a:spLocks noGrp="1" noRot="1" noChangeAspect="1" noChangeArrowheads="1" noTextEdit="1"/>
-          </p:cNvSpPr>
-          <p:nvPr>
-            <p:ph type="sldImg"/>
-          </p:nvPr>
-        </p:nvSpPr>
-        <p:spPr>
-          <a:ln/>
-        </p:spPr>
-      </p:sp>
-      <p:sp>
-        <p:nvSpPr>
-          <p:cNvPr id="69636" name="Rectangle 3"/>
-          <p:cNvSpPr>
-            <a:spLocks noGrp="1" noChangeArrowheads="1"/>
-          </p:cNvSpPr>
-          <p:nvPr>
-            <p:ph type="body" idx="1"/>
-          </p:nvPr>
-        </p:nvSpPr>
-        <p:spPr>
-          <a:noFill/>
-          <a:ln/>
-        </p:spPr>
-        <p:txBody>
-          <a:bodyPr/>
-          <a:lstStyle/>
-          <a:p>
-            <a:pPr eaLnBrk="1" hangingPunct="1"/>
-            <a:endParaRPr lang="en-US" smtClean="0">
-              <a:cs typeface="Arial" charset="0"/>
-            </a:endParaRPr>
           </a:p>
         </p:txBody>
       </p:sp>
@@ -2053,66 +1275,58 @@
       </p:grpSpPr>
       <p:sp>
         <p:nvSpPr>
-          <p:cNvPr id="69634" name="Rectangle 7"/>
+          <p:cNvPr id="2" name="Slide Image Placeholder 1"/>
           <p:cNvSpPr>
-            <a:spLocks noGrp="1" noChangeArrowheads="1"/>
+            <a:spLocks noGrp="1" noRot="1" noChangeAspect="1"/>
           </p:cNvSpPr>
           <p:nvPr>
-            <p:ph type="sldNum" sz="quarter" idx="5"/>
+            <p:ph type="sldImg"/>
           </p:nvPr>
         </p:nvSpPr>
-        <p:spPr>
-          <a:noFill/>
-        </p:spPr>
+        <p:spPr/>
+      </p:sp>
+      <p:sp>
+        <p:nvSpPr>
+          <p:cNvPr id="3" name="Notes Placeholder 2"/>
+          <p:cNvSpPr>
+            <a:spLocks noGrp="1"/>
+          </p:cNvSpPr>
+          <p:nvPr>
+            <p:ph type="body" idx="1"/>
+          </p:nvPr>
+        </p:nvSpPr>
+        <p:spPr/>
+        <p:txBody>
+          <a:bodyPr>
+            <a:normAutofit/>
+          </a:bodyPr>
+          <a:lstStyle/>
+          <a:p>
+            <a:endParaRPr lang="en-US"/>
+          </a:p>
+        </p:txBody>
+      </p:sp>
+      <p:sp>
+        <p:nvSpPr>
+          <p:cNvPr id="4" name="Slide Number Placeholder 3"/>
+          <p:cNvSpPr>
+            <a:spLocks noGrp="1"/>
+          </p:cNvSpPr>
+          <p:nvPr>
+            <p:ph type="sldNum" sz="quarter" idx="10"/>
+          </p:nvPr>
+        </p:nvSpPr>
+        <p:spPr/>
         <p:txBody>
           <a:bodyPr/>
           <a:lstStyle/>
           <a:p>
-            <a:fld id="{E9897216-F7CF-45C8-938C-7B4DBF3D59F9}" type="slidenum">
-              <a:rPr lang="en-US"/>
+            <a:fld id="{A02B9F3F-3042-489F-AF35-1A733968F079}" type="slidenum">
+              <a:rPr lang="en-US" smtClean="0"/>
               <a:pPr/>
               <a:t>6</a:t>
             </a:fld>
             <a:endParaRPr lang="en-US"/>
-          </a:p>
-        </p:txBody>
-      </p:sp>
-      <p:sp>
-        <p:nvSpPr>
-          <p:cNvPr id="69635" name="Rectangle 2"/>
-          <p:cNvSpPr>
-            <a:spLocks noGrp="1" noRot="1" noChangeAspect="1" noChangeArrowheads="1" noTextEdit="1"/>
-          </p:cNvSpPr>
-          <p:nvPr>
-            <p:ph type="sldImg"/>
-          </p:nvPr>
-        </p:nvSpPr>
-        <p:spPr>
-          <a:ln/>
-        </p:spPr>
-      </p:sp>
-      <p:sp>
-        <p:nvSpPr>
-          <p:cNvPr id="69636" name="Rectangle 3"/>
-          <p:cNvSpPr>
-            <a:spLocks noGrp="1" noChangeArrowheads="1"/>
-          </p:cNvSpPr>
-          <p:nvPr>
-            <p:ph type="body" idx="1"/>
-          </p:nvPr>
-        </p:nvSpPr>
-        <p:spPr>
-          <a:noFill/>
-          <a:ln/>
-        </p:spPr>
-        <p:txBody>
-          <a:bodyPr/>
-          <a:lstStyle/>
-          <a:p>
-            <a:pPr eaLnBrk="1" hangingPunct="1"/>
-            <a:endParaRPr lang="en-US" smtClean="0">
-              <a:cs typeface="Arial" charset="0"/>
-            </a:endParaRPr>
           </a:p>
         </p:txBody>
       </p:sp>
@@ -2143,96 +1357,6 @@
       </p:grpSpPr>
       <p:sp>
         <p:nvSpPr>
-          <p:cNvPr id="69634" name="Rectangle 7"/>
-          <p:cNvSpPr>
-            <a:spLocks noGrp="1" noChangeArrowheads="1"/>
-          </p:cNvSpPr>
-          <p:nvPr>
-            <p:ph type="sldNum" sz="quarter" idx="5"/>
-          </p:nvPr>
-        </p:nvSpPr>
-        <p:spPr>
-          <a:noFill/>
-        </p:spPr>
-        <p:txBody>
-          <a:bodyPr/>
-          <a:lstStyle/>
-          <a:p>
-            <a:fld id="{E9897216-F7CF-45C8-938C-7B4DBF3D59F9}" type="slidenum">
-              <a:rPr lang="en-US"/>
-              <a:pPr/>
-              <a:t>7</a:t>
-            </a:fld>
-            <a:endParaRPr lang="en-US"/>
-          </a:p>
-        </p:txBody>
-      </p:sp>
-      <p:sp>
-        <p:nvSpPr>
-          <p:cNvPr id="69635" name="Rectangle 2"/>
-          <p:cNvSpPr>
-            <a:spLocks noGrp="1" noRot="1" noChangeAspect="1" noChangeArrowheads="1" noTextEdit="1"/>
-          </p:cNvSpPr>
-          <p:nvPr>
-            <p:ph type="sldImg"/>
-          </p:nvPr>
-        </p:nvSpPr>
-        <p:spPr>
-          <a:ln/>
-        </p:spPr>
-      </p:sp>
-      <p:sp>
-        <p:nvSpPr>
-          <p:cNvPr id="69636" name="Rectangle 3"/>
-          <p:cNvSpPr>
-            <a:spLocks noGrp="1" noChangeArrowheads="1"/>
-          </p:cNvSpPr>
-          <p:nvPr>
-            <p:ph type="body" idx="1"/>
-          </p:nvPr>
-        </p:nvSpPr>
-        <p:spPr>
-          <a:noFill/>
-          <a:ln/>
-        </p:spPr>
-        <p:txBody>
-          <a:bodyPr/>
-          <a:lstStyle/>
-          <a:p>
-            <a:pPr eaLnBrk="1" hangingPunct="1"/>
-            <a:endParaRPr lang="en-US" smtClean="0">
-              <a:cs typeface="Arial" charset="0"/>
-            </a:endParaRPr>
-          </a:p>
-        </p:txBody>
-      </p:sp>
-    </p:spTree>
-  </p:cSld>
-  <p:clrMapOvr>
-    <a:masterClrMapping/>
-  </p:clrMapOvr>
-</p:notes>
-</file>
-
-<file path=ppt/notesSlides/notesSlide8.xml><?xml version="1.0" encoding="utf-8"?>
-<p:notes xmlns:a="http://schemas.openxmlformats.org/drawingml/2006/main" xmlns:r="http://schemas.openxmlformats.org/officeDocument/2006/relationships" xmlns:p="http://schemas.openxmlformats.org/presentationml/2006/main">
-  <p:cSld>
-    <p:spTree>
-      <p:nvGrpSpPr>
-        <p:cNvPr id="1" name=""/>
-        <p:cNvGrpSpPr/>
-        <p:nvPr/>
-      </p:nvGrpSpPr>
-      <p:grpSpPr>
-        <a:xfrm>
-          <a:off x="0" y="0"/>
-          <a:ext cx="0" cy="0"/>
-          <a:chOff x="0" y="0"/>
-          <a:chExt cx="0" cy="0"/>
-        </a:xfrm>
-      </p:grpSpPr>
-      <p:sp>
-        <p:nvSpPr>
           <p:cNvPr id="2" name="Slide Image Placeholder 1"/>
           <p:cNvSpPr>
             <a:spLocks noGrp="1" noRot="1" noChangeAspect="1"/>
@@ -2282,89 +1406,7 @@
             <a:fld id="{A02B9F3F-3042-489F-AF35-1A733968F079}" type="slidenum">
               <a:rPr lang="en-US" smtClean="0"/>
               <a:pPr/>
-              <a:t>8</a:t>
-            </a:fld>
-            <a:endParaRPr lang="en-US"/>
-          </a:p>
-        </p:txBody>
-      </p:sp>
-    </p:spTree>
-  </p:cSld>
-  <p:clrMapOvr>
-    <a:masterClrMapping/>
-  </p:clrMapOvr>
-</p:notes>
-</file>
-
-<file path=ppt/notesSlides/notesSlide9.xml><?xml version="1.0" encoding="utf-8"?>
-<p:notes xmlns:a="http://schemas.openxmlformats.org/drawingml/2006/main" xmlns:r="http://schemas.openxmlformats.org/officeDocument/2006/relationships" xmlns:p="http://schemas.openxmlformats.org/presentationml/2006/main">
-  <p:cSld>
-    <p:spTree>
-      <p:nvGrpSpPr>
-        <p:cNvPr id="1" name=""/>
-        <p:cNvGrpSpPr/>
-        <p:nvPr/>
-      </p:nvGrpSpPr>
-      <p:grpSpPr>
-        <a:xfrm>
-          <a:off x="0" y="0"/>
-          <a:ext cx="0" cy="0"/>
-          <a:chOff x="0" y="0"/>
-          <a:chExt cx="0" cy="0"/>
-        </a:xfrm>
-      </p:grpSpPr>
-      <p:sp>
-        <p:nvSpPr>
-          <p:cNvPr id="2" name="Slide Image Placeholder 1"/>
-          <p:cNvSpPr>
-            <a:spLocks noGrp="1" noRot="1" noChangeAspect="1"/>
-          </p:cNvSpPr>
-          <p:nvPr>
-            <p:ph type="sldImg"/>
-          </p:nvPr>
-        </p:nvSpPr>
-        <p:spPr/>
-      </p:sp>
-      <p:sp>
-        <p:nvSpPr>
-          <p:cNvPr id="3" name="Notes Placeholder 2"/>
-          <p:cNvSpPr>
-            <a:spLocks noGrp="1"/>
-          </p:cNvSpPr>
-          <p:nvPr>
-            <p:ph type="body" idx="1"/>
-          </p:nvPr>
-        </p:nvSpPr>
-        <p:spPr/>
-        <p:txBody>
-          <a:bodyPr>
-            <a:normAutofit/>
-          </a:bodyPr>
-          <a:lstStyle/>
-          <a:p>
-            <a:endParaRPr lang="en-US"/>
-          </a:p>
-        </p:txBody>
-      </p:sp>
-      <p:sp>
-        <p:nvSpPr>
-          <p:cNvPr id="4" name="Slide Number Placeholder 3"/>
-          <p:cNvSpPr>
-            <a:spLocks noGrp="1"/>
-          </p:cNvSpPr>
-          <p:nvPr>
-            <p:ph type="sldNum" sz="quarter" idx="10"/>
-          </p:nvPr>
-        </p:nvSpPr>
-        <p:spPr/>
-        <p:txBody>
-          <a:bodyPr/>
-          <a:lstStyle/>
-          <a:p>
-            <a:fld id="{A02B9F3F-3042-489F-AF35-1A733968F079}" type="slidenum">
-              <a:rPr lang="en-US" smtClean="0"/>
-              <a:pPr/>
-              <a:t>9</a:t>
+              <a:t>22</a:t>
             </a:fld>
             <a:endParaRPr lang="en-US"/>
           </a:p>
@@ -4992,16 +4034,28 @@
               <a:defRPr/>
             </a:pPr>
             <a:r>
-              <a:rPr lang="en-US" sz="1100" baseline="0" smtClean="0">
+              <a:rPr lang="en-US" sz="1100" baseline="0" dirty="0" smtClean="0">
                 <a:latin typeface="Comic Sans MS" pitchFamily="66" charset="0"/>
               </a:rPr>
-              <a:t>February 12</a:t>
-            </a:r>
-            <a:r>
-              <a:rPr lang="en-US" sz="1100" smtClean="0">
+              <a:t>February </a:t>
+            </a:r>
+            <a:r>
+              <a:rPr lang="en-US" sz="1100" baseline="0" dirty="0" smtClean="0">
                 <a:latin typeface="Comic Sans MS" pitchFamily="66" charset="0"/>
               </a:rPr>
-              <a:t>, 2014</a:t>
+              <a:t>14</a:t>
+            </a:r>
+            <a:r>
+              <a:rPr lang="en-US" sz="1100" dirty="0" smtClean="0">
+                <a:latin typeface="Comic Sans MS" pitchFamily="66" charset="0"/>
+              </a:rPr>
+              <a:t>, </a:t>
+            </a:r>
+            <a:r>
+              <a:rPr lang="en-US" sz="1100" dirty="0" smtClean="0">
+                <a:latin typeface="Comic Sans MS" pitchFamily="66" charset="0"/>
+              </a:rPr>
+              <a:t>2014</a:t>
             </a:r>
             <a:endParaRPr lang="en-US" sz="1100" dirty="0">
               <a:latin typeface="Comic Sans MS" pitchFamily="66" charset="0"/>
@@ -6282,1473 +5336,6 @@
       </p:grpSpPr>
       <p:sp>
         <p:nvSpPr>
-          <p:cNvPr id="5" name="TextBox 4"/>
-          <p:cNvSpPr txBox="1"/>
-          <p:nvPr/>
-        </p:nvSpPr>
-        <p:spPr>
-          <a:xfrm>
-            <a:off x="124740" y="1717665"/>
-            <a:ext cx="8985240" cy="2585323"/>
-          </a:xfrm>
-          <a:prstGeom prst="rect">
-            <a:avLst/>
-          </a:prstGeom>
-          <a:noFill/>
-        </p:spPr>
-        <p:txBody>
-          <a:bodyPr wrap="square" rtlCol="0">
-            <a:spAutoFit/>
-          </a:bodyPr>
-          <a:lstStyle/>
-          <a:p>
-            <a:pPr algn="l"/>
-            <a:r>
-              <a:rPr lang="en-US" sz="5400" dirty="0" smtClean="0">
-                <a:latin typeface="Comic Sans MS" pitchFamily="66" charset="0"/>
-              </a:rPr>
-              <a:t>for example,</a:t>
-            </a:r>
-          </a:p>
-          <a:p>
-            <a:pPr algn="l"/>
-            <a:r>
-              <a:rPr lang="en-US" sz="5400" dirty="0" smtClean="0">
-                <a:latin typeface="Comic Sans MS" pitchFamily="66" charset="0"/>
-              </a:rPr>
-              <a:t>the </a:t>
-            </a:r>
-            <a:r>
-              <a:rPr lang="en-US" sz="5400" dirty="0" smtClean="0">
-                <a:solidFill>
-                  <a:srgbClr val="FF03E3"/>
-                </a:solidFill>
-                <a:latin typeface="Comic Sans MS" pitchFamily="66" charset="0"/>
-              </a:rPr>
-              <a:t>distributive law</a:t>
-            </a:r>
-          </a:p>
-          <a:p>
-            <a:pPr algn="l"/>
-            <a:endParaRPr lang="en-US" sz="5400" dirty="0">
-              <a:solidFill>
-                <a:srgbClr val="FF03E3"/>
-              </a:solidFill>
-              <a:latin typeface="Comic Sans MS" pitchFamily="66" charset="0"/>
-            </a:endParaRPr>
-          </a:p>
-        </p:txBody>
-      </p:sp>
-      <p:sp>
-        <p:nvSpPr>
-          <p:cNvPr id="9" name="Title 1"/>
-          <p:cNvSpPr>
-            <a:spLocks noGrp="1"/>
-          </p:cNvSpPr>
-          <p:nvPr>
-            <p:ph type="title"/>
-          </p:nvPr>
-        </p:nvSpPr>
-        <p:spPr>
-          <a:xfrm>
-            <a:off x="1651000" y="363538"/>
-            <a:ext cx="6794500" cy="1003300"/>
-          </a:xfrm>
-        </p:spPr>
-        <p:txBody>
-          <a:bodyPr/>
-          <a:lstStyle/>
-          <a:p>
-            <a:r>
-              <a:rPr lang="en-US" sz="4000" dirty="0" smtClean="0"/>
-              <a:t>Algebra for Equivalence</a:t>
-            </a:r>
-            <a:endParaRPr lang="en-US" sz="4000" dirty="0"/>
-          </a:p>
-        </p:txBody>
-      </p:sp>
-      <p:sp>
-        <p:nvSpPr>
-          <p:cNvPr id="4" name="Slide Number Placeholder 2"/>
-          <p:cNvSpPr>
-            <a:spLocks noGrp="1"/>
-          </p:cNvSpPr>
-          <p:nvPr>
-            <p:ph type="sldNum" sz="quarter" idx="10"/>
-          </p:nvPr>
-        </p:nvSpPr>
-        <p:spPr>
-          <a:xfrm>
-            <a:off x="7537747" y="6553200"/>
-            <a:ext cx="1606254" cy="276999"/>
-          </a:xfrm>
-        </p:spPr>
-        <p:txBody>
-          <a:bodyPr/>
-          <a:lstStyle/>
-          <a:p>
-            <a:r>
-              <a:rPr lang="en-US" dirty="0" smtClean="0"/>
-              <a:t>propositional logic.</a:t>
-            </a:r>
-            <a:fld id="{3251DA95-B240-47FE-901D-B78FC8E8E532}" type="slidenum">
-              <a:rPr lang="en-US" smtClean="0"/>
-              <a:pPr/>
-              <a:t>10</a:t>
-            </a:fld>
-            <a:endParaRPr lang="en-US" dirty="0"/>
-          </a:p>
-        </p:txBody>
-      </p:sp>
-      <p:graphicFrame>
-        <p:nvGraphicFramePr>
-          <p:cNvPr id="3" name="Object 2"/>
-          <p:cNvGraphicFramePr>
-            <a:graphicFrameLocks noChangeAspect="1"/>
-          </p:cNvGraphicFramePr>
-          <p:nvPr>
-            <p:extLst>
-              <p:ext uri="{D42A27DB-BD31-4B8C-83A1-F6EECF244321}">
-                <p14:modId xmlns:p14="http://schemas.microsoft.com/office/powerpoint/2010/main" val="1041607882"/>
-              </p:ext>
-            </p:extLst>
-          </p:nvPr>
-        </p:nvGraphicFramePr>
-        <p:xfrm>
-          <a:off x="571765" y="3644900"/>
-          <a:ext cx="7933796" cy="2025650"/>
-        </p:xfrm>
-        <a:graphic>
-          <a:graphicData uri="http://schemas.openxmlformats.org/presentationml/2006/ole">
-            <mc:AlternateContent xmlns:mc="http://schemas.openxmlformats.org/markup-compatibility/2006">
-              <mc:Choice xmlns:v="urn:schemas-microsoft-com:vml" Requires="v">
-                <p:oleObj spid="_x0000_s418820" name="Equation" r:id="rId4" imgW="1790700" imgH="457200" progId="Equation.DSMT4">
-                  <p:embed/>
-                </p:oleObj>
-              </mc:Choice>
-              <mc:Fallback>
-                <p:oleObj name="Equation" r:id="rId4" imgW="1790700" imgH="457200" progId="Equation.DSMT4">
-                  <p:embed/>
-                  <p:pic>
-                    <p:nvPicPr>
-                      <p:cNvPr id="0" name=""/>
-                      <p:cNvPicPr/>
-                      <p:nvPr/>
-                    </p:nvPicPr>
-                    <p:blipFill>
-                      <a:blip r:embed="rId5"/>
-                      <a:stretch>
-                        <a:fillRect/>
-                      </a:stretch>
-                    </p:blipFill>
-                    <p:spPr>
-                      <a:xfrm>
-                        <a:off x="571765" y="3644900"/>
-                        <a:ext cx="7933796" cy="2025650"/>
-                      </a:xfrm>
-                      <a:prstGeom prst="rect">
-                        <a:avLst/>
-                      </a:prstGeom>
-                    </p:spPr>
-                  </p:pic>
-                </p:oleObj>
-              </mc:Fallback>
-            </mc:AlternateContent>
-          </a:graphicData>
-        </a:graphic>
-      </p:graphicFrame>
-    </p:spTree>
-    <p:extLst>
-      <p:ext uri="{BB962C8B-B14F-4D97-AF65-F5344CB8AC3E}">
-        <p14:creationId xmlns:p14="http://schemas.microsoft.com/office/powerpoint/2010/main" val="3051394283"/>
-      </p:ext>
-    </p:extLst>
-  </p:cSld>
-  <p:clrMapOvr>
-    <a:masterClrMapping/>
-  </p:clrMapOvr>
-  <p:transition xmlns:p14="http://schemas.microsoft.com/office/powerpoint/2010/main" spd="slow" advClick="0">
-    <p:fade/>
-  </p:transition>
-  <p:timing>
-    <p:tnLst>
-      <p:par>
-        <p:cTn xmlns:p14="http://schemas.microsoft.com/office/powerpoint/2010/main" id="1" dur="indefinite" restart="never" nodeType="tmRoot">
-          <p:childTnLst>
-            <p:seq concurrent="1" nextAc="seek">
-              <p:cTn id="2" dur="indefinite" nodeType="mainSeq">
-                <p:childTnLst>
-                  <p:par>
-                    <p:cTn id="3" fill="hold">
-                      <p:stCondLst>
-                        <p:cond delay="indefinite"/>
-                      </p:stCondLst>
-                      <p:childTnLst>
-                        <p:par>
-                          <p:cTn id="4" fill="hold">
-                            <p:stCondLst>
-                              <p:cond delay="0"/>
-                            </p:stCondLst>
-                            <p:childTnLst>
-                              <p:par>
-                                <p:cTn id="5" presetID="22" presetClass="entr" presetSubtype="1" fill="hold" nodeType="clickEffect">
-                                  <p:stCondLst>
-                                    <p:cond delay="0"/>
-                                  </p:stCondLst>
-                                  <p:childTnLst>
-                                    <p:set>
-                                      <p:cBhvr>
-                                        <p:cTn id="6" dur="1" fill="hold">
-                                          <p:stCondLst>
-                                            <p:cond delay="0"/>
-                                          </p:stCondLst>
-                                        </p:cTn>
-                                        <p:tgtEl>
-                                          <p:spTgt spid="3"/>
-                                        </p:tgtEl>
-                                        <p:attrNameLst>
-                                          <p:attrName>style.visibility</p:attrName>
-                                        </p:attrNameLst>
-                                      </p:cBhvr>
-                                      <p:to>
-                                        <p:strVal val="visible"/>
-                                      </p:to>
-                                    </p:set>
-                                    <p:animEffect transition="in" filter="wipe(up)">
-                                      <p:cBhvr>
-                                        <p:cTn id="7" dur="1000"/>
-                                        <p:tgtEl>
-                                          <p:spTgt spid="3"/>
-                                        </p:tgtEl>
-                                      </p:cBhvr>
-                                    </p:animEffect>
-                                  </p:childTnLst>
-                                </p:cTn>
-                              </p:par>
-                            </p:childTnLst>
-                          </p:cTn>
-                        </p:par>
-                      </p:childTnLst>
-                    </p:cTn>
-                  </p:par>
-                </p:childTnLst>
-              </p:cTn>
-              <p:prevCondLst>
-                <p:cond evt="onPrev" delay="0">
-                  <p:tgtEl>
-                    <p:sldTgt/>
-                  </p:tgtEl>
-                </p:cond>
-              </p:prevCondLst>
-              <p:nextCondLst>
-                <p:cond evt="onNext" delay="0">
-                  <p:tgtEl>
-                    <p:sldTgt/>
-                  </p:tgtEl>
-                </p:cond>
-              </p:nextCondLst>
-            </p:seq>
-          </p:childTnLst>
-        </p:cTn>
-      </p:par>
-    </p:tnLst>
-  </p:timing>
-</p:sld>
-</file>
-
-<file path=ppt/slides/slide11.xml><?xml version="1.0" encoding="utf-8"?>
-<p:sld xmlns:a="http://schemas.openxmlformats.org/drawingml/2006/main" xmlns:r="http://schemas.openxmlformats.org/officeDocument/2006/relationships" xmlns:p="http://schemas.openxmlformats.org/presentationml/2006/main">
-  <p:cSld>
-    <p:spTree>
-      <p:nvGrpSpPr>
-        <p:cNvPr id="1" name=""/>
-        <p:cNvGrpSpPr/>
-        <p:nvPr/>
-      </p:nvGrpSpPr>
-      <p:grpSpPr>
-        <a:xfrm>
-          <a:off x="0" y="0"/>
-          <a:ext cx="0" cy="0"/>
-          <a:chOff x="0" y="0"/>
-          <a:chExt cx="0" cy="0"/>
-        </a:xfrm>
-      </p:grpSpPr>
-      <p:sp>
-        <p:nvSpPr>
-          <p:cNvPr id="5" name="TextBox 4"/>
-          <p:cNvSpPr txBox="1"/>
-          <p:nvPr/>
-        </p:nvSpPr>
-        <p:spPr>
-          <a:xfrm>
-            <a:off x="124740" y="1717665"/>
-            <a:ext cx="8985240" cy="2585323"/>
-          </a:xfrm>
-          <a:prstGeom prst="rect">
-            <a:avLst/>
-          </a:prstGeom>
-          <a:noFill/>
-        </p:spPr>
-        <p:txBody>
-          <a:bodyPr wrap="square" rtlCol="0">
-            <a:spAutoFit/>
-          </a:bodyPr>
-          <a:lstStyle/>
-          <a:p>
-            <a:pPr algn="l"/>
-            <a:r>
-              <a:rPr lang="en-US" sz="5400" dirty="0" smtClean="0">
-                <a:latin typeface="Comic Sans MS" pitchFamily="66" charset="0"/>
-              </a:rPr>
-              <a:t>for example,</a:t>
-            </a:r>
-          </a:p>
-          <a:p>
-            <a:pPr algn="l"/>
-            <a:r>
-              <a:rPr lang="en-US" sz="5400" dirty="0" err="1" smtClean="0">
-                <a:solidFill>
-                  <a:srgbClr val="FF03E3"/>
-                </a:solidFill>
-                <a:latin typeface="Comic Sans MS" pitchFamily="66" charset="0"/>
-              </a:rPr>
-              <a:t>DeMorgan’s</a:t>
-            </a:r>
-            <a:r>
-              <a:rPr lang="en-US" sz="5400" dirty="0" smtClean="0">
-                <a:solidFill>
-                  <a:srgbClr val="FF03E3"/>
-                </a:solidFill>
-                <a:latin typeface="Comic Sans MS" pitchFamily="66" charset="0"/>
-              </a:rPr>
-              <a:t> law</a:t>
-            </a:r>
-          </a:p>
-          <a:p>
-            <a:pPr algn="l"/>
-            <a:endParaRPr lang="en-US" sz="5400" dirty="0">
-              <a:solidFill>
-                <a:srgbClr val="FF03E3"/>
-              </a:solidFill>
-              <a:latin typeface="Comic Sans MS" pitchFamily="66" charset="0"/>
-            </a:endParaRPr>
-          </a:p>
-        </p:txBody>
-      </p:sp>
-      <p:sp>
-        <p:nvSpPr>
-          <p:cNvPr id="9" name="Title 1"/>
-          <p:cNvSpPr>
-            <a:spLocks noGrp="1"/>
-          </p:cNvSpPr>
-          <p:nvPr>
-            <p:ph type="title"/>
-          </p:nvPr>
-        </p:nvSpPr>
-        <p:spPr>
-          <a:xfrm>
-            <a:off x="1651000" y="363538"/>
-            <a:ext cx="6794500" cy="1003300"/>
-          </a:xfrm>
-        </p:spPr>
-        <p:txBody>
-          <a:bodyPr/>
-          <a:lstStyle/>
-          <a:p>
-            <a:r>
-              <a:rPr lang="en-US" sz="4000" dirty="0" smtClean="0"/>
-              <a:t>Algebra for Equivalence</a:t>
-            </a:r>
-            <a:endParaRPr lang="en-US" sz="4000" dirty="0"/>
-          </a:p>
-        </p:txBody>
-      </p:sp>
-      <p:sp>
-        <p:nvSpPr>
-          <p:cNvPr id="4" name="Slide Number Placeholder 2"/>
-          <p:cNvSpPr>
-            <a:spLocks noGrp="1"/>
-          </p:cNvSpPr>
-          <p:nvPr>
-            <p:ph type="sldNum" sz="quarter" idx="10"/>
-          </p:nvPr>
-        </p:nvSpPr>
-        <p:spPr>
-          <a:xfrm>
-            <a:off x="7537747" y="6553200"/>
-            <a:ext cx="1606254" cy="276999"/>
-          </a:xfrm>
-        </p:spPr>
-        <p:txBody>
-          <a:bodyPr/>
-          <a:lstStyle/>
-          <a:p>
-            <a:r>
-              <a:rPr lang="en-US" dirty="0" smtClean="0"/>
-              <a:t>propositional logic.</a:t>
-            </a:r>
-            <a:fld id="{3251DA95-B240-47FE-901D-B78FC8E8E532}" type="slidenum">
-              <a:rPr lang="en-US" smtClean="0"/>
-              <a:pPr/>
-              <a:t>11</a:t>
-            </a:fld>
-            <a:endParaRPr lang="en-US" dirty="0"/>
-          </a:p>
-        </p:txBody>
-      </p:sp>
-      <p:graphicFrame>
-        <p:nvGraphicFramePr>
-          <p:cNvPr id="3" name="Object 2"/>
-          <p:cNvGraphicFramePr>
-            <a:graphicFrameLocks noChangeAspect="1"/>
-          </p:cNvGraphicFramePr>
-          <p:nvPr>
-            <p:extLst>
-              <p:ext uri="{D42A27DB-BD31-4B8C-83A1-F6EECF244321}">
-                <p14:modId xmlns:p14="http://schemas.microsoft.com/office/powerpoint/2010/main" val="3546711320"/>
-              </p:ext>
-            </p:extLst>
-          </p:nvPr>
-        </p:nvGraphicFramePr>
-        <p:xfrm>
-          <a:off x="1217613" y="3644900"/>
-          <a:ext cx="6640512" cy="2025650"/>
-        </p:xfrm>
-        <a:graphic>
-          <a:graphicData uri="http://schemas.openxmlformats.org/presentationml/2006/ole">
-            <mc:AlternateContent xmlns:mc="http://schemas.openxmlformats.org/markup-compatibility/2006">
-              <mc:Choice xmlns:v="urn:schemas-microsoft-com:vml" Requires="v">
-                <p:oleObj spid="_x0000_s419843" name="Equation" r:id="rId4" imgW="1498600" imgH="457200" progId="Equation.DSMT4">
-                  <p:embed/>
-                </p:oleObj>
-              </mc:Choice>
-              <mc:Fallback>
-                <p:oleObj name="Equation" r:id="rId4" imgW="1498600" imgH="457200" progId="Equation.DSMT4">
-                  <p:embed/>
-                  <p:pic>
-                    <p:nvPicPr>
-                      <p:cNvPr id="0" name=""/>
-                      <p:cNvPicPr/>
-                      <p:nvPr/>
-                    </p:nvPicPr>
-                    <p:blipFill>
-                      <a:blip r:embed="rId5"/>
-                      <a:stretch>
-                        <a:fillRect/>
-                      </a:stretch>
-                    </p:blipFill>
-                    <p:spPr>
-                      <a:xfrm>
-                        <a:off x="1217613" y="3644900"/>
-                        <a:ext cx="6640512" cy="2025650"/>
-                      </a:xfrm>
-                      <a:prstGeom prst="rect">
-                        <a:avLst/>
-                      </a:prstGeom>
-                    </p:spPr>
-                  </p:pic>
-                </p:oleObj>
-              </mc:Fallback>
-            </mc:AlternateContent>
-          </a:graphicData>
-        </a:graphic>
-      </p:graphicFrame>
-    </p:spTree>
-    <p:extLst>
-      <p:ext uri="{BB962C8B-B14F-4D97-AF65-F5344CB8AC3E}">
-        <p14:creationId xmlns:p14="http://schemas.microsoft.com/office/powerpoint/2010/main" val="427619550"/>
-      </p:ext>
-    </p:extLst>
-  </p:cSld>
-  <p:clrMapOvr>
-    <a:masterClrMapping/>
-  </p:clrMapOvr>
-  <p:transition xmlns:p14="http://schemas.microsoft.com/office/powerpoint/2010/main" spd="slow" advClick="0">
-    <p:fade/>
-  </p:transition>
-  <p:timing>
-    <p:tnLst>
-      <p:par>
-        <p:cTn xmlns:p14="http://schemas.microsoft.com/office/powerpoint/2010/main" id="1" dur="indefinite" restart="never" nodeType="tmRoot">
-          <p:childTnLst>
-            <p:seq concurrent="1" nextAc="seek">
-              <p:cTn id="2" dur="indefinite" nodeType="mainSeq">
-                <p:childTnLst>
-                  <p:par>
-                    <p:cTn id="3" fill="hold">
-                      <p:stCondLst>
-                        <p:cond delay="indefinite"/>
-                      </p:stCondLst>
-                      <p:childTnLst>
-                        <p:par>
-                          <p:cTn id="4" fill="hold">
-                            <p:stCondLst>
-                              <p:cond delay="0"/>
-                            </p:stCondLst>
-                            <p:childTnLst>
-                              <p:par>
-                                <p:cTn id="5" presetID="22" presetClass="entr" presetSubtype="1" fill="hold" nodeType="clickEffect">
-                                  <p:stCondLst>
-                                    <p:cond delay="0"/>
-                                  </p:stCondLst>
-                                  <p:childTnLst>
-                                    <p:set>
-                                      <p:cBhvr>
-                                        <p:cTn id="6" dur="1" fill="hold">
-                                          <p:stCondLst>
-                                            <p:cond delay="0"/>
-                                          </p:stCondLst>
-                                        </p:cTn>
-                                        <p:tgtEl>
-                                          <p:spTgt spid="3"/>
-                                        </p:tgtEl>
-                                        <p:attrNameLst>
-                                          <p:attrName>style.visibility</p:attrName>
-                                        </p:attrNameLst>
-                                      </p:cBhvr>
-                                      <p:to>
-                                        <p:strVal val="visible"/>
-                                      </p:to>
-                                    </p:set>
-                                    <p:animEffect transition="in" filter="wipe(up)">
-                                      <p:cBhvr>
-                                        <p:cTn id="7" dur="1000"/>
-                                        <p:tgtEl>
-                                          <p:spTgt spid="3"/>
-                                        </p:tgtEl>
-                                      </p:cBhvr>
-                                    </p:animEffect>
-                                  </p:childTnLst>
-                                </p:cTn>
-                              </p:par>
-                            </p:childTnLst>
-                          </p:cTn>
-                        </p:par>
-                      </p:childTnLst>
-                    </p:cTn>
-                  </p:par>
-                </p:childTnLst>
-              </p:cTn>
-              <p:prevCondLst>
-                <p:cond evt="onPrev" delay="0">
-                  <p:tgtEl>
-                    <p:sldTgt/>
-                  </p:tgtEl>
-                </p:cond>
-              </p:prevCondLst>
-              <p:nextCondLst>
-                <p:cond evt="onNext" delay="0">
-                  <p:tgtEl>
-                    <p:sldTgt/>
-                  </p:tgtEl>
-                </p:cond>
-              </p:nextCondLst>
-            </p:seq>
-          </p:childTnLst>
-        </p:cTn>
-      </p:par>
-    </p:tnLst>
-  </p:timing>
-</p:sld>
-</file>
-
-<file path=ppt/slides/slide12.xml><?xml version="1.0" encoding="utf-8"?>
-<p:sld xmlns:a="http://schemas.openxmlformats.org/drawingml/2006/main" xmlns:r="http://schemas.openxmlformats.org/officeDocument/2006/relationships" xmlns:p="http://schemas.openxmlformats.org/presentationml/2006/main">
-  <p:cSld>
-    <p:spTree>
-      <p:nvGrpSpPr>
-        <p:cNvPr id="1" name=""/>
-        <p:cNvGrpSpPr/>
-        <p:nvPr/>
-      </p:nvGrpSpPr>
-      <p:grpSpPr>
-        <a:xfrm>
-          <a:off x="0" y="0"/>
-          <a:ext cx="0" cy="0"/>
-          <a:chOff x="0" y="0"/>
-          <a:chExt cx="0" cy="0"/>
-        </a:xfrm>
-      </p:grpSpPr>
-      <p:sp>
-        <p:nvSpPr>
-          <p:cNvPr id="5" name="TextBox 4"/>
-          <p:cNvSpPr txBox="1"/>
-          <p:nvPr/>
-        </p:nvSpPr>
-        <p:spPr>
-          <a:xfrm>
-            <a:off x="124740" y="1717665"/>
-            <a:ext cx="8985240" cy="3416320"/>
-          </a:xfrm>
-          <a:prstGeom prst="rect">
-            <a:avLst/>
-          </a:prstGeom>
-          <a:noFill/>
-        </p:spPr>
-        <p:txBody>
-          <a:bodyPr wrap="square" rtlCol="0">
-            <a:spAutoFit/>
-          </a:bodyPr>
-          <a:lstStyle/>
-          <a:p>
-            <a:pPr algn="l"/>
-            <a:r>
-              <a:rPr lang="en-US" sz="5400" dirty="0">
-                <a:solidFill>
-                  <a:srgbClr val="000000"/>
-                </a:solidFill>
-                <a:latin typeface="Comic Sans MS" pitchFamily="66" charset="0"/>
-              </a:rPr>
-              <a:t>The set of rules for </a:t>
-            </a:r>
-            <a:r>
-              <a:rPr lang="en-US" sz="5400" dirty="0" smtClean="0">
-                <a:solidFill>
-                  <a:schemeClr val="accent1">
-                    <a:lumMod val="50000"/>
-                  </a:schemeClr>
-                </a:solidFill>
-                <a:latin typeface="Comic Sans MS" pitchFamily="66" charset="0"/>
-              </a:rPr>
-              <a:t>≡</a:t>
-            </a:r>
-            <a:r>
-              <a:rPr lang="en-US" sz="5400" dirty="0" smtClean="0">
-                <a:solidFill>
-                  <a:srgbClr val="000000"/>
-                </a:solidFill>
-                <a:latin typeface="Comic Sans MS" pitchFamily="66" charset="0"/>
-              </a:rPr>
-              <a:t> in the</a:t>
-            </a:r>
-            <a:r>
-              <a:rPr lang="en-US" sz="5400" dirty="0" smtClean="0">
-                <a:solidFill>
-                  <a:schemeClr val="accent5">
-                    <a:lumMod val="50000"/>
-                  </a:schemeClr>
-                </a:solidFill>
-                <a:latin typeface="Comic Sans MS" pitchFamily="66" charset="0"/>
-              </a:rPr>
-              <a:t> </a:t>
-            </a:r>
-            <a:r>
-              <a:rPr lang="en-US" sz="5400" dirty="0" smtClean="0">
-                <a:latin typeface="Comic Sans MS" pitchFamily="66" charset="0"/>
-              </a:rPr>
-              <a:t>text are </a:t>
-            </a:r>
-            <a:r>
-              <a:rPr lang="en-US" sz="5400" dirty="0" smtClean="0">
-                <a:solidFill>
-                  <a:srgbClr val="FF03E3"/>
-                </a:solidFill>
-                <a:latin typeface="Comic Sans MS" pitchFamily="66" charset="0"/>
-              </a:rPr>
-              <a:t>complete</a:t>
-            </a:r>
-            <a:r>
-              <a:rPr lang="en-US" sz="5400" dirty="0" smtClean="0">
-                <a:latin typeface="Comic Sans MS" pitchFamily="66" charset="0"/>
-              </a:rPr>
-              <a:t>:</a:t>
-            </a:r>
-          </a:p>
-          <a:p>
-            <a:pPr algn="l"/>
-            <a:r>
-              <a:rPr lang="en-US" sz="5400" dirty="0" smtClean="0">
-                <a:latin typeface="Comic Sans MS" pitchFamily="66" charset="0"/>
-              </a:rPr>
-              <a:t>if two formulas are </a:t>
-            </a:r>
-            <a:r>
-              <a:rPr lang="en-US" sz="5400" dirty="0" smtClean="0">
-                <a:solidFill>
-                  <a:schemeClr val="accent5">
-                    <a:lumMod val="50000"/>
-                  </a:schemeClr>
-                </a:solidFill>
-                <a:latin typeface="Comic Sans MS" pitchFamily="66" charset="0"/>
-              </a:rPr>
-              <a:t>≡</a:t>
-            </a:r>
-            <a:r>
-              <a:rPr lang="en-US" sz="5400" dirty="0" smtClean="0">
-                <a:solidFill>
-                  <a:srgbClr val="000000"/>
-                </a:solidFill>
-                <a:latin typeface="Comic Sans MS" pitchFamily="66" charset="0"/>
-              </a:rPr>
-              <a:t>,</a:t>
-            </a:r>
-          </a:p>
-          <a:p>
-            <a:pPr algn="l"/>
-            <a:r>
-              <a:rPr lang="en-US" sz="5400" dirty="0" smtClean="0">
-                <a:solidFill>
-                  <a:srgbClr val="000000"/>
-                </a:solidFill>
-                <a:latin typeface="Comic Sans MS" pitchFamily="66" charset="0"/>
-              </a:rPr>
-              <a:t>these rules can prove it.</a:t>
-            </a:r>
-            <a:endParaRPr lang="en-US" sz="5400" dirty="0">
-              <a:solidFill>
-                <a:srgbClr val="000000"/>
-              </a:solidFill>
-              <a:latin typeface="Comic Sans MS" pitchFamily="66" charset="0"/>
-            </a:endParaRPr>
-          </a:p>
-        </p:txBody>
-      </p:sp>
-      <p:sp>
-        <p:nvSpPr>
-          <p:cNvPr id="9" name="Title 1"/>
-          <p:cNvSpPr>
-            <a:spLocks noGrp="1"/>
-          </p:cNvSpPr>
-          <p:nvPr>
-            <p:ph type="title"/>
-          </p:nvPr>
-        </p:nvSpPr>
-        <p:spPr>
-          <a:xfrm>
-            <a:off x="1651000" y="363538"/>
-            <a:ext cx="6794500" cy="1003300"/>
-          </a:xfrm>
-        </p:spPr>
-        <p:txBody>
-          <a:bodyPr/>
-          <a:lstStyle/>
-          <a:p>
-            <a:r>
-              <a:rPr lang="en-US" sz="4000" dirty="0" smtClean="0"/>
-              <a:t>Algebra for Equivalence</a:t>
-            </a:r>
-            <a:endParaRPr lang="en-US" sz="4000" dirty="0"/>
-          </a:p>
-        </p:txBody>
-      </p:sp>
-      <p:sp>
-        <p:nvSpPr>
-          <p:cNvPr id="4" name="Slide Number Placeholder 2"/>
-          <p:cNvSpPr>
-            <a:spLocks noGrp="1"/>
-          </p:cNvSpPr>
-          <p:nvPr>
-            <p:ph type="sldNum" sz="quarter" idx="10"/>
-          </p:nvPr>
-        </p:nvSpPr>
-        <p:spPr>
-          <a:xfrm>
-            <a:off x="7537747" y="6553200"/>
-            <a:ext cx="1606254" cy="276999"/>
-          </a:xfrm>
-        </p:spPr>
-        <p:txBody>
-          <a:bodyPr/>
-          <a:lstStyle/>
-          <a:p>
-            <a:r>
-              <a:rPr lang="en-US" dirty="0" smtClean="0"/>
-              <a:t>propositional logic.</a:t>
-            </a:r>
-            <a:fld id="{3251DA95-B240-47FE-901D-B78FC8E8E532}" type="slidenum">
-              <a:rPr lang="en-US" smtClean="0"/>
-              <a:pPr/>
-              <a:t>12</a:t>
-            </a:fld>
-            <a:endParaRPr lang="en-US" dirty="0"/>
-          </a:p>
-        </p:txBody>
-      </p:sp>
-    </p:spTree>
-    <p:extLst>
-      <p:ext uri="{BB962C8B-B14F-4D97-AF65-F5344CB8AC3E}">
-        <p14:creationId xmlns:p14="http://schemas.microsoft.com/office/powerpoint/2010/main" val="816375592"/>
-      </p:ext>
-    </p:extLst>
-  </p:cSld>
-  <p:clrMapOvr>
-    <a:masterClrMapping/>
-  </p:clrMapOvr>
-  <p:transition xmlns:p14="http://schemas.microsoft.com/office/powerpoint/2010/main" spd="slow" advClick="0">
-    <p:fade/>
-  </p:transition>
-  <p:timing>
-    <p:tnLst>
-      <p:par>
-        <p:cTn xmlns:p14="http://schemas.microsoft.com/office/powerpoint/2010/main" id="1" dur="indefinite" restart="never" nodeType="tmRoot"/>
-      </p:par>
-    </p:tnLst>
-  </p:timing>
-</p:sld>
-</file>
-
-<file path=ppt/slides/slide13.xml><?xml version="1.0" encoding="utf-8"?>
-<p:sld xmlns:a="http://schemas.openxmlformats.org/drawingml/2006/main" xmlns:r="http://schemas.openxmlformats.org/officeDocument/2006/relationships" xmlns:p="http://schemas.openxmlformats.org/presentationml/2006/main">
-  <p:cSld>
-    <p:spTree>
-      <p:nvGrpSpPr>
-        <p:cNvPr id="1" name=""/>
-        <p:cNvGrpSpPr/>
-        <p:nvPr/>
-      </p:nvGrpSpPr>
-      <p:grpSpPr>
-        <a:xfrm>
-          <a:off x="0" y="0"/>
-          <a:ext cx="0" cy="0"/>
-          <a:chOff x="0" y="0"/>
-          <a:chExt cx="0" cy="0"/>
-        </a:xfrm>
-      </p:grpSpPr>
-      <p:sp>
-        <p:nvSpPr>
-          <p:cNvPr id="2" name="Title 1"/>
-          <p:cNvSpPr>
-            <a:spLocks noGrp="1"/>
-          </p:cNvSpPr>
-          <p:nvPr>
-            <p:ph type="title"/>
-          </p:nvPr>
-        </p:nvSpPr>
-        <p:spPr>
-          <a:xfrm>
-            <a:off x="2070100" y="304800"/>
-            <a:ext cx="5715000" cy="1257300"/>
-          </a:xfrm>
-        </p:spPr>
-        <p:txBody>
-          <a:bodyPr/>
-          <a:lstStyle/>
-          <a:p>
-            <a:r>
-              <a:rPr lang="en-US" sz="4800" dirty="0" smtClean="0"/>
-              <a:t>A Proof System</a:t>
-            </a:r>
-            <a:endParaRPr lang="en-US" sz="4800" dirty="0"/>
-          </a:p>
-        </p:txBody>
-      </p:sp>
-      <p:sp>
-        <p:nvSpPr>
-          <p:cNvPr id="3" name="Slide Number Placeholder 2"/>
-          <p:cNvSpPr>
-            <a:spLocks noGrp="1"/>
-          </p:cNvSpPr>
-          <p:nvPr>
-            <p:ph type="sldNum" sz="quarter" idx="10"/>
-          </p:nvPr>
-        </p:nvSpPr>
-        <p:spPr/>
-        <p:txBody>
-          <a:bodyPr/>
-          <a:lstStyle/>
-          <a:p>
-            <a:pPr>
-              <a:defRPr/>
-            </a:pPr>
-            <a:r>
-              <a:rPr lang="en-US" smtClean="0"/>
-              <a:t>propositional logic.</a:t>
-            </a:r>
-            <a:fld id="{DB6F0ED6-FEF5-4C9C-B1CC-29B47EC66FAA}" type="slidenum">
-              <a:rPr lang="en-US" smtClean="0"/>
-              <a:pPr>
-                <a:defRPr/>
-              </a:pPr>
-              <a:t>13</a:t>
-            </a:fld>
-            <a:endParaRPr lang="en-US" dirty="0"/>
-          </a:p>
-        </p:txBody>
-      </p:sp>
-      <p:sp>
-        <p:nvSpPr>
-          <p:cNvPr id="4" name="TextBox 3"/>
-          <p:cNvSpPr txBox="1"/>
-          <p:nvPr/>
-        </p:nvSpPr>
-        <p:spPr>
-          <a:xfrm>
-            <a:off x="138113" y="1511300"/>
-            <a:ext cx="8902700" cy="4247317"/>
-          </a:xfrm>
-          <a:prstGeom prst="rect">
-            <a:avLst/>
-          </a:prstGeom>
-          <a:noFill/>
-        </p:spPr>
-        <p:txBody>
-          <a:bodyPr wrap="square" rtlCol="0">
-            <a:spAutoFit/>
-          </a:bodyPr>
-          <a:lstStyle/>
-          <a:p>
-            <a:pPr algn="l"/>
-            <a:r>
-              <a:rPr lang="en-US" sz="5400" dirty="0" smtClean="0">
-                <a:latin typeface="Comic Sans MS" pitchFamily="66" charset="0"/>
-              </a:rPr>
-              <a:t>Another approach is to start with some valid formulas (</a:t>
-            </a:r>
-            <a:r>
-              <a:rPr lang="en-US" sz="5400" dirty="0" smtClean="0">
-                <a:solidFill>
-                  <a:srgbClr val="FF03E3"/>
-                </a:solidFill>
-                <a:latin typeface="Comic Sans MS" pitchFamily="66" charset="0"/>
-              </a:rPr>
-              <a:t>axioms</a:t>
-            </a:r>
-            <a:r>
-              <a:rPr lang="en-US" sz="5400" dirty="0" smtClean="0">
-                <a:latin typeface="Comic Sans MS" pitchFamily="66" charset="0"/>
-              </a:rPr>
-              <a:t>) and deduce more valid formulas using </a:t>
-            </a:r>
-            <a:r>
-              <a:rPr lang="en-US" sz="5400" dirty="0" smtClean="0">
-                <a:solidFill>
-                  <a:srgbClr val="FF03E3"/>
-                </a:solidFill>
-                <a:latin typeface="Comic Sans MS" pitchFamily="66" charset="0"/>
-              </a:rPr>
-              <a:t>proof </a:t>
-            </a:r>
-            <a:r>
-              <a:rPr lang="en-US" sz="5400" dirty="0" smtClean="0">
-                <a:solidFill>
-                  <a:srgbClr val="FF03E3"/>
-                </a:solidFill>
-                <a:latin typeface="Comic Sans MS" pitchFamily="66" charset="0"/>
-              </a:rPr>
-              <a:t>rules</a:t>
-            </a:r>
-            <a:endParaRPr lang="en-US" sz="5400" dirty="0" smtClean="0">
-              <a:solidFill>
-                <a:srgbClr val="FF03E3"/>
-              </a:solidFill>
-              <a:latin typeface="Comic Sans MS" pitchFamily="66" charset="0"/>
-            </a:endParaRPr>
-          </a:p>
-        </p:txBody>
-      </p:sp>
-    </p:spTree>
-    <p:extLst>
-      <p:ext uri="{BB962C8B-B14F-4D97-AF65-F5344CB8AC3E}">
-        <p14:creationId xmlns:p14="http://schemas.microsoft.com/office/powerpoint/2010/main" val="2500915568"/>
-      </p:ext>
-    </p:extLst>
-  </p:cSld>
-  <p:clrMapOvr>
-    <a:masterClrMapping/>
-  </p:clrMapOvr>
-  <mc:AlternateContent xmlns:mc="http://schemas.openxmlformats.org/markup-compatibility/2006">
-    <mc:Choice xmlns:p14="http://schemas.microsoft.com/office/powerpoint/2010/main" Requires="p14">
-      <p:transition spd="slow" p14:dur="1100" advClick="0">
-        <p:fade thruBlk="1"/>
-      </p:transition>
-    </mc:Choice>
-    <mc:Fallback>
-      <p:transition xmlns:p14="http://schemas.microsoft.com/office/powerpoint/2010/main" spd="slow" advClick="0">
-        <p:fade thruBlk="1"/>
-      </p:transition>
-    </mc:Fallback>
-  </mc:AlternateContent>
-  <p:timing>
-    <p:tnLst>
-      <p:par>
-        <p:cTn xmlns:p14="http://schemas.microsoft.com/office/powerpoint/2010/main" id="1" dur="indefinite" restart="never" nodeType="tmRoot"/>
-      </p:par>
-    </p:tnLst>
-  </p:timing>
-</p:sld>
-</file>
-
-<file path=ppt/slides/slide14.xml><?xml version="1.0" encoding="utf-8"?>
-<p:sld xmlns:a="http://schemas.openxmlformats.org/drawingml/2006/main" xmlns:r="http://schemas.openxmlformats.org/officeDocument/2006/relationships" xmlns:p="http://schemas.openxmlformats.org/presentationml/2006/main">
-  <p:cSld>
-    <p:spTree>
-      <p:nvGrpSpPr>
-        <p:cNvPr id="1" name=""/>
-        <p:cNvGrpSpPr/>
-        <p:nvPr/>
-      </p:nvGrpSpPr>
-      <p:grpSpPr>
-        <a:xfrm>
-          <a:off x="0" y="0"/>
-          <a:ext cx="0" cy="0"/>
-          <a:chOff x="0" y="0"/>
-          <a:chExt cx="0" cy="0"/>
-        </a:xfrm>
-      </p:grpSpPr>
-      <p:sp>
-        <p:nvSpPr>
-          <p:cNvPr id="2" name="Title 1"/>
-          <p:cNvSpPr>
-            <a:spLocks noGrp="1"/>
-          </p:cNvSpPr>
-          <p:nvPr>
-            <p:ph type="title"/>
-          </p:nvPr>
-        </p:nvSpPr>
-        <p:spPr>
-          <a:xfrm>
-            <a:off x="2070100" y="304800"/>
-            <a:ext cx="5715000" cy="1257300"/>
-          </a:xfrm>
-        </p:spPr>
-        <p:txBody>
-          <a:bodyPr/>
-          <a:lstStyle/>
-          <a:p>
-            <a:r>
-              <a:rPr lang="en-US" sz="4800" dirty="0" smtClean="0"/>
-              <a:t>A Proof System</a:t>
-            </a:r>
-            <a:endParaRPr lang="en-US" sz="4800" dirty="0"/>
-          </a:p>
-        </p:txBody>
-      </p:sp>
-      <p:sp>
-        <p:nvSpPr>
-          <p:cNvPr id="3" name="Slide Number Placeholder 2"/>
-          <p:cNvSpPr>
-            <a:spLocks noGrp="1"/>
-          </p:cNvSpPr>
-          <p:nvPr>
-            <p:ph type="sldNum" sz="quarter" idx="10"/>
-          </p:nvPr>
-        </p:nvSpPr>
-        <p:spPr/>
-        <p:txBody>
-          <a:bodyPr/>
-          <a:lstStyle/>
-          <a:p>
-            <a:pPr>
-              <a:defRPr/>
-            </a:pPr>
-            <a:r>
-              <a:rPr lang="en-US" smtClean="0"/>
-              <a:t>propositional logic.</a:t>
-            </a:r>
-            <a:fld id="{DB6F0ED6-FEF5-4C9C-B1CC-29B47EC66FAA}" type="slidenum">
-              <a:rPr lang="en-US" smtClean="0"/>
-              <a:pPr>
-                <a:defRPr/>
-              </a:pPr>
-              <a:t>14</a:t>
-            </a:fld>
-            <a:endParaRPr lang="en-US" dirty="0"/>
-          </a:p>
-        </p:txBody>
-      </p:sp>
-      <p:sp>
-        <p:nvSpPr>
-          <p:cNvPr id="4" name="TextBox 3"/>
-          <p:cNvSpPr txBox="1"/>
-          <p:nvPr/>
-        </p:nvSpPr>
-        <p:spPr>
-          <a:xfrm>
-            <a:off x="138113" y="1511300"/>
-            <a:ext cx="8902700" cy="2123658"/>
-          </a:xfrm>
-          <a:prstGeom prst="rect">
-            <a:avLst/>
-          </a:prstGeom>
-          <a:noFill/>
-        </p:spPr>
-        <p:txBody>
-          <a:bodyPr wrap="square" rtlCol="0">
-            <a:spAutoFit/>
-          </a:bodyPr>
-          <a:lstStyle/>
-          <a:p>
-            <a:pPr algn="l"/>
-            <a:r>
-              <a:rPr lang="en-US" sz="4400" kern="0" dirty="0" err="1">
-                <a:solidFill>
-                  <a:srgbClr val="FF03E3"/>
-                </a:solidFill>
-                <a:latin typeface="Comic Sans MS" pitchFamily="66" charset="0"/>
-                <a:ea typeface="+mj-ea"/>
-                <a:cs typeface="+mj-cs"/>
-              </a:rPr>
-              <a:t>Lukasiewicz</a:t>
-            </a:r>
-            <a:r>
-              <a:rPr lang="en-US" sz="4400" kern="0" dirty="0">
-                <a:solidFill>
-                  <a:srgbClr val="FF03E3"/>
-                </a:solidFill>
-                <a:latin typeface="Comic Sans MS" pitchFamily="66" charset="0"/>
-                <a:ea typeface="+mj-ea"/>
-                <a:cs typeface="+mj-cs"/>
-              </a:rPr>
-              <a:t>’ </a:t>
-            </a:r>
-            <a:r>
-              <a:rPr lang="en-US" sz="4400" kern="0" dirty="0" smtClean="0">
-                <a:solidFill>
-                  <a:srgbClr val="FF03E3"/>
-                </a:solidFill>
-                <a:latin typeface="Comic Sans MS" pitchFamily="66" charset="0"/>
-                <a:ea typeface="+mj-ea"/>
-                <a:cs typeface="+mj-cs"/>
-              </a:rPr>
-              <a:t>proof system</a:t>
-            </a:r>
-            <a:r>
-              <a:rPr lang="en-US" sz="4400" kern="0" dirty="0" smtClean="0">
-                <a:solidFill>
-                  <a:srgbClr val="000000"/>
-                </a:solidFill>
-                <a:latin typeface="Comic Sans MS" pitchFamily="66" charset="0"/>
-                <a:ea typeface="+mj-ea"/>
-                <a:cs typeface="+mj-cs"/>
-              </a:rPr>
-              <a:t> is a particularly elegant example of this idea.</a:t>
-            </a:r>
-            <a:endParaRPr lang="en-US" sz="4400" dirty="0" smtClean="0">
-              <a:latin typeface="Comic Sans MS"/>
-              <a:cs typeface="Comic Sans MS"/>
-            </a:endParaRPr>
-          </a:p>
-        </p:txBody>
-      </p:sp>
-    </p:spTree>
-    <p:extLst>
-      <p:ext uri="{BB962C8B-B14F-4D97-AF65-F5344CB8AC3E}">
-        <p14:creationId xmlns:p14="http://schemas.microsoft.com/office/powerpoint/2010/main" val="105430775"/>
-      </p:ext>
-    </p:extLst>
-  </p:cSld>
-  <p:clrMapOvr>
-    <a:masterClrMapping/>
-  </p:clrMapOvr>
-  <mc:AlternateContent xmlns:mc="http://schemas.openxmlformats.org/markup-compatibility/2006">
-    <mc:Choice xmlns:p14="http://schemas.microsoft.com/office/powerpoint/2010/main" Requires="p14">
-      <p:transition spd="slow" p14:dur="1100" advClick="0">
-        <p:fade thruBlk="1"/>
-      </p:transition>
-    </mc:Choice>
-    <mc:Fallback>
-      <p:transition xmlns:p14="http://schemas.microsoft.com/office/powerpoint/2010/main" spd="slow" advClick="0">
-        <p:fade thruBlk="1"/>
-      </p:transition>
-    </mc:Fallback>
-  </mc:AlternateContent>
-  <p:timing>
-    <p:tnLst>
-      <p:par>
-        <p:cTn xmlns:p14="http://schemas.microsoft.com/office/powerpoint/2010/main" id="1" dur="indefinite" restart="never" nodeType="tmRoot"/>
-      </p:par>
-    </p:tnLst>
-  </p:timing>
-</p:sld>
-</file>
-
-<file path=ppt/slides/slide15.xml><?xml version="1.0" encoding="utf-8"?>
-<p:sld xmlns:a="http://schemas.openxmlformats.org/drawingml/2006/main" xmlns:r="http://schemas.openxmlformats.org/officeDocument/2006/relationships" xmlns:p="http://schemas.openxmlformats.org/presentationml/2006/main">
-  <p:cSld>
-    <p:spTree>
-      <p:nvGrpSpPr>
-        <p:cNvPr id="1" name=""/>
-        <p:cNvGrpSpPr/>
-        <p:nvPr/>
-      </p:nvGrpSpPr>
-      <p:grpSpPr>
-        <a:xfrm>
-          <a:off x="0" y="0"/>
-          <a:ext cx="0" cy="0"/>
-          <a:chOff x="0" y="0"/>
-          <a:chExt cx="0" cy="0"/>
-        </a:xfrm>
-      </p:grpSpPr>
-      <p:sp>
-        <p:nvSpPr>
-          <p:cNvPr id="2" name="Title 1"/>
-          <p:cNvSpPr>
-            <a:spLocks noGrp="1"/>
-          </p:cNvSpPr>
-          <p:nvPr>
-            <p:ph type="title"/>
-          </p:nvPr>
-        </p:nvSpPr>
-        <p:spPr>
-          <a:xfrm>
-            <a:off x="2070100" y="304800"/>
-            <a:ext cx="5715000" cy="1257300"/>
-          </a:xfrm>
-        </p:spPr>
-        <p:txBody>
-          <a:bodyPr/>
-          <a:lstStyle/>
-          <a:p>
-            <a:r>
-              <a:rPr lang="en-US" sz="4800" dirty="0" smtClean="0"/>
-              <a:t>A Proof System</a:t>
-            </a:r>
-            <a:endParaRPr lang="en-US" sz="4800" dirty="0"/>
-          </a:p>
-        </p:txBody>
-      </p:sp>
-      <p:sp>
-        <p:nvSpPr>
-          <p:cNvPr id="3" name="Slide Number Placeholder 2"/>
-          <p:cNvSpPr>
-            <a:spLocks noGrp="1"/>
-          </p:cNvSpPr>
-          <p:nvPr>
-            <p:ph type="sldNum" sz="quarter" idx="10"/>
-          </p:nvPr>
-        </p:nvSpPr>
-        <p:spPr/>
-        <p:txBody>
-          <a:bodyPr/>
-          <a:lstStyle/>
-          <a:p>
-            <a:pPr>
-              <a:defRPr/>
-            </a:pPr>
-            <a:r>
-              <a:rPr lang="en-US" smtClean="0"/>
-              <a:t>propositional logic.</a:t>
-            </a:r>
-            <a:fld id="{DB6F0ED6-FEF5-4C9C-B1CC-29B47EC66FAA}" type="slidenum">
-              <a:rPr lang="en-US" smtClean="0"/>
-              <a:pPr>
-                <a:defRPr/>
-              </a:pPr>
-              <a:t>15</a:t>
-            </a:fld>
-            <a:endParaRPr lang="en-US" dirty="0"/>
-          </a:p>
-        </p:txBody>
-      </p:sp>
-      <p:sp>
-        <p:nvSpPr>
-          <p:cNvPr id="4" name="TextBox 3"/>
-          <p:cNvSpPr txBox="1"/>
-          <p:nvPr/>
-        </p:nvSpPr>
-        <p:spPr>
-          <a:xfrm>
-            <a:off x="138113" y="1511300"/>
-            <a:ext cx="8902700" cy="3477875"/>
-          </a:xfrm>
-          <a:prstGeom prst="rect">
-            <a:avLst/>
-          </a:prstGeom>
-          <a:noFill/>
-        </p:spPr>
-        <p:txBody>
-          <a:bodyPr wrap="square" rtlCol="0">
-            <a:spAutoFit/>
-          </a:bodyPr>
-          <a:lstStyle/>
-          <a:p>
-            <a:pPr algn="l"/>
-            <a:r>
-              <a:rPr lang="en-US" sz="4400" kern="0" dirty="0" err="1">
-                <a:solidFill>
-                  <a:srgbClr val="FF03E3"/>
-                </a:solidFill>
-                <a:latin typeface="Comic Sans MS" pitchFamily="66" charset="0"/>
-                <a:ea typeface="+mj-ea"/>
-                <a:cs typeface="+mj-cs"/>
-              </a:rPr>
-              <a:t>Lukasiewicz</a:t>
-            </a:r>
-            <a:r>
-              <a:rPr lang="en-US" sz="4400" kern="0" dirty="0">
-                <a:solidFill>
-                  <a:srgbClr val="FF03E3"/>
-                </a:solidFill>
-                <a:latin typeface="Comic Sans MS" pitchFamily="66" charset="0"/>
-                <a:ea typeface="+mj-ea"/>
-                <a:cs typeface="+mj-cs"/>
-              </a:rPr>
-              <a:t>’ </a:t>
-            </a:r>
-            <a:r>
-              <a:rPr lang="en-US" sz="4400" kern="0" dirty="0" smtClean="0">
-                <a:solidFill>
-                  <a:srgbClr val="FF03E3"/>
-                </a:solidFill>
-                <a:latin typeface="Comic Sans MS" pitchFamily="66" charset="0"/>
-                <a:ea typeface="+mj-ea"/>
-                <a:cs typeface="+mj-cs"/>
-              </a:rPr>
-              <a:t>proof system</a:t>
-            </a:r>
-            <a:r>
-              <a:rPr lang="en-US" sz="4400" kern="0" dirty="0" smtClean="0">
-                <a:solidFill>
-                  <a:srgbClr val="000000"/>
-                </a:solidFill>
-                <a:latin typeface="Comic Sans MS" pitchFamily="66" charset="0"/>
-                <a:ea typeface="+mj-ea"/>
-                <a:cs typeface="+mj-cs"/>
-              </a:rPr>
-              <a:t> is a particularly elegant example of this idea.  It covers formulas whose only </a:t>
-            </a:r>
-            <a:r>
-              <a:rPr lang="en-US" sz="4400" kern="0" dirty="0" smtClean="0">
-                <a:solidFill>
-                  <a:srgbClr val="000000"/>
-                </a:solidFill>
-                <a:latin typeface="Comic Sans MS" pitchFamily="66" charset="0"/>
-                <a:ea typeface="+mj-ea"/>
-                <a:cs typeface="+mj-cs"/>
-              </a:rPr>
-              <a:t>logical operators are </a:t>
-            </a:r>
-            <a:r>
-              <a:rPr lang="en-US" kern="0" dirty="0" smtClean="0">
-                <a:solidFill>
-                  <a:srgbClr val="0000E5"/>
-                </a:solidFill>
-                <a:latin typeface="Comic Sans MS" pitchFamily="66" charset="0"/>
-                <a:ea typeface="+mj-ea"/>
-                <a:cs typeface="+mj-cs"/>
-              </a:rPr>
-              <a:t>IMPLIES</a:t>
-            </a:r>
-            <a:r>
-              <a:rPr lang="en-US" sz="4400" kern="0" dirty="0" smtClean="0">
-                <a:solidFill>
-                  <a:srgbClr val="0000E5"/>
-                </a:solidFill>
-                <a:latin typeface="Comic Sans MS" pitchFamily="66" charset="0"/>
-                <a:ea typeface="+mj-ea"/>
-                <a:cs typeface="+mj-cs"/>
-              </a:rPr>
-              <a:t> </a:t>
-            </a:r>
-            <a:r>
-              <a:rPr lang="en-US" sz="4400" kern="0" dirty="0" smtClean="0">
-                <a:latin typeface="Comic Sans MS" pitchFamily="66" charset="0"/>
-                <a:ea typeface="+mj-ea"/>
-                <a:cs typeface="+mj-cs"/>
-              </a:rPr>
-              <a:t>(</a:t>
-            </a:r>
-            <a:r>
-              <a:rPr lang="en-US" sz="4400" kern="0" dirty="0" smtClean="0">
-                <a:solidFill>
-                  <a:srgbClr val="0000E5"/>
-                </a:solidFill>
-                <a:latin typeface="Symbol"/>
-                <a:sym typeface="Symbol"/>
-              </a:rPr>
-              <a:t>→</a:t>
-            </a:r>
-            <a:r>
-              <a:rPr lang="en-US" sz="4400" kern="0" dirty="0" smtClean="0">
-                <a:solidFill>
-                  <a:srgbClr val="000000"/>
-                </a:solidFill>
-                <a:latin typeface="Comic Sans MS"/>
-                <a:cs typeface="Comic Sans MS"/>
-                <a:sym typeface="Symbol"/>
-              </a:rPr>
-              <a:t>) and</a:t>
-            </a:r>
-            <a:r>
-              <a:rPr lang="en-US" sz="4400" kern="0" dirty="0" smtClean="0">
-                <a:solidFill>
-                  <a:srgbClr val="0000E5"/>
-                </a:solidFill>
-                <a:latin typeface="Comic Sans MS"/>
-                <a:cs typeface="Comic Sans MS"/>
-                <a:sym typeface="Symbol"/>
-              </a:rPr>
-              <a:t> </a:t>
-            </a:r>
-            <a:r>
-              <a:rPr lang="en-US" kern="0" dirty="0" smtClean="0">
-                <a:solidFill>
-                  <a:schemeClr val="accent1">
-                    <a:lumMod val="50000"/>
-                  </a:schemeClr>
-                </a:solidFill>
-                <a:latin typeface="Comic Sans MS"/>
-                <a:cs typeface="Comic Sans MS"/>
-                <a:sym typeface="Symbol"/>
-              </a:rPr>
-              <a:t>NOT</a:t>
-            </a:r>
-            <a:r>
-              <a:rPr lang="en-US" kern="0" dirty="0" smtClean="0">
-                <a:latin typeface="Comic Sans MS"/>
-                <a:cs typeface="Comic Sans MS"/>
-                <a:sym typeface="Symbol"/>
-              </a:rPr>
-              <a:t>.</a:t>
-            </a:r>
-            <a:endParaRPr lang="en-US" sz="4400" dirty="0" smtClean="0">
-              <a:latin typeface="Comic Sans MS"/>
-              <a:cs typeface="Comic Sans MS"/>
-            </a:endParaRPr>
-          </a:p>
-        </p:txBody>
-      </p:sp>
-    </p:spTree>
-    <p:extLst>
-      <p:ext uri="{BB962C8B-B14F-4D97-AF65-F5344CB8AC3E}">
-        <p14:creationId xmlns:p14="http://schemas.microsoft.com/office/powerpoint/2010/main" val="82109001"/>
-      </p:ext>
-    </p:extLst>
-  </p:cSld>
-  <p:clrMapOvr>
-    <a:masterClrMapping/>
-  </p:clrMapOvr>
-  <mc:AlternateContent xmlns:mc="http://schemas.openxmlformats.org/markup-compatibility/2006">
-    <mc:Choice xmlns:p14="http://schemas.microsoft.com/office/powerpoint/2010/main" Requires="p14">
-      <p:transition spd="slow" p14:dur="1100" advClick="0">
-        <p:fade thruBlk="1"/>
-      </p:transition>
-    </mc:Choice>
-    <mc:Fallback>
-      <p:transition xmlns:p14="http://schemas.microsoft.com/office/powerpoint/2010/main" spd="slow" advClick="0">
-        <p:fade thruBlk="1"/>
-      </p:transition>
-    </mc:Fallback>
-  </mc:AlternateContent>
-  <p:timing>
-    <p:tnLst>
-      <p:par>
-        <p:cTn xmlns:p14="http://schemas.microsoft.com/office/powerpoint/2010/main" id="1" dur="indefinite" restart="never" nodeType="tmRoot"/>
-      </p:par>
-    </p:tnLst>
-  </p:timing>
-</p:sld>
-</file>
-
-<file path=ppt/slides/slide16.xml><?xml version="1.0" encoding="utf-8"?>
-<p:sld xmlns:a="http://schemas.openxmlformats.org/drawingml/2006/main" xmlns:r="http://schemas.openxmlformats.org/officeDocument/2006/relationships" xmlns:p="http://schemas.openxmlformats.org/presentationml/2006/main">
-  <p:cSld>
-    <p:spTree>
-      <p:nvGrpSpPr>
-        <p:cNvPr id="1" name=""/>
-        <p:cNvGrpSpPr/>
-        <p:nvPr/>
-      </p:nvGrpSpPr>
-      <p:grpSpPr>
-        <a:xfrm>
-          <a:off x="0" y="0"/>
-          <a:ext cx="0" cy="0"/>
-          <a:chOff x="0" y="0"/>
-          <a:chExt cx="0" cy="0"/>
-        </a:xfrm>
-      </p:grpSpPr>
-      <p:sp>
-        <p:nvSpPr>
           <p:cNvPr id="2" name="Title 1"/>
           <p:cNvSpPr>
             <a:spLocks noGrp="1"/>
@@ -7872,15 +5459,7 @@
                   <a:srgbClr val="0000FF"/>
                 </a:solidFill>
               </a:rPr>
-              <a:t> </a:t>
-            </a:r>
-            <a:r>
-              <a:rPr lang="en-US" sz="4000" dirty="0" smtClean="0">
-                <a:solidFill>
-                  <a:srgbClr val="0000FF"/>
-                </a:solidFill>
-              </a:rPr>
-              <a:t>P</a:t>
+              <a:t> P</a:t>
             </a:r>
           </a:p>
           <a:p>
@@ -7985,15 +5564,7 @@
                   <a:srgbClr val="0000FF"/>
                 </a:solidFill>
               </a:rPr>
-              <a:t>(</a:t>
-            </a:r>
-            <a:r>
-              <a:rPr lang="en-US" sz="4000" dirty="0" smtClean="0">
-                <a:solidFill>
-                  <a:srgbClr val="0000FF"/>
-                </a:solidFill>
-              </a:rPr>
-              <a:t>P </a:t>
+              <a:t>(P </a:t>
             </a:r>
             <a:r>
               <a:rPr lang="en-US" sz="4000" dirty="0" smtClean="0">
@@ -8105,11 +5676,7 @@
             </a:r>
             <a:r>
               <a:rPr lang="en-US" sz="4400" dirty="0" smtClean="0"/>
-              <a:t>ule</a:t>
-            </a:r>
-            <a:r>
-              <a:rPr lang="en-US" sz="4400" dirty="0" smtClean="0"/>
-              <a:t>: </a:t>
+              <a:t>ule: </a:t>
             </a:r>
             <a:r>
               <a:rPr lang="en-US" sz="4400" dirty="0" smtClean="0">
@@ -8149,7 +5716,7 @@
             <a:fld id="{3251DA95-B240-47FE-901D-B78FC8E8E532}" type="slidenum">
               <a:rPr lang="en-US" smtClean="0"/>
               <a:pPr/>
-              <a:t>16</a:t>
+              <a:t>10</a:t>
             </a:fld>
             <a:endParaRPr lang="en-US" dirty="0"/>
           </a:p>
@@ -8440,7 +6007,7 @@
 </p:sld>
 </file>
 
-<file path=ppt/slides/slide17.xml><?xml version="1.0" encoding="utf-8"?>
+<file path=ppt/slides/slide11.xml><?xml version="1.0" encoding="utf-8"?>
 <p:sld xmlns:a="http://schemas.openxmlformats.org/drawingml/2006/main" xmlns:r="http://schemas.openxmlformats.org/officeDocument/2006/relationships" xmlns:p="http://schemas.openxmlformats.org/presentationml/2006/main" show="0">
   <p:cSld>
     <p:spTree>
@@ -8507,11 +6074,7 @@
             <a:pPr marL="0" indent="0"/>
             <a:r>
               <a:rPr lang="en-US" sz="4400" dirty="0" smtClean="0"/>
-              <a:t>Three Axioms</a:t>
-            </a:r>
-            <a:r>
-              <a:rPr lang="en-US" sz="4400" dirty="0" smtClean="0"/>
-              <a:t>:</a:t>
+              <a:t>Three Axioms:</a:t>
             </a:r>
             <a:endParaRPr lang="en-US" sz="4000" dirty="0" smtClean="0">
               <a:solidFill>
@@ -8600,7 +6163,7 @@
             <a:fld id="{3251DA95-B240-47FE-901D-B78FC8E8E532}" type="slidenum">
               <a:rPr lang="en-US" smtClean="0"/>
               <a:pPr/>
-              <a:t>17</a:t>
+              <a:t>11</a:t>
             </a:fld>
             <a:endParaRPr lang="en-US" dirty="0"/>
           </a:p>
@@ -8628,7 +6191,7 @@
           <a:graphicData uri="http://schemas.openxmlformats.org/presentationml/2006/ole">
             <mc:AlternateContent xmlns:mc="http://schemas.openxmlformats.org/markup-compatibility/2006">
               <mc:Choice xmlns:v="urn:schemas-microsoft-com:vml" Requires="v">
-                <p:oleObj spid="_x0000_s406661" name="Equation" r:id="rId3" imgW="850900" imgH="241300" progId="Equation.DSMT4">
+                <p:oleObj spid="_x0000_s406670" name="Equation" r:id="rId3" imgW="850900" imgH="241300" progId="Equation.DSMT4">
                   <p:embed/>
                 </p:oleObj>
               </mc:Choice>
@@ -8685,7 +6248,7 @@
           <a:graphicData uri="http://schemas.openxmlformats.org/presentationml/2006/ole">
             <mc:AlternateContent xmlns:mc="http://schemas.openxmlformats.org/markup-compatibility/2006">
               <mc:Choice xmlns:v="urn:schemas-microsoft-com:vml" Requires="v">
-                <p:oleObj spid="_x0000_s406662" name="Equation" r:id="rId5" imgW="139700" imgH="215900" progId="Equation.DSMT4">
+                <p:oleObj spid="_x0000_s406671" name="Equation" r:id="rId5" imgW="139700" imgH="215900" progId="Equation.DSMT4">
                   <p:embed/>
                 </p:oleObj>
               </mc:Choice>
@@ -8742,7 +6305,7 @@
           <a:graphicData uri="http://schemas.openxmlformats.org/presentationml/2006/ole">
             <mc:AlternateContent xmlns:mc="http://schemas.openxmlformats.org/markup-compatibility/2006">
               <mc:Choice xmlns:v="urn:schemas-microsoft-com:vml" Requires="v">
-                <p:oleObj spid="_x0000_s406663" name="Equation" r:id="rId7" imgW="901700" imgH="241300" progId="Equation.DSMT4">
+                <p:oleObj spid="_x0000_s406672" name="Equation" r:id="rId7" imgW="901700" imgH="241300" progId="Equation.DSMT4">
                   <p:embed/>
                 </p:oleObj>
               </mc:Choice>
@@ -8840,7 +6403,7 @@
           <a:graphicData uri="http://schemas.openxmlformats.org/presentationml/2006/ole">
             <mc:AlternateContent xmlns:mc="http://schemas.openxmlformats.org/markup-compatibility/2006">
               <mc:Choice xmlns:v="urn:schemas-microsoft-com:vml" Requires="v">
-                <p:oleObj spid="_x0000_s406664" name="Equation" r:id="rId9" imgW="2209800" imgH="215900" progId="Equation.DSMT4">
+                <p:oleObj spid="_x0000_s406673" name="Equation" r:id="rId9" imgW="2209800" imgH="215900" progId="Equation.DSMT4">
                   <p:embed/>
                 </p:oleObj>
               </mc:Choice>
@@ -9246,7 +6809,7 @@
 </p:sld>
 </file>
 
-<file path=ppt/slides/slide18.xml><?xml version="1.0" encoding="utf-8"?>
+<file path=ppt/slides/slide12.xml><?xml version="1.0" encoding="utf-8"?>
 <p:sld xmlns:a="http://schemas.openxmlformats.org/drawingml/2006/main" xmlns:r="http://schemas.openxmlformats.org/officeDocument/2006/relationships" xmlns:p="http://schemas.openxmlformats.org/presentationml/2006/main">
   <p:cSld>
     <p:spTree>
@@ -9381,7 +6944,7 @@
             <a:fld id="{3251DA95-B240-47FE-901D-B78FC8E8E532}" type="slidenum">
               <a:rPr lang="en-US" smtClean="0"/>
               <a:pPr/>
-              <a:t>18</a:t>
+              <a:t>12</a:t>
             </a:fld>
             <a:endParaRPr lang="en-US" dirty="0"/>
           </a:p>
@@ -9532,7 +7095,7 @@
 </p:sld>
 </file>
 
-<file path=ppt/slides/slide19.xml><?xml version="1.0" encoding="utf-8"?>
+<file path=ppt/slides/slide13.xml><?xml version="1.0" encoding="utf-8"?>
 <p:sld xmlns:a="http://schemas.openxmlformats.org/drawingml/2006/main" xmlns:r="http://schemas.openxmlformats.org/officeDocument/2006/relationships" xmlns:p="http://schemas.openxmlformats.org/presentationml/2006/main">
   <p:cSld>
     <p:spTree>
@@ -9610,11 +7173,7 @@
           <a:p>
             <a:r>
               <a:rPr lang="en-US" sz="4400" dirty="0" smtClean="0"/>
-              <a:t>the inference rule</a:t>
-            </a:r>
-            <a:r>
-              <a:rPr lang="en-US" sz="4400" dirty="0" smtClean="0"/>
-              <a:t>.</a:t>
+              <a:t>the inference rule.</a:t>
             </a:r>
           </a:p>
           <a:p>
@@ -9667,7 +7226,7 @@
             <a:fld id="{3251DA95-B240-47FE-901D-B78FC8E8E532}" type="slidenum">
               <a:rPr lang="en-US" smtClean="0"/>
               <a:pPr/>
-              <a:t>19</a:t>
+              <a:t>13</a:t>
             </a:fld>
             <a:endParaRPr lang="en-US" dirty="0"/>
           </a:p>
@@ -9866,1767 +7425,7 @@
 </p:sld>
 </file>
 
-<file path=ppt/slides/slide2.xml><?xml version="1.0" encoding="utf-8"?>
-<p:sld xmlns:a="http://schemas.openxmlformats.org/drawingml/2006/main" xmlns:r="http://schemas.openxmlformats.org/officeDocument/2006/relationships" xmlns:p="http://schemas.openxmlformats.org/presentationml/2006/main" show="0">
-  <p:cSld>
-    <p:spTree>
-      <p:nvGrpSpPr>
-        <p:cNvPr id="1" name=""/>
-        <p:cNvGrpSpPr/>
-        <p:nvPr/>
-      </p:nvGrpSpPr>
-      <p:grpSpPr>
-        <a:xfrm>
-          <a:off x="0" y="0"/>
-          <a:ext cx="0" cy="0"/>
-          <a:chOff x="0" y="0"/>
-          <a:chExt cx="0" cy="0"/>
-        </a:xfrm>
-      </p:grpSpPr>
-      <p:sp>
-        <p:nvSpPr>
-          <p:cNvPr id="2" name="Title 1"/>
-          <p:cNvSpPr>
-            <a:spLocks noGrp="1"/>
-          </p:cNvSpPr>
-          <p:nvPr>
-            <p:ph type="title"/>
-          </p:nvPr>
-        </p:nvSpPr>
-        <p:spPr>
-          <a:xfrm>
-            <a:off x="3158730" y="174396"/>
-            <a:ext cx="2760569" cy="902925"/>
-          </a:xfrm>
-        </p:spPr>
-        <p:txBody>
-          <a:bodyPr/>
-          <a:lstStyle/>
-          <a:p>
-            <a:r>
-              <a:rPr lang="en-US" sz="3600" dirty="0" smtClean="0"/>
-              <a:t> </a:t>
-            </a:r>
-            <a:r>
-              <a:rPr lang="en-US" sz="4000" dirty="0" smtClean="0">
-                <a:solidFill>
-                  <a:srgbClr val="0000FF"/>
-                </a:solidFill>
-              </a:rPr>
-              <a:t>IMPLIES</a:t>
-            </a:r>
-            <a:endParaRPr lang="en-US" sz="4000" dirty="0">
-              <a:solidFill>
-                <a:srgbClr val="0000FF"/>
-              </a:solidFill>
-            </a:endParaRPr>
-          </a:p>
-        </p:txBody>
-      </p:sp>
-      <p:graphicFrame>
-        <p:nvGraphicFramePr>
-          <p:cNvPr id="22" name="Table 21"/>
-          <p:cNvGraphicFramePr>
-            <a:graphicFrameLocks noGrp="1"/>
-          </p:cNvGraphicFramePr>
-          <p:nvPr>
-            <p:extLst>
-              <p:ext uri="{D42A27DB-BD31-4B8C-83A1-F6EECF244321}">
-                <p14:modId xmlns:p14="http://schemas.microsoft.com/office/powerpoint/2010/main" val="1266323598"/>
-              </p:ext>
-            </p:extLst>
-          </p:nvPr>
-        </p:nvGraphicFramePr>
-        <p:xfrm>
-          <a:off x="2415343" y="2926081"/>
-          <a:ext cx="4955421" cy="3506949"/>
-        </p:xfrm>
-        <a:graphic>
-          <a:graphicData uri="http://schemas.openxmlformats.org/drawingml/2006/table">
-            <a:tbl>
-              <a:tblPr firstRow="1" bandRow="1">
-                <a:tableStyleId>{7DF18680-E054-41AD-8BC1-D1AEF772440D}</a:tableStyleId>
-              </a:tblPr>
-              <a:tblGrid>
-                <a:gridCol w="1171767"/>
-                <a:gridCol w="1278458"/>
-                <a:gridCol w="2505196"/>
-              </a:tblGrid>
-              <a:tr h="702790">
-                <a:tc>
-                  <a:txBody>
-                    <a:bodyPr/>
-                    <a:lstStyle/>
-                    <a:p>
-                      <a:pPr algn="ctr"/>
-                      <a:r>
-                        <a:rPr lang="en-US" sz="2800" b="0" dirty="0" smtClean="0">
-                          <a:solidFill>
-                            <a:schemeClr val="tx1"/>
-                          </a:solidFill>
-                          <a:latin typeface="Comic Sans MS" pitchFamily="66" charset="0"/>
-                        </a:rPr>
-                        <a:t>P</a:t>
-                      </a:r>
-                      <a:endParaRPr lang="en-US" sz="2800" b="0" dirty="0">
-                        <a:solidFill>
-                          <a:schemeClr val="tx1"/>
-                        </a:solidFill>
-                        <a:latin typeface="Comic Sans MS" pitchFamily="66" charset="0"/>
-                      </a:endParaRPr>
-                    </a:p>
-                  </a:txBody>
-                  <a:tcPr marL="137160" marR="137160" marT="137160" marB="137160">
-                    <a:lnL w="12700" cap="flat" cmpd="sng" algn="ctr">
-                      <a:solidFill>
-                        <a:schemeClr val="tx1"/>
-                      </a:solidFill>
-                      <a:prstDash val="solid"/>
-                      <a:round/>
-                      <a:headEnd type="none" w="med" len="med"/>
-                      <a:tailEnd type="none" w="med" len="med"/>
-                    </a:lnL>
-                    <a:lnR w="12700" cap="flat" cmpd="sng" algn="ctr">
-                      <a:solidFill>
-                        <a:schemeClr val="tx1"/>
-                      </a:solidFill>
-                      <a:prstDash val="solid"/>
-                      <a:round/>
-                      <a:headEnd type="none" w="med" len="med"/>
-                      <a:tailEnd type="none" w="med" len="med"/>
-                    </a:lnR>
-                    <a:lnT w="12700" cap="flat" cmpd="sng" algn="ctr">
-                      <a:solidFill>
-                        <a:schemeClr val="tx1"/>
-                      </a:solidFill>
-                      <a:prstDash val="solid"/>
-                      <a:round/>
-                      <a:headEnd type="none" w="med" len="med"/>
-                      <a:tailEnd type="none" w="med" len="med"/>
-                    </a:lnT>
-                    <a:lnB w="12700" cap="flat" cmpd="sng" algn="ctr">
-                      <a:solidFill>
-                        <a:schemeClr val="tx1"/>
-                      </a:solidFill>
-                      <a:prstDash val="solid"/>
-                      <a:round/>
-                      <a:headEnd type="none" w="med" len="med"/>
-                      <a:tailEnd type="none" w="med" len="med"/>
-                    </a:lnB>
-                  </a:tcPr>
-                </a:tc>
-                <a:tc>
-                  <a:txBody>
-                    <a:bodyPr/>
-                    <a:lstStyle/>
-                    <a:p>
-                      <a:pPr algn="ctr"/>
-                      <a:r>
-                        <a:rPr lang="en-US" sz="2800" b="0" dirty="0" smtClean="0">
-                          <a:solidFill>
-                            <a:schemeClr val="tx1"/>
-                          </a:solidFill>
-                          <a:latin typeface="Comic Sans MS" pitchFamily="66" charset="0"/>
-                        </a:rPr>
-                        <a:t>Q</a:t>
-                      </a:r>
-                      <a:endParaRPr lang="en-US" sz="2800" b="0" dirty="0">
-                        <a:solidFill>
-                          <a:schemeClr val="tx1"/>
-                        </a:solidFill>
-                        <a:latin typeface="Comic Sans MS" pitchFamily="66" charset="0"/>
-                      </a:endParaRPr>
-                    </a:p>
-                  </a:txBody>
-                  <a:tcPr marL="137160" marR="137160" marT="137160" marB="137160">
-                    <a:lnL w="12700" cap="flat" cmpd="sng" algn="ctr">
-                      <a:solidFill>
-                        <a:schemeClr val="tx1"/>
-                      </a:solidFill>
-                      <a:prstDash val="solid"/>
-                      <a:round/>
-                      <a:headEnd type="none" w="med" len="med"/>
-                      <a:tailEnd type="none" w="med" len="med"/>
-                    </a:lnL>
-                    <a:lnR w="12700" cap="flat" cmpd="sng" algn="ctr">
-                      <a:solidFill>
-                        <a:schemeClr val="tx1"/>
-                      </a:solidFill>
-                      <a:prstDash val="solid"/>
-                      <a:round/>
-                      <a:headEnd type="none" w="med" len="med"/>
-                      <a:tailEnd type="none" w="med" len="med"/>
-                    </a:lnR>
-                    <a:lnT w="12700" cap="flat" cmpd="sng" algn="ctr">
-                      <a:solidFill>
-                        <a:schemeClr val="tx1"/>
-                      </a:solidFill>
-                      <a:prstDash val="solid"/>
-                      <a:round/>
-                      <a:headEnd type="none" w="med" len="med"/>
-                      <a:tailEnd type="none" w="med" len="med"/>
-                    </a:lnT>
-                    <a:lnB w="12700" cap="flat" cmpd="sng" algn="ctr">
-                      <a:solidFill>
-                        <a:schemeClr val="tx1"/>
-                      </a:solidFill>
-                      <a:prstDash val="solid"/>
-                      <a:round/>
-                      <a:headEnd type="none" w="med" len="med"/>
-                      <a:tailEnd type="none" w="med" len="med"/>
-                    </a:lnB>
-                  </a:tcPr>
-                </a:tc>
-                <a:tc>
-                  <a:txBody>
-                    <a:bodyPr/>
-                    <a:lstStyle/>
-                    <a:p>
-                      <a:pPr marL="0" marR="0" indent="0" algn="ctr" defTabSz="914400" rtl="0" eaLnBrk="1" fontAlgn="auto" latinLnBrk="0" hangingPunct="1">
-                        <a:lnSpc>
-                          <a:spcPct val="100000"/>
-                        </a:lnSpc>
-                        <a:spcBef>
-                          <a:spcPts val="0"/>
-                        </a:spcBef>
-                        <a:spcAft>
-                          <a:spcPts val="0"/>
-                        </a:spcAft>
-                        <a:buClrTx/>
-                        <a:buSzTx/>
-                        <a:buFontTx/>
-                        <a:buNone/>
-                        <a:tabLst/>
-                        <a:defRPr/>
-                      </a:pPr>
-                      <a:r>
-                        <a:rPr lang="en-US" sz="2800" b="0" baseline="0" dirty="0" smtClean="0">
-                          <a:solidFill>
-                            <a:schemeClr val="tx1"/>
-                          </a:solidFill>
-                          <a:latin typeface="Comic Sans MS" pitchFamily="66" charset="0"/>
-                        </a:rPr>
-                        <a:t>P </a:t>
-                      </a:r>
-                      <a:r>
-                        <a:rPr lang="en-US" sz="2400" b="0" baseline="0" dirty="0" smtClean="0">
-                          <a:solidFill>
-                            <a:schemeClr val="accent1">
-                              <a:lumMod val="50000"/>
-                            </a:schemeClr>
-                          </a:solidFill>
-                          <a:latin typeface="Comic Sans MS" pitchFamily="66" charset="0"/>
-                        </a:rPr>
-                        <a:t>IMPLIES </a:t>
-                      </a:r>
-                      <a:r>
-                        <a:rPr lang="en-US" sz="2800" b="0" baseline="0" dirty="0" smtClean="0">
-                          <a:solidFill>
-                            <a:schemeClr val="tx1"/>
-                          </a:solidFill>
-                          <a:latin typeface="Comic Sans MS" pitchFamily="66" charset="0"/>
-                        </a:rPr>
-                        <a:t>Q</a:t>
-                      </a:r>
-                      <a:endParaRPr lang="en-US" sz="2800" b="0" dirty="0">
-                        <a:solidFill>
-                          <a:schemeClr val="tx1"/>
-                        </a:solidFill>
-                        <a:latin typeface="Comic Sans MS" pitchFamily="66" charset="0"/>
-                      </a:endParaRPr>
-                    </a:p>
-                  </a:txBody>
-                  <a:tcPr marL="137160" marR="137160" marT="137160" marB="137160">
-                    <a:lnL w="12700" cap="flat" cmpd="sng" algn="ctr">
-                      <a:solidFill>
-                        <a:schemeClr val="tx1"/>
-                      </a:solidFill>
-                      <a:prstDash val="solid"/>
-                      <a:round/>
-                      <a:headEnd type="none" w="med" len="med"/>
-                      <a:tailEnd type="none" w="med" len="med"/>
-                    </a:lnL>
-                    <a:lnR w="12700" cap="flat" cmpd="sng" algn="ctr">
-                      <a:solidFill>
-                        <a:schemeClr val="tx1"/>
-                      </a:solidFill>
-                      <a:prstDash val="solid"/>
-                      <a:round/>
-                      <a:headEnd type="none" w="med" len="med"/>
-                      <a:tailEnd type="none" w="med" len="med"/>
-                    </a:lnR>
-                    <a:lnT w="12700" cap="flat" cmpd="sng" algn="ctr">
-                      <a:solidFill>
-                        <a:schemeClr val="tx1"/>
-                      </a:solidFill>
-                      <a:prstDash val="solid"/>
-                      <a:round/>
-                      <a:headEnd type="none" w="med" len="med"/>
-                      <a:tailEnd type="none" w="med" len="med"/>
-                    </a:lnT>
-                    <a:lnB w="12700" cap="flat" cmpd="sng" algn="ctr">
-                      <a:solidFill>
-                        <a:schemeClr val="tx1"/>
-                      </a:solidFill>
-                      <a:prstDash val="solid"/>
-                      <a:round/>
-                      <a:headEnd type="none" w="med" len="med"/>
-                      <a:tailEnd type="none" w="med" len="med"/>
-                    </a:lnB>
-                  </a:tcPr>
-                </a:tc>
-              </a:tr>
-              <a:tr h="699018">
-                <a:tc>
-                  <a:txBody>
-                    <a:bodyPr/>
-                    <a:lstStyle/>
-                    <a:p>
-                      <a:pPr algn="ctr"/>
-                      <a:r>
-                        <a:rPr lang="en-US" sz="2800" b="0" dirty="0" smtClean="0">
-                          <a:solidFill>
-                            <a:srgbClr val="33CC33"/>
-                          </a:solidFill>
-                          <a:latin typeface="Comic Sans MS" pitchFamily="66" charset="0"/>
-                        </a:rPr>
-                        <a:t>T</a:t>
-                      </a:r>
-                      <a:endParaRPr lang="en-US" sz="2800" b="0" dirty="0">
-                        <a:solidFill>
-                          <a:srgbClr val="33CC33"/>
-                        </a:solidFill>
-                        <a:latin typeface="Comic Sans MS" pitchFamily="66" charset="0"/>
-                      </a:endParaRPr>
-                    </a:p>
-                  </a:txBody>
-                  <a:tcPr marL="137160" marR="137160" marT="137160" marB="137160">
-                    <a:lnL w="12700" cap="flat" cmpd="sng" algn="ctr">
-                      <a:solidFill>
-                        <a:schemeClr val="tx1"/>
-                      </a:solidFill>
-                      <a:prstDash val="solid"/>
-                      <a:round/>
-                      <a:headEnd type="none" w="med" len="med"/>
-                      <a:tailEnd type="none" w="med" len="med"/>
-                    </a:lnL>
-                    <a:lnR w="12700" cap="flat" cmpd="sng" algn="ctr">
-                      <a:solidFill>
-                        <a:schemeClr val="tx1"/>
-                      </a:solidFill>
-                      <a:prstDash val="solid"/>
-                      <a:round/>
-                      <a:headEnd type="none" w="med" len="med"/>
-                      <a:tailEnd type="none" w="med" len="med"/>
-                    </a:lnR>
-                    <a:lnT w="12700" cap="flat" cmpd="sng" algn="ctr">
-                      <a:solidFill>
-                        <a:schemeClr val="tx1"/>
-                      </a:solidFill>
-                      <a:prstDash val="solid"/>
-                      <a:round/>
-                      <a:headEnd type="none" w="med" len="med"/>
-                      <a:tailEnd type="none" w="med" len="med"/>
-                    </a:lnT>
-                    <a:lnB w="12700" cap="flat" cmpd="sng" algn="ctr">
-                      <a:solidFill>
-                        <a:schemeClr val="tx1"/>
-                      </a:solidFill>
-                      <a:prstDash val="solid"/>
-                      <a:round/>
-                      <a:headEnd type="none" w="med" len="med"/>
-                      <a:tailEnd type="none" w="med" len="med"/>
-                    </a:lnB>
-                  </a:tcPr>
-                </a:tc>
-                <a:tc>
-                  <a:txBody>
-                    <a:bodyPr/>
-                    <a:lstStyle/>
-                    <a:p>
-                      <a:pPr algn="ctr"/>
-                      <a:r>
-                        <a:rPr lang="en-US" sz="2800" b="0" dirty="0" smtClean="0">
-                          <a:solidFill>
-                            <a:srgbClr val="33CC33"/>
-                          </a:solidFill>
-                          <a:latin typeface="Comic Sans MS" pitchFamily="66" charset="0"/>
-                        </a:rPr>
-                        <a:t>T</a:t>
-                      </a:r>
-                      <a:endParaRPr lang="en-US" sz="2800" b="0" dirty="0">
-                        <a:solidFill>
-                          <a:srgbClr val="33CC33"/>
-                        </a:solidFill>
-                        <a:latin typeface="Comic Sans MS" pitchFamily="66" charset="0"/>
-                      </a:endParaRPr>
-                    </a:p>
-                  </a:txBody>
-                  <a:tcPr marL="137160" marR="137160" marT="137160" marB="137160">
-                    <a:lnL w="12700" cap="flat" cmpd="sng" algn="ctr">
-                      <a:solidFill>
-                        <a:schemeClr val="tx1"/>
-                      </a:solidFill>
-                      <a:prstDash val="solid"/>
-                      <a:round/>
-                      <a:headEnd type="none" w="med" len="med"/>
-                      <a:tailEnd type="none" w="med" len="med"/>
-                    </a:lnL>
-                    <a:lnR w="12700" cap="flat" cmpd="sng" algn="ctr">
-                      <a:solidFill>
-                        <a:schemeClr val="tx1"/>
-                      </a:solidFill>
-                      <a:prstDash val="solid"/>
-                      <a:round/>
-                      <a:headEnd type="none" w="med" len="med"/>
-                      <a:tailEnd type="none" w="med" len="med"/>
-                    </a:lnR>
-                    <a:lnT w="12700" cap="flat" cmpd="sng" algn="ctr">
-                      <a:solidFill>
-                        <a:schemeClr val="tx1"/>
-                      </a:solidFill>
-                      <a:prstDash val="solid"/>
-                      <a:round/>
-                      <a:headEnd type="none" w="med" len="med"/>
-                      <a:tailEnd type="none" w="med" len="med"/>
-                    </a:lnT>
-                    <a:lnB w="12700" cap="flat" cmpd="sng" algn="ctr">
-                      <a:solidFill>
-                        <a:schemeClr val="tx1"/>
-                      </a:solidFill>
-                      <a:prstDash val="solid"/>
-                      <a:round/>
-                      <a:headEnd type="none" w="med" len="med"/>
-                      <a:tailEnd type="none" w="med" len="med"/>
-                    </a:lnB>
-                  </a:tcPr>
-                </a:tc>
-                <a:tc>
-                  <a:txBody>
-                    <a:bodyPr/>
-                    <a:lstStyle/>
-                    <a:p>
-                      <a:pPr algn="ctr"/>
-                      <a:r>
-                        <a:rPr lang="en-US" sz="2800" b="0" dirty="0" smtClean="0">
-                          <a:solidFill>
-                            <a:srgbClr val="33CC33"/>
-                          </a:solidFill>
-                          <a:latin typeface="Comic Sans MS" pitchFamily="66" charset="0"/>
-                        </a:rPr>
-                        <a:t>T</a:t>
-                      </a:r>
-                      <a:endParaRPr lang="en-US" sz="2800" b="0" dirty="0">
-                        <a:solidFill>
-                          <a:srgbClr val="33CC33"/>
-                        </a:solidFill>
-                        <a:latin typeface="Comic Sans MS" pitchFamily="66" charset="0"/>
-                      </a:endParaRPr>
-                    </a:p>
-                  </a:txBody>
-                  <a:tcPr marL="137160" marR="137160" marT="137160" marB="137160" anchor="ctr" anchorCtr="1">
-                    <a:lnL w="12700" cap="flat" cmpd="sng" algn="ctr">
-                      <a:solidFill>
-                        <a:schemeClr val="tx1"/>
-                      </a:solidFill>
-                      <a:prstDash val="solid"/>
-                      <a:round/>
-                      <a:headEnd type="none" w="med" len="med"/>
-                      <a:tailEnd type="none" w="med" len="med"/>
-                    </a:lnL>
-                    <a:lnR w="12700" cap="flat" cmpd="sng" algn="ctr">
-                      <a:solidFill>
-                        <a:schemeClr val="tx1"/>
-                      </a:solidFill>
-                      <a:prstDash val="solid"/>
-                      <a:round/>
-                      <a:headEnd type="none" w="med" len="med"/>
-                      <a:tailEnd type="none" w="med" len="med"/>
-                    </a:lnR>
-                    <a:lnT w="12700" cap="flat" cmpd="sng" algn="ctr">
-                      <a:solidFill>
-                        <a:schemeClr val="tx1"/>
-                      </a:solidFill>
-                      <a:prstDash val="solid"/>
-                      <a:round/>
-                      <a:headEnd type="none" w="med" len="med"/>
-                      <a:tailEnd type="none" w="med" len="med"/>
-                    </a:lnT>
-                    <a:lnB w="12700" cap="flat" cmpd="sng" algn="ctr">
-                      <a:solidFill>
-                        <a:schemeClr val="tx1"/>
-                      </a:solidFill>
-                      <a:prstDash val="solid"/>
-                      <a:round/>
-                      <a:headEnd type="none" w="med" len="med"/>
-                      <a:tailEnd type="none" w="med" len="med"/>
-                    </a:lnB>
-                    <a:solidFill>
-                      <a:schemeClr val="accent5">
-                        <a:tint val="40000"/>
-                      </a:schemeClr>
-                    </a:solidFill>
-                  </a:tcPr>
-                </a:tc>
-              </a:tr>
-              <a:tr h="699018">
-                <a:tc>
-                  <a:txBody>
-                    <a:bodyPr/>
-                    <a:lstStyle/>
-                    <a:p>
-                      <a:pPr algn="ctr"/>
-                      <a:r>
-                        <a:rPr lang="en-US" sz="2800" b="0" dirty="0" smtClean="0">
-                          <a:solidFill>
-                            <a:srgbClr val="33CC33"/>
-                          </a:solidFill>
-                          <a:latin typeface="Comic Sans MS" pitchFamily="66" charset="0"/>
-                        </a:rPr>
-                        <a:t>T</a:t>
-                      </a:r>
-                      <a:endParaRPr lang="en-US" sz="2800" b="0" dirty="0">
-                        <a:solidFill>
-                          <a:srgbClr val="33CC33"/>
-                        </a:solidFill>
-                        <a:latin typeface="Comic Sans MS" pitchFamily="66" charset="0"/>
-                      </a:endParaRPr>
-                    </a:p>
-                  </a:txBody>
-                  <a:tcPr marL="137160" marR="137160" marT="137160" marB="137160">
-                    <a:lnL w="12700" cap="flat" cmpd="sng" algn="ctr">
-                      <a:solidFill>
-                        <a:schemeClr val="tx1"/>
-                      </a:solidFill>
-                      <a:prstDash val="solid"/>
-                      <a:round/>
-                      <a:headEnd type="none" w="med" len="med"/>
-                      <a:tailEnd type="none" w="med" len="med"/>
-                    </a:lnL>
-                    <a:lnR w="12700" cap="flat" cmpd="sng" algn="ctr">
-                      <a:solidFill>
-                        <a:schemeClr val="tx1"/>
-                      </a:solidFill>
-                      <a:prstDash val="solid"/>
-                      <a:round/>
-                      <a:headEnd type="none" w="med" len="med"/>
-                      <a:tailEnd type="none" w="med" len="med"/>
-                    </a:lnR>
-                    <a:lnT w="12700" cap="flat" cmpd="sng" algn="ctr">
-                      <a:solidFill>
-                        <a:schemeClr val="tx1"/>
-                      </a:solidFill>
-                      <a:prstDash val="solid"/>
-                      <a:round/>
-                      <a:headEnd type="none" w="med" len="med"/>
-                      <a:tailEnd type="none" w="med" len="med"/>
-                    </a:lnT>
-                    <a:lnB w="12700" cap="flat" cmpd="sng" algn="ctr">
-                      <a:solidFill>
-                        <a:schemeClr val="tx1"/>
-                      </a:solidFill>
-                      <a:prstDash val="solid"/>
-                      <a:round/>
-                      <a:headEnd type="none" w="med" len="med"/>
-                      <a:tailEnd type="none" w="med" len="med"/>
-                    </a:lnB>
-                  </a:tcPr>
-                </a:tc>
-                <a:tc>
-                  <a:txBody>
-                    <a:bodyPr/>
-                    <a:lstStyle/>
-                    <a:p>
-                      <a:pPr algn="ctr"/>
-                      <a:r>
-                        <a:rPr lang="en-US" sz="2800" b="0" dirty="0" smtClean="0">
-                          <a:solidFill>
-                            <a:srgbClr val="C00000"/>
-                          </a:solidFill>
-                          <a:latin typeface="Comic Sans MS" pitchFamily="66" charset="0"/>
-                        </a:rPr>
-                        <a:t>F</a:t>
-                      </a:r>
-                      <a:endParaRPr lang="en-US" sz="2800" b="0" dirty="0">
-                        <a:solidFill>
-                          <a:srgbClr val="C00000"/>
-                        </a:solidFill>
-                        <a:latin typeface="Comic Sans MS" pitchFamily="66" charset="0"/>
-                      </a:endParaRPr>
-                    </a:p>
-                  </a:txBody>
-                  <a:tcPr marL="137160" marR="137160" marT="137160" marB="137160">
-                    <a:lnL w="12700" cap="flat" cmpd="sng" algn="ctr">
-                      <a:solidFill>
-                        <a:schemeClr val="tx1"/>
-                      </a:solidFill>
-                      <a:prstDash val="solid"/>
-                      <a:round/>
-                      <a:headEnd type="none" w="med" len="med"/>
-                      <a:tailEnd type="none" w="med" len="med"/>
-                    </a:lnL>
-                    <a:lnR w="12700" cap="flat" cmpd="sng" algn="ctr">
-                      <a:solidFill>
-                        <a:schemeClr val="tx1"/>
-                      </a:solidFill>
-                      <a:prstDash val="solid"/>
-                      <a:round/>
-                      <a:headEnd type="none" w="med" len="med"/>
-                      <a:tailEnd type="none" w="med" len="med"/>
-                    </a:lnR>
-                    <a:lnT w="12700" cap="flat" cmpd="sng" algn="ctr">
-                      <a:solidFill>
-                        <a:schemeClr val="tx1"/>
-                      </a:solidFill>
-                      <a:prstDash val="solid"/>
-                      <a:round/>
-                      <a:headEnd type="none" w="med" len="med"/>
-                      <a:tailEnd type="none" w="med" len="med"/>
-                    </a:lnT>
-                    <a:lnB w="12700" cap="flat" cmpd="sng" algn="ctr">
-                      <a:solidFill>
-                        <a:schemeClr val="tx1"/>
-                      </a:solidFill>
-                      <a:prstDash val="solid"/>
-                      <a:round/>
-                      <a:headEnd type="none" w="med" len="med"/>
-                      <a:tailEnd type="none" w="med" len="med"/>
-                    </a:lnB>
-                  </a:tcPr>
-                </a:tc>
-                <a:tc>
-                  <a:txBody>
-                    <a:bodyPr/>
-                    <a:lstStyle/>
-                    <a:p>
-                      <a:pPr algn="ctr"/>
-                      <a:r>
-                        <a:rPr lang="en-US" sz="2800" b="0" dirty="0" smtClean="0">
-                          <a:solidFill>
-                            <a:srgbClr val="C00000"/>
-                          </a:solidFill>
-                          <a:latin typeface="Comic Sans MS" pitchFamily="66" charset="0"/>
-                        </a:rPr>
-                        <a:t>F</a:t>
-                      </a:r>
-                      <a:endParaRPr lang="en-US" sz="2800" b="0" dirty="0">
-                        <a:solidFill>
-                          <a:srgbClr val="C00000"/>
-                        </a:solidFill>
-                        <a:latin typeface="Comic Sans MS" pitchFamily="66" charset="0"/>
-                      </a:endParaRPr>
-                    </a:p>
-                  </a:txBody>
-                  <a:tcPr marL="137160" marR="137160" marT="137160" marB="137160">
-                    <a:lnL w="12700" cap="flat" cmpd="sng" algn="ctr">
-                      <a:solidFill>
-                        <a:schemeClr val="tx1"/>
-                      </a:solidFill>
-                      <a:prstDash val="solid"/>
-                      <a:round/>
-                      <a:headEnd type="none" w="med" len="med"/>
-                      <a:tailEnd type="none" w="med" len="med"/>
-                    </a:lnL>
-                    <a:lnR w="12700" cap="flat" cmpd="sng" algn="ctr">
-                      <a:solidFill>
-                        <a:schemeClr val="tx1"/>
-                      </a:solidFill>
-                      <a:prstDash val="solid"/>
-                      <a:round/>
-                      <a:headEnd type="none" w="med" len="med"/>
-                      <a:tailEnd type="none" w="med" len="med"/>
-                    </a:lnR>
-                    <a:lnT w="12700" cap="flat" cmpd="sng" algn="ctr">
-                      <a:solidFill>
-                        <a:schemeClr val="tx1"/>
-                      </a:solidFill>
-                      <a:prstDash val="solid"/>
-                      <a:round/>
-                      <a:headEnd type="none" w="med" len="med"/>
-                      <a:tailEnd type="none" w="med" len="med"/>
-                    </a:lnT>
-                    <a:lnB w="12700" cap="flat" cmpd="sng" algn="ctr">
-                      <a:solidFill>
-                        <a:schemeClr val="tx1"/>
-                      </a:solidFill>
-                      <a:prstDash val="solid"/>
-                      <a:round/>
-                      <a:headEnd type="none" w="med" len="med"/>
-                      <a:tailEnd type="none" w="med" len="med"/>
-                    </a:lnB>
-                  </a:tcPr>
-                </a:tc>
-              </a:tr>
-              <a:tr h="699018">
-                <a:tc>
-                  <a:txBody>
-                    <a:bodyPr/>
-                    <a:lstStyle/>
-                    <a:p>
-                      <a:pPr algn="ctr"/>
-                      <a:r>
-                        <a:rPr lang="en-US" sz="2800" b="0" dirty="0" smtClean="0">
-                          <a:solidFill>
-                            <a:srgbClr val="C00000"/>
-                          </a:solidFill>
-                          <a:latin typeface="Comic Sans MS" pitchFamily="66" charset="0"/>
-                        </a:rPr>
-                        <a:t>F</a:t>
-                      </a:r>
-                      <a:endParaRPr lang="en-US" sz="2800" b="0" dirty="0">
-                        <a:solidFill>
-                          <a:srgbClr val="C00000"/>
-                        </a:solidFill>
-                        <a:latin typeface="Comic Sans MS" pitchFamily="66" charset="0"/>
-                      </a:endParaRPr>
-                    </a:p>
-                  </a:txBody>
-                  <a:tcPr marL="137160" marR="137160" marT="137160" marB="137160">
-                    <a:lnL w="12700" cap="flat" cmpd="sng" algn="ctr">
-                      <a:solidFill>
-                        <a:schemeClr val="tx1"/>
-                      </a:solidFill>
-                      <a:prstDash val="solid"/>
-                      <a:round/>
-                      <a:headEnd type="none" w="med" len="med"/>
-                      <a:tailEnd type="none" w="med" len="med"/>
-                    </a:lnL>
-                    <a:lnR w="12700" cap="flat" cmpd="sng" algn="ctr">
-                      <a:solidFill>
-                        <a:schemeClr val="tx1"/>
-                      </a:solidFill>
-                      <a:prstDash val="solid"/>
-                      <a:round/>
-                      <a:headEnd type="none" w="med" len="med"/>
-                      <a:tailEnd type="none" w="med" len="med"/>
-                    </a:lnR>
-                    <a:lnT w="12700" cap="flat" cmpd="sng" algn="ctr">
-                      <a:solidFill>
-                        <a:schemeClr val="tx1"/>
-                      </a:solidFill>
-                      <a:prstDash val="solid"/>
-                      <a:round/>
-                      <a:headEnd type="none" w="med" len="med"/>
-                      <a:tailEnd type="none" w="med" len="med"/>
-                    </a:lnT>
-                    <a:lnB w="12700" cap="flat" cmpd="sng" algn="ctr">
-                      <a:solidFill>
-                        <a:schemeClr val="tx1"/>
-                      </a:solidFill>
-                      <a:prstDash val="solid"/>
-                      <a:round/>
-                      <a:headEnd type="none" w="med" len="med"/>
-                      <a:tailEnd type="none" w="med" len="med"/>
-                    </a:lnB>
-                  </a:tcPr>
-                </a:tc>
-                <a:tc>
-                  <a:txBody>
-                    <a:bodyPr/>
-                    <a:lstStyle/>
-                    <a:p>
-                      <a:pPr algn="ctr"/>
-                      <a:r>
-                        <a:rPr lang="en-US" sz="2800" b="0" dirty="0" smtClean="0">
-                          <a:solidFill>
-                            <a:srgbClr val="33CC33"/>
-                          </a:solidFill>
-                          <a:latin typeface="Comic Sans MS" pitchFamily="66" charset="0"/>
-                        </a:rPr>
-                        <a:t>T</a:t>
-                      </a:r>
-                      <a:endParaRPr lang="en-US" sz="2800" b="0" dirty="0">
-                        <a:solidFill>
-                          <a:srgbClr val="33CC33"/>
-                        </a:solidFill>
-                        <a:latin typeface="Comic Sans MS" pitchFamily="66" charset="0"/>
-                      </a:endParaRPr>
-                    </a:p>
-                  </a:txBody>
-                  <a:tcPr marL="137160" marR="137160" marT="137160" marB="137160">
-                    <a:lnL w="12700" cap="flat" cmpd="sng" algn="ctr">
-                      <a:solidFill>
-                        <a:schemeClr val="tx1"/>
-                      </a:solidFill>
-                      <a:prstDash val="solid"/>
-                      <a:round/>
-                      <a:headEnd type="none" w="med" len="med"/>
-                      <a:tailEnd type="none" w="med" len="med"/>
-                    </a:lnL>
-                    <a:lnR w="12700" cap="flat" cmpd="sng" algn="ctr">
-                      <a:solidFill>
-                        <a:schemeClr val="tx1"/>
-                      </a:solidFill>
-                      <a:prstDash val="solid"/>
-                      <a:round/>
-                      <a:headEnd type="none" w="med" len="med"/>
-                      <a:tailEnd type="none" w="med" len="med"/>
-                    </a:lnR>
-                    <a:lnT w="12700" cap="flat" cmpd="sng" algn="ctr">
-                      <a:solidFill>
-                        <a:schemeClr val="tx1"/>
-                      </a:solidFill>
-                      <a:prstDash val="solid"/>
-                      <a:round/>
-                      <a:headEnd type="none" w="med" len="med"/>
-                      <a:tailEnd type="none" w="med" len="med"/>
-                    </a:lnT>
-                    <a:lnB w="12700" cap="flat" cmpd="sng" algn="ctr">
-                      <a:solidFill>
-                        <a:schemeClr val="tx1"/>
-                      </a:solidFill>
-                      <a:prstDash val="solid"/>
-                      <a:round/>
-                      <a:headEnd type="none" w="med" len="med"/>
-                      <a:tailEnd type="none" w="med" len="med"/>
-                    </a:lnB>
-                  </a:tcPr>
-                </a:tc>
-                <a:tc>
-                  <a:txBody>
-                    <a:bodyPr/>
-                    <a:lstStyle/>
-                    <a:p>
-                      <a:pPr algn="ctr"/>
-                      <a:r>
-                        <a:rPr lang="en-US" sz="2800" b="0" dirty="0" smtClean="0">
-                          <a:solidFill>
-                            <a:srgbClr val="33CC33"/>
-                          </a:solidFill>
-                          <a:latin typeface="Comic Sans MS" pitchFamily="66" charset="0"/>
-                        </a:rPr>
-                        <a:t>T</a:t>
-                      </a:r>
-                      <a:endParaRPr lang="en-US" sz="2800" b="0" dirty="0">
-                        <a:solidFill>
-                          <a:srgbClr val="33CC33"/>
-                        </a:solidFill>
-                        <a:latin typeface="Comic Sans MS" pitchFamily="66" charset="0"/>
-                      </a:endParaRPr>
-                    </a:p>
-                  </a:txBody>
-                  <a:tcPr marL="137160" marR="137160" marT="137160" marB="137160">
-                    <a:lnL w="12700" cap="flat" cmpd="sng" algn="ctr">
-                      <a:solidFill>
-                        <a:schemeClr val="tx1"/>
-                      </a:solidFill>
-                      <a:prstDash val="solid"/>
-                      <a:round/>
-                      <a:headEnd type="none" w="med" len="med"/>
-                      <a:tailEnd type="none" w="med" len="med"/>
-                    </a:lnL>
-                    <a:lnR w="12700" cap="flat" cmpd="sng" algn="ctr">
-                      <a:solidFill>
-                        <a:schemeClr val="tx1"/>
-                      </a:solidFill>
-                      <a:prstDash val="solid"/>
-                      <a:round/>
-                      <a:headEnd type="none" w="med" len="med"/>
-                      <a:tailEnd type="none" w="med" len="med"/>
-                    </a:lnR>
-                    <a:lnT w="12700" cap="flat" cmpd="sng" algn="ctr">
-                      <a:solidFill>
-                        <a:schemeClr val="tx1"/>
-                      </a:solidFill>
-                      <a:prstDash val="solid"/>
-                      <a:round/>
-                      <a:headEnd type="none" w="med" len="med"/>
-                      <a:tailEnd type="none" w="med" len="med"/>
-                    </a:lnT>
-                    <a:lnB w="12700" cap="flat" cmpd="sng" algn="ctr">
-                      <a:solidFill>
-                        <a:schemeClr val="tx1"/>
-                      </a:solidFill>
-                      <a:prstDash val="solid"/>
-                      <a:round/>
-                      <a:headEnd type="none" w="med" len="med"/>
-                      <a:tailEnd type="none" w="med" len="med"/>
-                    </a:lnB>
-                  </a:tcPr>
-                </a:tc>
-              </a:tr>
-              <a:tr h="699018">
-                <a:tc>
-                  <a:txBody>
-                    <a:bodyPr/>
-                    <a:lstStyle/>
-                    <a:p>
-                      <a:pPr algn="ctr"/>
-                      <a:r>
-                        <a:rPr lang="en-US" sz="2800" b="0" dirty="0" smtClean="0">
-                          <a:solidFill>
-                            <a:srgbClr val="C00000"/>
-                          </a:solidFill>
-                          <a:latin typeface="Comic Sans MS" pitchFamily="66" charset="0"/>
-                        </a:rPr>
-                        <a:t>F</a:t>
-                      </a:r>
-                      <a:endParaRPr lang="en-US" sz="2800" b="0" dirty="0">
-                        <a:solidFill>
-                          <a:srgbClr val="C00000"/>
-                        </a:solidFill>
-                        <a:latin typeface="Comic Sans MS" pitchFamily="66" charset="0"/>
-                      </a:endParaRPr>
-                    </a:p>
-                  </a:txBody>
-                  <a:tcPr marL="137160" marR="137160" marT="137160" marB="137160">
-                    <a:lnL w="12700" cap="flat" cmpd="sng" algn="ctr">
-                      <a:solidFill>
-                        <a:schemeClr val="tx1"/>
-                      </a:solidFill>
-                      <a:prstDash val="solid"/>
-                      <a:round/>
-                      <a:headEnd type="none" w="med" len="med"/>
-                      <a:tailEnd type="none" w="med" len="med"/>
-                    </a:lnL>
-                    <a:lnR w="12700" cap="flat" cmpd="sng" algn="ctr">
-                      <a:solidFill>
-                        <a:schemeClr val="tx1"/>
-                      </a:solidFill>
-                      <a:prstDash val="solid"/>
-                      <a:round/>
-                      <a:headEnd type="none" w="med" len="med"/>
-                      <a:tailEnd type="none" w="med" len="med"/>
-                    </a:lnR>
-                    <a:lnT w="12700" cap="flat" cmpd="sng" algn="ctr">
-                      <a:solidFill>
-                        <a:schemeClr val="tx1"/>
-                      </a:solidFill>
-                      <a:prstDash val="solid"/>
-                      <a:round/>
-                      <a:headEnd type="none" w="med" len="med"/>
-                      <a:tailEnd type="none" w="med" len="med"/>
-                    </a:lnT>
-                    <a:lnB w="12700" cap="flat" cmpd="sng" algn="ctr">
-                      <a:solidFill>
-                        <a:schemeClr val="tx1"/>
-                      </a:solidFill>
-                      <a:prstDash val="solid"/>
-                      <a:round/>
-                      <a:headEnd type="none" w="med" len="med"/>
-                      <a:tailEnd type="none" w="med" len="med"/>
-                    </a:lnB>
-                  </a:tcPr>
-                </a:tc>
-                <a:tc>
-                  <a:txBody>
-                    <a:bodyPr/>
-                    <a:lstStyle/>
-                    <a:p>
-                      <a:pPr algn="ctr"/>
-                      <a:r>
-                        <a:rPr lang="en-US" sz="2800" b="0" dirty="0" smtClean="0">
-                          <a:solidFill>
-                            <a:srgbClr val="C00000"/>
-                          </a:solidFill>
-                          <a:latin typeface="Comic Sans MS" pitchFamily="66" charset="0"/>
-                        </a:rPr>
-                        <a:t>F</a:t>
-                      </a:r>
-                      <a:endParaRPr lang="en-US" sz="2800" b="0" dirty="0">
-                        <a:solidFill>
-                          <a:srgbClr val="C00000"/>
-                        </a:solidFill>
-                        <a:latin typeface="Comic Sans MS" pitchFamily="66" charset="0"/>
-                      </a:endParaRPr>
-                    </a:p>
-                  </a:txBody>
-                  <a:tcPr marL="137160" marR="137160" marT="137160" marB="137160">
-                    <a:lnL w="12700" cap="flat" cmpd="sng" algn="ctr">
-                      <a:solidFill>
-                        <a:schemeClr val="tx1"/>
-                      </a:solidFill>
-                      <a:prstDash val="solid"/>
-                      <a:round/>
-                      <a:headEnd type="none" w="med" len="med"/>
-                      <a:tailEnd type="none" w="med" len="med"/>
-                    </a:lnL>
-                    <a:lnR w="12700" cap="flat" cmpd="sng" algn="ctr">
-                      <a:solidFill>
-                        <a:schemeClr val="tx1"/>
-                      </a:solidFill>
-                      <a:prstDash val="solid"/>
-                      <a:round/>
-                      <a:headEnd type="none" w="med" len="med"/>
-                      <a:tailEnd type="none" w="med" len="med"/>
-                    </a:lnR>
-                    <a:lnT w="12700" cap="flat" cmpd="sng" algn="ctr">
-                      <a:solidFill>
-                        <a:schemeClr val="tx1"/>
-                      </a:solidFill>
-                      <a:prstDash val="solid"/>
-                      <a:round/>
-                      <a:headEnd type="none" w="med" len="med"/>
-                      <a:tailEnd type="none" w="med" len="med"/>
-                    </a:lnT>
-                    <a:lnB w="12700" cap="flat" cmpd="sng" algn="ctr">
-                      <a:solidFill>
-                        <a:schemeClr val="tx1"/>
-                      </a:solidFill>
-                      <a:prstDash val="solid"/>
-                      <a:round/>
-                      <a:headEnd type="none" w="med" len="med"/>
-                      <a:tailEnd type="none" w="med" len="med"/>
-                    </a:lnB>
-                  </a:tcPr>
-                </a:tc>
-                <a:tc>
-                  <a:txBody>
-                    <a:bodyPr/>
-                    <a:lstStyle/>
-                    <a:p>
-                      <a:pPr marL="0" marR="0" indent="0" algn="ctr" defTabSz="914400" rtl="0" eaLnBrk="1" fontAlgn="auto" latinLnBrk="0" hangingPunct="1">
-                        <a:lnSpc>
-                          <a:spcPct val="100000"/>
-                        </a:lnSpc>
-                        <a:spcBef>
-                          <a:spcPts val="0"/>
-                        </a:spcBef>
-                        <a:spcAft>
-                          <a:spcPts val="0"/>
-                        </a:spcAft>
-                        <a:buClrTx/>
-                        <a:buSzTx/>
-                        <a:buFontTx/>
-                        <a:buNone/>
-                        <a:tabLst/>
-                        <a:defRPr/>
-                      </a:pPr>
-                      <a:r>
-                        <a:rPr lang="en-US" sz="2800" b="0" dirty="0" smtClean="0">
-                          <a:solidFill>
-                            <a:srgbClr val="33CC33"/>
-                          </a:solidFill>
-                          <a:latin typeface="Comic Sans MS" pitchFamily="66" charset="0"/>
-                        </a:rPr>
-                        <a:t>T</a:t>
-                      </a:r>
-                    </a:p>
-                  </a:txBody>
-                  <a:tcPr marL="137160" marR="137160" marT="137160" marB="137160">
-                    <a:lnL w="12700" cap="flat" cmpd="sng" algn="ctr">
-                      <a:solidFill>
-                        <a:schemeClr val="tx1"/>
-                      </a:solidFill>
-                      <a:prstDash val="solid"/>
-                      <a:round/>
-                      <a:headEnd type="none" w="med" len="med"/>
-                      <a:tailEnd type="none" w="med" len="med"/>
-                    </a:lnL>
-                    <a:lnR w="12700" cap="flat" cmpd="sng" algn="ctr">
-                      <a:solidFill>
-                        <a:schemeClr val="tx1"/>
-                      </a:solidFill>
-                      <a:prstDash val="solid"/>
-                      <a:round/>
-                      <a:headEnd type="none" w="med" len="med"/>
-                      <a:tailEnd type="none" w="med" len="med"/>
-                    </a:lnR>
-                    <a:lnT w="12700" cap="flat" cmpd="sng" algn="ctr">
-                      <a:solidFill>
-                        <a:schemeClr val="tx1"/>
-                      </a:solidFill>
-                      <a:prstDash val="solid"/>
-                      <a:round/>
-                      <a:headEnd type="none" w="med" len="med"/>
-                      <a:tailEnd type="none" w="med" len="med"/>
-                    </a:lnT>
-                    <a:lnB w="12700" cap="flat" cmpd="sng" algn="ctr">
-                      <a:solidFill>
-                        <a:schemeClr val="tx1"/>
-                      </a:solidFill>
-                      <a:prstDash val="solid"/>
-                      <a:round/>
-                      <a:headEnd type="none" w="med" len="med"/>
-                      <a:tailEnd type="none" w="med" len="med"/>
-                    </a:lnB>
-                  </a:tcPr>
-                </a:tc>
-              </a:tr>
-            </a:tbl>
-          </a:graphicData>
-        </a:graphic>
-      </p:graphicFrame>
-      <p:sp>
-        <p:nvSpPr>
-          <p:cNvPr id="23" name="TextBox 22"/>
-          <p:cNvSpPr txBox="1"/>
-          <p:nvPr/>
-        </p:nvSpPr>
-        <p:spPr>
-          <a:xfrm>
-            <a:off x="1378657" y="1132116"/>
-            <a:ext cx="7090403" cy="1077218"/>
-          </a:xfrm>
-          <a:prstGeom prst="rect">
-            <a:avLst/>
-          </a:prstGeom>
-          <a:noFill/>
-        </p:spPr>
-        <p:txBody>
-          <a:bodyPr wrap="none" rtlCol="0">
-            <a:spAutoFit/>
-          </a:bodyPr>
-          <a:lstStyle/>
-          <a:p>
-            <a:r>
-              <a:rPr lang="en-US" sz="3200" dirty="0" smtClean="0">
-                <a:latin typeface="Comic Sans MS" pitchFamily="66" charset="0"/>
-              </a:rPr>
-              <a:t>The value of (P </a:t>
-            </a:r>
-            <a:r>
-              <a:rPr lang="en-US" sz="2800" dirty="0" smtClean="0">
-                <a:solidFill>
-                  <a:srgbClr val="0000FF"/>
-                </a:solidFill>
-                <a:latin typeface="Comic Sans MS" pitchFamily="66" charset="0"/>
-              </a:rPr>
-              <a:t>IMPLIES</a:t>
-            </a:r>
-            <a:r>
-              <a:rPr lang="en-US" sz="3200" dirty="0" smtClean="0">
-                <a:latin typeface="Comic Sans MS" pitchFamily="66" charset="0"/>
-              </a:rPr>
-              <a:t> Q) is </a:t>
-            </a:r>
-            <a:r>
-              <a:rPr lang="en-US" sz="3200" dirty="0" smtClean="0">
-                <a:solidFill>
-                  <a:srgbClr val="FF0000"/>
-                </a:solidFill>
-                <a:latin typeface="Comic Sans MS" pitchFamily="66" charset="0"/>
-              </a:rPr>
-              <a:t>F</a:t>
-            </a:r>
-            <a:r>
-              <a:rPr lang="en-US" sz="3200" dirty="0" smtClean="0">
-                <a:latin typeface="Comic Sans MS" pitchFamily="66" charset="0"/>
-              </a:rPr>
-              <a:t> </a:t>
-            </a:r>
-            <a:r>
-              <a:rPr lang="en-US" sz="3200" dirty="0" err="1" smtClean="0">
-                <a:latin typeface="Comic Sans MS" pitchFamily="66" charset="0"/>
-              </a:rPr>
-              <a:t>iff</a:t>
-            </a:r>
-            <a:endParaRPr lang="en-US" sz="3200" dirty="0" smtClean="0">
-              <a:latin typeface="Comic Sans MS" pitchFamily="66" charset="0"/>
-            </a:endParaRPr>
-          </a:p>
-          <a:p>
-            <a:r>
-              <a:rPr lang="en-US" sz="3200" dirty="0" smtClean="0">
-                <a:latin typeface="Comic Sans MS" pitchFamily="66" charset="0"/>
-              </a:rPr>
-              <a:t>   P is</a:t>
-            </a:r>
-            <a:r>
-              <a:rPr lang="en-US" sz="3200" dirty="0" smtClean="0">
-                <a:solidFill>
-                  <a:srgbClr val="FF0000"/>
-                </a:solidFill>
-                <a:latin typeface="Comic Sans MS" pitchFamily="66" charset="0"/>
-              </a:rPr>
-              <a:t> </a:t>
-            </a:r>
-            <a:r>
-              <a:rPr lang="en-US" sz="3200" dirty="0" smtClean="0">
-                <a:solidFill>
-                  <a:srgbClr val="33CC33"/>
-                </a:solidFill>
-                <a:latin typeface="Comic Sans MS" pitchFamily="66" charset="0"/>
-              </a:rPr>
-              <a:t>T</a:t>
-            </a:r>
-            <a:r>
-              <a:rPr lang="en-US" sz="3200" dirty="0" smtClean="0">
-                <a:latin typeface="Comic Sans MS" pitchFamily="66" charset="0"/>
-              </a:rPr>
-              <a:t> and Q is </a:t>
-            </a:r>
-            <a:r>
-              <a:rPr lang="en-US" sz="3200" dirty="0" smtClean="0">
-                <a:solidFill>
-                  <a:srgbClr val="FF0000"/>
-                </a:solidFill>
-                <a:latin typeface="Comic Sans MS" pitchFamily="66" charset="0"/>
-              </a:rPr>
-              <a:t>F</a:t>
-            </a:r>
-            <a:r>
-              <a:rPr lang="en-US" sz="3200" dirty="0" smtClean="0">
-                <a:solidFill>
-                  <a:srgbClr val="008000"/>
-                </a:solidFill>
-                <a:latin typeface="Comic Sans MS" pitchFamily="66" charset="0"/>
-              </a:rPr>
-              <a:t>.</a:t>
-            </a:r>
-            <a:endParaRPr lang="en-US" sz="3200" dirty="0">
-              <a:latin typeface="Comic Sans MS" pitchFamily="66" charset="0"/>
-            </a:endParaRPr>
-          </a:p>
-        </p:txBody>
-      </p:sp>
-      <p:sp>
-        <p:nvSpPr>
-          <p:cNvPr id="24" name="TextBox 23"/>
-          <p:cNvSpPr txBox="1"/>
-          <p:nvPr/>
-        </p:nvSpPr>
-        <p:spPr>
-          <a:xfrm>
-            <a:off x="1926534" y="2212521"/>
-            <a:ext cx="5305058" cy="584776"/>
-          </a:xfrm>
-          <a:prstGeom prst="rect">
-            <a:avLst/>
-          </a:prstGeom>
-          <a:noFill/>
-        </p:spPr>
-        <p:txBody>
-          <a:bodyPr wrap="none" rtlCol="0">
-            <a:spAutoFit/>
-          </a:bodyPr>
-          <a:lstStyle/>
-          <a:p>
-            <a:r>
-              <a:rPr lang="en-US" dirty="0" smtClean="0">
-                <a:latin typeface="Comic Sans MS" pitchFamily="66" charset="0"/>
-              </a:rPr>
-              <a:t>Truth Table for</a:t>
-            </a:r>
-            <a:r>
-              <a:rPr lang="en-US" dirty="0" smtClean="0">
-                <a:solidFill>
-                  <a:srgbClr val="0000FF"/>
-                </a:solidFill>
-                <a:latin typeface="Comic Sans MS" pitchFamily="66" charset="0"/>
-              </a:rPr>
-              <a:t> IMPLIES</a:t>
-            </a:r>
-            <a:endParaRPr lang="en-US" dirty="0">
-              <a:latin typeface="Comic Sans MS" pitchFamily="66" charset="0"/>
-            </a:endParaRPr>
-          </a:p>
-        </p:txBody>
-      </p:sp>
-      <p:sp>
-        <p:nvSpPr>
-          <p:cNvPr id="8" name="Slide Number Placeholder 2"/>
-          <p:cNvSpPr txBox="1">
-            <a:spLocks/>
-          </p:cNvSpPr>
-          <p:nvPr/>
-        </p:nvSpPr>
-        <p:spPr bwMode="auto">
-          <a:xfrm>
-            <a:off x="7537747" y="6581001"/>
-            <a:ext cx="1606254" cy="276999"/>
-          </a:xfrm>
-          <a:prstGeom prst="rect">
-            <a:avLst/>
-          </a:prstGeom>
-          <a:noFill/>
-          <a:ln w="9525">
-            <a:noFill/>
-            <a:miter lim="800000"/>
-            <a:headEnd/>
-            <a:tailEnd/>
-          </a:ln>
-          <a:effectLst/>
-        </p:spPr>
-        <p:txBody>
-          <a:bodyPr vert="horz" wrap="none" lIns="91440" tIns="45720" rIns="91440" bIns="45720" numCol="1" anchor="t" anchorCtr="0" compatLnSpc="1">
-            <a:prstTxWarp prst="textNoShape">
-              <a:avLst/>
-            </a:prstTxWarp>
-            <a:spAutoFit/>
-          </a:bodyPr>
-          <a:lstStyle/>
-          <a:p>
-            <a:pPr marL="0" marR="0" lvl="0" indent="0" algn="r" defTabSz="914400" rtl="0" eaLnBrk="1" fontAlgn="base" latinLnBrk="0" hangingPunct="1">
-              <a:lnSpc>
-                <a:spcPct val="100000"/>
-              </a:lnSpc>
-              <a:spcBef>
-                <a:spcPct val="0"/>
-              </a:spcBef>
-              <a:spcAft>
-                <a:spcPct val="0"/>
-              </a:spcAft>
-              <a:buClrTx/>
-              <a:buSzTx/>
-              <a:buFontTx/>
-              <a:buNone/>
-              <a:tabLst/>
-              <a:defRPr/>
-            </a:pPr>
-            <a:r>
-              <a:rPr kumimoji="0" lang="en-US" sz="1200" b="0" i="0" u="none" strike="noStrike" kern="1200" cap="none" spc="0" normalizeH="0" baseline="0" noProof="0" dirty="0" smtClean="0">
-                <a:ln>
-                  <a:noFill/>
-                </a:ln>
-                <a:solidFill>
-                  <a:schemeClr val="tx1"/>
-                </a:solidFill>
-                <a:effectLst/>
-                <a:uLnTx/>
-                <a:uFillTx/>
-                <a:latin typeface="Comic Sans MS" pitchFamily="66" charset="0"/>
-                <a:ea typeface="+mn-ea"/>
-                <a:cs typeface="+mn-cs"/>
-              </a:rPr>
-              <a:t>propositional logic.</a:t>
-            </a:r>
-            <a:fld id="{0150943C-9303-41DF-A6FA-7E32D6C5D18E}" type="slidenum">
-              <a:rPr kumimoji="0" lang="en-US" sz="1200" b="0" i="0" u="none" strike="noStrike" kern="1200" cap="none" spc="0" normalizeH="0" baseline="0" noProof="0" smtClean="0">
-                <a:ln>
-                  <a:noFill/>
-                </a:ln>
-                <a:solidFill>
-                  <a:schemeClr val="tx1"/>
-                </a:solidFill>
-                <a:effectLst/>
-                <a:uLnTx/>
-                <a:uFillTx/>
-                <a:latin typeface="Comic Sans MS" pitchFamily="66" charset="0"/>
-                <a:ea typeface="+mn-ea"/>
-                <a:cs typeface="+mn-cs"/>
-              </a:rPr>
-              <a:pPr marL="0" marR="0" lvl="0" indent="0" algn="r" defTabSz="914400" rtl="0" eaLnBrk="1" fontAlgn="base" latinLnBrk="0" hangingPunct="1">
-                <a:lnSpc>
-                  <a:spcPct val="100000"/>
-                </a:lnSpc>
-                <a:spcBef>
-                  <a:spcPct val="0"/>
-                </a:spcBef>
-                <a:spcAft>
-                  <a:spcPct val="0"/>
-                </a:spcAft>
-                <a:buClrTx/>
-                <a:buSzTx/>
-                <a:buFontTx/>
-                <a:buNone/>
-                <a:tabLst/>
-                <a:defRPr/>
-              </a:pPr>
-              <a:t>2</a:t>
-            </a:fld>
-            <a:endParaRPr kumimoji="0" lang="en-US" sz="1200" b="0" i="0" u="none" strike="noStrike" kern="1200" cap="none" spc="0" normalizeH="0" baseline="0" noProof="0" dirty="0" smtClean="0">
-              <a:ln>
-                <a:noFill/>
-              </a:ln>
-              <a:solidFill>
-                <a:schemeClr val="tx1"/>
-              </a:solidFill>
-              <a:effectLst/>
-              <a:uLnTx/>
-              <a:uFillTx/>
-              <a:latin typeface="Comic Sans MS" pitchFamily="66" charset="0"/>
-              <a:ea typeface="+mn-ea"/>
-              <a:cs typeface="+mn-cs"/>
-            </a:endParaRPr>
-          </a:p>
-        </p:txBody>
-      </p:sp>
-      <p:sp>
-        <p:nvSpPr>
-          <p:cNvPr id="11" name="Oval 10"/>
-          <p:cNvSpPr/>
-          <p:nvPr/>
-        </p:nvSpPr>
-        <p:spPr bwMode="auto">
-          <a:xfrm>
-            <a:off x="2419458" y="4286833"/>
-            <a:ext cx="4372985" cy="827608"/>
-          </a:xfrm>
-          <a:prstGeom prst="ellipse">
-            <a:avLst/>
-          </a:prstGeom>
-          <a:solidFill>
-            <a:schemeClr val="accent2">
-              <a:alpha val="51000"/>
-            </a:schemeClr>
-          </a:solidFill>
-          <a:ln w="9525" cap="flat" cmpd="sng" algn="ctr">
-            <a:solidFill>
-              <a:schemeClr val="tx1"/>
-            </a:solidFill>
-            <a:prstDash val="solid"/>
-            <a:round/>
-            <a:headEnd type="none" w="med" len="med"/>
-            <a:tailEnd type="none" w="med" len="med"/>
-          </a:ln>
-          <a:effectLst/>
-        </p:spPr>
-        <p:txBody>
-          <a:bodyPr vert="horz" wrap="none" lIns="91440" tIns="45720" rIns="91440" bIns="45720" numCol="1" rtlCol="0" anchor="ctr" anchorCtr="0" compatLnSpc="1">
-            <a:prstTxWarp prst="textNoShape">
-              <a:avLst/>
-            </a:prstTxWarp>
-          </a:bodyPr>
-          <a:lstStyle/>
-          <a:p>
-            <a:pPr marL="0" marR="0" indent="0" algn="ctr" defTabSz="914400" rtl="0" eaLnBrk="1" fontAlgn="base" latinLnBrk="0" hangingPunct="1">
-              <a:lnSpc>
-                <a:spcPct val="100000"/>
-              </a:lnSpc>
-              <a:spcBef>
-                <a:spcPct val="0"/>
-              </a:spcBef>
-              <a:spcAft>
-                <a:spcPct val="0"/>
-              </a:spcAft>
-              <a:buClrTx/>
-              <a:buSzTx/>
-              <a:buFontTx/>
-              <a:buNone/>
-              <a:tabLst/>
-            </a:pPr>
-            <a:endParaRPr kumimoji="0" lang="en-US" sz="3200" b="0" i="0" u="none" strike="noStrike" cap="none" normalizeH="0" baseline="0" smtClean="0">
-              <a:ln>
-                <a:noFill/>
-              </a:ln>
-              <a:solidFill>
-                <a:schemeClr val="tx1"/>
-              </a:solidFill>
-              <a:effectLst/>
-              <a:latin typeface="Times New Roman" pitchFamily="18" charset="0"/>
-            </a:endParaRPr>
-          </a:p>
-        </p:txBody>
-      </p:sp>
-    </p:spTree>
-    <p:extLst>
-      <p:ext uri="{BB962C8B-B14F-4D97-AF65-F5344CB8AC3E}">
-        <p14:creationId xmlns:p14="http://schemas.microsoft.com/office/powerpoint/2010/main" val="1300353169"/>
-      </p:ext>
-    </p:extLst>
-  </p:cSld>
-  <p:clrMapOvr>
-    <a:masterClrMapping/>
-  </p:clrMapOvr>
-  <p:transition xmlns:p14="http://schemas.microsoft.com/office/powerpoint/2010/main" spd="slow" advClick="0">
-    <p:fade/>
-  </p:transition>
-  <p:timing>
-    <p:tnLst>
-      <p:par>
-        <p:cTn xmlns:p14="http://schemas.microsoft.com/office/powerpoint/2010/main" id="1" dur="indefinite" restart="never" nodeType="tmRoot">
-          <p:childTnLst>
-            <p:seq concurrent="1" nextAc="seek">
-              <p:cTn id="2" dur="indefinite" nodeType="mainSeq">
-                <p:childTnLst>
-                  <p:par>
-                    <p:cTn id="3" fill="hold">
-                      <p:stCondLst>
-                        <p:cond delay="indefinite"/>
-                      </p:stCondLst>
-                      <p:childTnLst>
-                        <p:par>
-                          <p:cTn id="4" fill="hold">
-                            <p:stCondLst>
-                              <p:cond delay="0"/>
-                            </p:stCondLst>
-                            <p:childTnLst>
-                              <p:par>
-                                <p:cTn id="5" presetID="9" presetClass="entr" presetSubtype="0" fill="hold" grpId="0" nodeType="clickEffect">
-                                  <p:stCondLst>
-                                    <p:cond delay="0"/>
-                                  </p:stCondLst>
-                                  <p:childTnLst>
-                                    <p:set>
-                                      <p:cBhvr>
-                                        <p:cTn id="6" dur="1" fill="hold">
-                                          <p:stCondLst>
-                                            <p:cond delay="0"/>
-                                          </p:stCondLst>
-                                        </p:cTn>
-                                        <p:tgtEl>
-                                          <p:spTgt spid="23"/>
-                                        </p:tgtEl>
-                                        <p:attrNameLst>
-                                          <p:attrName>style.visibility</p:attrName>
-                                        </p:attrNameLst>
-                                      </p:cBhvr>
-                                      <p:to>
-                                        <p:strVal val="visible"/>
-                                      </p:to>
-                                    </p:set>
-                                    <p:animEffect transition="in" filter="dissolve">
-                                      <p:cBhvr>
-                                        <p:cTn id="7" dur="500"/>
-                                        <p:tgtEl>
-                                          <p:spTgt spid="23"/>
-                                        </p:tgtEl>
-                                      </p:cBhvr>
-                                    </p:animEffect>
-                                  </p:childTnLst>
-                                </p:cTn>
-                              </p:par>
-                            </p:childTnLst>
-                          </p:cTn>
-                        </p:par>
-                      </p:childTnLst>
-                    </p:cTn>
-                  </p:par>
-                  <p:par>
-                    <p:cTn id="8" fill="hold">
-                      <p:stCondLst>
-                        <p:cond delay="indefinite"/>
-                      </p:stCondLst>
-                      <p:childTnLst>
-                        <p:par>
-                          <p:cTn id="9" fill="hold">
-                            <p:stCondLst>
-                              <p:cond delay="0"/>
-                            </p:stCondLst>
-                            <p:childTnLst>
-                              <p:par>
-                                <p:cTn id="10" presetID="9" presetClass="entr" presetSubtype="0" fill="hold" grpId="0" nodeType="clickEffect">
-                                  <p:stCondLst>
-                                    <p:cond delay="0"/>
-                                  </p:stCondLst>
-                                  <p:childTnLst>
-                                    <p:set>
-                                      <p:cBhvr>
-                                        <p:cTn id="11" dur="1" fill="hold">
-                                          <p:stCondLst>
-                                            <p:cond delay="0"/>
-                                          </p:stCondLst>
-                                        </p:cTn>
-                                        <p:tgtEl>
-                                          <p:spTgt spid="24"/>
-                                        </p:tgtEl>
-                                        <p:attrNameLst>
-                                          <p:attrName>style.visibility</p:attrName>
-                                        </p:attrNameLst>
-                                      </p:cBhvr>
-                                      <p:to>
-                                        <p:strVal val="visible"/>
-                                      </p:to>
-                                    </p:set>
-                                    <p:animEffect transition="in" filter="dissolve">
-                                      <p:cBhvr>
-                                        <p:cTn id="12" dur="500"/>
-                                        <p:tgtEl>
-                                          <p:spTgt spid="24"/>
-                                        </p:tgtEl>
-                                      </p:cBhvr>
-                                    </p:animEffect>
-                                  </p:childTnLst>
-                                </p:cTn>
-                              </p:par>
-                            </p:childTnLst>
-                          </p:cTn>
-                        </p:par>
-                        <p:par>
-                          <p:cTn id="13" fill="hold">
-                            <p:stCondLst>
-                              <p:cond delay="500"/>
-                            </p:stCondLst>
-                            <p:childTnLst>
-                              <p:par>
-                                <p:cTn id="14" presetID="22" presetClass="entr" presetSubtype="1" fill="hold" nodeType="afterEffect">
-                                  <p:stCondLst>
-                                    <p:cond delay="0"/>
-                                  </p:stCondLst>
-                                  <p:childTnLst>
-                                    <p:set>
-                                      <p:cBhvr>
-                                        <p:cTn id="15" dur="1" fill="hold">
-                                          <p:stCondLst>
-                                            <p:cond delay="0"/>
-                                          </p:stCondLst>
-                                        </p:cTn>
-                                        <p:tgtEl>
-                                          <p:spTgt spid="22"/>
-                                        </p:tgtEl>
-                                        <p:attrNameLst>
-                                          <p:attrName>style.visibility</p:attrName>
-                                        </p:attrNameLst>
-                                      </p:cBhvr>
-                                      <p:to>
-                                        <p:strVal val="visible"/>
-                                      </p:to>
-                                    </p:set>
-                                    <p:animEffect transition="in" filter="wipe(up)">
-                                      <p:cBhvr>
-                                        <p:cTn id="16" dur="1000"/>
-                                        <p:tgtEl>
-                                          <p:spTgt spid="22"/>
-                                        </p:tgtEl>
-                                      </p:cBhvr>
-                                    </p:animEffect>
-                                  </p:childTnLst>
-                                </p:cTn>
-                              </p:par>
-                            </p:childTnLst>
-                          </p:cTn>
-                        </p:par>
-                      </p:childTnLst>
-                    </p:cTn>
-                  </p:par>
-                  <p:par>
-                    <p:cTn id="17" fill="hold">
-                      <p:stCondLst>
-                        <p:cond delay="indefinite"/>
-                      </p:stCondLst>
-                      <p:childTnLst>
-                        <p:par>
-                          <p:cTn id="18" fill="hold">
-                            <p:stCondLst>
-                              <p:cond delay="0"/>
-                            </p:stCondLst>
-                            <p:childTnLst>
-                              <p:par>
-                                <p:cTn id="19" presetID="37" presetClass="entr" presetSubtype="0" fill="hold" grpId="0" nodeType="clickEffect">
-                                  <p:stCondLst>
-                                    <p:cond delay="0"/>
-                                  </p:stCondLst>
-                                  <p:childTnLst>
-                                    <p:set>
-                                      <p:cBhvr>
-                                        <p:cTn id="20" dur="1" fill="hold">
-                                          <p:stCondLst>
-                                            <p:cond delay="0"/>
-                                          </p:stCondLst>
-                                        </p:cTn>
-                                        <p:tgtEl>
-                                          <p:spTgt spid="11"/>
-                                        </p:tgtEl>
-                                        <p:attrNameLst>
-                                          <p:attrName>style.visibility</p:attrName>
-                                        </p:attrNameLst>
-                                      </p:cBhvr>
-                                      <p:to>
-                                        <p:strVal val="visible"/>
-                                      </p:to>
-                                    </p:set>
-                                    <p:animEffect transition="in" filter="fade">
-                                      <p:cBhvr>
-                                        <p:cTn id="21" dur="1000"/>
-                                        <p:tgtEl>
-                                          <p:spTgt spid="11"/>
-                                        </p:tgtEl>
-                                      </p:cBhvr>
-                                    </p:animEffect>
-                                    <p:anim calcmode="lin" valueType="num">
-                                      <p:cBhvr>
-                                        <p:cTn id="22" dur="1000" fill="hold"/>
-                                        <p:tgtEl>
-                                          <p:spTgt spid="11"/>
-                                        </p:tgtEl>
-                                        <p:attrNameLst>
-                                          <p:attrName>ppt_x</p:attrName>
-                                        </p:attrNameLst>
-                                      </p:cBhvr>
-                                      <p:tavLst>
-                                        <p:tav tm="0">
-                                          <p:val>
-                                            <p:strVal val="#ppt_x"/>
-                                          </p:val>
-                                        </p:tav>
-                                        <p:tav tm="100000">
-                                          <p:val>
-                                            <p:strVal val="#ppt_x"/>
-                                          </p:val>
-                                        </p:tav>
-                                      </p:tavLst>
-                                    </p:anim>
-                                    <p:anim calcmode="lin" valueType="num">
-                                      <p:cBhvr>
-                                        <p:cTn id="23" dur="900" decel="100000" fill="hold"/>
-                                        <p:tgtEl>
-                                          <p:spTgt spid="11"/>
-                                        </p:tgtEl>
-                                        <p:attrNameLst>
-                                          <p:attrName>ppt_y</p:attrName>
-                                        </p:attrNameLst>
-                                      </p:cBhvr>
-                                      <p:tavLst>
-                                        <p:tav tm="0">
-                                          <p:val>
-                                            <p:strVal val="#ppt_y+1"/>
-                                          </p:val>
-                                        </p:tav>
-                                        <p:tav tm="100000">
-                                          <p:val>
-                                            <p:strVal val="#ppt_y-.03"/>
-                                          </p:val>
-                                        </p:tav>
-                                      </p:tavLst>
-                                    </p:anim>
-                                    <p:anim calcmode="lin" valueType="num">
-                                      <p:cBhvr>
-                                        <p:cTn id="24" dur="100" accel="100000" fill="hold">
-                                          <p:stCondLst>
-                                            <p:cond delay="900"/>
-                                          </p:stCondLst>
-                                        </p:cTn>
-                                        <p:tgtEl>
-                                          <p:spTgt spid="11"/>
-                                        </p:tgtEl>
-                                        <p:attrNameLst>
-                                          <p:attrName>ppt_y</p:attrName>
-                                        </p:attrNameLst>
-                                      </p:cBhvr>
-                                      <p:tavLst>
-                                        <p:tav tm="0">
-                                          <p:val>
-                                            <p:strVal val="#ppt_y-.03"/>
-                                          </p:val>
-                                        </p:tav>
-                                        <p:tav tm="100000">
-                                          <p:val>
-                                            <p:strVal val="#ppt_y"/>
-                                          </p:val>
-                                        </p:tav>
-                                      </p:tavLst>
-                                    </p:anim>
-                                  </p:childTnLst>
-                                </p:cTn>
-                              </p:par>
-                            </p:childTnLst>
-                          </p:cTn>
-                        </p:par>
-                      </p:childTnLst>
-                    </p:cTn>
-                  </p:par>
-                </p:childTnLst>
-              </p:cTn>
-              <p:prevCondLst>
-                <p:cond evt="onPrev" delay="0">
-                  <p:tgtEl>
-                    <p:sldTgt/>
-                  </p:tgtEl>
-                </p:cond>
-              </p:prevCondLst>
-              <p:nextCondLst>
-                <p:cond evt="onNext" delay="0">
-                  <p:tgtEl>
-                    <p:sldTgt/>
-                  </p:tgtEl>
-                </p:cond>
-              </p:nextCondLst>
-            </p:seq>
-          </p:childTnLst>
-        </p:cTn>
-      </p:par>
-    </p:tnLst>
-    <p:bldLst>
-      <p:bldP spid="23" grpId="0"/>
-      <p:bldP spid="24" grpId="0"/>
-      <p:bldP spid="11" grpId="0" animBg="1"/>
-    </p:bldLst>
-  </p:timing>
-</p:sld>
-</file>
-
-<file path=ppt/slides/slide20.xml><?xml version="1.0" encoding="utf-8"?>
+<file path=ppt/slides/slide14.xml><?xml version="1.0" encoding="utf-8"?>
 <p:sld xmlns:a="http://schemas.openxmlformats.org/drawingml/2006/main" xmlns:r="http://schemas.openxmlformats.org/officeDocument/2006/relationships" xmlns:p="http://schemas.openxmlformats.org/presentationml/2006/main">
   <p:cSld>
     <p:spTree>
@@ -11747,7 +7546,7 @@
             <a:fld id="{3251DA95-B240-47FE-901D-B78FC8E8E532}" type="slidenum">
               <a:rPr lang="en-US" smtClean="0"/>
               <a:pPr/>
-              <a:t>20</a:t>
+              <a:t>14</a:t>
             </a:fld>
             <a:endParaRPr lang="en-US" dirty="0"/>
           </a:p>
@@ -11775,7 +7574,7 @@
           <a:graphicData uri="http://schemas.openxmlformats.org/presentationml/2006/ole">
             <mc:AlternateContent xmlns:mc="http://schemas.openxmlformats.org/markup-compatibility/2006">
               <mc:Choice xmlns:v="urn:schemas-microsoft-com:vml" Requires="v">
-                <p:oleObj spid="_x0000_s409639" name="Equation" r:id="rId3" imgW="1854200" imgH="508000" progId="Equation.3">
+                <p:oleObj spid="_x0000_s409642" name="Equation" r:id="rId3" imgW="1854200" imgH="508000" progId="Equation.3">
                   <p:embed/>
                 </p:oleObj>
               </mc:Choice>
@@ -12024,7 +7823,7 @@
 </p:sld>
 </file>
 
-<file path=ppt/slides/slide21.xml><?xml version="1.0" encoding="utf-8"?>
+<file path=ppt/slides/slide15.xml><?xml version="1.0" encoding="utf-8"?>
 <p:sld xmlns:a="http://schemas.openxmlformats.org/drawingml/2006/main" xmlns:r="http://schemas.openxmlformats.org/officeDocument/2006/relationships" xmlns:p="http://schemas.openxmlformats.org/presentationml/2006/main">
   <p:cSld>
     <p:spTree>
@@ -12104,7 +7903,7 @@
             <a:fld id="{3251DA95-B240-47FE-901D-B78FC8E8E532}" type="slidenum">
               <a:rPr lang="en-US" smtClean="0"/>
               <a:pPr/>
-              <a:t>21</a:t>
+              <a:t>15</a:t>
             </a:fld>
             <a:endParaRPr lang="en-US" dirty="0"/>
           </a:p>
@@ -12132,7 +7931,7 @@
           <a:graphicData uri="http://schemas.openxmlformats.org/presentationml/2006/ole">
             <mc:AlternateContent xmlns:mc="http://schemas.openxmlformats.org/markup-compatibility/2006">
               <mc:Choice xmlns:v="urn:schemas-microsoft-com:vml" Requires="v">
-                <p:oleObj spid="_x0000_s408638" name="Equation" r:id="rId3" imgW="1854200" imgH="533400" progId="Equation.DSMT4">
+                <p:oleObj spid="_x0000_s408643" name="Equation" r:id="rId3" imgW="1854200" imgH="533400" progId="Equation.DSMT4">
                   <p:embed/>
                 </p:oleObj>
               </mc:Choice>
@@ -12283,7 +8082,7 @@
           <a:graphicData uri="http://schemas.openxmlformats.org/presentationml/2006/ole">
             <mc:AlternateContent xmlns:mc="http://schemas.openxmlformats.org/markup-compatibility/2006">
               <mc:Choice xmlns:v="urn:schemas-microsoft-com:vml" Requires="v">
-                <p:oleObj spid="_x0000_s408639" name="Equation" r:id="rId5" imgW="546100" imgH="241300" progId="Equation.DSMT4">
+                <p:oleObj spid="_x0000_s408644" name="Equation" r:id="rId5" imgW="546100" imgH="241300" progId="Equation.DSMT4">
                   <p:embed/>
                 </p:oleObj>
               </mc:Choice>
@@ -12450,7 +8249,7 @@
 </p:sld>
 </file>
 
-<file path=ppt/slides/slide22.xml><?xml version="1.0" encoding="utf-8"?>
+<file path=ppt/slides/slide16.xml><?xml version="1.0" encoding="utf-8"?>
 <p:sld xmlns:a="http://schemas.openxmlformats.org/drawingml/2006/main" xmlns:r="http://schemas.openxmlformats.org/officeDocument/2006/relationships" xmlns:p="http://schemas.openxmlformats.org/presentationml/2006/main">
   <p:cSld>
     <p:spTree>
@@ -12530,7 +8329,7 @@
             <a:fld id="{3251DA95-B240-47FE-901D-B78FC8E8E532}" type="slidenum">
               <a:rPr lang="en-US" smtClean="0"/>
               <a:pPr/>
-              <a:t>22</a:t>
+              <a:t>16</a:t>
             </a:fld>
             <a:endParaRPr lang="en-US" dirty="0"/>
           </a:p>
@@ -12558,7 +8357,7 @@
           <a:graphicData uri="http://schemas.openxmlformats.org/presentationml/2006/ole">
             <mc:AlternateContent xmlns:mc="http://schemas.openxmlformats.org/markup-compatibility/2006">
               <mc:Choice xmlns:v="urn:schemas-microsoft-com:vml" Requires="v">
-                <p:oleObj spid="_x0000_s410662" name="Equation" r:id="rId3" imgW="1955800" imgH="533400" progId="Equation.DSMT4">
+                <p:oleObj spid="_x0000_s410665" name="Equation" r:id="rId3" imgW="1955800" imgH="533400" progId="Equation.DSMT4">
                   <p:embed/>
                 </p:oleObj>
               </mc:Choice>
@@ -12981,7 +8780,7 @@
 </p:sld>
 </file>
 
-<file path=ppt/slides/slide23.xml><?xml version="1.0" encoding="utf-8"?>
+<file path=ppt/slides/slide17.xml><?xml version="1.0" encoding="utf-8"?>
 <p:sld xmlns:a="http://schemas.openxmlformats.org/drawingml/2006/main" xmlns:r="http://schemas.openxmlformats.org/officeDocument/2006/relationships" xmlns:p="http://schemas.openxmlformats.org/presentationml/2006/main">
   <p:cSld>
     <p:spTree>
@@ -13061,7 +8860,7 @@
             <a:fld id="{3251DA95-B240-47FE-901D-B78FC8E8E532}" type="slidenum">
               <a:rPr lang="en-US" smtClean="0"/>
               <a:pPr/>
-              <a:t>23</a:t>
+              <a:t>17</a:t>
             </a:fld>
             <a:endParaRPr lang="en-US" dirty="0"/>
           </a:p>
@@ -13089,7 +8888,7 @@
           <a:graphicData uri="http://schemas.openxmlformats.org/presentationml/2006/ole">
             <mc:AlternateContent xmlns:mc="http://schemas.openxmlformats.org/markup-compatibility/2006">
               <mc:Choice xmlns:v="urn:schemas-microsoft-com:vml" Requires="v">
-                <p:oleObj spid="_x0000_s411685" name="Equation" r:id="rId3" imgW="1955800" imgH="533400" progId="Equation.DSMT4">
+                <p:oleObj spid="_x0000_s411688" name="Equation" r:id="rId3" imgW="1955800" imgH="533400" progId="Equation.DSMT4">
                   <p:embed/>
                 </p:oleObj>
               </mc:Choice>
@@ -13294,7 +9093,7 @@
 </p:sld>
 </file>
 
-<file path=ppt/slides/slide24.xml><?xml version="1.0" encoding="utf-8"?>
+<file path=ppt/slides/slide18.xml><?xml version="1.0" encoding="utf-8"?>
 <p:sld xmlns:a="http://schemas.openxmlformats.org/drawingml/2006/main" xmlns:r="http://schemas.openxmlformats.org/officeDocument/2006/relationships" xmlns:p="http://schemas.openxmlformats.org/presentationml/2006/main">
   <p:cSld>
     <p:spTree>
@@ -13374,7 +9173,7 @@
             <a:fld id="{3251DA95-B240-47FE-901D-B78FC8E8E532}" type="slidenum">
               <a:rPr lang="en-US" smtClean="0"/>
               <a:pPr/>
-              <a:t>24</a:t>
+              <a:t>18</a:t>
             </a:fld>
             <a:endParaRPr lang="en-US" dirty="0"/>
           </a:p>
@@ -13402,7 +9201,7 @@
           <a:graphicData uri="http://schemas.openxmlformats.org/presentationml/2006/ole">
             <mc:AlternateContent xmlns:mc="http://schemas.openxmlformats.org/markup-compatibility/2006">
               <mc:Choice xmlns:v="urn:schemas-microsoft-com:vml" Requires="v">
-                <p:oleObj spid="_x0000_s412708" name="Equation" r:id="rId3" imgW="1955800" imgH="482600" progId="Equation.3">
+                <p:oleObj spid="_x0000_s412711" name="Equation" r:id="rId3" imgW="1955800" imgH="482600" progId="Equation.3">
                   <p:embed/>
                 </p:oleObj>
               </mc:Choice>
@@ -13739,7 +9538,7 @@
 </p:sld>
 </file>
 
-<file path=ppt/slides/slide25.xml><?xml version="1.0" encoding="utf-8"?>
+<file path=ppt/slides/slide19.xml><?xml version="1.0" encoding="utf-8"?>
 <p:sld xmlns:a="http://schemas.openxmlformats.org/drawingml/2006/main" xmlns:r="http://schemas.openxmlformats.org/officeDocument/2006/relationships" xmlns:p="http://schemas.openxmlformats.org/presentationml/2006/main">
   <p:cSld>
     <p:spTree>
@@ -13819,7 +9618,7 @@
             <a:fld id="{3251DA95-B240-47FE-901D-B78FC8E8E532}" type="slidenum">
               <a:rPr lang="en-US" smtClean="0"/>
               <a:pPr/>
-              <a:t>25</a:t>
+              <a:t>19</a:t>
             </a:fld>
             <a:endParaRPr lang="en-US" dirty="0"/>
           </a:p>
@@ -13847,7 +9646,7 @@
           <a:graphicData uri="http://schemas.openxmlformats.org/presentationml/2006/ole">
             <mc:AlternateContent xmlns:mc="http://schemas.openxmlformats.org/markup-compatibility/2006">
               <mc:Choice xmlns:v="urn:schemas-microsoft-com:vml" Requires="v">
-                <p:oleObj spid="_x0000_s413732" name="Equation" r:id="rId3" imgW="546100" imgH="215900" progId="Equation.DSMT4">
+                <p:oleObj spid="_x0000_s413735" name="Equation" r:id="rId3" imgW="546100" imgH="215900" progId="Equation.DSMT4">
                   <p:embed/>
                 </p:oleObj>
               </mc:Choice>
@@ -13954,7 +9753,189 @@
 </p:sld>
 </file>
 
-<file path=ppt/slides/slide26.xml><?xml version="1.0" encoding="utf-8"?>
+<file path=ppt/slides/slide2.xml><?xml version="1.0" encoding="utf-8"?>
+<p:sld xmlns:a="http://schemas.openxmlformats.org/drawingml/2006/main" xmlns:r="http://schemas.openxmlformats.org/officeDocument/2006/relationships" xmlns:p="http://schemas.openxmlformats.org/presentationml/2006/main">
+  <p:cSld>
+    <p:spTree>
+      <p:nvGrpSpPr>
+        <p:cNvPr id="1" name=""/>
+        <p:cNvGrpSpPr/>
+        <p:nvPr/>
+      </p:nvGrpSpPr>
+      <p:grpSpPr>
+        <a:xfrm>
+          <a:off x="0" y="0"/>
+          <a:ext cx="0" cy="0"/>
+          <a:chOff x="0" y="0"/>
+          <a:chExt cx="0" cy="0"/>
+        </a:xfrm>
+      </p:grpSpPr>
+      <p:sp>
+        <p:nvSpPr>
+          <p:cNvPr id="5" name="TextBox 4"/>
+          <p:cNvSpPr txBox="1"/>
+          <p:nvPr/>
+        </p:nvSpPr>
+        <p:spPr>
+          <a:xfrm>
+            <a:off x="124740" y="1717665"/>
+            <a:ext cx="8985240" cy="3532858"/>
+          </a:xfrm>
+          <a:prstGeom prst="rect">
+            <a:avLst/>
+          </a:prstGeom>
+          <a:noFill/>
+        </p:spPr>
+        <p:txBody>
+          <a:bodyPr wrap="square" rtlCol="0">
+            <a:spAutoFit/>
+          </a:bodyPr>
+          <a:lstStyle/>
+          <a:p>
+            <a:pPr algn="l"/>
+            <a:r>
+              <a:rPr lang="en-US" sz="5400" dirty="0" smtClean="0">
+                <a:latin typeface="Comic Sans MS" pitchFamily="66" charset="0"/>
+              </a:rPr>
+              <a:t>Instead of truth tables,</a:t>
+            </a:r>
+          </a:p>
+          <a:p>
+            <a:pPr algn="l"/>
+            <a:r>
+              <a:rPr lang="en-US" sz="5400" dirty="0" smtClean="0">
+                <a:latin typeface="Comic Sans MS" pitchFamily="66" charset="0"/>
+              </a:rPr>
+              <a:t>can try to</a:t>
+            </a:r>
+            <a:r>
+              <a:rPr lang="en-US" sz="5400" dirty="0" smtClean="0">
+                <a:solidFill>
+                  <a:srgbClr val="BB0FAB"/>
+                </a:solidFill>
+                <a:latin typeface="Comic Sans MS" pitchFamily="66" charset="0"/>
+              </a:rPr>
+              <a:t> prove</a:t>
+            </a:r>
+            <a:r>
+              <a:rPr lang="en-US" sz="5400" i="1" dirty="0" smtClean="0">
+                <a:solidFill>
+                  <a:srgbClr val="BB0FAB"/>
+                </a:solidFill>
+                <a:latin typeface="Comic Sans MS" pitchFamily="66" charset="0"/>
+              </a:rPr>
+              <a:t> </a:t>
+            </a:r>
+            <a:r>
+              <a:rPr lang="en-US" sz="5400" dirty="0" smtClean="0">
+                <a:latin typeface="Comic Sans MS" pitchFamily="66" charset="0"/>
+              </a:rPr>
+              <a:t>valid</a:t>
+            </a:r>
+          </a:p>
+          <a:p>
+            <a:pPr algn="l"/>
+            <a:r>
+              <a:rPr lang="en-US" sz="5400" dirty="0" smtClean="0">
+                <a:latin typeface="Comic Sans MS" pitchFamily="66" charset="0"/>
+              </a:rPr>
+              <a:t>formulas symbolically using axioms and deduction rules</a:t>
+            </a:r>
+            <a:endParaRPr lang="en-US" sz="5400" dirty="0">
+              <a:latin typeface="Comic Sans MS" pitchFamily="66" charset="0"/>
+            </a:endParaRPr>
+          </a:p>
+        </p:txBody>
+      </p:sp>
+      <p:sp>
+        <p:nvSpPr>
+          <p:cNvPr id="9" name="Title 1"/>
+          <p:cNvSpPr>
+            <a:spLocks noGrp="1"/>
+          </p:cNvSpPr>
+          <p:nvPr>
+            <p:ph type="title"/>
+          </p:nvPr>
+        </p:nvSpPr>
+        <p:spPr>
+          <a:xfrm>
+            <a:off x="1651000" y="363538"/>
+            <a:ext cx="6794500" cy="1003300"/>
+          </a:xfrm>
+        </p:spPr>
+        <p:txBody>
+          <a:bodyPr/>
+          <a:lstStyle/>
+          <a:p>
+            <a:r>
+              <a:rPr lang="en-US" sz="4000" dirty="0" smtClean="0"/>
+              <a:t>Proving Validity</a:t>
+            </a:r>
+            <a:endParaRPr lang="en-US" sz="4000" dirty="0"/>
+          </a:p>
+        </p:txBody>
+      </p:sp>
+      <p:sp>
+        <p:nvSpPr>
+          <p:cNvPr id="4" name="Slide Number Placeholder 2"/>
+          <p:cNvSpPr>
+            <a:spLocks noGrp="1"/>
+          </p:cNvSpPr>
+          <p:nvPr>
+            <p:ph type="sldNum" sz="quarter" idx="10"/>
+          </p:nvPr>
+        </p:nvSpPr>
+        <p:spPr>
+          <a:xfrm>
+            <a:off x="7537747" y="6553200"/>
+            <a:ext cx="1606254" cy="276999"/>
+          </a:xfrm>
+        </p:spPr>
+        <p:txBody>
+          <a:bodyPr/>
+          <a:lstStyle/>
+          <a:p>
+            <a:r>
+              <a:rPr lang="en-US" dirty="0" smtClean="0"/>
+              <a:t>propositional logic.</a:t>
+            </a:r>
+            <a:fld id="{3251DA95-B240-47FE-901D-B78FC8E8E532}" type="slidenum">
+              <a:rPr lang="en-US" smtClean="0"/>
+              <a:pPr/>
+              <a:t>2</a:t>
+            </a:fld>
+            <a:endParaRPr lang="en-US" dirty="0"/>
+          </a:p>
+        </p:txBody>
+      </p:sp>
+    </p:spTree>
+  </p:cSld>
+  <p:clrMapOvr>
+    <a:masterClrMapping/>
+  </p:clrMapOvr>
+  <mc:AlternateContent xmlns:mc="http://schemas.openxmlformats.org/markup-compatibility/2006" xmlns:p14="http://schemas.microsoft.com/office/powerpoint/2010/main">
+    <mc:Choice Requires="p14">
+      <p:transition spd="slow" p14:dur="1100" advClick="0">
+        <p:fade thruBlk="1"/>
+      </p:transition>
+    </mc:Choice>
+    <mc:Fallback xmlns="">
+      <p:transition xmlns:p14="http://schemas.microsoft.com/office/powerpoint/2010/main" spd="slow" advClick="0">
+        <p:fade thruBlk="1"/>
+      </p:transition>
+    </mc:Fallback>
+  </mc:AlternateContent>
+  <p:timing>
+    <p:tnLst>
+      <p:par>
+        <p:cTn xmlns:p14="http://schemas.microsoft.com/office/powerpoint/2010/main" id="1" dur="indefinite" restart="never" nodeType="tmRoot"/>
+      </p:par>
+    </p:tnLst>
+  </p:timing>
+</p:sld>
+</file>
+
+<file path=ppt/slides/slide20.xml><?xml version="1.0" encoding="utf-8"?>
 <p:sld xmlns:a="http://schemas.openxmlformats.org/drawingml/2006/main" xmlns:r="http://schemas.openxmlformats.org/officeDocument/2006/relationships" xmlns:p="http://schemas.openxmlformats.org/presentationml/2006/main">
   <p:cSld>
     <p:spTree>
@@ -14295,7 +10276,7 @@
             <a:fld id="{3251DA95-B240-47FE-901D-B78FC8E8E532}" type="slidenum">
               <a:rPr lang="en-US" smtClean="0"/>
               <a:pPr/>
-              <a:t>26</a:t>
+              <a:t>20</a:t>
             </a:fld>
             <a:endParaRPr lang="en-US" dirty="0"/>
           </a:p>
@@ -14556,7 +10537,7 @@
 </p:sld>
 </file>
 
-<file path=ppt/slides/slide27.xml><?xml version="1.0" encoding="utf-8"?>
+<file path=ppt/slides/slide21.xml><?xml version="1.0" encoding="utf-8"?>
 <p:sld xmlns:a="http://schemas.openxmlformats.org/drawingml/2006/main" xmlns:r="http://schemas.openxmlformats.org/officeDocument/2006/relationships" xmlns:p="http://schemas.openxmlformats.org/presentationml/2006/main">
   <p:cSld>
     <p:spTree>
@@ -14812,7 +10793,7 @@
             <a:fld id="{3251DA95-B240-47FE-901D-B78FC8E8E532}" type="slidenum">
               <a:rPr lang="en-US" smtClean="0"/>
               <a:pPr/>
-              <a:t>27</a:t>
+              <a:t>21</a:t>
             </a:fld>
             <a:endParaRPr lang="en-US" dirty="0"/>
           </a:p>
@@ -15155,7 +11136,7 @@
 </p:sld>
 </file>
 
-<file path=ppt/slides/slide28.xml><?xml version="1.0" encoding="utf-8"?>
+<file path=ppt/slides/slide22.xml><?xml version="1.0" encoding="utf-8"?>
 <p:sld xmlns:a="http://schemas.openxmlformats.org/drawingml/2006/main" xmlns:r="http://schemas.openxmlformats.org/officeDocument/2006/relationships" xmlns:p="http://schemas.openxmlformats.org/presentationml/2006/main">
   <p:cSld>
     <p:spTree>
@@ -15227,25 +11208,22 @@
               <a:rPr lang="en-US" sz="4800" dirty="0" smtClean="0">
                 <a:latin typeface="Comic Sans MS" pitchFamily="66" charset="0"/>
               </a:rPr>
-              <a:t>Algebraic &amp; deduction </a:t>
+              <a:t>Algebraic &amp; deduction proofs </a:t>
+            </a:r>
+            <a:r>
+              <a:rPr lang="en-US" sz="4800" dirty="0" smtClean="0">
+                <a:solidFill>
+                  <a:srgbClr val="006600"/>
+                </a:solidFill>
+                <a:latin typeface="Comic Sans MS" pitchFamily="66" charset="0"/>
+              </a:rPr>
+              <a:t>in general</a:t>
             </a:r>
             <a:r>
               <a:rPr lang="en-US" sz="4800" dirty="0" smtClean="0">
                 <a:latin typeface="Comic Sans MS" pitchFamily="66" charset="0"/>
               </a:rPr>
-              <a:t>proofs in </a:t>
-            </a:r>
-            <a:r>
-              <a:rPr lang="en-US" sz="4800" dirty="0" smtClean="0">
-                <a:latin typeface="Comic Sans MS" pitchFamily="66" charset="0"/>
-              </a:rPr>
-              <a:t>general are no </a:t>
-            </a:r>
-            <a:r>
-              <a:rPr lang="en-US" sz="4800" dirty="0" smtClean="0">
-                <a:latin typeface="Comic Sans MS" pitchFamily="66" charset="0"/>
-              </a:rPr>
-              <a:t>better than truth tables. </a:t>
+              <a:t> are no better than truth tables. </a:t>
             </a:r>
           </a:p>
           <a:p>
@@ -15307,7 +11285,7 @@
             <a:fld id="{3251DA95-B240-47FE-901D-B78FC8E8E532}" type="slidenum">
               <a:rPr lang="en-US" smtClean="0"/>
               <a:pPr/>
-              <a:t>28</a:t>
+              <a:t>22</a:t>
             </a:fld>
             <a:endParaRPr lang="en-US" dirty="0"/>
           </a:p>
@@ -15434,8 +11412,8 @@
 </p:sld>
 </file>
 
-<file path=ppt/slides/slide29.xml><?xml version="1.0" encoding="utf-8"?>
-<p:sld xmlns:a="http://schemas.openxmlformats.org/drawingml/2006/main" xmlns:r="http://schemas.openxmlformats.org/officeDocument/2006/relationships" xmlns:p="http://schemas.openxmlformats.org/presentationml/2006/main" show="0">
+<file path=ppt/slides/slide3.xml><?xml version="1.0" encoding="utf-8"?>
+<p:sld xmlns:a="http://schemas.openxmlformats.org/drawingml/2006/main" xmlns:r="http://schemas.openxmlformats.org/officeDocument/2006/relationships" xmlns:p="http://schemas.openxmlformats.org/presentationml/2006/main">
   <p:cSld>
     <p:spTree>
       <p:nvGrpSpPr>
@@ -15453,42 +11431,14 @@
       </p:grpSpPr>
       <p:sp>
         <p:nvSpPr>
-          <p:cNvPr id="2" name="Title 1"/>
-          <p:cNvSpPr>
-            <a:spLocks noGrp="1"/>
-          </p:cNvSpPr>
-          <p:nvPr>
-            <p:ph type="title"/>
-          </p:nvPr>
+          <p:cNvPr id="5" name="TextBox 4"/>
+          <p:cNvSpPr txBox="1"/>
+          <p:nvPr/>
         </p:nvSpPr>
         <p:spPr>
           <a:xfrm>
-            <a:off x="1457070" y="304800"/>
-            <a:ext cx="7543800" cy="1143000"/>
-          </a:xfrm>
-        </p:spPr>
-        <p:txBody>
-          <a:bodyPr/>
-          <a:lstStyle/>
-          <a:p>
-            <a:r>
-              <a:rPr lang="en-US" sz="4000" dirty="0" smtClean="0"/>
-              <a:t>Other Applications</a:t>
-            </a:r>
-            <a:endParaRPr lang="en-US" sz="4000" dirty="0"/>
-          </a:p>
-        </p:txBody>
-      </p:sp>
-      <p:sp>
-        <p:nvSpPr>
-          <p:cNvPr id="7" name="TextBox 6"/>
-          <p:cNvSpPr txBox="1"/>
-          <p:nvPr/>
-        </p:nvSpPr>
-        <p:spPr>
-          <a:xfrm>
-            <a:off x="178039" y="3858422"/>
-            <a:ext cx="8781571" cy="1508105"/>
+            <a:off x="124740" y="1717665"/>
+            <a:ext cx="8985240" cy="4247317"/>
           </a:xfrm>
           <a:prstGeom prst="rect">
             <a:avLst/>
@@ -15496,54 +11446,22 @@
           <a:noFill/>
         </p:spPr>
         <p:txBody>
-          <a:bodyPr wrap="none" rtlCol="0">
+          <a:bodyPr wrap="square" rtlCol="0">
             <a:spAutoFit/>
           </a:bodyPr>
           <a:lstStyle/>
           <a:p>
-            <a:r>
-              <a:rPr lang="en-US" sz="3600" b="1" dirty="0" smtClean="0">
-                <a:latin typeface="Courier New" pitchFamily="49" charset="0"/>
-                <a:cs typeface="Courier New" pitchFamily="49" charset="0"/>
+            <a:pPr algn="l"/>
+            <a:r>
+              <a:rPr lang="en-US" sz="5400" dirty="0" smtClean="0">
+                <a:latin typeface="Comic Sans MS" pitchFamily="66" charset="0"/>
               </a:rPr>
-              <a:t>if ((x&gt;0) || (x </a:t>
-            </a:r>
-            <a:r>
-              <a:rPr lang="en-US" sz="3600" b="1" dirty="0" smtClean="0">
-                <a:latin typeface="Courier New" pitchFamily="49" charset="0"/>
-                <a:cs typeface="Courier New" pitchFamily="49" charset="0"/>
-                <a:sym typeface="Euclid Symbol"/>
-              </a:rPr>
-              <a:t>&lt;= </a:t>
-            </a:r>
-            <a:r>
-              <a:rPr lang="en-US" sz="3600" b="1" dirty="0" smtClean="0">
-                <a:latin typeface="Courier New" pitchFamily="49" charset="0"/>
-                <a:cs typeface="Courier New" pitchFamily="49" charset="0"/>
-              </a:rPr>
-              <a:t>0 &amp;&amp; y&gt;100))</a:t>
-            </a:r>
-          </a:p>
-          <a:p>
-            <a:pPr algn="ctr"/>
-            <a:r>
-              <a:rPr lang="en-US" sz="2800" b="1" dirty="0" smtClean="0">
-                <a:latin typeface="Comic Sans MS" pitchFamily="66" charset="0"/>
-                <a:sym typeface="Euclid Extra"/>
-              </a:rPr>
-              <a:t></a:t>
-            </a:r>
-          </a:p>
-          <a:p>
-            <a:pPr algn="ctr"/>
-            <a:r>
-              <a:rPr lang="en-US" sz="2800" b="1" dirty="0" smtClean="0">
-                <a:latin typeface="Comic Sans MS" pitchFamily="66" charset="0"/>
-                <a:sym typeface="Euclid Extra"/>
-              </a:rPr>
-              <a:t>(more code)</a:t>
-            </a:r>
-            <a:endParaRPr lang="en-US" sz="2800" b="1" dirty="0">
+              <a:t>The text describes a bunch of algebraic rules to prove that propositional formulas are equivalent</a:t>
+            </a:r>
+          </a:p>
+          <a:p>
+            <a:pPr algn="l"/>
+            <a:endParaRPr lang="en-US" sz="5400" dirty="0">
               <a:latin typeface="Comic Sans MS" pitchFamily="66" charset="0"/>
             </a:endParaRPr>
           </a:p>
@@ -15551,7 +11469,35 @@
       </p:sp>
       <p:sp>
         <p:nvSpPr>
-          <p:cNvPr id="6" name="Slide Number Placeholder 2"/>
+          <p:cNvPr id="9" name="Title 1"/>
+          <p:cNvSpPr>
+            <a:spLocks noGrp="1"/>
+          </p:cNvSpPr>
+          <p:nvPr>
+            <p:ph type="title"/>
+          </p:nvPr>
+        </p:nvSpPr>
+        <p:spPr>
+          <a:xfrm>
+            <a:off x="1651000" y="363538"/>
+            <a:ext cx="6794500" cy="1003300"/>
+          </a:xfrm>
+        </p:spPr>
+        <p:txBody>
+          <a:bodyPr/>
+          <a:lstStyle/>
+          <a:p>
+            <a:r>
+              <a:rPr lang="en-US" sz="4000" dirty="0" smtClean="0"/>
+              <a:t>Proving Validity</a:t>
+            </a:r>
+            <a:endParaRPr lang="en-US" sz="4000" dirty="0"/>
+          </a:p>
+        </p:txBody>
+      </p:sp>
+      <p:sp>
+        <p:nvSpPr>
+          <p:cNvPr id="4" name="Slide Number Placeholder 2"/>
           <p:cNvSpPr>
             <a:spLocks noGrp="1"/>
           </p:cNvSpPr>
@@ -15561,8 +11507,8 @@
         </p:nvSpPr>
         <p:spPr>
           <a:xfrm>
-            <a:off x="7443821" y="6553200"/>
-            <a:ext cx="1700180" cy="276999"/>
+            <a:off x="7537747" y="6553200"/>
+            <a:ext cx="1606254" cy="276999"/>
           </a:xfrm>
         </p:spPr>
         <p:txBody>
@@ -15576,134 +11522,18 @@
             <a:fld id="{3251DA95-B240-47FE-901D-B78FC8E8E532}" type="slidenum">
               <a:rPr lang="en-US" smtClean="0"/>
               <a:pPr/>
-              <a:t>29</a:t>
+              <a:t>3</a:t>
             </a:fld>
             <a:endParaRPr lang="en-US" dirty="0"/>
           </a:p>
         </p:txBody>
       </p:sp>
-      <p:sp>
-        <p:nvSpPr>
-          <p:cNvPr id="5" name="TextBox 4"/>
-          <p:cNvSpPr txBox="1"/>
-          <p:nvPr/>
-        </p:nvSpPr>
-        <p:spPr>
-          <a:xfrm>
-            <a:off x="2898829" y="3183430"/>
-            <a:ext cx="915635" cy="707886"/>
-          </a:xfrm>
-          <a:prstGeom prst="rect">
-            <a:avLst/>
-          </a:prstGeom>
-          <a:noFill/>
-        </p:spPr>
-        <p:txBody>
-          <a:bodyPr wrap="none" rtlCol="0">
-            <a:spAutoFit/>
-          </a:bodyPr>
-          <a:lstStyle/>
-          <a:p>
-            <a:r>
-              <a:rPr lang="en-US" sz="4000" dirty="0" smtClean="0">
-                <a:solidFill>
-                  <a:schemeClr val="accent1">
-                    <a:lumMod val="50000"/>
-                  </a:schemeClr>
-                </a:solidFill>
-                <a:latin typeface="Comic Sans MS" pitchFamily="66" charset="0"/>
-              </a:rPr>
-              <a:t>OR</a:t>
-            </a:r>
-            <a:endParaRPr lang="en-US" sz="4000" dirty="0">
-              <a:solidFill>
-                <a:schemeClr val="accent1">
-                  <a:lumMod val="50000"/>
-                </a:schemeClr>
-              </a:solidFill>
-              <a:latin typeface="Comic Sans MS" pitchFamily="66" charset="0"/>
-            </a:endParaRPr>
-          </a:p>
-        </p:txBody>
-      </p:sp>
-      <p:sp>
-        <p:nvSpPr>
-          <p:cNvPr id="8" name="TextBox 7"/>
-          <p:cNvSpPr txBox="1"/>
-          <p:nvPr/>
-        </p:nvSpPr>
-        <p:spPr>
-          <a:xfrm>
-            <a:off x="5636836" y="3206324"/>
-            <a:ext cx="1338829" cy="707886"/>
-          </a:xfrm>
-          <a:prstGeom prst="rect">
-            <a:avLst/>
-          </a:prstGeom>
-          <a:noFill/>
-        </p:spPr>
-        <p:txBody>
-          <a:bodyPr wrap="none" rtlCol="0">
-            <a:spAutoFit/>
-          </a:bodyPr>
-          <a:lstStyle/>
-          <a:p>
-            <a:r>
-              <a:rPr lang="en-US" sz="4000" dirty="0" smtClean="0">
-                <a:solidFill>
-                  <a:schemeClr val="accent1">
-                    <a:lumMod val="50000"/>
-                  </a:schemeClr>
-                </a:solidFill>
-                <a:latin typeface="Comic Sans MS" pitchFamily="66" charset="0"/>
-              </a:rPr>
-              <a:t>AND</a:t>
-            </a:r>
-            <a:endParaRPr lang="en-US" sz="4000" dirty="0">
-              <a:solidFill>
-                <a:schemeClr val="accent1">
-                  <a:lumMod val="50000"/>
-                </a:schemeClr>
-              </a:solidFill>
-              <a:latin typeface="Comic Sans MS" pitchFamily="66" charset="0"/>
-            </a:endParaRPr>
-          </a:p>
-        </p:txBody>
-      </p:sp>
-      <p:sp>
-        <p:nvSpPr>
-          <p:cNvPr id="9" name="TextBox 8"/>
-          <p:cNvSpPr txBox="1"/>
-          <p:nvPr/>
-        </p:nvSpPr>
-        <p:spPr>
-          <a:xfrm>
-            <a:off x="931820" y="1594561"/>
-            <a:ext cx="7464303" cy="830997"/>
-          </a:xfrm>
-          <a:prstGeom prst="rect">
-            <a:avLst/>
-          </a:prstGeom>
-          <a:noFill/>
-        </p:spPr>
-        <p:txBody>
-          <a:bodyPr wrap="none" rtlCol="0">
-            <a:spAutoFit/>
-          </a:bodyPr>
-          <a:lstStyle/>
-          <a:p>
-            <a:pPr algn="l"/>
-            <a:r>
-              <a:rPr lang="en-US" sz="4800" dirty="0" smtClean="0">
-                <a:latin typeface="Comic Sans MS"/>
-                <a:cs typeface="Comic Sans MS"/>
-              </a:rPr>
-              <a:t>Java Logical Expressions:</a:t>
-            </a:r>
-          </a:p>
-        </p:txBody>
-      </p:sp>
     </p:spTree>
+    <p:extLst>
+      <p:ext uri="{BB962C8B-B14F-4D97-AF65-F5344CB8AC3E}">
+        <p14:creationId xmlns:p14="http://schemas.microsoft.com/office/powerpoint/2010/main" val="2402037063"/>
+      </p:ext>
+    </p:extLst>
   </p:cSld>
   <p:clrMapOvr>
     <a:masterClrMapping/>
@@ -15721,8 +11551,8 @@
 </p:sld>
 </file>
 
-<file path=ppt/slides/slide3.xml><?xml version="1.0" encoding="utf-8"?>
-<p:sld xmlns:a="http://schemas.openxmlformats.org/drawingml/2006/main" xmlns:r="http://schemas.openxmlformats.org/officeDocument/2006/relationships" xmlns:p="http://schemas.openxmlformats.org/presentationml/2006/main" show="0">
+<file path=ppt/slides/slide4.xml><?xml version="1.0" encoding="utf-8"?>
+<p:sld xmlns:a="http://schemas.openxmlformats.org/drawingml/2006/main" xmlns:r="http://schemas.openxmlformats.org/officeDocument/2006/relationships" xmlns:p="http://schemas.openxmlformats.org/presentationml/2006/main">
   <p:cSld>
     <p:spTree>
       <p:nvGrpSpPr>
@@ -15740,42 +11570,14 @@
       </p:grpSpPr>
       <p:sp>
         <p:nvSpPr>
-          <p:cNvPr id="20484" name="Rectangle 2"/>
-          <p:cNvSpPr>
-            <a:spLocks noGrp="1" noChangeArrowheads="1"/>
-          </p:cNvSpPr>
-          <p:nvPr>
-            <p:ph type="title"/>
-          </p:nvPr>
-        </p:nvSpPr>
-        <p:spPr>
-          <a:xfrm>
-            <a:off x="1766294" y="304800"/>
-            <a:ext cx="5600272" cy="1071937"/>
-          </a:xfrm>
-        </p:spPr>
-        <p:txBody>
-          <a:bodyPr/>
-          <a:lstStyle/>
-          <a:p>
-            <a:pPr eaLnBrk="1" hangingPunct="1"/>
-            <a:r>
-              <a:rPr lang="en-US" sz="4000" dirty="0" smtClean="0"/>
-              <a:t>A True Implication</a:t>
-            </a:r>
-          </a:p>
-        </p:txBody>
-      </p:sp>
-      <p:sp>
-        <p:nvSpPr>
           <p:cNvPr id="5" name="TextBox 4"/>
           <p:cNvSpPr txBox="1"/>
           <p:nvPr/>
         </p:nvSpPr>
         <p:spPr>
           <a:xfrm>
-            <a:off x="386121" y="1897044"/>
-            <a:ext cx="8141429" cy="2308324"/>
+            <a:off x="124740" y="1717665"/>
+            <a:ext cx="8985240" cy="2585323"/>
           </a:xfrm>
           <a:prstGeom prst="rect">
             <a:avLst/>
@@ -15790,85 +11592,72 @@
           <a:p>
             <a:pPr algn="l"/>
             <a:r>
-              <a:rPr lang="en-US" sz="4800" dirty="0" smtClean="0">
+              <a:rPr lang="en-US" sz="5400" dirty="0" smtClean="0">
+                <a:latin typeface="Comic Sans MS" pitchFamily="66" charset="0"/>
+              </a:rPr>
+              <a:t>for example,</a:t>
+            </a:r>
+          </a:p>
+          <a:p>
+            <a:pPr algn="l"/>
+            <a:r>
+              <a:rPr lang="en-US" sz="5400" dirty="0" smtClean="0">
+                <a:latin typeface="Comic Sans MS" pitchFamily="66" charset="0"/>
+              </a:rPr>
+              <a:t>the </a:t>
+            </a:r>
+            <a:r>
+              <a:rPr lang="en-US" sz="5400" dirty="0" smtClean="0">
                 <a:solidFill>
-                  <a:schemeClr val="accent1">
-                    <a:lumMod val="50000"/>
-                  </a:schemeClr>
+                  <a:srgbClr val="FF03E3"/>
                 </a:solidFill>
                 <a:latin typeface="Comic Sans MS" pitchFamily="66" charset="0"/>
               </a:rPr>
-              <a:t>(1=-1)</a:t>
-            </a:r>
-            <a:r>
-              <a:rPr lang="en-US" sz="4400" dirty="0" smtClean="0">
-                <a:solidFill>
-                  <a:schemeClr val="accent1">
-                    <a:lumMod val="50000"/>
-                  </a:schemeClr>
-                </a:solidFill>
-                <a:latin typeface="Comic Sans MS" pitchFamily="66" charset="0"/>
-              </a:rPr>
-              <a:t> </a:t>
-            </a:r>
-            <a:r>
-              <a:rPr lang="en-US" sz="4000" dirty="0" smtClean="0">
-                <a:solidFill>
-                  <a:schemeClr val="accent1">
-                    <a:lumMod val="50000"/>
-                  </a:schemeClr>
-                </a:solidFill>
-                <a:latin typeface="Comic Sans MS" pitchFamily="66" charset="0"/>
-              </a:rPr>
-              <a:t>IMPLIES</a:t>
-            </a:r>
-            <a:r>
-              <a:rPr lang="en-US" sz="4800" dirty="0" smtClean="0">
-                <a:solidFill>
-                  <a:schemeClr val="accent1">
-                    <a:lumMod val="50000"/>
-                  </a:schemeClr>
-                </a:solidFill>
-                <a:latin typeface="Comic Sans MS" pitchFamily="66" charset="0"/>
-              </a:rPr>
-              <a:t> (I am Pope)</a:t>
+              <a:t>distributive law</a:t>
             </a:r>
           </a:p>
           <a:p>
             <a:pPr algn="l"/>
-            <a:r>
-              <a:rPr lang="en-US" sz="4800" dirty="0" smtClean="0">
-                <a:latin typeface="Comic Sans MS" pitchFamily="66" charset="0"/>
-              </a:rPr>
-              <a:t>We reasoned</a:t>
-            </a:r>
-            <a:r>
-              <a:rPr lang="en-US" sz="4800" i="1" dirty="0" smtClean="0">
-                <a:latin typeface="Comic Sans MS" pitchFamily="66" charset="0"/>
-              </a:rPr>
-              <a:t> correctly </a:t>
-            </a:r>
-            <a:r>
-              <a:rPr lang="en-US" sz="4800" dirty="0" smtClean="0">
-                <a:latin typeface="Comic Sans MS" pitchFamily="66" charset="0"/>
-              </a:rPr>
-              <a:t>to</a:t>
-            </a:r>
-          </a:p>
-          <a:p>
-            <a:pPr algn="l"/>
-            <a:r>
-              <a:rPr lang="en-US" sz="4800" dirty="0" smtClean="0">
-                <a:latin typeface="Comic Sans MS" pitchFamily="66" charset="0"/>
-              </a:rPr>
-              <a:t>reach the false conclusion</a:t>
-            </a:r>
+            <a:endParaRPr lang="en-US" sz="5400" dirty="0">
+              <a:solidFill>
+                <a:srgbClr val="FF03E3"/>
+              </a:solidFill>
+              <a:latin typeface="Comic Sans MS" pitchFamily="66" charset="0"/>
+            </a:endParaRPr>
           </a:p>
         </p:txBody>
       </p:sp>
       <p:sp>
         <p:nvSpPr>
-          <p:cNvPr id="7" name="Slide Number Placeholder 2"/>
+          <p:cNvPr id="9" name="Title 1"/>
+          <p:cNvSpPr>
+            <a:spLocks noGrp="1"/>
+          </p:cNvSpPr>
+          <p:nvPr>
+            <p:ph type="title"/>
+          </p:nvPr>
+        </p:nvSpPr>
+        <p:spPr>
+          <a:xfrm>
+            <a:off x="1651000" y="363538"/>
+            <a:ext cx="6794500" cy="1003300"/>
+          </a:xfrm>
+        </p:spPr>
+        <p:txBody>
+          <a:bodyPr/>
+          <a:lstStyle/>
+          <a:p>
+            <a:r>
+              <a:rPr lang="en-US" sz="4000" dirty="0" smtClean="0"/>
+              <a:t>Algebra for Equivalence</a:t>
+            </a:r>
+            <a:endParaRPr lang="en-US" sz="4000" dirty="0"/>
+          </a:p>
+        </p:txBody>
+      </p:sp>
+      <p:sp>
+        <p:nvSpPr>
+          <p:cNvPr id="4" name="Slide Number Placeholder 2"/>
           <p:cNvSpPr>
             <a:spLocks noGrp="1"/>
           </p:cNvSpPr>
@@ -15878,10 +11667,9 @@
         </p:nvSpPr>
         <p:spPr>
           <a:xfrm>
-            <a:off x="7537748" y="6553200"/>
+            <a:off x="7537747" y="6553200"/>
             <a:ext cx="1606254" cy="276999"/>
           </a:xfrm>
-          <a:noFill/>
         </p:spPr>
         <p:txBody>
           <a:bodyPr/>
@@ -15891,19 +11679,76 @@
               <a:rPr lang="en-US" dirty="0" smtClean="0"/>
               <a:t>propositional logic.</a:t>
             </a:r>
-            <a:fld id="{0150943C-9303-41DF-A6FA-7E32D6C5D18E}" type="slidenum">
+            <a:fld id="{3251DA95-B240-47FE-901D-B78FC8E8E532}" type="slidenum">
               <a:rPr lang="en-US" smtClean="0"/>
               <a:pPr/>
-              <a:t>3</a:t>
+              <a:t>4</a:t>
             </a:fld>
-            <a:endParaRPr lang="en-US" dirty="0" smtClean="0"/>
+            <a:endParaRPr lang="en-US" dirty="0"/>
           </a:p>
         </p:txBody>
       </p:sp>
+      <p:graphicFrame>
+        <p:nvGraphicFramePr>
+          <p:cNvPr id="3" name="Object 2"/>
+          <p:cNvGraphicFramePr>
+            <a:graphicFrameLocks noChangeAspect="1"/>
+          </p:cNvGraphicFramePr>
+          <p:nvPr>
+            <p:extLst>
+              <p:ext uri="{D42A27DB-BD31-4B8C-83A1-F6EECF244321}">
+                <p14:modId xmlns:p14="http://schemas.microsoft.com/office/powerpoint/2010/main" val="1041607882"/>
+              </p:ext>
+            </p:extLst>
+          </p:nvPr>
+        </p:nvGraphicFramePr>
+        <p:xfrm>
+          <a:off x="571765" y="3644900"/>
+          <a:ext cx="7933796" cy="2025650"/>
+        </p:xfrm>
+        <a:graphic>
+          <a:graphicData uri="http://schemas.openxmlformats.org/presentationml/2006/ole">
+            <mc:AlternateContent xmlns:mc="http://schemas.openxmlformats.org/markup-compatibility/2006">
+              <mc:Choice xmlns:v="urn:schemas-microsoft-com:vml" Requires="v">
+                <p:oleObj spid="_x0000_s418823" name="Equation" r:id="rId4" imgW="1790700" imgH="457200" progId="Equation.DSMT4">
+                  <p:embed/>
+                </p:oleObj>
+              </mc:Choice>
+              <mc:Fallback>
+                <p:oleObj name="Equation" r:id="rId4" imgW="1790700" imgH="457200" progId="Equation.DSMT4">
+                  <p:embed/>
+                  <p:pic>
+                    <p:nvPicPr>
+                      <p:cNvPr id="0" name=""/>
+                      <p:cNvPicPr/>
+                      <p:nvPr/>
+                    </p:nvPicPr>
+                    <p:blipFill>
+                      <a:blip r:embed="rId5"/>
+                      <a:stretch>
+                        <a:fillRect/>
+                      </a:stretch>
+                    </p:blipFill>
+                    <p:spPr>
+                      <a:xfrm>
+                        <a:off x="571765" y="3644900"/>
+                        <a:ext cx="7933796" cy="2025650"/>
+                      </a:xfrm>
+                      <a:prstGeom prst="rect">
+                        <a:avLst/>
+                      </a:prstGeom>
+                    </p:spPr>
+                  </p:pic>
+                </p:oleObj>
+              </mc:Fallback>
+            </mc:AlternateContent>
+          </a:graphicData>
+        </a:graphic>
+      </p:graphicFrame>
     </p:spTree>
     <p:extLst>
       <p:ext uri="{BB962C8B-B14F-4D97-AF65-F5344CB8AC3E}">
-        <p14:creationId xmlns:p14="http://schemas.microsoft.com/office/powerpoint/2010/main" val="88418492"/>
+        <p14:creationId xmlns:p14="http://schemas.microsoft.com/office/powerpoint/2010/main" val="3051394283"/>
       </p:ext>
     </p:extLst>
   </p:cSld>
@@ -15934,7 +11779,7 @@
                             </p:stCondLst>
                             <p:childTnLst>
                               <p:par>
-                                <p:cTn id="5" presetID="1" presetClass="entr" presetSubtype="0" fill="hold" nodeType="clickEffect">
+                                <p:cTn id="5" presetID="22" presetClass="entr" presetSubtype="1" fill="hold" nodeType="clickEffect">
                                   <p:stCondLst>
                                     <p:cond delay="0"/>
                                   </p:stCondLst>
@@ -15947,11 +11792,7 @@
                                           </p:stCondLst>
                                         </p:cTn>
                                         <p:tgtEl>
-                                          <p:spTgt spid="5">
-                                            <p:txEl>
-                                              <p:pRg st="1" end="1"/>
-                                            </p:txEl>
-                                          </p:spTgt>
+                                          <p:spTgt spid="3"/>
                                         </p:tgtEl>
                                         <p:attrNameLst>
                                           <p:attrName>style.visibility</p:attrName>
@@ -15961,37 +11802,14 @@
                                         <p:strVal val="visible"/>
                                       </p:to>
                                     </p:set>
-                                  </p:childTnLst>
-                                </p:cTn>
-                              </p:par>
-                              <p:par>
-                                <p:cTn id="7" presetID="1" presetClass="entr" presetSubtype="0" fill="hold" nodeType="withEffect">
-                                  <p:stCondLst>
-                                    <p:cond delay="0"/>
-                                  </p:stCondLst>
-                                  <p:childTnLst>
-                                    <p:set>
+                                    <p:animEffect transition="in" filter="wipe(up)">
                                       <p:cBhvr>
-                                        <p:cTn id="8" dur="1" fill="hold">
-                                          <p:stCondLst>
-                                            <p:cond delay="0"/>
-                                          </p:stCondLst>
-                                        </p:cTn>
+                                        <p:cTn id="7" dur="1000"/>
                                         <p:tgtEl>
-                                          <p:spTgt spid="5">
-                                            <p:txEl>
-                                              <p:pRg st="2" end="2"/>
-                                            </p:txEl>
-                                          </p:spTgt>
+                                          <p:spTgt spid="3"/>
                                         </p:tgtEl>
-                                        <p:attrNameLst>
-                                          <p:attrName>style.visibility</p:attrName>
-                                        </p:attrNameLst>
                                       </p:cBhvr>
-                                      <p:to>
-                                        <p:strVal val="visible"/>
-                                      </p:to>
-                                    </p:set>
+                                    </p:animEffect>
                                   </p:childTnLst>
                                 </p:cTn>
                               </p:par>
@@ -16026,8 +11844,8 @@
 </p:sld>
 </file>
 
-<file path=ppt/slides/slide30.xml><?xml version="1.0" encoding="utf-8"?>
-<p:sld xmlns:a="http://schemas.openxmlformats.org/drawingml/2006/main" xmlns:r="http://schemas.openxmlformats.org/officeDocument/2006/relationships" xmlns:p="http://schemas.openxmlformats.org/presentationml/2006/main" show="0">
+<file path=ppt/slides/slide5.xml><?xml version="1.0" encoding="utf-8"?>
+<p:sld xmlns:a="http://schemas.openxmlformats.org/drawingml/2006/main" xmlns:r="http://schemas.openxmlformats.org/officeDocument/2006/relationships" xmlns:p="http://schemas.openxmlformats.org/presentationml/2006/main">
   <p:cSld>
     <p:spTree>
       <p:nvGrpSpPr>
@@ -16045,1020 +11863,14 @@
       </p:grpSpPr>
       <p:sp>
         <p:nvSpPr>
-          <p:cNvPr id="6" name="Slide Number Placeholder 2"/>
-          <p:cNvSpPr>
-            <a:spLocks noGrp="1"/>
-          </p:cNvSpPr>
-          <p:nvPr>
-            <p:ph type="sldNum" sz="quarter" idx="10"/>
-          </p:nvPr>
+          <p:cNvPr id="5" name="TextBox 4"/>
+          <p:cNvSpPr txBox="1"/>
+          <p:nvPr/>
         </p:nvSpPr>
         <p:spPr>
           <a:xfrm>
-            <a:off x="7443821" y="6553200"/>
-            <a:ext cx="1700180" cy="276999"/>
-          </a:xfrm>
-          <a:noFill/>
-        </p:spPr>
-        <p:txBody>
-          <a:bodyPr/>
-          <a:lstStyle/>
-          <a:p>
-            <a:r>
-              <a:rPr lang="en-US" dirty="0" smtClean="0"/>
-              <a:t>propositional logic.</a:t>
-            </a:r>
-            <a:fld id="{0150943C-9303-41DF-A6FA-7E32D6C5D18E}" type="slidenum">
-              <a:rPr lang="en-US" smtClean="0"/>
-              <a:pPr/>
-              <a:t>30</a:t>
-            </a:fld>
-            <a:endParaRPr lang="en-US" dirty="0" smtClean="0"/>
-          </a:p>
-        </p:txBody>
-      </p:sp>
-      <p:sp>
-        <p:nvSpPr>
-          <p:cNvPr id="7" name="Title 1"/>
-          <p:cNvSpPr>
-            <a:spLocks noGrp="1"/>
-          </p:cNvSpPr>
-          <p:nvPr>
-            <p:ph type="title"/>
-          </p:nvPr>
-        </p:nvSpPr>
-        <p:spPr>
-          <a:xfrm>
-            <a:off x="2401623" y="276412"/>
-            <a:ext cx="4354015" cy="951886"/>
-          </a:xfrm>
-        </p:spPr>
-        <p:txBody>
-          <a:bodyPr/>
-          <a:lstStyle/>
-          <a:p>
-            <a:r>
-              <a:rPr lang="en-US" sz="4000" dirty="0" smtClean="0"/>
-              <a:t>Digital Logic</a:t>
-            </a:r>
-            <a:endParaRPr lang="en-US" sz="4000" dirty="0"/>
-          </a:p>
-        </p:txBody>
-      </p:sp>
-      <p:graphicFrame>
-        <p:nvGraphicFramePr>
-          <p:cNvPr id="8" name="Object 7"/>
-          <p:cNvGraphicFramePr>
-            <a:graphicFrameLocks noChangeAspect="1"/>
-          </p:cNvGraphicFramePr>
-          <p:nvPr>
-            <p:extLst>
-              <p:ext uri="{D42A27DB-BD31-4B8C-83A1-F6EECF244321}">
-                <p14:modId xmlns:p14="http://schemas.microsoft.com/office/powerpoint/2010/main" val="1837302888"/>
-              </p:ext>
-            </p:extLst>
-          </p:nvPr>
-        </p:nvGraphicFramePr>
-        <p:xfrm>
-          <a:off x="3494088" y="1304925"/>
-          <a:ext cx="3286125" cy="4240213"/>
-        </p:xfrm>
-        <a:graphic>
-          <a:graphicData uri="http://schemas.openxmlformats.org/presentationml/2006/ole">
-            <mc:AlternateContent xmlns:mc="http://schemas.openxmlformats.org/markup-compatibility/2006">
-              <mc:Choice xmlns:v="urn:schemas-microsoft-com:vml" Requires="v">
-                <p:oleObj spid="_x0000_s339021" name="Equation" r:id="rId4" imgW="876300" imgH="1130300" progId="Equation.DSMT4">
-                  <p:embed/>
-                </p:oleObj>
-              </mc:Choice>
-              <mc:Fallback>
-                <p:oleObj name="Equation" r:id="rId4" imgW="876300" imgH="1130300" progId="Equation.DSMT4">
-                  <p:embed/>
-                  <p:pic>
-                    <p:nvPicPr>
-                      <p:cNvPr id="0" name="Picture 2"/>
-                      <p:cNvPicPr>
-                        <a:picLocks noChangeAspect="1" noChangeArrowheads="1"/>
-                      </p:cNvPicPr>
-                      <p:nvPr/>
-                    </p:nvPicPr>
-                    <p:blipFill>
-                      <a:blip r:embed="rId5"/>
-                      <a:srcRect/>
-                      <a:stretch>
-                        <a:fillRect/>
-                      </a:stretch>
-                    </p:blipFill>
-                    <p:spPr bwMode="auto">
-                      <a:xfrm>
-                        <a:off x="3494088" y="1304925"/>
-                        <a:ext cx="3286125" cy="4240213"/>
-                      </a:xfrm>
-                      <a:prstGeom prst="rect">
-                        <a:avLst/>
-                      </a:prstGeom>
-                      <a:noFill/>
-                      <a:extLst>
-                        <a:ext uri="{909E8E84-426E-40dd-AFC4-6F175D3DCCD1}">
-                          <a14:hiddenFill xmlns:a14="http://schemas.microsoft.com/office/drawing/2010/main">
-                            <a:solidFill>
-                              <a:srgbClr val="FFFFFF"/>
-                            </a:solidFill>
-                          </a14:hiddenFill>
-                        </a:ext>
-                      </a:extLst>
-                    </p:spPr>
-                  </p:pic>
-                </p:oleObj>
-              </mc:Fallback>
-            </mc:AlternateContent>
-          </a:graphicData>
-        </a:graphic>
-      </p:graphicFrame>
-    </p:spTree>
-  </p:cSld>
-  <p:clrMapOvr>
-    <a:masterClrMapping/>
-  </p:clrMapOvr>
-  <p:transition xmlns:p14="http://schemas.microsoft.com/office/powerpoint/2010/main" spd="slow" advClick="0">
-    <p:fade/>
-  </p:transition>
-  <p:timing>
-    <p:tnLst>
-      <p:par>
-        <p:cTn xmlns:p14="http://schemas.microsoft.com/office/powerpoint/2010/main" id="1" dur="indefinite" restart="never" nodeType="tmRoot"/>
-      </p:par>
-    </p:tnLst>
-  </p:timing>
-</p:sld>
-</file>
-
-<file path=ppt/slides/slide31.xml><?xml version="1.0" encoding="utf-8"?>
-<p:sld xmlns:a="http://schemas.openxmlformats.org/drawingml/2006/main" xmlns:r="http://schemas.openxmlformats.org/officeDocument/2006/relationships" xmlns:p="http://schemas.openxmlformats.org/presentationml/2006/main" show="0">
-  <p:cSld>
-    <p:spTree>
-      <p:nvGrpSpPr>
-        <p:cNvPr id="1" name=""/>
-        <p:cNvGrpSpPr/>
-        <p:nvPr/>
-      </p:nvGrpSpPr>
-      <p:grpSpPr>
-        <a:xfrm>
-          <a:off x="0" y="0"/>
-          <a:ext cx="0" cy="0"/>
-          <a:chOff x="0" y="0"/>
-          <a:chExt cx="0" cy="0"/>
-        </a:xfrm>
-      </p:grpSpPr>
-      <p:pic>
-        <p:nvPicPr>
-          <p:cNvPr id="287748" name="Picture 4"/>
-          <p:cNvPicPr>
-            <a:picLocks noChangeAspect="1" noChangeArrowheads="1"/>
-          </p:cNvPicPr>
-          <p:nvPr/>
-        </p:nvPicPr>
-        <p:blipFill>
-          <a:blip r:embed="rId4"/>
-          <a:srcRect/>
-          <a:stretch>
-            <a:fillRect/>
-          </a:stretch>
-        </p:blipFill>
-        <p:spPr bwMode="auto">
-          <a:xfrm>
-            <a:off x="3024187" y="3436938"/>
-            <a:ext cx="3095625" cy="2000250"/>
-          </a:xfrm>
-          <a:prstGeom prst="rect">
-            <a:avLst/>
-          </a:prstGeom>
-          <a:noFill/>
-          <a:ln w="9525">
-            <a:noFill/>
-            <a:miter lim="800000"/>
-            <a:headEnd/>
-            <a:tailEnd/>
-          </a:ln>
-          <a:effectLst/>
-        </p:spPr>
-      </p:pic>
-      <p:sp>
-        <p:nvSpPr>
-          <p:cNvPr id="15" name="Rectangle 14"/>
-          <p:cNvSpPr/>
-          <p:nvPr/>
-        </p:nvSpPr>
-        <p:spPr>
-          <a:xfrm>
-            <a:off x="3630706" y="3436938"/>
-            <a:ext cx="1963270" cy="2143591"/>
-          </a:xfrm>
-          <a:prstGeom prst="rect">
-            <a:avLst/>
-          </a:prstGeom>
-          <a:noFill/>
-          <a:ln>
-            <a:solidFill>
-              <a:schemeClr val="tx2"/>
-            </a:solidFill>
-            <a:prstDash val="sysDash"/>
-          </a:ln>
-        </p:spPr>
-        <p:style>
-          <a:lnRef idx="2">
-            <a:schemeClr val="accent1">
-              <a:shade val="50000"/>
-            </a:schemeClr>
-          </a:lnRef>
-          <a:fillRef idx="1">
-            <a:schemeClr val="accent1"/>
-          </a:fillRef>
-          <a:effectRef idx="0">
-            <a:schemeClr val="accent1"/>
-          </a:effectRef>
-          <a:fontRef idx="minor">
-            <a:schemeClr val="lt1"/>
-          </a:fontRef>
-        </p:style>
-        <p:txBody>
-          <a:bodyPr rtlCol="0" anchor="ctr"/>
-          <a:lstStyle/>
-          <a:p>
-            <a:pPr algn="ctr"/>
-            <a:endParaRPr lang="en-US"/>
-          </a:p>
-        </p:txBody>
-      </p:sp>
-      <p:sp>
-        <p:nvSpPr>
-          <p:cNvPr id="16" name="TextBox 15"/>
-          <p:cNvSpPr txBox="1"/>
-          <p:nvPr/>
-        </p:nvSpPr>
-        <p:spPr>
-          <a:xfrm>
-            <a:off x="3477790" y="5782235"/>
-            <a:ext cx="2188420" cy="584775"/>
-          </a:xfrm>
-          <a:prstGeom prst="rect">
-            <a:avLst/>
-          </a:prstGeom>
-          <a:noFill/>
-        </p:spPr>
-        <p:txBody>
-          <a:bodyPr wrap="none" rtlCol="0">
-            <a:spAutoFit/>
-          </a:bodyPr>
-          <a:lstStyle/>
-          <a:p>
-            <a:r>
-              <a:rPr lang="en-US" sz="3200" dirty="0" smtClean="0">
-                <a:latin typeface="Comic Sans MS" pitchFamily="66" charset="0"/>
-              </a:rPr>
-              <a:t>half adder</a:t>
-            </a:r>
-            <a:endParaRPr lang="en-US" sz="3200" dirty="0">
-              <a:latin typeface="Comic Sans MS" pitchFamily="66" charset="0"/>
-            </a:endParaRPr>
-          </a:p>
-        </p:txBody>
-      </p:sp>
-      <p:sp>
-        <p:nvSpPr>
-          <p:cNvPr id="17" name="TextBox 16"/>
-          <p:cNvSpPr txBox="1"/>
-          <p:nvPr/>
-        </p:nvSpPr>
-        <p:spPr>
-          <a:xfrm>
-            <a:off x="4572000" y="6306671"/>
-            <a:ext cx="4216219" cy="276999"/>
-          </a:xfrm>
-          <a:prstGeom prst="rect">
-            <a:avLst/>
-          </a:prstGeom>
-          <a:noFill/>
-        </p:spPr>
-        <p:txBody>
-          <a:bodyPr wrap="none" rtlCol="0">
-            <a:spAutoFit/>
-          </a:bodyPr>
-          <a:lstStyle/>
-          <a:p>
-            <a:r>
-              <a:rPr lang="en-US" sz="1200" dirty="0" smtClean="0"/>
-              <a:t>from </a:t>
-            </a:r>
-            <a:r>
-              <a:rPr lang="en-US" sz="1000" dirty="0" smtClean="0">
-                <a:latin typeface="Courier New" pitchFamily="49" charset="0"/>
-                <a:cs typeface="Courier New" pitchFamily="49" charset="0"/>
-              </a:rPr>
-              <a:t>http://en.wikipedia.org/wiki/Adder_(electronics)</a:t>
-            </a:r>
-            <a:endParaRPr lang="en-US" sz="1000" dirty="0">
-              <a:latin typeface="Courier New" pitchFamily="49" charset="0"/>
-              <a:cs typeface="Courier New" pitchFamily="49" charset="0"/>
-            </a:endParaRPr>
-          </a:p>
-        </p:txBody>
-      </p:sp>
-      <p:sp>
-        <p:nvSpPr>
-          <p:cNvPr id="10" name="Slide Number Placeholder 2"/>
-          <p:cNvSpPr>
-            <a:spLocks noGrp="1"/>
-          </p:cNvSpPr>
-          <p:nvPr>
-            <p:ph type="sldNum" sz="quarter" idx="10"/>
-          </p:nvPr>
-        </p:nvSpPr>
-        <p:spPr>
-          <a:xfrm>
-            <a:off x="7443821" y="6553200"/>
-            <a:ext cx="1700180" cy="276999"/>
-          </a:xfrm>
-          <a:noFill/>
-        </p:spPr>
-        <p:txBody>
-          <a:bodyPr/>
-          <a:lstStyle/>
-          <a:p>
-            <a:r>
-              <a:rPr lang="en-US" dirty="0" smtClean="0"/>
-              <a:t>propositional logic.</a:t>
-            </a:r>
-            <a:fld id="{0150943C-9303-41DF-A6FA-7E32D6C5D18E}" type="slidenum">
-              <a:rPr lang="en-US" smtClean="0"/>
-              <a:pPr/>
-              <a:t>31</a:t>
-            </a:fld>
-            <a:endParaRPr lang="en-US" dirty="0" smtClean="0"/>
-          </a:p>
-        </p:txBody>
-      </p:sp>
-      <p:sp>
-        <p:nvSpPr>
-          <p:cNvPr id="13" name="Title 1"/>
-          <p:cNvSpPr>
-            <a:spLocks noGrp="1"/>
-          </p:cNvSpPr>
-          <p:nvPr>
-            <p:ph type="title"/>
-          </p:nvPr>
-        </p:nvSpPr>
-        <p:spPr>
-          <a:xfrm>
-            <a:off x="1678539" y="239328"/>
-            <a:ext cx="6785252" cy="1021487"/>
-          </a:xfrm>
-        </p:spPr>
-        <p:txBody>
-          <a:bodyPr/>
-          <a:lstStyle/>
-          <a:p>
-            <a:r>
-              <a:rPr lang="en-US" sz="4000" dirty="0" smtClean="0"/>
-              <a:t>Application:  Digital Logic</a:t>
-            </a:r>
-            <a:endParaRPr lang="en-US" sz="4000" dirty="0"/>
-          </a:p>
-        </p:txBody>
-      </p:sp>
-      <p:graphicFrame>
-        <p:nvGraphicFramePr>
-          <p:cNvPr id="9" name="Object 8"/>
-          <p:cNvGraphicFramePr>
-            <a:graphicFrameLocks noChangeAspect="1"/>
-          </p:cNvGraphicFramePr>
-          <p:nvPr>
-            <p:extLst>
-              <p:ext uri="{D42A27DB-BD31-4B8C-83A1-F6EECF244321}">
-                <p14:modId xmlns:p14="http://schemas.microsoft.com/office/powerpoint/2010/main" val="857794340"/>
-              </p:ext>
-            </p:extLst>
-          </p:nvPr>
-        </p:nvGraphicFramePr>
-        <p:xfrm>
-          <a:off x="2447925" y="1244600"/>
-          <a:ext cx="4300538" cy="1860550"/>
-        </p:xfrm>
-        <a:graphic>
-          <a:graphicData uri="http://schemas.openxmlformats.org/presentationml/2006/ole">
-            <mc:AlternateContent xmlns:mc="http://schemas.openxmlformats.org/markup-compatibility/2006">
-              <mc:Choice xmlns:v="urn:schemas-microsoft-com:vml" Requires="v">
-                <p:oleObj spid="_x0000_s400462" name="Equation" r:id="rId5" imgW="2349500" imgH="1016000" progId="Equation.DSMT4">
-                  <p:embed/>
-                </p:oleObj>
-              </mc:Choice>
-              <mc:Fallback>
-                <p:oleObj name="Equation" r:id="rId5" imgW="2349500" imgH="1016000" progId="Equation.DSMT4">
-                  <p:embed/>
-                  <p:pic>
-                    <p:nvPicPr>
-                      <p:cNvPr id="0" name="Picture 2"/>
-                      <p:cNvPicPr>
-                        <a:picLocks noChangeAspect="1" noChangeArrowheads="1"/>
-                      </p:cNvPicPr>
-                      <p:nvPr/>
-                    </p:nvPicPr>
-                    <p:blipFill>
-                      <a:blip r:embed="rId6"/>
-                      <a:srcRect/>
-                      <a:stretch>
-                        <a:fillRect/>
-                      </a:stretch>
-                    </p:blipFill>
-                    <p:spPr bwMode="auto">
-                      <a:xfrm>
-                        <a:off x="2447925" y="1244600"/>
-                        <a:ext cx="4300538" cy="1860550"/>
-                      </a:xfrm>
-                      <a:prstGeom prst="rect">
-                        <a:avLst/>
-                      </a:prstGeom>
-                      <a:noFill/>
-                      <a:extLst>
-                        <a:ext uri="{909E8E84-426E-40dd-AFC4-6F175D3DCCD1}">
-                          <a14:hiddenFill xmlns:a14="http://schemas.microsoft.com/office/drawing/2010/main">
-                            <a:solidFill>
-                              <a:srgbClr val="FFFFFF"/>
-                            </a:solidFill>
-                          </a14:hiddenFill>
-                        </a:ext>
-                      </a:extLst>
-                    </p:spPr>
-                  </p:pic>
-                </p:oleObj>
-              </mc:Fallback>
-            </mc:AlternateContent>
-          </a:graphicData>
-        </a:graphic>
-      </p:graphicFrame>
-    </p:spTree>
-  </p:cSld>
-  <p:clrMapOvr>
-    <a:masterClrMapping/>
-  </p:clrMapOvr>
-  <p:transition xmlns:p14="http://schemas.microsoft.com/office/powerpoint/2010/main" spd="slow" advClick="0">
-    <p:fade/>
-  </p:transition>
-  <p:timing>
-    <p:tnLst>
-      <p:par>
-        <p:cTn xmlns:p14="http://schemas.microsoft.com/office/powerpoint/2010/main" id="1" dur="indefinite" restart="never" nodeType="tmRoot"/>
-      </p:par>
-    </p:tnLst>
-  </p:timing>
-</p:sld>
-</file>
-
-<file path=ppt/slides/slide32.xml><?xml version="1.0" encoding="utf-8"?>
-<p:sld xmlns:a="http://schemas.openxmlformats.org/drawingml/2006/main" xmlns:r="http://schemas.openxmlformats.org/officeDocument/2006/relationships" xmlns:p="http://schemas.openxmlformats.org/presentationml/2006/main" show="0">
-  <p:cSld>
-    <p:spTree>
-      <p:nvGrpSpPr>
-        <p:cNvPr id="1" name=""/>
-        <p:cNvGrpSpPr/>
-        <p:nvPr/>
-      </p:nvGrpSpPr>
-      <p:grpSpPr>
-        <a:xfrm>
-          <a:off x="0" y="0"/>
-          <a:ext cx="0" cy="0"/>
-          <a:chOff x="0" y="0"/>
-          <a:chExt cx="0" cy="0"/>
-        </a:xfrm>
-      </p:grpSpPr>
-      <p:sp>
-        <p:nvSpPr>
-          <p:cNvPr id="8" name="Rectangle 7"/>
-          <p:cNvSpPr/>
-          <p:nvPr/>
-        </p:nvSpPr>
-        <p:spPr>
-          <a:xfrm>
-            <a:off x="4572000" y="3514170"/>
-            <a:ext cx="1317812" cy="1344705"/>
-          </a:xfrm>
-          <a:prstGeom prst="rect">
-            <a:avLst/>
-          </a:prstGeom>
-          <a:noFill/>
-          <a:ln>
-            <a:solidFill>
-              <a:schemeClr val="tx2"/>
-            </a:solidFill>
-            <a:prstDash val="sysDash"/>
-          </a:ln>
-        </p:spPr>
-        <p:style>
-          <a:lnRef idx="2">
-            <a:schemeClr val="accent1">
-              <a:shade val="50000"/>
-            </a:schemeClr>
-          </a:lnRef>
-          <a:fillRef idx="1">
-            <a:schemeClr val="accent1"/>
-          </a:fillRef>
-          <a:effectRef idx="0">
-            <a:schemeClr val="accent1"/>
-          </a:effectRef>
-          <a:fontRef idx="minor">
-            <a:schemeClr val="lt1"/>
-          </a:fontRef>
-        </p:style>
-        <p:txBody>
-          <a:bodyPr rtlCol="0" anchor="ctr"/>
-          <a:lstStyle/>
-          <a:p>
-            <a:pPr algn="ctr"/>
-            <a:endParaRPr lang="en-US" sz="2800"/>
-          </a:p>
-        </p:txBody>
-      </p:sp>
-      <p:grpSp>
-        <p:nvGrpSpPr>
-          <p:cNvPr id="2" name="Group 50"/>
-          <p:cNvGrpSpPr/>
-          <p:nvPr/>
-        </p:nvGrpSpPr>
-        <p:grpSpPr>
-          <a:xfrm>
-            <a:off x="914399" y="4007228"/>
-            <a:ext cx="2299448" cy="1358152"/>
-            <a:chOff x="914399" y="3872758"/>
-            <a:chExt cx="2299448" cy="1358152"/>
-          </a:xfrm>
-        </p:grpSpPr>
-        <p:sp>
-          <p:nvSpPr>
-            <p:cNvPr id="15" name="Rectangle 14"/>
-            <p:cNvSpPr/>
-            <p:nvPr/>
-          </p:nvSpPr>
-          <p:spPr>
-            <a:xfrm>
-              <a:off x="1896035" y="3886205"/>
-              <a:ext cx="1317812" cy="1344705"/>
-            </a:xfrm>
-            <a:prstGeom prst="rect">
-              <a:avLst/>
-            </a:prstGeom>
-            <a:noFill/>
-            <a:ln>
-              <a:solidFill>
-                <a:schemeClr val="tx2"/>
-              </a:solidFill>
-              <a:prstDash val="sysDash"/>
-            </a:ln>
-          </p:spPr>
-          <p:style>
-            <a:lnRef idx="2">
-              <a:schemeClr val="accent1">
-                <a:shade val="50000"/>
-              </a:schemeClr>
-            </a:lnRef>
-            <a:fillRef idx="1">
-              <a:schemeClr val="accent1"/>
-            </a:fillRef>
-            <a:effectRef idx="0">
-              <a:schemeClr val="accent1"/>
-            </a:effectRef>
-            <a:fontRef idx="minor">
-              <a:schemeClr val="lt1"/>
-            </a:fontRef>
-          </p:style>
-          <p:txBody>
-            <a:bodyPr rtlCol="0" anchor="ctr"/>
-            <a:lstStyle/>
-            <a:p>
-              <a:pPr algn="ctr"/>
-              <a:endParaRPr lang="en-US" sz="2800"/>
-            </a:p>
-          </p:txBody>
-        </p:sp>
-        <p:grpSp>
-          <p:nvGrpSpPr>
-            <p:cNvPr id="3" name="Group 17"/>
-            <p:cNvGrpSpPr/>
-            <p:nvPr/>
-          </p:nvGrpSpPr>
-          <p:grpSpPr>
-            <a:xfrm>
-              <a:off x="914399" y="3872758"/>
-              <a:ext cx="968189" cy="523220"/>
-              <a:chOff x="914399" y="4975412"/>
-              <a:chExt cx="968189" cy="523220"/>
-            </a:xfrm>
-          </p:grpSpPr>
-          <p:cxnSp>
-            <p:nvCxnSpPr>
-              <p:cNvPr id="13" name="Straight Arrow Connector 12"/>
-              <p:cNvCxnSpPr/>
-              <p:nvPr/>
-            </p:nvCxnSpPr>
-            <p:spPr>
-              <a:xfrm>
-                <a:off x="1290918" y="5230906"/>
-                <a:ext cx="591670" cy="1588"/>
-              </a:xfrm>
-              <a:prstGeom prst="straightConnector1">
-                <a:avLst/>
-              </a:prstGeom>
-              <a:ln w="25400">
-                <a:solidFill>
-                  <a:schemeClr val="tx1"/>
-                </a:solidFill>
-                <a:tailEnd type="stealth" w="lg" len="lg"/>
-              </a:ln>
-            </p:spPr>
-            <p:style>
-              <a:lnRef idx="1">
-                <a:schemeClr val="accent1"/>
-              </a:lnRef>
-              <a:fillRef idx="0">
-                <a:schemeClr val="accent1"/>
-              </a:fillRef>
-              <a:effectRef idx="0">
-                <a:schemeClr val="accent1"/>
-              </a:effectRef>
-              <a:fontRef idx="minor">
-                <a:schemeClr val="tx1"/>
-              </a:fontRef>
-            </p:style>
-          </p:cxnSp>
-          <p:sp>
-            <p:nvSpPr>
-              <p:cNvPr id="17" name="TextBox 16"/>
-              <p:cNvSpPr txBox="1"/>
-              <p:nvPr/>
-            </p:nvSpPr>
-            <p:spPr>
-              <a:xfrm>
-                <a:off x="914399" y="4975412"/>
-                <a:ext cx="447558" cy="523220"/>
-              </a:xfrm>
-              <a:prstGeom prst="rect">
-                <a:avLst/>
-              </a:prstGeom>
-              <a:noFill/>
-            </p:spPr>
-            <p:txBody>
-              <a:bodyPr wrap="none" rtlCol="0">
-                <a:spAutoFit/>
-              </a:bodyPr>
-              <a:lstStyle/>
-              <a:p>
-                <a:r>
-                  <a:rPr lang="en-US" sz="2800" dirty="0" smtClean="0">
-                    <a:latin typeface="Comic Sans MS" pitchFamily="66" charset="0"/>
-                  </a:rPr>
-                  <a:t>A</a:t>
-                </a:r>
-                <a:endParaRPr lang="en-US" sz="2800" dirty="0">
-                  <a:latin typeface="Comic Sans MS" pitchFamily="66" charset="0"/>
-                </a:endParaRPr>
-              </a:p>
-            </p:txBody>
-          </p:sp>
-        </p:grpSp>
-        <p:grpSp>
-          <p:nvGrpSpPr>
-            <p:cNvPr id="4" name="Group 18"/>
-            <p:cNvGrpSpPr/>
-            <p:nvPr/>
-          </p:nvGrpSpPr>
-          <p:grpSpPr>
-            <a:xfrm>
-              <a:off x="918882" y="4616829"/>
-              <a:ext cx="968189" cy="523220"/>
-              <a:chOff x="914399" y="4988859"/>
-              <a:chExt cx="968189" cy="523220"/>
-            </a:xfrm>
-          </p:grpSpPr>
-          <p:cxnSp>
-            <p:nvCxnSpPr>
-              <p:cNvPr id="20" name="Straight Arrow Connector 19"/>
-              <p:cNvCxnSpPr/>
-              <p:nvPr/>
-            </p:nvCxnSpPr>
-            <p:spPr>
-              <a:xfrm>
-                <a:off x="1290918" y="5230906"/>
-                <a:ext cx="591670" cy="1588"/>
-              </a:xfrm>
-              <a:prstGeom prst="straightConnector1">
-                <a:avLst/>
-              </a:prstGeom>
-              <a:ln w="25400">
-                <a:solidFill>
-                  <a:schemeClr val="tx1"/>
-                </a:solidFill>
-                <a:tailEnd type="stealth" w="lg" len="lg"/>
-              </a:ln>
-            </p:spPr>
-            <p:style>
-              <a:lnRef idx="1">
-                <a:schemeClr val="accent1"/>
-              </a:lnRef>
-              <a:fillRef idx="0">
-                <a:schemeClr val="accent1"/>
-              </a:fillRef>
-              <a:effectRef idx="0">
-                <a:schemeClr val="accent1"/>
-              </a:effectRef>
-              <a:fontRef idx="minor">
-                <a:schemeClr val="tx1"/>
-              </a:fontRef>
-            </p:style>
-          </p:cxnSp>
-          <p:sp>
-            <p:nvSpPr>
-              <p:cNvPr id="21" name="TextBox 20"/>
-              <p:cNvSpPr txBox="1"/>
-              <p:nvPr/>
-            </p:nvSpPr>
-            <p:spPr>
-              <a:xfrm>
-                <a:off x="914399" y="4988859"/>
-                <a:ext cx="410690" cy="523220"/>
-              </a:xfrm>
-              <a:prstGeom prst="rect">
-                <a:avLst/>
-              </a:prstGeom>
-              <a:noFill/>
-            </p:spPr>
-            <p:txBody>
-              <a:bodyPr wrap="none" rtlCol="0">
-                <a:spAutoFit/>
-              </a:bodyPr>
-              <a:lstStyle/>
-              <a:p>
-                <a:r>
-                  <a:rPr lang="en-US" sz="2800" dirty="0" smtClean="0">
-                    <a:latin typeface="Comic Sans MS" pitchFamily="66" charset="0"/>
-                  </a:rPr>
-                  <a:t>B</a:t>
-                </a:r>
-                <a:endParaRPr lang="en-US" sz="2800" dirty="0">
-                  <a:latin typeface="Comic Sans MS" pitchFamily="66" charset="0"/>
-                </a:endParaRPr>
-              </a:p>
-            </p:txBody>
-          </p:sp>
-        </p:grpSp>
-      </p:grpSp>
-      <p:grpSp>
-        <p:nvGrpSpPr>
-          <p:cNvPr id="5" name="Group 21"/>
-          <p:cNvGrpSpPr/>
-          <p:nvPr/>
-        </p:nvGrpSpPr>
-        <p:grpSpPr>
-          <a:xfrm>
-            <a:off x="3546659" y="3444412"/>
-            <a:ext cx="1025341" cy="584775"/>
-            <a:chOff x="857247" y="4945995"/>
-            <a:chExt cx="1025341" cy="584775"/>
-          </a:xfrm>
-        </p:grpSpPr>
-        <p:cxnSp>
-          <p:nvCxnSpPr>
-            <p:cNvPr id="23" name="Straight Arrow Connector 22"/>
-            <p:cNvCxnSpPr/>
-            <p:nvPr/>
-          </p:nvCxnSpPr>
-          <p:spPr>
-            <a:xfrm>
-              <a:off x="1290918" y="5230906"/>
-              <a:ext cx="591670" cy="1588"/>
-            </a:xfrm>
-            <a:prstGeom prst="straightConnector1">
-              <a:avLst/>
-            </a:prstGeom>
-            <a:ln w="25400">
-              <a:solidFill>
-                <a:schemeClr val="tx1"/>
-              </a:solidFill>
-              <a:tailEnd type="stealth" w="lg" len="lg"/>
-            </a:ln>
-          </p:spPr>
-          <p:style>
-            <a:lnRef idx="1">
-              <a:schemeClr val="accent1"/>
-            </a:lnRef>
-            <a:fillRef idx="0">
-              <a:schemeClr val="accent1"/>
-            </a:fillRef>
-            <a:effectRef idx="0">
-              <a:schemeClr val="accent1"/>
-            </a:effectRef>
-            <a:fontRef idx="minor">
-              <a:schemeClr val="tx1"/>
-            </a:fontRef>
-          </p:style>
-        </p:cxnSp>
-        <p:sp>
-          <p:nvSpPr>
-            <p:cNvPr id="24" name="TextBox 23"/>
-            <p:cNvSpPr txBox="1"/>
-            <p:nvPr/>
-          </p:nvSpPr>
-          <p:spPr>
-            <a:xfrm>
-              <a:off x="857247" y="4945995"/>
-              <a:ext cx="615874" cy="584775"/>
-            </a:xfrm>
-            <a:prstGeom prst="rect">
-              <a:avLst/>
-            </a:prstGeom>
-            <a:noFill/>
-          </p:spPr>
-          <p:txBody>
-            <a:bodyPr wrap="none" rtlCol="0">
-              <a:spAutoFit/>
-            </a:bodyPr>
-            <a:lstStyle/>
-            <a:p>
-              <a:r>
-                <a:rPr lang="en-US" sz="3200" dirty="0" err="1" smtClean="0">
-                  <a:latin typeface="Comic Sans MS" pitchFamily="66" charset="0"/>
-                </a:rPr>
-                <a:t>c</a:t>
-              </a:r>
-              <a:r>
-                <a:rPr lang="en-US" sz="3200" baseline="-25000" dirty="0" err="1" smtClean="0">
-                  <a:latin typeface="Comic Sans MS" pitchFamily="66" charset="0"/>
-                </a:rPr>
-                <a:t>in</a:t>
-              </a:r>
-              <a:endParaRPr lang="en-US" sz="3200" baseline="-25000" dirty="0">
-                <a:latin typeface="Comic Sans MS" pitchFamily="66" charset="0"/>
-              </a:endParaRPr>
-            </a:p>
-          </p:txBody>
-        </p:sp>
-      </p:grpSp>
-      <p:cxnSp>
-        <p:nvCxnSpPr>
-          <p:cNvPr id="27" name="Elbow Connector 26"/>
-          <p:cNvCxnSpPr/>
-          <p:nvPr/>
-        </p:nvCxnSpPr>
-        <p:spPr>
-          <a:xfrm flipV="1">
-            <a:off x="3200400" y="4262718"/>
-            <a:ext cx="3711388" cy="847170"/>
-          </a:xfrm>
-          <a:prstGeom prst="bentConnector3">
-            <a:avLst>
-              <a:gd name="adj1" fmla="val 91576"/>
-            </a:avLst>
-          </a:prstGeom>
-          <a:ln w="25400">
-            <a:solidFill>
-              <a:schemeClr val="tx1"/>
-            </a:solidFill>
-            <a:tailEnd type="stealth" w="lg" len="lg"/>
-          </a:ln>
-        </p:spPr>
-        <p:style>
-          <a:lnRef idx="1">
-            <a:schemeClr val="accent1"/>
-          </a:lnRef>
-          <a:fillRef idx="0">
-            <a:schemeClr val="accent1"/>
-          </a:fillRef>
-          <a:effectRef idx="0">
-            <a:schemeClr val="accent1"/>
-          </a:effectRef>
-          <a:fontRef idx="minor">
-            <a:schemeClr val="tx1"/>
-          </a:fontRef>
-        </p:style>
-      </p:cxnSp>
-      <p:cxnSp>
-        <p:nvCxnSpPr>
-          <p:cNvPr id="30" name="Elbow Connector 29"/>
-          <p:cNvCxnSpPr/>
-          <p:nvPr/>
-        </p:nvCxnSpPr>
-        <p:spPr>
-          <a:xfrm flipV="1">
-            <a:off x="5921188" y="3886200"/>
-            <a:ext cx="963706" cy="784416"/>
-          </a:xfrm>
-          <a:prstGeom prst="bentConnector3">
-            <a:avLst>
-              <a:gd name="adj1" fmla="val 50000"/>
-            </a:avLst>
-          </a:prstGeom>
-          <a:ln w="25400">
-            <a:solidFill>
-              <a:schemeClr val="tx1"/>
-            </a:solidFill>
-            <a:tailEnd type="stealth" w="lg" len="lg"/>
-          </a:ln>
-        </p:spPr>
-        <p:style>
-          <a:lnRef idx="1">
-            <a:schemeClr val="accent1"/>
-          </a:lnRef>
-          <a:fillRef idx="0">
-            <a:schemeClr val="accent1"/>
-          </a:fillRef>
-          <a:effectRef idx="0">
-            <a:schemeClr val="accent1"/>
-          </a:effectRef>
-          <a:fontRef idx="minor">
-            <a:schemeClr val="tx1"/>
-          </a:fontRef>
-        </p:style>
-      </p:cxnSp>
-      <p:cxnSp>
-        <p:nvCxnSpPr>
-          <p:cNvPr id="33" name="Elbow Connector 32"/>
-          <p:cNvCxnSpPr/>
-          <p:nvPr/>
-        </p:nvCxnSpPr>
-        <p:spPr>
-          <a:xfrm flipV="1">
-            <a:off x="5934635" y="3267640"/>
-            <a:ext cx="2066365" cy="515471"/>
-          </a:xfrm>
-          <a:prstGeom prst="bentConnector3">
-            <a:avLst>
-              <a:gd name="adj1" fmla="val 7701"/>
-            </a:avLst>
-          </a:prstGeom>
-          <a:ln w="25400">
-            <a:solidFill>
-              <a:schemeClr val="tx1"/>
-            </a:solidFill>
-            <a:tailEnd type="stealth" w="lg" len="lg"/>
-          </a:ln>
-        </p:spPr>
-        <p:style>
-          <a:lnRef idx="1">
-            <a:schemeClr val="accent1"/>
-          </a:lnRef>
-          <a:fillRef idx="0">
-            <a:schemeClr val="accent1"/>
-          </a:fillRef>
-          <a:effectRef idx="0">
-            <a:schemeClr val="accent1"/>
-          </a:effectRef>
-          <a:fontRef idx="minor">
-            <a:schemeClr val="tx1"/>
-          </a:fontRef>
-        </p:style>
-      </p:cxnSp>
-      <p:sp>
-        <p:nvSpPr>
-          <p:cNvPr id="39" name="TextBox 38"/>
-          <p:cNvSpPr txBox="1"/>
-          <p:nvPr/>
-        </p:nvSpPr>
-        <p:spPr>
-          <a:xfrm>
-            <a:off x="8001000" y="2998699"/>
-            <a:ext cx="425116" cy="584775"/>
-          </a:xfrm>
-          <a:prstGeom prst="rect">
-            <a:avLst/>
-          </a:prstGeom>
-          <a:noFill/>
-        </p:spPr>
-        <p:txBody>
-          <a:bodyPr wrap="none" rtlCol="0">
-            <a:spAutoFit/>
-          </a:bodyPr>
-          <a:lstStyle/>
-          <a:p>
-            <a:r>
-              <a:rPr lang="en-US" sz="3200" dirty="0" smtClean="0">
-                <a:latin typeface="Comic Sans MS" pitchFamily="66" charset="0"/>
-              </a:rPr>
-              <a:t>d</a:t>
-            </a:r>
-            <a:endParaRPr lang="en-US" sz="3200" dirty="0">
-              <a:latin typeface="Comic Sans MS" pitchFamily="66" charset="0"/>
-            </a:endParaRPr>
-          </a:p>
-        </p:txBody>
-      </p:sp>
-      <p:sp>
-        <p:nvSpPr>
-          <p:cNvPr id="40" name="TextBox 39"/>
-          <p:cNvSpPr txBox="1"/>
-          <p:nvPr/>
-        </p:nvSpPr>
-        <p:spPr>
-          <a:xfrm rot="10800000" flipV="1">
-            <a:off x="8032373" y="3777688"/>
-            <a:ext cx="854452" cy="594286"/>
+            <a:off x="124740" y="1717665"/>
+            <a:ext cx="8985240" cy="2585323"/>
           </a:xfrm>
           <a:prstGeom prst="rect">
             <a:avLst/>
@@ -17071,19 +11883,41 @@
           </a:bodyPr>
           <a:lstStyle/>
           <a:p>
-            <a:r>
-              <a:rPr lang="en-US" sz="3200" dirty="0" err="1" smtClean="0">
+            <a:pPr algn="l"/>
+            <a:r>
+              <a:rPr lang="en-US" sz="5400" dirty="0" smtClean="0">
                 <a:latin typeface="Comic Sans MS" pitchFamily="66" charset="0"/>
               </a:rPr>
-              <a:t>c</a:t>
-            </a:r>
-            <a:r>
-              <a:rPr lang="en-US" sz="3200" baseline="-25000" dirty="0" err="1" smtClean="0">
+              <a:t>for example,</a:t>
+            </a:r>
+          </a:p>
+          <a:p>
+            <a:pPr algn="l"/>
+            <a:r>
+              <a:rPr lang="en-US" sz="5400" dirty="0" err="1" smtClean="0">
+                <a:solidFill>
+                  <a:srgbClr val="FF03E3"/>
+                </a:solidFill>
                 <a:latin typeface="Comic Sans MS" pitchFamily="66" charset="0"/>
               </a:rPr>
-              <a:t>out</a:t>
-            </a:r>
-            <a:endParaRPr lang="en-US" sz="3200" baseline="-25000" dirty="0">
+              <a:t>DeMorgan’s</a:t>
+            </a:r>
+            <a:r>
+              <a:rPr lang="en-US" sz="5400" dirty="0" smtClean="0">
+                <a:solidFill>
+                  <a:srgbClr val="FF03E3"/>
+                </a:solidFill>
+                <a:latin typeface="Comic Sans MS" pitchFamily="66" charset="0"/>
+              </a:rPr>
+              <a:t> law</a:t>
+            </a:r>
+          </a:p>
+          <a:p>
+            <a:pPr algn="l"/>
+            <a:endParaRPr lang="en-US" sz="5400" dirty="0">
+              <a:solidFill>
+                <a:srgbClr val="FF03E3"/>
+              </a:solidFill>
               <a:latin typeface="Comic Sans MS" pitchFamily="66" charset="0"/>
             </a:endParaRPr>
           </a:p>
@@ -17091,349 +11925,7 @@
       </p:sp>
       <p:sp>
         <p:nvSpPr>
-          <p:cNvPr id="42" name="Flowchart: Stored Data 41"/>
-          <p:cNvSpPr/>
-          <p:nvPr/>
-        </p:nvSpPr>
-        <p:spPr>
-          <a:xfrm rot="10800000">
-            <a:off x="6844553" y="3751733"/>
-            <a:ext cx="793376" cy="658902"/>
-          </a:xfrm>
-          <a:prstGeom prst="flowChartOnlineStorage">
-            <a:avLst/>
-          </a:prstGeom>
-          <a:noFill/>
-          <a:ln>
-            <a:solidFill>
-              <a:schemeClr val="tx1"/>
-            </a:solidFill>
-          </a:ln>
-        </p:spPr>
-        <p:style>
-          <a:lnRef idx="2">
-            <a:schemeClr val="accent1">
-              <a:shade val="50000"/>
-            </a:schemeClr>
-          </a:lnRef>
-          <a:fillRef idx="1">
-            <a:schemeClr val="accent1"/>
-          </a:fillRef>
-          <a:effectRef idx="0">
-            <a:schemeClr val="accent1"/>
-          </a:effectRef>
-          <a:fontRef idx="minor">
-            <a:schemeClr val="lt1"/>
-          </a:fontRef>
-        </p:style>
-        <p:txBody>
-          <a:bodyPr rtlCol="0" anchor="ctr"/>
-          <a:lstStyle/>
-          <a:p>
-            <a:pPr algn="ctr"/>
-            <a:endParaRPr lang="en-US" sz="2800"/>
-          </a:p>
-        </p:txBody>
-      </p:sp>
-      <p:cxnSp>
-        <p:nvCxnSpPr>
-          <p:cNvPr id="44" name="Straight Arrow Connector 43"/>
-          <p:cNvCxnSpPr>
-            <a:stCxn id="42" idx="1"/>
-            <a:endCxn id="40" idx="3"/>
-          </p:cNvCxnSpPr>
-          <p:nvPr/>
-        </p:nvCxnSpPr>
-        <p:spPr>
-          <a:xfrm flipV="1">
-            <a:off x="7637929" y="4074831"/>
-            <a:ext cx="394444" cy="6353"/>
-          </a:xfrm>
-          <a:prstGeom prst="straightConnector1">
-            <a:avLst/>
-          </a:prstGeom>
-          <a:ln w="25400">
-            <a:solidFill>
-              <a:schemeClr val="tx1"/>
-            </a:solidFill>
-            <a:tailEnd type="stealth" w="lg" len="lg"/>
-          </a:ln>
-        </p:spPr>
-        <p:style>
-          <a:lnRef idx="1">
-            <a:schemeClr val="accent1"/>
-          </a:lnRef>
-          <a:fillRef idx="0">
-            <a:schemeClr val="accent1"/>
-          </a:fillRef>
-          <a:effectRef idx="0">
-            <a:schemeClr val="accent1"/>
-          </a:effectRef>
-          <a:fontRef idx="minor">
-            <a:schemeClr val="tx1"/>
-          </a:fontRef>
-        </p:style>
-      </p:cxnSp>
-      <p:sp>
-        <p:nvSpPr>
-          <p:cNvPr id="47" name="TextBox 46"/>
-          <p:cNvSpPr txBox="1"/>
-          <p:nvPr/>
-        </p:nvSpPr>
-        <p:spPr>
-          <a:xfrm>
-            <a:off x="3477790" y="5782235"/>
-            <a:ext cx="2066591" cy="584775"/>
-          </a:xfrm>
-          <a:prstGeom prst="rect">
-            <a:avLst/>
-          </a:prstGeom>
-          <a:noFill/>
-        </p:spPr>
-        <p:txBody>
-          <a:bodyPr wrap="none" rtlCol="0">
-            <a:spAutoFit/>
-          </a:bodyPr>
-          <a:lstStyle/>
-          <a:p>
-            <a:r>
-              <a:rPr lang="en-US" sz="3200" dirty="0" smtClean="0">
-                <a:latin typeface="Comic Sans MS" pitchFamily="66" charset="0"/>
-              </a:rPr>
-              <a:t>full adder</a:t>
-            </a:r>
-            <a:endParaRPr lang="en-US" sz="3200" dirty="0">
-              <a:latin typeface="Comic Sans MS" pitchFamily="66" charset="0"/>
-            </a:endParaRPr>
-          </a:p>
-        </p:txBody>
-      </p:sp>
-      <p:cxnSp>
-        <p:nvCxnSpPr>
-          <p:cNvPr id="55" name="Straight Arrow Connector 54"/>
-          <p:cNvCxnSpPr/>
-          <p:nvPr/>
-        </p:nvCxnSpPr>
-        <p:spPr>
-          <a:xfrm>
-            <a:off x="3213847" y="4410635"/>
-            <a:ext cx="1358153" cy="1588"/>
-          </a:xfrm>
-          <a:prstGeom prst="straightConnector1">
-            <a:avLst/>
-          </a:prstGeom>
-          <a:ln w="25400">
-            <a:solidFill>
-              <a:schemeClr val="tx1"/>
-            </a:solidFill>
-            <a:tailEnd type="stealth" w="lg" len="lg"/>
-          </a:ln>
-        </p:spPr>
-        <p:style>
-          <a:lnRef idx="1">
-            <a:schemeClr val="accent1"/>
-          </a:lnRef>
-          <a:fillRef idx="0">
-            <a:schemeClr val="accent1"/>
-          </a:fillRef>
-          <a:effectRef idx="0">
-            <a:schemeClr val="accent1"/>
-          </a:effectRef>
-          <a:fontRef idx="minor">
-            <a:schemeClr val="tx1"/>
-          </a:fontRef>
-        </p:style>
-      </p:cxnSp>
-      <p:sp>
-        <p:nvSpPr>
-          <p:cNvPr id="28" name="TextBox 27"/>
-          <p:cNvSpPr txBox="1"/>
-          <p:nvPr/>
-        </p:nvSpPr>
-        <p:spPr>
-          <a:xfrm rot="10800000" flipV="1">
-            <a:off x="3755655" y="4301985"/>
-            <a:ext cx="444869" cy="584775"/>
-          </a:xfrm>
-          <a:prstGeom prst="rect">
-            <a:avLst/>
-          </a:prstGeom>
-          <a:noFill/>
-        </p:spPr>
-        <p:txBody>
-          <a:bodyPr wrap="square" rtlCol="0">
-            <a:spAutoFit/>
-          </a:bodyPr>
-          <a:lstStyle/>
-          <a:p>
-            <a:r>
-              <a:rPr lang="en-US" dirty="0" smtClean="0">
-                <a:latin typeface="Comic Sans MS" pitchFamily="66" charset="0"/>
-              </a:rPr>
-              <a:t>s</a:t>
-            </a:r>
-            <a:endParaRPr lang="en-US" sz="3200" baseline="-25000" dirty="0">
-              <a:latin typeface="Comic Sans MS" pitchFamily="66" charset="0"/>
-            </a:endParaRPr>
-          </a:p>
-        </p:txBody>
-      </p:sp>
-      <p:sp>
-        <p:nvSpPr>
-          <p:cNvPr id="29" name="TextBox 28"/>
-          <p:cNvSpPr txBox="1"/>
-          <p:nvPr/>
-        </p:nvSpPr>
-        <p:spPr>
-          <a:xfrm rot="10800000" flipV="1">
-            <a:off x="3779469" y="4989570"/>
-            <a:ext cx="444876" cy="584775"/>
-          </a:xfrm>
-          <a:prstGeom prst="rect">
-            <a:avLst/>
-          </a:prstGeom>
-          <a:noFill/>
-        </p:spPr>
-        <p:txBody>
-          <a:bodyPr wrap="square" rtlCol="0">
-            <a:spAutoFit/>
-          </a:bodyPr>
-          <a:lstStyle/>
-          <a:p>
-            <a:r>
-              <a:rPr lang="en-US" dirty="0" smtClean="0">
-                <a:latin typeface="Comic Sans MS" pitchFamily="66" charset="0"/>
-              </a:rPr>
-              <a:t>c</a:t>
-            </a:r>
-            <a:endParaRPr lang="en-US" sz="3200" baseline="-25000" dirty="0">
-              <a:latin typeface="Comic Sans MS" pitchFamily="66" charset="0"/>
-            </a:endParaRPr>
-          </a:p>
-        </p:txBody>
-      </p:sp>
-      <p:sp>
-        <p:nvSpPr>
-          <p:cNvPr id="31" name="Slide Number Placeholder 2"/>
-          <p:cNvSpPr txBox="1">
-            <a:spLocks/>
-          </p:cNvSpPr>
-          <p:nvPr/>
-        </p:nvSpPr>
-        <p:spPr bwMode="auto">
-          <a:xfrm>
-            <a:off x="7389228" y="6540057"/>
-            <a:ext cx="1700180" cy="276999"/>
-          </a:xfrm>
-          <a:prstGeom prst="rect">
-            <a:avLst/>
-          </a:prstGeom>
-          <a:noFill/>
-          <a:ln w="9525">
-            <a:noFill/>
-            <a:miter lim="800000"/>
-            <a:headEnd/>
-            <a:tailEnd/>
-          </a:ln>
-          <a:effectLst/>
-        </p:spPr>
-        <p:txBody>
-          <a:bodyPr vert="horz" wrap="none" lIns="91440" tIns="45720" rIns="91440" bIns="45720" numCol="1" anchor="t" anchorCtr="0" compatLnSpc="1">
-            <a:prstTxWarp prst="textNoShape">
-              <a:avLst/>
-            </a:prstTxWarp>
-            <a:spAutoFit/>
-          </a:bodyPr>
-          <a:lstStyle/>
-          <a:p>
-            <a:pPr marL="0" marR="0" lvl="0" indent="0" algn="r" defTabSz="914400" rtl="0" eaLnBrk="1" fontAlgn="base" latinLnBrk="0" hangingPunct="1">
-              <a:lnSpc>
-                <a:spcPct val="100000"/>
-              </a:lnSpc>
-              <a:spcBef>
-                <a:spcPct val="0"/>
-              </a:spcBef>
-              <a:spcAft>
-                <a:spcPct val="0"/>
-              </a:spcAft>
-              <a:buClrTx/>
-              <a:buSzTx/>
-              <a:buFontTx/>
-              <a:buNone/>
-              <a:tabLst/>
-              <a:defRPr/>
-            </a:pPr>
-            <a:r>
-              <a:rPr kumimoji="0" lang="en-US" sz="1200" b="0" i="0" u="none" strike="noStrike" kern="1200" cap="none" spc="0" normalizeH="0" baseline="0" noProof="0" dirty="0" smtClean="0">
-                <a:ln>
-                  <a:noFill/>
-                </a:ln>
-                <a:solidFill>
-                  <a:schemeClr val="tx1"/>
-                </a:solidFill>
-                <a:effectLst/>
-                <a:uLnTx/>
-                <a:uFillTx/>
-                <a:latin typeface="Comic Sans MS" pitchFamily="66" charset="0"/>
-                <a:ea typeface="+mn-ea"/>
-                <a:cs typeface="+mn-cs"/>
-              </a:rPr>
-              <a:t>propositional logic.</a:t>
-            </a:r>
-            <a:fld id="{0150943C-9303-41DF-A6FA-7E32D6C5D18E}" type="slidenum">
-              <a:rPr kumimoji="0" lang="en-US" sz="1200" b="0" i="0" u="none" strike="noStrike" kern="1200" cap="none" spc="0" normalizeH="0" baseline="0" noProof="0" smtClean="0">
-                <a:ln>
-                  <a:noFill/>
-                </a:ln>
-                <a:solidFill>
-                  <a:schemeClr val="tx1"/>
-                </a:solidFill>
-                <a:effectLst/>
-                <a:uLnTx/>
-                <a:uFillTx/>
-                <a:latin typeface="Comic Sans MS" pitchFamily="66" charset="0"/>
-                <a:ea typeface="+mn-ea"/>
-                <a:cs typeface="+mn-cs"/>
-              </a:rPr>
-              <a:pPr marL="0" marR="0" lvl="0" indent="0" algn="r" defTabSz="914400" rtl="0" eaLnBrk="1" fontAlgn="base" latinLnBrk="0" hangingPunct="1">
-                <a:lnSpc>
-                  <a:spcPct val="100000"/>
-                </a:lnSpc>
-                <a:spcBef>
-                  <a:spcPct val="0"/>
-                </a:spcBef>
-                <a:spcAft>
-                  <a:spcPct val="0"/>
-                </a:spcAft>
-                <a:buClrTx/>
-                <a:buSzTx/>
-                <a:buFontTx/>
-                <a:buNone/>
-                <a:tabLst/>
-                <a:defRPr/>
-              </a:pPr>
-              <a:t>32</a:t>
-            </a:fld>
-            <a:endParaRPr kumimoji="0" lang="en-US" sz="1200" b="0" i="0" u="none" strike="noStrike" kern="1200" cap="none" spc="0" normalizeH="0" baseline="0" noProof="0" dirty="0" smtClean="0">
-              <a:ln>
-                <a:noFill/>
-              </a:ln>
-              <a:solidFill>
-                <a:schemeClr val="tx1"/>
-              </a:solidFill>
-              <a:effectLst/>
-              <a:uLnTx/>
-              <a:uFillTx/>
-              <a:latin typeface="Comic Sans MS" pitchFamily="66" charset="0"/>
-              <a:ea typeface="+mn-ea"/>
-              <a:cs typeface="+mn-cs"/>
-            </a:endParaRPr>
-          </a:p>
-        </p:txBody>
-      </p:sp>
-      <p:sp>
-        <p:nvSpPr>
-          <p:cNvPr id="35" name="Title 1"/>
+          <p:cNvPr id="9" name="Title 1"/>
           <p:cNvSpPr>
             <a:spLocks noGrp="1"/>
           </p:cNvSpPr>
@@ -17443,8 +11935,8 @@
         </p:nvSpPr>
         <p:spPr>
           <a:xfrm>
-            <a:off x="2401623" y="276412"/>
-            <a:ext cx="4354015" cy="951886"/>
+            <a:off x="1651000" y="363538"/>
+            <a:ext cx="6794500" cy="1003300"/>
           </a:xfrm>
         </p:spPr>
         <p:txBody>
@@ -17453,74 +11945,94 @@
           <a:p>
             <a:r>
               <a:rPr lang="en-US" sz="4000" dirty="0" smtClean="0"/>
-              <a:t>Digital Logic</a:t>
+              <a:t>Algebra for Equivalence</a:t>
             </a:r>
             <a:endParaRPr lang="en-US" sz="4000" dirty="0"/>
+          </a:p>
+        </p:txBody>
+      </p:sp>
+      <p:sp>
+        <p:nvSpPr>
+          <p:cNvPr id="4" name="Slide Number Placeholder 2"/>
+          <p:cNvSpPr>
+            <a:spLocks noGrp="1"/>
+          </p:cNvSpPr>
+          <p:nvPr>
+            <p:ph type="sldNum" sz="quarter" idx="10"/>
+          </p:nvPr>
+        </p:nvSpPr>
+        <p:spPr>
+          <a:xfrm>
+            <a:off x="7537747" y="6553200"/>
+            <a:ext cx="1606254" cy="276999"/>
+          </a:xfrm>
+        </p:spPr>
+        <p:txBody>
+          <a:bodyPr/>
+          <a:lstStyle/>
+          <a:p>
+            <a:r>
+              <a:rPr lang="en-US" dirty="0" smtClean="0"/>
+              <a:t>propositional logic.</a:t>
+            </a:r>
+            <a:fld id="{3251DA95-B240-47FE-901D-B78FC8E8E532}" type="slidenum">
+              <a:rPr lang="en-US" smtClean="0"/>
+              <a:pPr/>
+              <a:t>5</a:t>
+            </a:fld>
+            <a:endParaRPr lang="en-US" dirty="0"/>
           </a:p>
         </p:txBody>
       </p:sp>
       <p:graphicFrame>
         <p:nvGraphicFramePr>
-          <p:cNvPr id="32" name="Object 31"/>
+          <p:cNvPr id="3" name="Object 2"/>
           <p:cNvGraphicFramePr>
             <a:graphicFrameLocks noChangeAspect="1"/>
           </p:cNvGraphicFramePr>
           <p:nvPr>
             <p:extLst>
               <p:ext uri="{D42A27DB-BD31-4B8C-83A1-F6EECF244321}">
-                <p14:modId xmlns:p14="http://schemas.microsoft.com/office/powerpoint/2010/main" val="3321774446"/>
+                <p14:modId xmlns:p14="http://schemas.microsoft.com/office/powerpoint/2010/main" val="3546711320"/>
               </p:ext>
             </p:extLst>
           </p:nvPr>
         </p:nvGraphicFramePr>
         <p:xfrm>
-          <a:off x="1941513" y="1076325"/>
-          <a:ext cx="5303837" cy="1814513"/>
+          <a:off x="1217613" y="3644900"/>
+          <a:ext cx="6640512" cy="2025650"/>
         </p:xfrm>
         <a:graphic>
           <a:graphicData uri="http://schemas.openxmlformats.org/presentationml/2006/ole">
             <mc:AlternateContent xmlns:mc="http://schemas.openxmlformats.org/markup-compatibility/2006">
               <mc:Choice xmlns:v="urn:schemas-microsoft-com:vml" Requires="v">
-                <p:oleObj spid="_x0000_s401486" name="Equation" r:id="rId4" imgW="3784600" imgH="1295400" progId="Equation.DSMT4">
+                <p:oleObj spid="_x0000_s419846" name="Equation" r:id="rId4" imgW="1498600" imgH="457200" progId="Equation.DSMT4">
                   <p:embed/>
                 </p:oleObj>
               </mc:Choice>
               <mc:Fallback>
-                <p:oleObj name="Equation" r:id="rId4" imgW="3784600" imgH="1295400" progId="Equation.DSMT4">
+                <p:oleObj name="Equation" r:id="rId4" imgW="1498600" imgH="457200" progId="Equation.DSMT4">
                   <p:embed/>
                   <p:pic>
                     <p:nvPicPr>
-                      <p:cNvPr id="0" name="Picture 2"/>
-                      <p:cNvPicPr>
-                        <a:picLocks noChangeAspect="1" noChangeArrowheads="1"/>
-                      </p:cNvPicPr>
+                      <p:cNvPr id="0" name=""/>
+                      <p:cNvPicPr/>
                       <p:nvPr/>
                     </p:nvPicPr>
                     <p:blipFill>
                       <a:blip r:embed="rId5"/>
-                      <a:srcRect/>
                       <a:stretch>
                         <a:fillRect/>
                       </a:stretch>
                     </p:blipFill>
-                    <p:spPr bwMode="auto">
+                    <p:spPr>
                       <a:xfrm>
-                        <a:off x="1941513" y="1076325"/>
-                        <a:ext cx="5303837" cy="1814513"/>
+                        <a:off x="1217613" y="3644900"/>
+                        <a:ext cx="6640512" cy="2025650"/>
                       </a:xfrm>
                       <a:prstGeom prst="rect">
                         <a:avLst/>
                       </a:prstGeom>
-                      <a:noFill/>
-                      <a:extLst>
-                        <a:ext uri="{909E8E84-426E-40dd-AFC4-6F175D3DCCD1}">
-                          <a14:hiddenFill xmlns:a14="http://schemas.microsoft.com/office/drawing/2010/main">
-                            <a:solidFill>
-                              <a:srgbClr val="FFFFFF"/>
-                            </a:solidFill>
-                          </a14:hiddenFill>
-                        </a:ext>
-                      </a:extLst>
                     </p:spPr>
                   </p:pic>
                 </p:oleObj>
@@ -17530,473 +12042,9 @@
         </a:graphic>
       </p:graphicFrame>
     </p:spTree>
-  </p:cSld>
-  <p:clrMapOvr>
-    <a:masterClrMapping/>
-  </p:clrMapOvr>
-  <p:transition xmlns:p14="http://schemas.microsoft.com/office/powerpoint/2010/main" spd="slow" advClick="0">
-    <p:fade/>
-  </p:transition>
-  <p:timing>
-    <p:tnLst>
-      <p:par>
-        <p:cTn xmlns:p14="http://schemas.microsoft.com/office/powerpoint/2010/main" id="1" dur="indefinite" restart="never" nodeType="tmRoot"/>
-      </p:par>
-    </p:tnLst>
-  </p:timing>
-</p:sld>
-</file>
-
-<file path=ppt/slides/slide33.xml><?xml version="1.0" encoding="utf-8"?>
-<p:sld xmlns:a="http://schemas.openxmlformats.org/drawingml/2006/main" xmlns:r="http://schemas.openxmlformats.org/officeDocument/2006/relationships" xmlns:p="http://schemas.openxmlformats.org/presentationml/2006/main" show="0">
-  <p:cSld>
-    <p:spTree>
-      <p:nvGrpSpPr>
-        <p:cNvPr id="1" name=""/>
-        <p:cNvGrpSpPr/>
-        <p:nvPr/>
-      </p:nvGrpSpPr>
-      <p:grpSpPr>
-        <a:xfrm>
-          <a:off x="0" y="0"/>
-          <a:ext cx="0" cy="0"/>
-          <a:chOff x="0" y="0"/>
-          <a:chExt cx="0" cy="0"/>
-        </a:xfrm>
-      </p:grpSpPr>
-      <p:sp>
-        <p:nvSpPr>
-          <p:cNvPr id="34818" name="Slide Number Placeholder 3"/>
-          <p:cNvSpPr>
-            <a:spLocks noGrp="1"/>
-          </p:cNvSpPr>
-          <p:nvPr>
-            <p:ph type="sldNum" sz="quarter" idx="10"/>
-          </p:nvPr>
-        </p:nvSpPr>
-        <p:spPr>
-          <a:xfrm>
-            <a:off x="7443822" y="6567488"/>
-            <a:ext cx="1700180" cy="276999"/>
-          </a:xfrm>
-          <a:noFill/>
-        </p:spPr>
-        <p:txBody>
-          <a:bodyPr/>
-          <a:lstStyle/>
-          <a:p>
-            <a:r>
-              <a:rPr lang="en-US" sz="1200" dirty="0" smtClean="0"/>
-              <a:t>propositional logic.</a:t>
-            </a:r>
-            <a:fld id="{CBD9AEC5-2546-4473-B982-5733658B7CFB}" type="slidenum">
-              <a:rPr lang="en-US" sz="1200" smtClean="0"/>
-              <a:pPr/>
-              <a:t>33</a:t>
-            </a:fld>
-            <a:endParaRPr lang="en-US" sz="1200" dirty="0" smtClean="0"/>
-          </a:p>
-        </p:txBody>
-      </p:sp>
-      <p:sp>
-        <p:nvSpPr>
-          <p:cNvPr id="34819" name="Rectangle 2"/>
-          <p:cNvSpPr>
-            <a:spLocks noGrp="1" noChangeArrowheads="1"/>
-          </p:cNvSpPr>
-          <p:nvPr>
-            <p:ph type="title"/>
-          </p:nvPr>
-        </p:nvSpPr>
-        <p:spPr/>
-        <p:txBody>
-          <a:bodyPr/>
-          <a:lstStyle/>
-          <a:p>
-            <a:r>
-              <a:rPr lang="en-US" sz="4800" dirty="0" smtClean="0"/>
-              <a:t>Team Problems</a:t>
-            </a:r>
-          </a:p>
-        </p:txBody>
-      </p:sp>
-      <p:sp>
-        <p:nvSpPr>
-          <p:cNvPr id="34820" name="Rectangle 3"/>
-          <p:cNvSpPr>
-            <a:spLocks noGrp="1" noChangeArrowheads="1"/>
-          </p:cNvSpPr>
-          <p:nvPr>
-            <p:ph type="body" idx="1"/>
-          </p:nvPr>
-        </p:nvSpPr>
-        <p:spPr>
-          <a:xfrm>
-            <a:off x="952469" y="1068642"/>
-            <a:ext cx="7491455" cy="5026749"/>
-          </a:xfrm>
-        </p:spPr>
-        <p:txBody>
-          <a:bodyPr/>
-          <a:lstStyle/>
-          <a:p>
-            <a:pPr algn="ctr">
-              <a:spcBef>
-                <a:spcPts val="1200"/>
-              </a:spcBef>
-              <a:buFontTx/>
-              <a:buNone/>
-            </a:pPr>
-            <a:r>
-              <a:rPr lang="en-US" sz="9600" dirty="0" smtClean="0"/>
-              <a:t>Problems</a:t>
-            </a:r>
-          </a:p>
-          <a:p>
-            <a:pPr algn="ctr">
-              <a:spcBef>
-                <a:spcPts val="1200"/>
-              </a:spcBef>
-              <a:buFontTx/>
-              <a:buNone/>
-            </a:pPr>
-            <a:r>
-              <a:rPr lang="en-US" sz="9600" dirty="0" smtClean="0"/>
-              <a:t> 1—3</a:t>
-            </a:r>
-          </a:p>
-          <a:p>
-            <a:pPr algn="ctr">
-              <a:spcBef>
-                <a:spcPts val="1200"/>
-              </a:spcBef>
-            </a:pPr>
-            <a:r>
-              <a:rPr lang="en-US" sz="8000" dirty="0" smtClean="0"/>
-              <a:t>extra 4 &amp; 5</a:t>
-            </a:r>
-          </a:p>
-        </p:txBody>
-      </p:sp>
-    </p:spTree>
-  </p:cSld>
-  <p:clrMapOvr>
-    <a:masterClrMapping/>
-  </p:clrMapOvr>
-  <p:transition xmlns:p14="http://schemas.microsoft.com/office/powerpoint/2010/main" spd="slow" advClick="0">
-    <p:fade/>
-  </p:transition>
-  <p:timing>
-    <p:tnLst>
-      <p:par>
-        <p:cTn xmlns:p14="http://schemas.microsoft.com/office/powerpoint/2010/main" id="1" dur="indefinite" restart="never" nodeType="tmRoot"/>
-      </p:par>
-    </p:tnLst>
-  </p:timing>
-</p:sld>
-</file>
-
-<file path=ppt/slides/slide4.xml><?xml version="1.0" encoding="utf-8"?>
-<p:sld xmlns:a="http://schemas.openxmlformats.org/drawingml/2006/main" xmlns:r="http://schemas.openxmlformats.org/officeDocument/2006/relationships" xmlns:p="http://schemas.openxmlformats.org/presentationml/2006/main" show="0">
-  <p:cSld>
-    <p:spTree>
-      <p:nvGrpSpPr>
-        <p:cNvPr id="1" name=""/>
-        <p:cNvGrpSpPr/>
-        <p:nvPr/>
-      </p:nvGrpSpPr>
-      <p:grpSpPr>
-        <a:xfrm>
-          <a:off x="0" y="0"/>
-          <a:ext cx="0" cy="0"/>
-          <a:chOff x="0" y="0"/>
-          <a:chExt cx="0" cy="0"/>
-        </a:xfrm>
-      </p:grpSpPr>
-      <p:sp>
-        <p:nvSpPr>
-          <p:cNvPr id="20484" name="Rectangle 2"/>
-          <p:cNvSpPr>
-            <a:spLocks noGrp="1" noChangeArrowheads="1"/>
-          </p:cNvSpPr>
-          <p:nvPr>
-            <p:ph type="title"/>
-          </p:nvPr>
-        </p:nvSpPr>
-        <p:spPr>
-          <a:xfrm>
-            <a:off x="1766294" y="304800"/>
-            <a:ext cx="5600272" cy="1071937"/>
-          </a:xfrm>
-        </p:spPr>
-        <p:txBody>
-          <a:bodyPr/>
-          <a:lstStyle/>
-          <a:p>
-            <a:pPr eaLnBrk="1" hangingPunct="1"/>
-            <a:r>
-              <a:rPr lang="en-US" sz="4000" dirty="0" smtClean="0"/>
-              <a:t>A True Implication</a:t>
-            </a:r>
-          </a:p>
-        </p:txBody>
-      </p:sp>
-      <p:sp>
-        <p:nvSpPr>
-          <p:cNvPr id="5" name="TextBox 4"/>
-          <p:cNvSpPr txBox="1"/>
-          <p:nvPr/>
-        </p:nvSpPr>
-        <p:spPr>
-          <a:xfrm>
-            <a:off x="386121" y="1897044"/>
-            <a:ext cx="8141429" cy="2308324"/>
-          </a:xfrm>
-          <a:prstGeom prst="rect">
-            <a:avLst/>
-          </a:prstGeom>
-          <a:noFill/>
-        </p:spPr>
-        <p:txBody>
-          <a:bodyPr wrap="square" rtlCol="0">
-            <a:spAutoFit/>
-          </a:bodyPr>
-          <a:lstStyle/>
-          <a:p>
-            <a:pPr algn="l"/>
-            <a:r>
-              <a:rPr lang="en-US" sz="4800" dirty="0" smtClean="0">
-                <a:solidFill>
-                  <a:schemeClr val="accent1">
-                    <a:lumMod val="50000"/>
-                  </a:schemeClr>
-                </a:solidFill>
-                <a:latin typeface="Comic Sans MS" pitchFamily="66" charset="0"/>
-              </a:rPr>
-              <a:t>(1=-1) </a:t>
-            </a:r>
-            <a:r>
-              <a:rPr lang="en-US" sz="3600" dirty="0" smtClean="0">
-                <a:solidFill>
-                  <a:schemeClr val="accent1">
-                    <a:lumMod val="50000"/>
-                  </a:schemeClr>
-                </a:solidFill>
-                <a:latin typeface="Comic Sans MS" pitchFamily="66" charset="0"/>
-              </a:rPr>
-              <a:t>IMPLIES</a:t>
-            </a:r>
-            <a:r>
-              <a:rPr lang="en-US" sz="4800" dirty="0" smtClean="0">
-                <a:solidFill>
-                  <a:schemeClr val="accent1">
-                    <a:lumMod val="50000"/>
-                  </a:schemeClr>
-                </a:solidFill>
-                <a:latin typeface="Comic Sans MS" pitchFamily="66" charset="0"/>
-              </a:rPr>
-              <a:t> </a:t>
-            </a:r>
-            <a:r>
-              <a:rPr lang="en-US" sz="4800" dirty="0" smtClean="0">
-                <a:solidFill>
-                  <a:srgbClr val="BB0FAB"/>
-                </a:solidFill>
-                <a:latin typeface="Comic Sans MS" pitchFamily="66" charset="0"/>
-              </a:rPr>
-              <a:t>(I am Pope)</a:t>
-            </a:r>
-          </a:p>
-          <a:p>
-            <a:pPr algn="l"/>
-            <a:r>
-              <a:rPr lang="en-US" sz="4800" dirty="0" smtClean="0">
-                <a:latin typeface="Comic Sans MS" pitchFamily="66" charset="0"/>
-              </a:rPr>
-              <a:t>We reasoned</a:t>
-            </a:r>
-            <a:r>
-              <a:rPr lang="en-US" sz="4800" i="1" dirty="0" smtClean="0">
-                <a:latin typeface="Comic Sans MS" pitchFamily="66" charset="0"/>
-              </a:rPr>
-              <a:t> correctly </a:t>
-            </a:r>
-            <a:r>
-              <a:rPr lang="en-US" sz="4800" dirty="0" smtClean="0">
-                <a:latin typeface="Comic Sans MS" pitchFamily="66" charset="0"/>
-              </a:rPr>
-              <a:t>to</a:t>
-            </a:r>
-          </a:p>
-          <a:p>
-            <a:pPr algn="l"/>
-            <a:r>
-              <a:rPr lang="en-US" sz="4800" dirty="0" smtClean="0">
-                <a:latin typeface="Comic Sans MS" pitchFamily="66" charset="0"/>
-              </a:rPr>
-              <a:t>reach the false </a:t>
-            </a:r>
-            <a:r>
-              <a:rPr lang="en-US" sz="4800" dirty="0" smtClean="0">
-                <a:solidFill>
-                  <a:srgbClr val="BB0FAB"/>
-                </a:solidFill>
-                <a:latin typeface="Comic Sans MS" pitchFamily="66" charset="0"/>
-              </a:rPr>
-              <a:t>conclusion</a:t>
-            </a:r>
-          </a:p>
-        </p:txBody>
-      </p:sp>
-      <p:sp>
-        <p:nvSpPr>
-          <p:cNvPr id="7" name="Slide Number Placeholder 2"/>
-          <p:cNvSpPr>
-            <a:spLocks noGrp="1"/>
-          </p:cNvSpPr>
-          <p:nvPr>
-            <p:ph type="sldNum" sz="quarter" idx="10"/>
-          </p:nvPr>
-        </p:nvSpPr>
-        <p:spPr>
-          <a:xfrm>
-            <a:off x="7537748" y="6553200"/>
-            <a:ext cx="1606254" cy="276999"/>
-          </a:xfrm>
-          <a:noFill/>
-        </p:spPr>
-        <p:txBody>
-          <a:bodyPr/>
-          <a:lstStyle/>
-          <a:p>
-            <a:r>
-              <a:rPr lang="en-US" dirty="0" smtClean="0"/>
-              <a:t>propositional logic.</a:t>
-            </a:r>
-            <a:fld id="{0150943C-9303-41DF-A6FA-7E32D6C5D18E}" type="slidenum">
-              <a:rPr lang="en-US" smtClean="0"/>
-              <a:pPr/>
-              <a:t>4</a:t>
-            </a:fld>
-            <a:endParaRPr lang="en-US" dirty="0" smtClean="0"/>
-          </a:p>
-        </p:txBody>
-      </p:sp>
-      <p:sp>
-        <p:nvSpPr>
-          <p:cNvPr id="8" name="Freeform 7"/>
-          <p:cNvSpPr/>
-          <p:nvPr/>
-        </p:nvSpPr>
-        <p:spPr bwMode="auto">
-          <a:xfrm>
-            <a:off x="7961376" y="2401824"/>
-            <a:ext cx="786384" cy="1438656"/>
-          </a:xfrm>
-          <a:custGeom>
-            <a:avLst/>
-            <a:gdLst>
-              <a:gd name="connsiteX0" fmla="*/ 0 w 786384"/>
-              <a:gd name="connsiteY0" fmla="*/ 1438656 h 1438656"/>
-              <a:gd name="connsiteX1" fmla="*/ 621792 w 786384"/>
-              <a:gd name="connsiteY1" fmla="*/ 975360 h 1438656"/>
-              <a:gd name="connsiteX2" fmla="*/ 743712 w 786384"/>
-              <a:gd name="connsiteY2" fmla="*/ 365760 h 1438656"/>
-              <a:gd name="connsiteX3" fmla="*/ 365760 w 786384"/>
-              <a:gd name="connsiteY3" fmla="*/ 0 h 1438656"/>
-            </a:gdLst>
-            <a:ahLst/>
-            <a:cxnLst>
-              <a:cxn ang="0">
-                <a:pos x="connsiteX0" y="connsiteY0"/>
-              </a:cxn>
-              <a:cxn ang="0">
-                <a:pos x="connsiteX1" y="connsiteY1"/>
-              </a:cxn>
-              <a:cxn ang="0">
-                <a:pos x="connsiteX2" y="connsiteY2"/>
-              </a:cxn>
-              <a:cxn ang="0">
-                <a:pos x="connsiteX3" y="connsiteY3"/>
-              </a:cxn>
-            </a:cxnLst>
-            <a:rect l="l" t="t" r="r" b="b"/>
-            <a:pathLst>
-              <a:path w="786384" h="1438656">
-                <a:moveTo>
-                  <a:pt x="0" y="1438656"/>
-                </a:moveTo>
-                <a:cubicBezTo>
-                  <a:pt x="248920" y="1296416"/>
-                  <a:pt x="497840" y="1154176"/>
-                  <a:pt x="621792" y="975360"/>
-                </a:cubicBezTo>
-                <a:cubicBezTo>
-                  <a:pt x="745744" y="796544"/>
-                  <a:pt x="786384" y="528320"/>
-                  <a:pt x="743712" y="365760"/>
-                </a:cubicBezTo>
-                <a:cubicBezTo>
-                  <a:pt x="701040" y="203200"/>
-                  <a:pt x="430784" y="65024"/>
-                  <a:pt x="365760" y="0"/>
-                </a:cubicBezTo>
-              </a:path>
-            </a:pathLst>
-          </a:custGeom>
-          <a:noFill/>
-          <a:ln w="34925" cap="flat" cmpd="sng" algn="ctr">
-            <a:solidFill>
-              <a:srgbClr val="BB0FAB"/>
-            </a:solidFill>
-            <a:prstDash val="sysDash"/>
-            <a:round/>
-            <a:headEnd type="none" w="med" len="med"/>
-            <a:tailEnd type="stealth" w="lg" len="lg"/>
-          </a:ln>
-          <a:effectLst/>
-        </p:spPr>
-        <p:txBody>
-          <a:bodyPr vert="horz" wrap="none" lIns="91440" tIns="45720" rIns="91440" bIns="45720" numCol="1" rtlCol="0" anchor="ctr" anchorCtr="0" compatLnSpc="1">
-            <a:prstTxWarp prst="textNoShape">
-              <a:avLst/>
-            </a:prstTxWarp>
-          </a:bodyPr>
-          <a:lstStyle/>
-          <a:p>
-            <a:pPr marL="0" marR="0" indent="0" algn="ctr" defTabSz="914400" rtl="0" eaLnBrk="1" fontAlgn="base" latinLnBrk="0" hangingPunct="1">
-              <a:lnSpc>
-                <a:spcPct val="100000"/>
-              </a:lnSpc>
-              <a:spcBef>
-                <a:spcPct val="0"/>
-              </a:spcBef>
-              <a:spcAft>
-                <a:spcPct val="0"/>
-              </a:spcAft>
-              <a:buClrTx/>
-              <a:buSzTx/>
-              <a:buFontTx/>
-              <a:buNone/>
-              <a:tabLst/>
-            </a:pPr>
-            <a:endParaRPr kumimoji="0" lang="en-US" sz="3200" b="0" i="0" u="none" strike="noStrike" cap="none" normalizeH="0" baseline="0" smtClean="0">
-              <a:ln>
-                <a:noFill/>
-              </a:ln>
-              <a:solidFill>
-                <a:schemeClr val="tx1"/>
-              </a:solidFill>
-              <a:effectLst/>
-              <a:latin typeface="Times New Roman" pitchFamily="18" charset="0"/>
-            </a:endParaRPr>
-          </a:p>
-        </p:txBody>
-      </p:sp>
-    </p:spTree>
     <p:extLst>
       <p:ext uri="{BB962C8B-B14F-4D97-AF65-F5344CB8AC3E}">
-        <p14:creationId xmlns:p14="http://schemas.microsoft.com/office/powerpoint/2010/main" val="326832498"/>
+        <p14:creationId xmlns:p14="http://schemas.microsoft.com/office/powerpoint/2010/main" val="427619550"/>
       </p:ext>
     </p:extLst>
   </p:cSld>
@@ -18018,9 +12066,6 @@
                     <p:cTn id="3" fill="hold">
                       <p:stCondLst>
                         <p:cond delay="indefinite"/>
-                        <p:cond evt="onBegin" delay="0">
-                          <p:tn val="2"/>
-                        </p:cond>
                       </p:stCondLst>
                       <p:childTnLst>
                         <p:par>
@@ -18030,7 +12075,7 @@
                             </p:stCondLst>
                             <p:childTnLst>
                               <p:par>
-                                <p:cTn id="5" presetID="22" presetClass="entr" presetSubtype="4" fill="hold" grpId="0" nodeType="afterEffect">
+                                <p:cTn id="5" presetID="22" presetClass="entr" presetSubtype="1" fill="hold" nodeType="clickEffect">
                                   <p:stCondLst>
                                     <p:cond delay="0"/>
                                   </p:stCondLst>
@@ -18043,7 +12088,7 @@
                                           </p:stCondLst>
                                         </p:cTn>
                                         <p:tgtEl>
-                                          <p:spTgt spid="8"/>
+                                          <p:spTgt spid="3"/>
                                         </p:tgtEl>
                                         <p:attrNameLst>
                                           <p:attrName>style.visibility</p:attrName>
@@ -18053,11 +12098,11 @@
                                         <p:strVal val="visible"/>
                                       </p:to>
                                     </p:set>
-                                    <p:animEffect transition="in" filter="wipe(down)">
+                                    <p:animEffect transition="in" filter="wipe(up)">
                                       <p:cBhvr>
-                                        <p:cTn id="7" dur="500"/>
+                                        <p:cTn id="7" dur="1000"/>
                                         <p:tgtEl>
-                                          <p:spTgt spid="8"/>
+                                          <p:spTgt spid="3"/>
                                         </p:tgtEl>
                                       </p:cBhvr>
                                     </p:animEffect>
@@ -18091,15 +12136,12 @@
         </p:cTn>
       </p:par>
     </p:tnLst>
-    <p:bldLst>
-      <p:bldP spid="8" grpId="0" animBg="1"/>
-    </p:bldLst>
   </p:timing>
 </p:sld>
 </file>
 
-<file path=ppt/slides/slide5.xml><?xml version="1.0" encoding="utf-8"?>
-<p:sld xmlns:a="http://schemas.openxmlformats.org/drawingml/2006/main" xmlns:r="http://schemas.openxmlformats.org/officeDocument/2006/relationships" xmlns:p="http://schemas.openxmlformats.org/presentationml/2006/main" show="0">
+<file path=ppt/slides/slide6.xml><?xml version="1.0" encoding="utf-8"?>
+<p:sld xmlns:a="http://schemas.openxmlformats.org/drawingml/2006/main" xmlns:r="http://schemas.openxmlformats.org/officeDocument/2006/relationships" xmlns:p="http://schemas.openxmlformats.org/presentationml/2006/main">
   <p:cSld>
     <p:spTree>
       <p:nvGrpSpPr>
@@ -18117,42 +12159,14 @@
       </p:grpSpPr>
       <p:sp>
         <p:nvSpPr>
-          <p:cNvPr id="20484" name="Rectangle 2"/>
-          <p:cNvSpPr>
-            <a:spLocks noGrp="1" noChangeArrowheads="1"/>
-          </p:cNvSpPr>
-          <p:nvPr>
-            <p:ph type="title"/>
-          </p:nvPr>
-        </p:nvSpPr>
-        <p:spPr>
-          <a:xfrm>
-            <a:off x="1766294" y="304800"/>
-            <a:ext cx="5600272" cy="1071937"/>
-          </a:xfrm>
-        </p:spPr>
-        <p:txBody>
-          <a:bodyPr/>
-          <a:lstStyle/>
-          <a:p>
-            <a:pPr eaLnBrk="1" hangingPunct="1"/>
-            <a:r>
-              <a:rPr lang="en-US" sz="4000" dirty="0" smtClean="0"/>
-              <a:t>A True Implication</a:t>
-            </a:r>
-          </a:p>
-        </p:txBody>
-      </p:sp>
-      <p:sp>
-        <p:nvSpPr>
           <p:cNvPr id="5" name="TextBox 4"/>
           <p:cNvSpPr txBox="1"/>
           <p:nvPr/>
         </p:nvSpPr>
         <p:spPr>
           <a:xfrm>
-            <a:off x="386121" y="1897044"/>
-            <a:ext cx="8141429" cy="3075648"/>
+            <a:off x="124740" y="1717665"/>
+            <a:ext cx="8985240" cy="3416320"/>
           </a:xfrm>
           <a:prstGeom prst="rect">
             <a:avLst/>
@@ -18167,7 +12181,16 @@
           <a:p>
             <a:pPr algn="l"/>
             <a:r>
-              <a:rPr lang="en-US" sz="4800" dirty="0" smtClean="0">
+              <a:rPr lang="en-US" sz="5400" dirty="0">
+                <a:solidFill>
+                  <a:srgbClr val="000000"/>
+                </a:solidFill>
+                <a:latin typeface="Comic Sans MS" pitchFamily="66" charset="0"/>
+              </a:rPr>
+              <a:t>The set of rules for </a:t>
+            </a:r>
+            <a:r>
+              <a:rPr lang="en-US" sz="5400" dirty="0" smtClean="0">
                 <a:solidFill>
                   <a:schemeClr val="accent1">
                     <a:lumMod val="50000"/>
@@ -18175,70 +12198,94 @@
                 </a:solidFill>
                 <a:latin typeface="Comic Sans MS" pitchFamily="66" charset="0"/>
               </a:rPr>
-              <a:t>(1=-1) </a:t>
-            </a:r>
-            <a:r>
-              <a:rPr lang="en-US" sz="3600" dirty="0" smtClean="0">
+              <a:t>≡</a:t>
+            </a:r>
+            <a:r>
+              <a:rPr lang="en-US" sz="5400" dirty="0" smtClean="0">
                 <a:solidFill>
-                  <a:schemeClr val="accent1">
+                  <a:srgbClr val="000000"/>
+                </a:solidFill>
+                <a:latin typeface="Comic Sans MS" pitchFamily="66" charset="0"/>
+              </a:rPr>
+              <a:t> in the</a:t>
+            </a:r>
+            <a:r>
+              <a:rPr lang="en-US" sz="5400" dirty="0" smtClean="0">
+                <a:solidFill>
+                  <a:schemeClr val="accent5">
                     <a:lumMod val="50000"/>
                   </a:schemeClr>
                 </a:solidFill>
                 <a:latin typeface="Comic Sans MS" pitchFamily="66" charset="0"/>
               </a:rPr>
-              <a:t>IMPLIES</a:t>
-            </a:r>
-            <a:r>
-              <a:rPr lang="en-US" sz="4800" dirty="0" smtClean="0">
+              <a:t> </a:t>
+            </a:r>
+            <a:r>
+              <a:rPr lang="en-US" sz="5400" dirty="0" smtClean="0">
+                <a:latin typeface="Comic Sans MS" pitchFamily="66" charset="0"/>
+              </a:rPr>
+              <a:t>text are </a:t>
+            </a:r>
+            <a:r>
+              <a:rPr lang="en-US" sz="5400" dirty="0" smtClean="0">
                 <a:solidFill>
-                  <a:schemeClr val="accent1">
+                  <a:srgbClr val="FF03E3"/>
+                </a:solidFill>
+                <a:latin typeface="Comic Sans MS" pitchFamily="66" charset="0"/>
+              </a:rPr>
+              <a:t>complete</a:t>
+            </a:r>
+            <a:r>
+              <a:rPr lang="en-US" sz="5400" dirty="0" smtClean="0">
+                <a:latin typeface="Comic Sans MS" pitchFamily="66" charset="0"/>
+              </a:rPr>
+              <a:t>:</a:t>
+            </a:r>
+          </a:p>
+          <a:p>
+            <a:pPr algn="l"/>
+            <a:r>
+              <a:rPr lang="en-US" sz="5400" dirty="0" smtClean="0">
+                <a:latin typeface="Comic Sans MS" pitchFamily="66" charset="0"/>
+              </a:rPr>
+              <a:t>if two formulas are </a:t>
+            </a:r>
+            <a:r>
+              <a:rPr lang="en-US" sz="5400" dirty="0" smtClean="0">
+                <a:solidFill>
+                  <a:schemeClr val="accent5">
                     <a:lumMod val="50000"/>
                   </a:schemeClr>
                 </a:solidFill>
                 <a:latin typeface="Comic Sans MS" pitchFamily="66" charset="0"/>
               </a:rPr>
-              <a:t> (I am Pope)</a:t>
-            </a:r>
-          </a:p>
-          <a:p>
-            <a:pPr algn="l"/>
-            <a:r>
-              <a:rPr lang="en-US" sz="4800" dirty="0" smtClean="0">
+              <a:t>≡</a:t>
+            </a:r>
+            <a:r>
+              <a:rPr lang="en-US" sz="5400" dirty="0" smtClean="0">
+                <a:solidFill>
+                  <a:srgbClr val="000000"/>
+                </a:solidFill>
                 <a:latin typeface="Comic Sans MS" pitchFamily="66" charset="0"/>
               </a:rPr>
-              <a:t>We reasoned</a:t>
-            </a:r>
-            <a:r>
-              <a:rPr lang="en-US" sz="4800" i="1" dirty="0" smtClean="0">
+              <a:t>,</a:t>
+            </a:r>
+          </a:p>
+          <a:p>
+            <a:pPr algn="l"/>
+            <a:r>
+              <a:rPr lang="en-US" sz="5400" dirty="0" smtClean="0">
+                <a:solidFill>
+                  <a:srgbClr val="000000"/>
+                </a:solidFill>
                 <a:latin typeface="Comic Sans MS" pitchFamily="66" charset="0"/>
               </a:rPr>
-              <a:t> correctly </a:t>
-            </a:r>
-            <a:r>
-              <a:rPr lang="en-US" sz="4800" dirty="0" smtClean="0">
-                <a:latin typeface="Comic Sans MS" pitchFamily="66" charset="0"/>
-              </a:rPr>
-              <a:t>to</a:t>
-            </a:r>
-          </a:p>
-          <a:p>
-            <a:pPr algn="l"/>
-            <a:r>
-              <a:rPr lang="en-US" sz="4800" dirty="0" smtClean="0">
-                <a:latin typeface="Comic Sans MS" pitchFamily="66" charset="0"/>
-              </a:rPr>
-              <a:t>reach the false conclusion</a:t>
-            </a:r>
-          </a:p>
-          <a:p>
-            <a:pPr algn="l"/>
-            <a:r>
-              <a:rPr lang="en-US" sz="4800" dirty="0" smtClean="0">
-                <a:latin typeface="Comic Sans MS" pitchFamily="66" charset="0"/>
-              </a:rPr>
-              <a:t>from the false hypothesis.</a:t>
-            </a:r>
-            <a:endParaRPr lang="en-US" sz="4800" dirty="0">
+              <a:t>these rules can prove it.</a:t>
+            </a:r>
+            <a:endParaRPr lang="en-US" sz="5400" dirty="0">
+              <a:solidFill>
+                <a:srgbClr val="000000"/>
+              </a:solidFill>
               <a:latin typeface="Comic Sans MS" pitchFamily="66" charset="0"/>
             </a:endParaRPr>
           </a:p>
@@ -18246,7 +12293,35 @@
       </p:sp>
       <p:sp>
         <p:nvSpPr>
-          <p:cNvPr id="7" name="Slide Number Placeholder 2"/>
+          <p:cNvPr id="9" name="Title 1"/>
+          <p:cNvSpPr>
+            <a:spLocks noGrp="1"/>
+          </p:cNvSpPr>
+          <p:nvPr>
+            <p:ph type="title"/>
+          </p:nvPr>
+        </p:nvSpPr>
+        <p:spPr>
+          <a:xfrm>
+            <a:off x="1651000" y="363538"/>
+            <a:ext cx="6794500" cy="1003300"/>
+          </a:xfrm>
+        </p:spPr>
+        <p:txBody>
+          <a:bodyPr/>
+          <a:lstStyle/>
+          <a:p>
+            <a:r>
+              <a:rPr lang="en-US" sz="4000" dirty="0" smtClean="0"/>
+              <a:t>Algebra for Equivalence</a:t>
+            </a:r>
+            <a:endParaRPr lang="en-US" sz="4000" dirty="0"/>
+          </a:p>
+        </p:txBody>
+      </p:sp>
+      <p:sp>
+        <p:nvSpPr>
+          <p:cNvPr id="4" name="Slide Number Placeholder 2"/>
           <p:cNvSpPr>
             <a:spLocks noGrp="1"/>
           </p:cNvSpPr>
@@ -18256,10 +12331,9 @@
         </p:nvSpPr>
         <p:spPr>
           <a:xfrm>
-            <a:off x="7537748" y="6553200"/>
+            <a:off x="7537747" y="6553200"/>
             <a:ext cx="1606254" cy="276999"/>
           </a:xfrm>
-          <a:noFill/>
         </p:spPr>
         <p:txBody>
           <a:bodyPr/>
@@ -18269,19 +12343,19 @@
               <a:rPr lang="en-US" dirty="0" smtClean="0"/>
               <a:t>propositional logic.</a:t>
             </a:r>
-            <a:fld id="{0150943C-9303-41DF-A6FA-7E32D6C5D18E}" type="slidenum">
+            <a:fld id="{3251DA95-B240-47FE-901D-B78FC8E8E532}" type="slidenum">
               <a:rPr lang="en-US" smtClean="0"/>
               <a:pPr/>
-              <a:t>5</a:t>
+              <a:t>6</a:t>
             </a:fld>
-            <a:endParaRPr lang="en-US" dirty="0" smtClean="0"/>
+            <a:endParaRPr lang="en-US" dirty="0"/>
           </a:p>
         </p:txBody>
       </p:sp>
     </p:spTree>
     <p:extLst>
       <p:ext uri="{BB962C8B-B14F-4D97-AF65-F5344CB8AC3E}">
-        <p14:creationId xmlns:p14="http://schemas.microsoft.com/office/powerpoint/2010/main" val="4170958711"/>
+        <p14:creationId xmlns:p14="http://schemas.microsoft.com/office/powerpoint/2010/main" val="816375592"/>
       </p:ext>
     </p:extLst>
   </p:cSld>
@@ -18301,8 +12375,8 @@
 </p:sld>
 </file>
 
-<file path=ppt/slides/slide6.xml><?xml version="1.0" encoding="utf-8"?>
-<p:sld xmlns:a="http://schemas.openxmlformats.org/drawingml/2006/main" xmlns:r="http://schemas.openxmlformats.org/officeDocument/2006/relationships" xmlns:p="http://schemas.openxmlformats.org/presentationml/2006/main" show="0">
+<file path=ppt/slides/slide7.xml><?xml version="1.0" encoding="utf-8"?>
+<p:sld xmlns:a="http://schemas.openxmlformats.org/drawingml/2006/main" xmlns:r="http://schemas.openxmlformats.org/officeDocument/2006/relationships" xmlns:p="http://schemas.openxmlformats.org/presentationml/2006/main">
   <p:cSld>
     <p:spTree>
       <p:nvGrpSpPr>
@@ -18320,9 +12394,9 @@
       </p:grpSpPr>
       <p:sp>
         <p:nvSpPr>
-          <p:cNvPr id="20484" name="Rectangle 2"/>
+          <p:cNvPr id="2" name="Title 1"/>
           <p:cNvSpPr>
-            <a:spLocks noGrp="1" noChangeArrowheads="1"/>
+            <a:spLocks noGrp="1"/>
           </p:cNvSpPr>
           <p:nvPr>
             <p:ph type="title"/>
@@ -18330,32 +12404,65 @@
         </p:nvSpPr>
         <p:spPr>
           <a:xfrm>
-            <a:off x="1766294" y="304800"/>
-            <a:ext cx="5600272" cy="1071937"/>
+            <a:off x="2070100" y="304800"/>
+            <a:ext cx="5715000" cy="1257300"/>
           </a:xfrm>
         </p:spPr>
         <p:txBody>
           <a:bodyPr/>
           <a:lstStyle/>
           <a:p>
-            <a:pPr eaLnBrk="1" hangingPunct="1"/>
-            <a:r>
-              <a:rPr lang="en-US" sz="4000" dirty="0" smtClean="0"/>
-              <a:t>A True Implication</a:t>
-            </a:r>
+            <a:r>
+              <a:rPr lang="en-US" sz="4800" dirty="0" smtClean="0"/>
+              <a:t>A Proof System</a:t>
+            </a:r>
+            <a:endParaRPr lang="en-US" sz="4800" dirty="0"/>
           </a:p>
         </p:txBody>
       </p:sp>
       <p:sp>
         <p:nvSpPr>
-          <p:cNvPr id="5" name="TextBox 4"/>
+          <p:cNvPr id="3" name="Slide Number Placeholder 2"/>
+          <p:cNvSpPr>
+            <a:spLocks noGrp="1"/>
+          </p:cNvSpPr>
+          <p:nvPr>
+            <p:ph type="sldNum" sz="quarter" idx="10"/>
+          </p:nvPr>
+        </p:nvSpPr>
+        <p:spPr/>
+        <p:txBody>
+          <a:bodyPr/>
+          <a:lstStyle/>
+          <a:p>
+            <a:pPr>
+              <a:defRPr/>
+            </a:pPr>
+            <a:r>
+              <a:rPr lang="en-US" smtClean="0"/>
+              <a:t>propositional logic.</a:t>
+            </a:r>
+            <a:fld id="{DB6F0ED6-FEF5-4C9C-B1CC-29B47EC66FAA}" type="slidenum">
+              <a:rPr lang="en-US" smtClean="0"/>
+              <a:pPr>
+                <a:defRPr/>
+              </a:pPr>
+              <a:t>7</a:t>
+            </a:fld>
+            <a:endParaRPr lang="en-US" dirty="0"/>
+          </a:p>
+        </p:txBody>
+      </p:sp>
+      <p:sp>
+        <p:nvSpPr>
+          <p:cNvPr id="4" name="TextBox 3"/>
           <p:cNvSpPr txBox="1"/>
           <p:nvPr/>
         </p:nvSpPr>
         <p:spPr>
           <a:xfrm>
-            <a:off x="386121" y="1897044"/>
-            <a:ext cx="8141429" cy="3075648"/>
+            <a:off x="138113" y="1511300"/>
+            <a:ext cx="8902700" cy="4247317"/>
           </a:xfrm>
           <a:prstGeom prst="rect">
             <a:avLst/>
@@ -18370,569 +12477,60 @@
           <a:p>
             <a:pPr algn="l"/>
             <a:r>
-              <a:rPr lang="en-US" sz="4800" dirty="0" smtClean="0">
+              <a:rPr lang="en-US" sz="5400" dirty="0" smtClean="0">
+                <a:latin typeface="Comic Sans MS" pitchFamily="66" charset="0"/>
+              </a:rPr>
+              <a:t>Another approach is to start with some valid formulas (</a:t>
+            </a:r>
+            <a:r>
+              <a:rPr lang="en-US" sz="5400" dirty="0" smtClean="0">
                 <a:solidFill>
-                  <a:srgbClr val="006600"/>
+                  <a:srgbClr val="FF03E3"/>
                 </a:solidFill>
                 <a:latin typeface="Comic Sans MS" pitchFamily="66" charset="0"/>
               </a:rPr>
-              <a:t>(1=-1)</a:t>
-            </a:r>
-            <a:r>
-              <a:rPr lang="en-US" sz="4400" dirty="0" smtClean="0">
+              <a:t>axioms</a:t>
+            </a:r>
+            <a:r>
+              <a:rPr lang="en-US" sz="5400" dirty="0" smtClean="0">
+                <a:latin typeface="Comic Sans MS" pitchFamily="66" charset="0"/>
+              </a:rPr>
+              <a:t>) and deduce more valid formulas using </a:t>
+            </a:r>
+            <a:r>
+              <a:rPr lang="en-US" sz="5400" dirty="0" smtClean="0">
                 <a:solidFill>
-                  <a:srgbClr val="BB0FAB"/>
+                  <a:srgbClr val="FF03E3"/>
                 </a:solidFill>
                 <a:latin typeface="Comic Sans MS" pitchFamily="66" charset="0"/>
               </a:rPr>
-              <a:t> </a:t>
-            </a:r>
-            <a:r>
-              <a:rPr lang="en-US" sz="3600" dirty="0" smtClean="0">
-                <a:solidFill>
-                  <a:schemeClr val="accent1">
-                    <a:lumMod val="50000"/>
-                  </a:schemeClr>
-                </a:solidFill>
-                <a:latin typeface="Comic Sans MS" pitchFamily="66" charset="0"/>
-              </a:rPr>
-              <a:t>IMPLIES</a:t>
-            </a:r>
-            <a:r>
-              <a:rPr lang="en-US" sz="4800" dirty="0" smtClean="0">
-                <a:solidFill>
-                  <a:schemeClr val="accent1">
-                    <a:lumMod val="50000"/>
-                  </a:schemeClr>
-                </a:solidFill>
-                <a:latin typeface="Comic Sans MS" pitchFamily="66" charset="0"/>
-              </a:rPr>
-              <a:t> (I am Pope)</a:t>
-            </a:r>
-          </a:p>
-          <a:p>
-            <a:pPr algn="l"/>
-            <a:r>
-              <a:rPr lang="en-US" sz="4800" dirty="0" smtClean="0">
-                <a:latin typeface="Comic Sans MS" pitchFamily="66" charset="0"/>
-              </a:rPr>
-              <a:t>We reasoned</a:t>
-            </a:r>
-            <a:r>
-              <a:rPr lang="en-US" sz="4800" i="1" dirty="0" smtClean="0">
-                <a:latin typeface="Comic Sans MS" pitchFamily="66" charset="0"/>
-              </a:rPr>
-              <a:t> correctly </a:t>
-            </a:r>
-            <a:r>
-              <a:rPr lang="en-US" sz="4800" dirty="0" smtClean="0">
-                <a:latin typeface="Comic Sans MS" pitchFamily="66" charset="0"/>
-              </a:rPr>
-              <a:t>to</a:t>
-            </a:r>
-          </a:p>
-          <a:p>
-            <a:pPr algn="l"/>
-            <a:r>
-              <a:rPr lang="en-US" sz="4800" dirty="0" smtClean="0">
-                <a:latin typeface="Comic Sans MS" pitchFamily="66" charset="0"/>
-              </a:rPr>
-              <a:t>reach the false conclusion</a:t>
-            </a:r>
-          </a:p>
-          <a:p>
-            <a:pPr algn="l"/>
-            <a:r>
-              <a:rPr lang="en-US" sz="4800" dirty="0" smtClean="0">
-                <a:latin typeface="Comic Sans MS" pitchFamily="66" charset="0"/>
-              </a:rPr>
-              <a:t>from the false </a:t>
-            </a:r>
-            <a:r>
-              <a:rPr lang="en-US" sz="4800" dirty="0" smtClean="0">
-                <a:solidFill>
-                  <a:srgbClr val="006600"/>
-                </a:solidFill>
-                <a:latin typeface="Comic Sans MS" pitchFamily="66" charset="0"/>
-              </a:rPr>
-              <a:t>hypothesis</a:t>
-            </a:r>
-            <a:r>
-              <a:rPr lang="en-US" sz="4800" dirty="0" smtClean="0">
-                <a:latin typeface="Comic Sans MS" pitchFamily="66" charset="0"/>
-              </a:rPr>
-              <a:t>.</a:t>
-            </a:r>
-            <a:endParaRPr lang="en-US" sz="4800" dirty="0">
-              <a:latin typeface="Comic Sans MS" pitchFamily="66" charset="0"/>
-            </a:endParaRPr>
-          </a:p>
-        </p:txBody>
-      </p:sp>
-      <p:sp>
-        <p:nvSpPr>
-          <p:cNvPr id="7" name="Slide Number Placeholder 2"/>
-          <p:cNvSpPr>
-            <a:spLocks noGrp="1"/>
-          </p:cNvSpPr>
-          <p:nvPr>
-            <p:ph type="sldNum" sz="quarter" idx="10"/>
-          </p:nvPr>
-        </p:nvSpPr>
-        <p:spPr>
-          <a:xfrm>
-            <a:off x="7537748" y="6553200"/>
-            <a:ext cx="1606254" cy="276999"/>
-          </a:xfrm>
-          <a:noFill/>
-        </p:spPr>
-        <p:txBody>
-          <a:bodyPr/>
-          <a:lstStyle/>
-          <a:p>
-            <a:r>
-              <a:rPr lang="en-US" dirty="0" smtClean="0"/>
-              <a:t>propositional logic.</a:t>
-            </a:r>
-            <a:fld id="{0150943C-9303-41DF-A6FA-7E32D6C5D18E}" type="slidenum">
-              <a:rPr lang="en-US" smtClean="0"/>
-              <a:pPr/>
-              <a:t>6</a:t>
-            </a:fld>
-            <a:endParaRPr lang="en-US" dirty="0" smtClean="0"/>
-          </a:p>
-        </p:txBody>
-      </p:sp>
-      <p:sp>
-        <p:nvSpPr>
-          <p:cNvPr id="6" name="Freeform 5"/>
-          <p:cNvSpPr/>
-          <p:nvPr/>
-        </p:nvSpPr>
-        <p:spPr bwMode="auto">
-          <a:xfrm>
-            <a:off x="908304" y="2609088"/>
-            <a:ext cx="3895344" cy="1914144"/>
-          </a:xfrm>
-          <a:custGeom>
-            <a:avLst/>
-            <a:gdLst>
-              <a:gd name="connsiteX0" fmla="*/ 3895344 w 3895344"/>
-              <a:gd name="connsiteY0" fmla="*/ 1828800 h 1914144"/>
-              <a:gd name="connsiteX1" fmla="*/ 603504 w 3895344"/>
-              <a:gd name="connsiteY1" fmla="*/ 1609344 h 1914144"/>
-              <a:gd name="connsiteX2" fmla="*/ 274320 w 3895344"/>
-              <a:gd name="connsiteY2" fmla="*/ 0 h 1914144"/>
-            </a:gdLst>
-            <a:ahLst/>
-            <a:cxnLst>
-              <a:cxn ang="0">
-                <a:pos x="connsiteX0" y="connsiteY0"/>
-              </a:cxn>
-              <a:cxn ang="0">
-                <a:pos x="connsiteX1" y="connsiteY1"/>
-              </a:cxn>
-              <a:cxn ang="0">
-                <a:pos x="connsiteX2" y="connsiteY2"/>
-              </a:cxn>
-            </a:cxnLst>
-            <a:rect l="l" t="t" r="r" b="b"/>
-            <a:pathLst>
-              <a:path w="3895344" h="1914144">
-                <a:moveTo>
-                  <a:pt x="3895344" y="1828800"/>
-                </a:moveTo>
-                <a:cubicBezTo>
-                  <a:pt x="2551176" y="1871472"/>
-                  <a:pt x="1207008" y="1914144"/>
-                  <a:pt x="603504" y="1609344"/>
-                </a:cubicBezTo>
-                <a:cubicBezTo>
-                  <a:pt x="0" y="1304544"/>
-                  <a:pt x="329184" y="272288"/>
-                  <a:pt x="274320" y="0"/>
-                </a:cubicBezTo>
-              </a:path>
-            </a:pathLst>
-          </a:custGeom>
-          <a:noFill/>
-          <a:ln w="34925" cap="flat" cmpd="sng" algn="ctr">
-            <a:solidFill>
-              <a:srgbClr val="008000"/>
-            </a:solidFill>
-            <a:prstDash val="sysDash"/>
-            <a:round/>
-            <a:headEnd type="none" w="med" len="med"/>
-            <a:tailEnd type="stealth" w="lg" len="lg"/>
-          </a:ln>
-          <a:effectLst/>
-        </p:spPr>
-        <p:txBody>
-          <a:bodyPr vert="horz" wrap="none" lIns="91440" tIns="45720" rIns="91440" bIns="45720" numCol="1" rtlCol="0" anchor="ctr" anchorCtr="0" compatLnSpc="1">
-            <a:prstTxWarp prst="textNoShape">
-              <a:avLst/>
-            </a:prstTxWarp>
-          </a:bodyPr>
-          <a:lstStyle/>
-          <a:p>
-            <a:pPr marL="0" marR="0" indent="0" algn="ctr" defTabSz="914400" rtl="0" eaLnBrk="1" fontAlgn="base" latinLnBrk="0" hangingPunct="1">
-              <a:lnSpc>
-                <a:spcPct val="100000"/>
-              </a:lnSpc>
-              <a:spcBef>
-                <a:spcPct val="0"/>
-              </a:spcBef>
-              <a:spcAft>
-                <a:spcPct val="0"/>
-              </a:spcAft>
-              <a:buClrTx/>
-              <a:buSzTx/>
-              <a:buFontTx/>
-              <a:buNone/>
-              <a:tabLst/>
-            </a:pPr>
-            <a:endParaRPr kumimoji="0" lang="en-US" sz="3200" b="0" i="0" u="none" strike="noStrike" cap="none" normalizeH="0" baseline="0" smtClean="0">
-              <a:ln>
-                <a:noFill/>
-              </a:ln>
-              <a:solidFill>
-                <a:schemeClr val="tx1"/>
-              </a:solidFill>
-              <a:effectLst/>
-              <a:latin typeface="Times New Roman" pitchFamily="18" charset="0"/>
-            </a:endParaRPr>
+              <a:t>proof rules</a:t>
+            </a:r>
           </a:p>
         </p:txBody>
       </p:sp>
     </p:spTree>
     <p:extLst>
       <p:ext uri="{BB962C8B-B14F-4D97-AF65-F5344CB8AC3E}">
-        <p14:creationId xmlns:p14="http://schemas.microsoft.com/office/powerpoint/2010/main" val="931225900"/>
+        <p14:creationId xmlns:p14="http://schemas.microsoft.com/office/powerpoint/2010/main" val="2500915568"/>
       </p:ext>
     </p:extLst>
   </p:cSld>
   <p:clrMapOvr>
     <a:masterClrMapping/>
   </p:clrMapOvr>
-  <p:transition xmlns:p14="http://schemas.microsoft.com/office/powerpoint/2010/main" spd="slow" advClick="0">
-    <p:fade/>
-  </p:transition>
-  <p:timing>
-    <p:tnLst>
-      <p:par>
-        <p:cTn xmlns:p14="http://schemas.microsoft.com/office/powerpoint/2010/main" id="1" dur="indefinite" restart="never" nodeType="tmRoot">
-          <p:childTnLst>
-            <p:seq concurrent="1" nextAc="seek">
-              <p:cTn id="2" dur="indefinite" nodeType="mainSeq">
-                <p:childTnLst>
-                  <p:par>
-                    <p:cTn id="3" fill="hold">
-                      <p:stCondLst>
-                        <p:cond delay="indefinite"/>
-                        <p:cond evt="onBegin" delay="0">
-                          <p:tn val="2"/>
-                        </p:cond>
-                      </p:stCondLst>
-                      <p:childTnLst>
-                        <p:par>
-                          <p:cTn id="4" fill="hold">
-                            <p:stCondLst>
-                              <p:cond delay="0"/>
-                            </p:stCondLst>
-                            <p:childTnLst>
-                              <p:par>
-                                <p:cTn id="5" presetID="22" presetClass="entr" presetSubtype="2" fill="hold" grpId="0" nodeType="afterEffect">
-                                  <p:stCondLst>
-                                    <p:cond delay="0"/>
-                                  </p:stCondLst>
-                                  <p:childTnLst>
-                                    <p:set>
-                                      <p:cBhvr>
-                                        <p:cTn id="6" dur="1" fill="hold">
-                                          <p:stCondLst>
-                                            <p:cond delay="0"/>
-                                          </p:stCondLst>
-                                        </p:cTn>
-                                        <p:tgtEl>
-                                          <p:spTgt spid="6"/>
-                                        </p:tgtEl>
-                                        <p:attrNameLst>
-                                          <p:attrName>style.visibility</p:attrName>
-                                        </p:attrNameLst>
-                                      </p:cBhvr>
-                                      <p:to>
-                                        <p:strVal val="visible"/>
-                                      </p:to>
-                                    </p:set>
-                                    <p:animEffect transition="in" filter="wipe(right)">
-                                      <p:cBhvr>
-                                        <p:cTn id="7" dur="500"/>
-                                        <p:tgtEl>
-                                          <p:spTgt spid="6"/>
-                                        </p:tgtEl>
-                                      </p:cBhvr>
-                                    </p:animEffect>
-                                  </p:childTnLst>
-                                </p:cTn>
-                              </p:par>
-                            </p:childTnLst>
-                          </p:cTn>
-                        </p:par>
-                      </p:childTnLst>
-                    </p:cTn>
-                  </p:par>
-                </p:childTnLst>
-              </p:cTn>
-              <p:prevCondLst>
-                <p:cond evt="onPrev" delay="0">
-                  <p:tgtEl>
-                    <p:sldTgt/>
-                  </p:tgtEl>
-                </p:cond>
-              </p:prevCondLst>
-              <p:nextCondLst>
-                <p:cond evt="onNext" delay="0">
-                  <p:tgtEl>
-                    <p:sldTgt/>
-                  </p:tgtEl>
-                </p:cond>
-              </p:nextCondLst>
-            </p:seq>
-          </p:childTnLst>
-        </p:cTn>
-      </p:par>
-    </p:tnLst>
-    <p:bldLst>
-      <p:bldP spid="6" grpId="0" animBg="1"/>
-    </p:bldLst>
-  </p:timing>
-</p:sld>
-</file>
-
-<file path=ppt/slides/slide7.xml><?xml version="1.0" encoding="utf-8"?>
-<p:sld xmlns:a="http://schemas.openxmlformats.org/drawingml/2006/main" xmlns:r="http://schemas.openxmlformats.org/officeDocument/2006/relationships" xmlns:p="http://schemas.openxmlformats.org/presentationml/2006/main" show="0">
-  <p:cSld>
-    <p:spTree>
-      <p:nvGrpSpPr>
-        <p:cNvPr id="1" name=""/>
-        <p:cNvGrpSpPr/>
-        <p:nvPr/>
-      </p:nvGrpSpPr>
-      <p:grpSpPr>
-        <a:xfrm>
-          <a:off x="0" y="0"/>
-          <a:ext cx="0" cy="0"/>
-          <a:chOff x="0" y="0"/>
-          <a:chExt cx="0" cy="0"/>
-        </a:xfrm>
-      </p:grpSpPr>
-      <p:sp>
-        <p:nvSpPr>
-          <p:cNvPr id="7" name="Slide Number Placeholder 2"/>
-          <p:cNvSpPr>
-            <a:spLocks noGrp="1"/>
-          </p:cNvSpPr>
-          <p:nvPr>
-            <p:ph type="sldNum" sz="quarter" idx="10"/>
-          </p:nvPr>
-        </p:nvSpPr>
-        <p:spPr>
-          <a:xfrm>
-            <a:off x="7535869" y="6553200"/>
-            <a:ext cx="1608133" cy="276999"/>
-          </a:xfrm>
-          <a:noFill/>
-        </p:spPr>
-        <p:txBody>
-          <a:bodyPr/>
-          <a:lstStyle/>
-          <a:p>
-            <a:r>
-              <a:rPr lang="en-US" dirty="0" smtClean="0"/>
-              <a:t>propositional logic.</a:t>
-            </a:r>
-            <a:fld id="{0150943C-9303-41DF-A6FA-7E32D6C5D18E}" type="slidenum">
-              <a:rPr lang="en-US" smtClean="0"/>
-              <a:pPr/>
-              <a:t>7</a:t>
-            </a:fld>
-            <a:endParaRPr lang="en-US" dirty="0" smtClean="0"/>
-          </a:p>
-        </p:txBody>
-      </p:sp>
-      <p:sp>
-        <p:nvSpPr>
-          <p:cNvPr id="13" name="Rectangle 2"/>
-          <p:cNvSpPr>
-            <a:spLocks noGrp="1" noChangeArrowheads="1"/>
-          </p:cNvSpPr>
-          <p:nvPr>
-            <p:ph type="title"/>
-          </p:nvPr>
-        </p:nvSpPr>
-        <p:spPr>
-          <a:xfrm>
-            <a:off x="1766294" y="304800"/>
-            <a:ext cx="5600272" cy="1071937"/>
-          </a:xfrm>
-        </p:spPr>
-        <p:txBody>
-          <a:bodyPr/>
-          <a:lstStyle/>
-          <a:p>
-            <a:pPr eaLnBrk="1" hangingPunct="1"/>
-            <a:r>
-              <a:rPr lang="en-US" sz="4000" dirty="0" smtClean="0"/>
-              <a:t>A True Implication</a:t>
-            </a:r>
-          </a:p>
-        </p:txBody>
-      </p:sp>
-      <p:sp>
-        <p:nvSpPr>
-          <p:cNvPr id="16" name="TextBox 15"/>
-          <p:cNvSpPr txBox="1"/>
-          <p:nvPr/>
-        </p:nvSpPr>
-        <p:spPr>
-          <a:xfrm>
-            <a:off x="355376" y="1943427"/>
-            <a:ext cx="8583141" cy="3139321"/>
-          </a:xfrm>
-          <a:prstGeom prst="rect">
-            <a:avLst/>
-          </a:prstGeom>
-          <a:noFill/>
-          <a:ln w="34925">
-            <a:noFill/>
-            <a:prstDash val="sysDash"/>
-          </a:ln>
-        </p:spPr>
-        <p:txBody>
-          <a:bodyPr wrap="square" rtlCol="0">
-            <a:spAutoFit/>
-          </a:bodyPr>
-          <a:lstStyle/>
-          <a:p>
-            <a:pPr algn="l"/>
-            <a:r>
-              <a:rPr lang="en-US" sz="4800" dirty="0" smtClean="0">
-                <a:solidFill>
-                  <a:schemeClr val="accent1">
-                    <a:lumMod val="50000"/>
-                  </a:schemeClr>
-                </a:solidFill>
-                <a:latin typeface="Comic Sans MS" pitchFamily="66" charset="0"/>
-              </a:rPr>
-              <a:t>(1=-1) </a:t>
-            </a:r>
-            <a:r>
-              <a:rPr lang="en-US" sz="3600" dirty="0" smtClean="0">
-                <a:solidFill>
-                  <a:schemeClr val="accent1">
-                    <a:lumMod val="50000"/>
-                  </a:schemeClr>
-                </a:solidFill>
-                <a:latin typeface="Comic Sans MS" pitchFamily="66" charset="0"/>
-              </a:rPr>
-              <a:t>IMPLIES</a:t>
-            </a:r>
-            <a:r>
-              <a:rPr lang="en-US" sz="4800" dirty="0" smtClean="0">
-                <a:solidFill>
-                  <a:schemeClr val="accent1">
-                    <a:lumMod val="50000"/>
-                  </a:schemeClr>
-                </a:solidFill>
-                <a:latin typeface="Comic Sans MS" pitchFamily="66" charset="0"/>
-              </a:rPr>
-              <a:t> (I am Pope)</a:t>
-            </a:r>
-          </a:p>
-          <a:p>
-            <a:pPr algn="l"/>
-            <a:r>
-              <a:rPr lang="en-US" sz="4800" dirty="0" smtClean="0">
-                <a:latin typeface="Comic Sans MS" pitchFamily="66" charset="0"/>
-              </a:rPr>
-              <a:t>The </a:t>
-            </a:r>
-            <a:r>
-              <a:rPr lang="en-US" sz="4800" i="1" dirty="0" smtClean="0">
-                <a:latin typeface="Comic Sans MS" pitchFamily="66" charset="0"/>
-              </a:rPr>
-              <a:t>whole implication </a:t>
-            </a:r>
-            <a:r>
-              <a:rPr lang="en-US" sz="4800" dirty="0" smtClean="0">
-                <a:latin typeface="Comic Sans MS" pitchFamily="66" charset="0"/>
-              </a:rPr>
-              <a:t>is </a:t>
-            </a:r>
-            <a:r>
-              <a:rPr lang="en-US" sz="4800" dirty="0" smtClean="0">
-                <a:solidFill>
-                  <a:srgbClr val="00B050"/>
-                </a:solidFill>
-                <a:latin typeface="Comic Sans MS" pitchFamily="66" charset="0"/>
-              </a:rPr>
-              <a:t>true</a:t>
-            </a:r>
-            <a:r>
-              <a:rPr lang="en-US" sz="4800" dirty="0" smtClean="0">
-                <a:latin typeface="Comic Sans MS" pitchFamily="66" charset="0"/>
-              </a:rPr>
-              <a:t>,</a:t>
-            </a:r>
-          </a:p>
-          <a:p>
-            <a:pPr algn="l"/>
-            <a:r>
-              <a:rPr lang="en-US" sz="4800" dirty="0" smtClean="0">
-                <a:latin typeface="Comic Sans MS" pitchFamily="66" charset="0"/>
-              </a:rPr>
-              <a:t>even though both conclusion</a:t>
-            </a:r>
-          </a:p>
-          <a:p>
-            <a:pPr algn="l"/>
-            <a:r>
-              <a:rPr lang="en-US" sz="4800" dirty="0" smtClean="0">
-                <a:latin typeface="Comic Sans MS" pitchFamily="66" charset="0"/>
-              </a:rPr>
-              <a:t>&amp; hypothesis are </a:t>
-            </a:r>
-            <a:r>
-              <a:rPr lang="en-US" sz="4800" dirty="0" smtClean="0">
-                <a:solidFill>
-                  <a:srgbClr val="C00000"/>
-                </a:solidFill>
-                <a:latin typeface="Comic Sans MS" pitchFamily="66" charset="0"/>
-              </a:rPr>
-              <a:t>false</a:t>
-            </a:r>
-            <a:r>
-              <a:rPr lang="en-US" sz="4800" dirty="0" smtClean="0">
-                <a:latin typeface="Comic Sans MS" pitchFamily="66" charset="0"/>
-              </a:rPr>
-              <a:t>.</a:t>
-            </a:r>
-          </a:p>
-        </p:txBody>
-      </p:sp>
-    </p:spTree>
-    <p:extLst>
-      <p:ext uri="{BB962C8B-B14F-4D97-AF65-F5344CB8AC3E}">
-        <p14:creationId xmlns:p14="http://schemas.microsoft.com/office/powerpoint/2010/main" val="3030973334"/>
-      </p:ext>
-    </p:extLst>
-  </p:cSld>
-  <p:clrMapOvr>
-    <a:masterClrMapping/>
-  </p:clrMapOvr>
-  <p:transition xmlns:p14="http://schemas.microsoft.com/office/powerpoint/2010/main" spd="slow" advClick="0">
-    <p:fade/>
-  </p:transition>
+  <mc:AlternateContent xmlns:mc="http://schemas.openxmlformats.org/markup-compatibility/2006" xmlns:p14="http://schemas.microsoft.com/office/powerpoint/2010/main">
+    <mc:Choice Requires="p14">
+      <p:transition spd="slow" p14:dur="1100" advClick="0">
+        <p:fade thruBlk="1"/>
+      </p:transition>
+    </mc:Choice>
+    <mc:Fallback xmlns="">
+      <p:transition xmlns:p14="http://schemas.microsoft.com/office/powerpoint/2010/main" spd="slow" advClick="0">
+        <p:fade thruBlk="1"/>
+      </p:transition>
+    </mc:Fallback>
+  </mc:AlternateContent>
   <p:timing>
     <p:tnLst>
       <p:par>
@@ -18962,14 +12560,75 @@
       </p:grpSpPr>
       <p:sp>
         <p:nvSpPr>
-          <p:cNvPr id="5" name="TextBox 4"/>
+          <p:cNvPr id="2" name="Title 1"/>
+          <p:cNvSpPr>
+            <a:spLocks noGrp="1"/>
+          </p:cNvSpPr>
+          <p:nvPr>
+            <p:ph type="title"/>
+          </p:nvPr>
+        </p:nvSpPr>
+        <p:spPr>
+          <a:xfrm>
+            <a:off x="2070100" y="304800"/>
+            <a:ext cx="5715000" cy="1257300"/>
+          </a:xfrm>
+        </p:spPr>
+        <p:txBody>
+          <a:bodyPr/>
+          <a:lstStyle/>
+          <a:p>
+            <a:r>
+              <a:rPr lang="en-US" sz="4800" dirty="0" smtClean="0"/>
+              <a:t>A Proof System</a:t>
+            </a:r>
+            <a:endParaRPr lang="en-US" sz="4800" dirty="0"/>
+          </a:p>
+        </p:txBody>
+      </p:sp>
+      <p:sp>
+        <p:nvSpPr>
+          <p:cNvPr id="3" name="Slide Number Placeholder 2"/>
+          <p:cNvSpPr>
+            <a:spLocks noGrp="1"/>
+          </p:cNvSpPr>
+          <p:nvPr>
+            <p:ph type="sldNum" sz="quarter" idx="10"/>
+          </p:nvPr>
+        </p:nvSpPr>
+        <p:spPr/>
+        <p:txBody>
+          <a:bodyPr/>
+          <a:lstStyle/>
+          <a:p>
+            <a:pPr>
+              <a:defRPr/>
+            </a:pPr>
+            <a:r>
+              <a:rPr lang="en-US" smtClean="0"/>
+              <a:t>propositional logic.</a:t>
+            </a:r>
+            <a:fld id="{DB6F0ED6-FEF5-4C9C-B1CC-29B47EC66FAA}" type="slidenum">
+              <a:rPr lang="en-US" smtClean="0"/>
+              <a:pPr>
+                <a:defRPr/>
+              </a:pPr>
+              <a:t>8</a:t>
+            </a:fld>
+            <a:endParaRPr lang="en-US" dirty="0"/>
+          </a:p>
+        </p:txBody>
+      </p:sp>
+      <p:sp>
+        <p:nvSpPr>
+          <p:cNvPr id="4" name="TextBox 3"/>
           <p:cNvSpPr txBox="1"/>
           <p:nvPr/>
         </p:nvSpPr>
         <p:spPr>
           <a:xfrm>
-            <a:off x="124740" y="1717665"/>
-            <a:ext cx="8985240" cy="3532858"/>
+            <a:off x="138113" y="1511300"/>
+            <a:ext cx="8902700" cy="2123658"/>
           </a:xfrm>
           <a:prstGeom prst="rect">
             <a:avLst/>
@@ -18984,132 +12643,73 @@
           <a:p>
             <a:pPr algn="l"/>
             <a:r>
-              <a:rPr lang="en-US" sz="5400" dirty="0" smtClean="0">
-                <a:latin typeface="Comic Sans MS" pitchFamily="66" charset="0"/>
-              </a:rPr>
-              <a:t>Instead of truth tables,</a:t>
-            </a:r>
-          </a:p>
-          <a:p>
-            <a:pPr algn="l"/>
-            <a:r>
-              <a:rPr lang="en-US" sz="5400" dirty="0" smtClean="0">
-                <a:latin typeface="Comic Sans MS" pitchFamily="66" charset="0"/>
-              </a:rPr>
-              <a:t>can try to</a:t>
-            </a:r>
-            <a:r>
-              <a:rPr lang="en-US" sz="5400" dirty="0" smtClean="0">
+              <a:rPr lang="en-US" sz="4400" kern="0" dirty="0" err="1">
                 <a:solidFill>
-                  <a:srgbClr val="BB0FAB"/>
+                  <a:srgbClr val="FF03E3"/>
                 </a:solidFill>
                 <a:latin typeface="Comic Sans MS" pitchFamily="66" charset="0"/>
+                <a:ea typeface="+mj-ea"/>
+                <a:cs typeface="+mj-cs"/>
               </a:rPr>
-              <a:t> prove</a:t>
-            </a:r>
-            <a:r>
-              <a:rPr lang="en-US" sz="5400" i="1" dirty="0" smtClean="0">
+              <a:t>Lukasiewicz</a:t>
+            </a:r>
+            <a:r>
+              <a:rPr lang="en-US" sz="4400" kern="0" dirty="0">
                 <a:solidFill>
-                  <a:srgbClr val="BB0FAB"/>
+                  <a:srgbClr val="FF03E3"/>
                 </a:solidFill>
                 <a:latin typeface="Comic Sans MS" pitchFamily="66" charset="0"/>
+                <a:ea typeface="+mj-ea"/>
+                <a:cs typeface="+mj-cs"/>
               </a:rPr>
-              <a:t> </a:t>
-            </a:r>
-            <a:r>
-              <a:rPr lang="en-US" sz="5400" dirty="0" smtClean="0">
+              <a:t>’ </a:t>
+            </a:r>
+            <a:r>
+              <a:rPr lang="en-US" sz="4400" kern="0" dirty="0" smtClean="0">
+                <a:solidFill>
+                  <a:srgbClr val="FF03E3"/>
+                </a:solidFill>
                 <a:latin typeface="Comic Sans MS" pitchFamily="66" charset="0"/>
+                <a:ea typeface="+mj-ea"/>
+                <a:cs typeface="+mj-cs"/>
               </a:rPr>
-              <a:t>valid</a:t>
-            </a:r>
-          </a:p>
-          <a:p>
-            <a:pPr algn="l"/>
-            <a:r>
-              <a:rPr lang="en-US" sz="5400" dirty="0" smtClean="0">
+              <a:t>proof system</a:t>
+            </a:r>
+            <a:r>
+              <a:rPr lang="en-US" sz="4400" kern="0" dirty="0" smtClean="0">
+                <a:solidFill>
+                  <a:srgbClr val="000000"/>
+                </a:solidFill>
                 <a:latin typeface="Comic Sans MS" pitchFamily="66" charset="0"/>
+                <a:ea typeface="+mj-ea"/>
+                <a:cs typeface="+mj-cs"/>
               </a:rPr>
-              <a:t>formulas symbolically using axioms and deduction rules</a:t>
-            </a:r>
-            <a:endParaRPr lang="en-US" sz="5400" dirty="0">
-              <a:latin typeface="Comic Sans MS" pitchFamily="66" charset="0"/>
+              <a:t> is a particularly elegant example of this idea.</a:t>
+            </a:r>
+            <a:endParaRPr lang="en-US" sz="4400" dirty="0" smtClean="0">
+              <a:latin typeface="Comic Sans MS"/>
+              <a:cs typeface="Comic Sans MS"/>
             </a:endParaRPr>
           </a:p>
         </p:txBody>
       </p:sp>
-      <p:sp>
-        <p:nvSpPr>
-          <p:cNvPr id="9" name="Title 1"/>
-          <p:cNvSpPr>
-            <a:spLocks noGrp="1"/>
-          </p:cNvSpPr>
-          <p:nvPr>
-            <p:ph type="title"/>
-          </p:nvPr>
-        </p:nvSpPr>
-        <p:spPr>
-          <a:xfrm>
-            <a:off x="1651000" y="363538"/>
-            <a:ext cx="6794500" cy="1003300"/>
-          </a:xfrm>
-        </p:spPr>
-        <p:txBody>
-          <a:bodyPr/>
-          <a:lstStyle/>
-          <a:p>
-            <a:r>
-              <a:rPr lang="en-US" sz="4000" dirty="0" smtClean="0"/>
-              <a:t>Proving Validity</a:t>
-            </a:r>
-            <a:endParaRPr lang="en-US" sz="4000" dirty="0"/>
-          </a:p>
-        </p:txBody>
-      </p:sp>
-      <p:sp>
-        <p:nvSpPr>
-          <p:cNvPr id="4" name="Slide Number Placeholder 2"/>
-          <p:cNvSpPr>
-            <a:spLocks noGrp="1"/>
-          </p:cNvSpPr>
-          <p:nvPr>
-            <p:ph type="sldNum" sz="quarter" idx="10"/>
-          </p:nvPr>
-        </p:nvSpPr>
-        <p:spPr>
-          <a:xfrm>
-            <a:off x="7537747" y="6553200"/>
-            <a:ext cx="1606254" cy="276999"/>
-          </a:xfrm>
-        </p:spPr>
-        <p:txBody>
-          <a:bodyPr/>
-          <a:lstStyle/>
-          <a:p>
-            <a:r>
-              <a:rPr lang="en-US" dirty="0" smtClean="0"/>
-              <a:t>propositional logic.</a:t>
-            </a:r>
-            <a:fld id="{3251DA95-B240-47FE-901D-B78FC8E8E532}" type="slidenum">
-              <a:rPr lang="en-US" smtClean="0"/>
-              <a:pPr/>
-              <a:t>8</a:t>
-            </a:fld>
-            <a:endParaRPr lang="en-US" dirty="0"/>
-          </a:p>
-        </p:txBody>
-      </p:sp>
     </p:spTree>
+    <p:extLst>
+      <p:ext uri="{BB962C8B-B14F-4D97-AF65-F5344CB8AC3E}">
+        <p14:creationId xmlns:p14="http://schemas.microsoft.com/office/powerpoint/2010/main" val="105430775"/>
+      </p:ext>
+    </p:extLst>
   </p:cSld>
   <p:clrMapOvr>
     <a:masterClrMapping/>
   </p:clrMapOvr>
-  <mc:AlternateContent xmlns:mc="http://schemas.openxmlformats.org/markup-compatibility/2006">
-    <mc:Choice xmlns:p14="http://schemas.microsoft.com/office/powerpoint/2010/main" Requires="p14">
+  <mc:AlternateContent xmlns:mc="http://schemas.openxmlformats.org/markup-compatibility/2006" xmlns:p14="http://schemas.microsoft.com/office/powerpoint/2010/main">
+    <mc:Choice Requires="p14">
       <p:transition spd="slow" p14:dur="1100" advClick="0">
         <p:fade thruBlk="1"/>
       </p:transition>
     </mc:Choice>
-    <mc:Fallback>
+    <mc:Fallback xmlns="">
       <p:transition xmlns:p14="http://schemas.microsoft.com/office/powerpoint/2010/main" spd="slow" advClick="0">
         <p:fade thruBlk="1"/>
       </p:transition>
@@ -19144,14 +12744,75 @@
       </p:grpSpPr>
       <p:sp>
         <p:nvSpPr>
-          <p:cNvPr id="5" name="TextBox 4"/>
+          <p:cNvPr id="2" name="Title 1"/>
+          <p:cNvSpPr>
+            <a:spLocks noGrp="1"/>
+          </p:cNvSpPr>
+          <p:nvPr>
+            <p:ph type="title"/>
+          </p:nvPr>
+        </p:nvSpPr>
+        <p:spPr>
+          <a:xfrm>
+            <a:off x="2070100" y="304800"/>
+            <a:ext cx="5715000" cy="1257300"/>
+          </a:xfrm>
+        </p:spPr>
+        <p:txBody>
+          <a:bodyPr/>
+          <a:lstStyle/>
+          <a:p>
+            <a:r>
+              <a:rPr lang="en-US" sz="4800" dirty="0" smtClean="0"/>
+              <a:t>A Proof System</a:t>
+            </a:r>
+            <a:endParaRPr lang="en-US" sz="4800" dirty="0"/>
+          </a:p>
+        </p:txBody>
+      </p:sp>
+      <p:sp>
+        <p:nvSpPr>
+          <p:cNvPr id="3" name="Slide Number Placeholder 2"/>
+          <p:cNvSpPr>
+            <a:spLocks noGrp="1"/>
+          </p:cNvSpPr>
+          <p:nvPr>
+            <p:ph type="sldNum" sz="quarter" idx="10"/>
+          </p:nvPr>
+        </p:nvSpPr>
+        <p:spPr/>
+        <p:txBody>
+          <a:bodyPr/>
+          <a:lstStyle/>
+          <a:p>
+            <a:pPr>
+              <a:defRPr/>
+            </a:pPr>
+            <a:r>
+              <a:rPr lang="en-US" smtClean="0"/>
+              <a:t>propositional logic.</a:t>
+            </a:r>
+            <a:fld id="{DB6F0ED6-FEF5-4C9C-B1CC-29B47EC66FAA}" type="slidenum">
+              <a:rPr lang="en-US" smtClean="0"/>
+              <a:pPr>
+                <a:defRPr/>
+              </a:pPr>
+              <a:t>9</a:t>
+            </a:fld>
+            <a:endParaRPr lang="en-US" dirty="0"/>
+          </a:p>
+        </p:txBody>
+      </p:sp>
+      <p:sp>
+        <p:nvSpPr>
+          <p:cNvPr id="4" name="TextBox 3"/>
           <p:cNvSpPr txBox="1"/>
           <p:nvPr/>
         </p:nvSpPr>
         <p:spPr>
           <a:xfrm>
-            <a:off x="124740" y="1717665"/>
-            <a:ext cx="8985240" cy="4247317"/>
+            <a:off x="138113" y="1511300"/>
+            <a:ext cx="8902700" cy="3477875"/>
           </a:xfrm>
           <a:prstGeom prst="rect">
             <a:avLst/>
@@ -19166,94 +12827,161 @@
           <a:p>
             <a:pPr algn="l"/>
             <a:r>
-              <a:rPr lang="en-US" sz="5400" dirty="0" smtClean="0">
+              <a:rPr lang="en-US" sz="4400" kern="0" dirty="0" err="1">
+                <a:solidFill>
+                  <a:srgbClr val="FF03E3"/>
+                </a:solidFill>
                 <a:latin typeface="Comic Sans MS" pitchFamily="66" charset="0"/>
+                <a:ea typeface="+mj-ea"/>
+                <a:cs typeface="+mj-cs"/>
               </a:rPr>
-              <a:t>The text describes a bunch of algebraic rules to prove that propositional formulas are equivalent</a:t>
-            </a:r>
-          </a:p>
-          <a:p>
-            <a:pPr algn="l"/>
-            <a:endParaRPr lang="en-US" sz="5400" dirty="0">
-              <a:latin typeface="Comic Sans MS" pitchFamily="66" charset="0"/>
+              <a:t>Lukasiewicz</a:t>
+            </a:r>
+            <a:r>
+              <a:rPr lang="en-US" sz="4400" kern="0" dirty="0">
+                <a:solidFill>
+                  <a:srgbClr val="FF03E3"/>
+                </a:solidFill>
+                <a:latin typeface="Comic Sans MS" pitchFamily="66" charset="0"/>
+                <a:ea typeface="+mj-ea"/>
+                <a:cs typeface="+mj-cs"/>
+              </a:rPr>
+              <a:t>’ </a:t>
+            </a:r>
+            <a:r>
+              <a:rPr lang="en-US" sz="4400" kern="0" dirty="0" smtClean="0">
+                <a:solidFill>
+                  <a:srgbClr val="FF03E3"/>
+                </a:solidFill>
+                <a:latin typeface="Comic Sans MS" pitchFamily="66" charset="0"/>
+                <a:ea typeface="+mj-ea"/>
+                <a:cs typeface="+mj-cs"/>
+              </a:rPr>
+              <a:t>proof system</a:t>
+            </a:r>
+            <a:r>
+              <a:rPr lang="en-US" sz="4400" kern="0" dirty="0" smtClean="0">
+                <a:solidFill>
+                  <a:srgbClr val="000000"/>
+                </a:solidFill>
+                <a:latin typeface="Comic Sans MS" pitchFamily="66" charset="0"/>
+                <a:ea typeface="+mj-ea"/>
+                <a:cs typeface="+mj-cs"/>
+              </a:rPr>
+              <a:t> is a particularly elegant example of this idea.  It covers formulas whose only logical operators are </a:t>
+            </a:r>
+            <a:r>
+              <a:rPr lang="en-US" kern="0" dirty="0" smtClean="0">
+                <a:solidFill>
+                  <a:srgbClr val="0000E5"/>
+                </a:solidFill>
+                <a:latin typeface="Comic Sans MS" pitchFamily="66" charset="0"/>
+                <a:ea typeface="+mj-ea"/>
+                <a:cs typeface="+mj-cs"/>
+              </a:rPr>
+              <a:t>IMPLIES</a:t>
+            </a:r>
+            <a:r>
+              <a:rPr lang="en-US" sz="4400" kern="0" dirty="0" smtClean="0">
+                <a:solidFill>
+                  <a:srgbClr val="0000E5"/>
+                </a:solidFill>
+                <a:latin typeface="Comic Sans MS" pitchFamily="66" charset="0"/>
+                <a:ea typeface="+mj-ea"/>
+                <a:cs typeface="+mj-cs"/>
+              </a:rPr>
+              <a:t> </a:t>
+            </a:r>
+            <a:r>
+              <a:rPr lang="en-US" sz="4400" kern="0" dirty="0" smtClean="0">
+                <a:latin typeface="Comic Sans MS" pitchFamily="66" charset="0"/>
+                <a:ea typeface="+mj-ea"/>
+                <a:cs typeface="+mj-cs"/>
+              </a:rPr>
+              <a:t>(</a:t>
+            </a:r>
+            <a:r>
+              <a:rPr lang="en-US" sz="4400" kern="0" dirty="0" smtClean="0">
+                <a:solidFill>
+                  <a:srgbClr val="0000E5"/>
+                </a:solidFill>
+                <a:latin typeface="Symbol"/>
+                <a:sym typeface="Symbol"/>
+              </a:rPr>
+              <a:t>→</a:t>
+            </a:r>
+            <a:r>
+              <a:rPr lang="en-US" sz="4400" kern="0" dirty="0" smtClean="0">
+                <a:solidFill>
+                  <a:srgbClr val="000000"/>
+                </a:solidFill>
+                <a:latin typeface="Comic Sans MS"/>
+                <a:cs typeface="Comic Sans MS"/>
+                <a:sym typeface="Symbol"/>
+              </a:rPr>
+              <a:t>) and</a:t>
+            </a:r>
+            <a:r>
+              <a:rPr lang="en-US" sz="4400" kern="0" dirty="0" smtClean="0">
+                <a:solidFill>
+                  <a:srgbClr val="0000E5"/>
+                </a:solidFill>
+                <a:latin typeface="Comic Sans MS"/>
+                <a:cs typeface="Comic Sans MS"/>
+                <a:sym typeface="Symbol"/>
+              </a:rPr>
+              <a:t> </a:t>
+            </a:r>
+            <a:r>
+              <a:rPr lang="en-US" kern="0" dirty="0" smtClean="0">
+                <a:solidFill>
+                  <a:schemeClr val="accent1">
+                    <a:lumMod val="50000"/>
+                  </a:schemeClr>
+                </a:solidFill>
+                <a:latin typeface="Comic Sans MS"/>
+                <a:cs typeface="Comic Sans MS"/>
+                <a:sym typeface="Symbol"/>
+              </a:rPr>
+              <a:t>NOT</a:t>
+            </a:r>
+            <a:r>
+              <a:rPr lang="en-US" kern="0" dirty="0" smtClean="0">
+                <a:latin typeface="Comic Sans MS"/>
+                <a:cs typeface="Comic Sans MS"/>
+                <a:sym typeface="Symbol"/>
+              </a:rPr>
+              <a:t>.</a:t>
+            </a:r>
+            <a:endParaRPr lang="en-US" sz="4400" dirty="0" smtClean="0">
+              <a:latin typeface="Comic Sans MS"/>
+              <a:cs typeface="Comic Sans MS"/>
             </a:endParaRPr>
-          </a:p>
-        </p:txBody>
-      </p:sp>
-      <p:sp>
-        <p:nvSpPr>
-          <p:cNvPr id="9" name="Title 1"/>
-          <p:cNvSpPr>
-            <a:spLocks noGrp="1"/>
-          </p:cNvSpPr>
-          <p:nvPr>
-            <p:ph type="title"/>
-          </p:nvPr>
-        </p:nvSpPr>
-        <p:spPr>
-          <a:xfrm>
-            <a:off x="1651000" y="363538"/>
-            <a:ext cx="6794500" cy="1003300"/>
-          </a:xfrm>
-        </p:spPr>
-        <p:txBody>
-          <a:bodyPr/>
-          <a:lstStyle/>
-          <a:p>
-            <a:r>
-              <a:rPr lang="en-US" sz="4000" dirty="0" smtClean="0"/>
-              <a:t>Proving Validity</a:t>
-            </a:r>
-            <a:endParaRPr lang="en-US" sz="4000" dirty="0"/>
-          </a:p>
-        </p:txBody>
-      </p:sp>
-      <p:sp>
-        <p:nvSpPr>
-          <p:cNvPr id="4" name="Slide Number Placeholder 2"/>
-          <p:cNvSpPr>
-            <a:spLocks noGrp="1"/>
-          </p:cNvSpPr>
-          <p:nvPr>
-            <p:ph type="sldNum" sz="quarter" idx="10"/>
-          </p:nvPr>
-        </p:nvSpPr>
-        <p:spPr>
-          <a:xfrm>
-            <a:off x="7537747" y="6553200"/>
-            <a:ext cx="1606254" cy="276999"/>
-          </a:xfrm>
-        </p:spPr>
-        <p:txBody>
-          <a:bodyPr/>
-          <a:lstStyle/>
-          <a:p>
-            <a:r>
-              <a:rPr lang="en-US" dirty="0" smtClean="0"/>
-              <a:t>propositional logic.</a:t>
-            </a:r>
-            <a:fld id="{3251DA95-B240-47FE-901D-B78FC8E8E532}" type="slidenum">
-              <a:rPr lang="en-US" smtClean="0"/>
-              <a:pPr/>
-              <a:t>9</a:t>
-            </a:fld>
-            <a:endParaRPr lang="en-US" dirty="0"/>
           </a:p>
         </p:txBody>
       </p:sp>
     </p:spTree>
     <p:extLst>
       <p:ext uri="{BB962C8B-B14F-4D97-AF65-F5344CB8AC3E}">
-        <p14:creationId xmlns:p14="http://schemas.microsoft.com/office/powerpoint/2010/main" val="2402037063"/>
+        <p14:creationId xmlns:p14="http://schemas.microsoft.com/office/powerpoint/2010/main" val="82109001"/>
       </p:ext>
     </p:extLst>
   </p:cSld>
   <p:clrMapOvr>
     <a:masterClrMapping/>
   </p:clrMapOvr>
-  <p:transition xmlns:p14="http://schemas.microsoft.com/office/powerpoint/2010/main" spd="slow" advClick="0">
-    <p:fade/>
-  </p:transition>
+  <mc:AlternateContent xmlns:mc="http://schemas.openxmlformats.org/markup-compatibility/2006" xmlns:p14="http://schemas.microsoft.com/office/powerpoint/2010/main">
+    <mc:Choice Requires="p14">
+      <p:transition spd="slow" p14:dur="1100" advClick="0">
+        <p:fade thruBlk="1"/>
+      </p:transition>
+    </mc:Choice>
+    <mc:Fallback xmlns="">
+      <p:transition xmlns:p14="http://schemas.microsoft.com/office/powerpoint/2010/main" spd="slow" advClick="0">
+        <p:fade thruBlk="1"/>
+      </p:transition>
+    </mc:Fallback>
+  </mc:AlternateContent>
   <p:timing>
     <p:tnLst>
       <p:par>

--- a/spring14/slidesS14/propositional-logic.pptx
+++ b/spring14/slidesS14/propositional-logic.pptx
@@ -23,8 +23,8 @@
     <p:sldId id="495" r:id="rId11"/>
     <p:sldId id="448" r:id="rId12"/>
     <p:sldId id="475" r:id="rId13"/>
-    <p:sldId id="449" r:id="rId14"/>
-    <p:sldId id="496" r:id="rId15"/>
+    <p:sldId id="496" r:id="rId14"/>
+    <p:sldId id="449" r:id="rId15"/>
     <p:sldId id="479" r:id="rId16"/>
     <p:sldId id="450" r:id="rId17"/>
     <p:sldId id="480" r:id="rId18"/>
@@ -4037,25 +4037,13 @@
               <a:rPr lang="en-US" sz="1100" baseline="0" dirty="0" smtClean="0">
                 <a:latin typeface="Comic Sans MS" pitchFamily="66" charset="0"/>
               </a:rPr>
-              <a:t>February </a:t>
-            </a:r>
-            <a:r>
-              <a:rPr lang="en-US" sz="1100" baseline="0" dirty="0" smtClean="0">
-                <a:latin typeface="Comic Sans MS" pitchFamily="66" charset="0"/>
-              </a:rPr>
-              <a:t>14</a:t>
+              <a:t>February 14</a:t>
             </a:r>
             <a:r>
               <a:rPr lang="en-US" sz="1100" dirty="0" smtClean="0">
                 <a:latin typeface="Comic Sans MS" pitchFamily="66" charset="0"/>
               </a:rPr>
-              <a:t>, </a:t>
-            </a:r>
-            <a:r>
-              <a:rPr lang="en-US" sz="1100" dirty="0" smtClean="0">
-                <a:latin typeface="Comic Sans MS" pitchFamily="66" charset="0"/>
-              </a:rPr>
-              <a:t>2014</a:t>
+              <a:t>, 2014</a:t>
             </a:r>
             <a:endParaRPr lang="en-US" sz="1100" dirty="0">
               <a:latin typeface="Comic Sans MS" pitchFamily="66" charset="0"/>
@@ -6191,7 +6179,7 @@
           <a:graphicData uri="http://schemas.openxmlformats.org/presentationml/2006/ole">
             <mc:AlternateContent xmlns:mc="http://schemas.openxmlformats.org/markup-compatibility/2006">
               <mc:Choice xmlns:v="urn:schemas-microsoft-com:vml" Requires="v">
-                <p:oleObj spid="_x0000_s406670" name="Equation" r:id="rId3" imgW="850900" imgH="241300" progId="Equation.DSMT4">
+                <p:oleObj spid="_x0000_s406683" name="Equation" r:id="rId3" imgW="850900" imgH="241300" progId="Equation.DSMT4">
                   <p:embed/>
                 </p:oleObj>
               </mc:Choice>
@@ -6248,7 +6236,7 @@
           <a:graphicData uri="http://schemas.openxmlformats.org/presentationml/2006/ole">
             <mc:AlternateContent xmlns:mc="http://schemas.openxmlformats.org/markup-compatibility/2006">
               <mc:Choice xmlns:v="urn:schemas-microsoft-com:vml" Requires="v">
-                <p:oleObj spid="_x0000_s406671" name="Equation" r:id="rId5" imgW="139700" imgH="215900" progId="Equation.DSMT4">
+                <p:oleObj spid="_x0000_s406684" name="Equation" r:id="rId5" imgW="139700" imgH="215900" progId="Equation.DSMT4">
                   <p:embed/>
                 </p:oleObj>
               </mc:Choice>
@@ -6305,7 +6293,7 @@
           <a:graphicData uri="http://schemas.openxmlformats.org/presentationml/2006/ole">
             <mc:AlternateContent xmlns:mc="http://schemas.openxmlformats.org/markup-compatibility/2006">
               <mc:Choice xmlns:v="urn:schemas-microsoft-com:vml" Requires="v">
-                <p:oleObj spid="_x0000_s406672" name="Equation" r:id="rId7" imgW="901700" imgH="241300" progId="Equation.DSMT4">
+                <p:oleObj spid="_x0000_s406685" name="Equation" r:id="rId7" imgW="901700" imgH="241300" progId="Equation.DSMT4">
                   <p:embed/>
                 </p:oleObj>
               </mc:Choice>
@@ -6403,7 +6391,7 @@
           <a:graphicData uri="http://schemas.openxmlformats.org/presentationml/2006/ole">
             <mc:AlternateContent xmlns:mc="http://schemas.openxmlformats.org/markup-compatibility/2006">
               <mc:Choice xmlns:v="urn:schemas-microsoft-com:vml" Requires="v">
-                <p:oleObj spid="_x0000_s406673" name="Equation" r:id="rId9" imgW="2209800" imgH="215900" progId="Equation.DSMT4">
+                <p:oleObj spid="_x0000_s406686" name="Equation" r:id="rId9" imgW="2209800" imgH="215900" progId="Equation.DSMT4">
                   <p:embed/>
                 </p:oleObj>
               </mc:Choice>
@@ -6865,8 +6853,8 @@
         </p:nvSpPr>
         <p:spPr>
           <a:xfrm>
-            <a:off x="122828" y="1514901"/>
-            <a:ext cx="8898340" cy="4612944"/>
+            <a:off x="122828" y="1514900"/>
+            <a:ext cx="9021172" cy="4936699"/>
           </a:xfrm>
         </p:spPr>
         <p:txBody>
@@ -6893,27 +6881,57 @@
           <a:p>
             <a:r>
               <a:rPr lang="en-US" sz="4400" dirty="0" smtClean="0"/>
-              <a:t>For example, to prove:</a:t>
-            </a:r>
-          </a:p>
-          <a:p>
+              <a:t>To illustrate </a:t>
+            </a:r>
             <a:r>
               <a:rPr lang="en-US" sz="4400" dirty="0" smtClean="0"/>
-              <a:t>                </a:t>
-            </a:r>
-            <a:r>
-              <a:rPr lang="en-US" sz="6000" dirty="0" smtClean="0">
-                <a:solidFill>
-                  <a:srgbClr val="0000FF"/>
-                </a:solidFill>
-              </a:rPr>
-              <a:t>   P→P</a:t>
-            </a:r>
-            <a:endParaRPr lang="en-US" sz="4400" dirty="0" smtClean="0">
-              <a:solidFill>
-                <a:srgbClr val="0000FF"/>
-              </a:solidFill>
-            </a:endParaRPr>
+              <a:t>the </a:t>
+            </a:r>
+            <a:r>
+              <a:rPr lang="en-US" sz="4400" dirty="0" smtClean="0"/>
+              <a:t>proof </a:t>
+            </a:r>
+            <a:r>
+              <a:rPr lang="en-US" sz="4400" dirty="0" smtClean="0"/>
+              <a:t>system </a:t>
+            </a:r>
+          </a:p>
+          <a:p>
+            <a:r>
+              <a:rPr lang="en-US" sz="4400" dirty="0" smtClean="0"/>
+              <a:t>we’ll </a:t>
+            </a:r>
+            <a:r>
+              <a:rPr lang="en-US" sz="4400" dirty="0" smtClean="0"/>
+              <a:t>do an example</a:t>
+            </a:r>
+            <a:r>
+              <a:rPr lang="en-US" sz="4400" dirty="0" smtClean="0"/>
+              <a:t>, which </a:t>
+            </a:r>
+            <a:r>
+              <a:rPr lang="en-US" sz="4400" dirty="0" smtClean="0"/>
+              <a:t>you </a:t>
+            </a:r>
+            <a:endParaRPr lang="en-US" sz="4400" dirty="0" smtClean="0"/>
+          </a:p>
+          <a:p>
+            <a:r>
+              <a:rPr lang="en-US" sz="4400" dirty="0" smtClean="0"/>
+              <a:t>may </a:t>
+            </a:r>
+            <a:r>
+              <a:rPr lang="en-US" sz="4400" dirty="0" smtClean="0"/>
+              <a:t>safely </a:t>
+            </a:r>
+            <a:r>
+              <a:rPr lang="en-US" sz="4400" dirty="0" smtClean="0"/>
+              <a:t>skip.</a:t>
+            </a:r>
+            <a:endParaRPr lang="en-US" sz="4400" dirty="0" smtClean="0"/>
+          </a:p>
+          <a:p>
+            <a:endParaRPr lang="en-US" sz="4400" dirty="0" smtClean="0"/>
           </a:p>
         </p:txBody>
       </p:sp>
@@ -6945,288 +6963,6 @@
               <a:rPr lang="en-US" smtClean="0"/>
               <a:pPr/>
               <a:t>12</a:t>
-            </a:fld>
-            <a:endParaRPr lang="en-US" dirty="0"/>
-          </a:p>
-        </p:txBody>
-      </p:sp>
-    </p:spTree>
-  </p:cSld>
-  <p:clrMapOvr>
-    <a:masterClrMapping/>
-  </p:clrMapOvr>
-  <p:transition xmlns:p14="http://schemas.microsoft.com/office/powerpoint/2010/main" spd="slow" advClick="0">
-    <p:fade/>
-  </p:transition>
-  <p:timing>
-    <p:tnLst>
-      <p:par>
-        <p:cTn xmlns:p14="http://schemas.microsoft.com/office/powerpoint/2010/main" id="1" dur="indefinite" restart="never" nodeType="tmRoot">
-          <p:childTnLst>
-            <p:seq concurrent="1" nextAc="seek">
-              <p:cTn id="2" dur="indefinite" nodeType="mainSeq">
-                <p:childTnLst>
-                  <p:par>
-                    <p:cTn id="3" fill="hold">
-                      <p:stCondLst>
-                        <p:cond delay="indefinite"/>
-                      </p:stCondLst>
-                      <p:childTnLst>
-                        <p:par>
-                          <p:cTn id="4" fill="hold">
-                            <p:stCondLst>
-                              <p:cond delay="0"/>
-                            </p:stCondLst>
-                            <p:childTnLst>
-                              <p:par>
-                                <p:cTn id="5" presetID="9" presetClass="entr" presetSubtype="0" fill="hold" nodeType="clickEffect">
-                                  <p:stCondLst>
-                                    <p:cond delay="0"/>
-                                  </p:stCondLst>
-                                  <p:childTnLst>
-                                    <p:set>
-                                      <p:cBhvr>
-                                        <p:cTn id="6" dur="1" fill="hold">
-                                          <p:stCondLst>
-                                            <p:cond delay="0"/>
-                                          </p:stCondLst>
-                                        </p:cTn>
-                                        <p:tgtEl>
-                                          <p:spTgt spid="3">
-                                            <p:txEl>
-                                              <p:pRg st="3" end="3"/>
-                                            </p:txEl>
-                                          </p:spTgt>
-                                        </p:tgtEl>
-                                        <p:attrNameLst>
-                                          <p:attrName>style.visibility</p:attrName>
-                                        </p:attrNameLst>
-                                      </p:cBhvr>
-                                      <p:to>
-                                        <p:strVal val="visible"/>
-                                      </p:to>
-                                    </p:set>
-                                    <p:animEffect transition="in" filter="dissolve">
-                                      <p:cBhvr>
-                                        <p:cTn id="7" dur="500"/>
-                                        <p:tgtEl>
-                                          <p:spTgt spid="3">
-                                            <p:txEl>
-                                              <p:pRg st="3" end="3"/>
-                                            </p:txEl>
-                                          </p:spTgt>
-                                        </p:tgtEl>
-                                      </p:cBhvr>
-                                    </p:animEffect>
-                                  </p:childTnLst>
-                                </p:cTn>
-                              </p:par>
-                              <p:par>
-                                <p:cTn id="8" presetID="9" presetClass="entr" presetSubtype="0" fill="hold" nodeType="withEffect">
-                                  <p:stCondLst>
-                                    <p:cond delay="0"/>
-                                  </p:stCondLst>
-                                  <p:childTnLst>
-                                    <p:set>
-                                      <p:cBhvr>
-                                        <p:cTn id="9" dur="1" fill="hold">
-                                          <p:stCondLst>
-                                            <p:cond delay="0"/>
-                                          </p:stCondLst>
-                                        </p:cTn>
-                                        <p:tgtEl>
-                                          <p:spTgt spid="3">
-                                            <p:txEl>
-                                              <p:pRg st="4" end="4"/>
-                                            </p:txEl>
-                                          </p:spTgt>
-                                        </p:tgtEl>
-                                        <p:attrNameLst>
-                                          <p:attrName>style.visibility</p:attrName>
-                                        </p:attrNameLst>
-                                      </p:cBhvr>
-                                      <p:to>
-                                        <p:strVal val="visible"/>
-                                      </p:to>
-                                    </p:set>
-                                    <p:animEffect transition="in" filter="dissolve">
-                                      <p:cBhvr>
-                                        <p:cTn id="10" dur="500"/>
-                                        <p:tgtEl>
-                                          <p:spTgt spid="3">
-                                            <p:txEl>
-                                              <p:pRg st="4" end="4"/>
-                                            </p:txEl>
-                                          </p:spTgt>
-                                        </p:tgtEl>
-                                      </p:cBhvr>
-                                    </p:animEffect>
-                                  </p:childTnLst>
-                                </p:cTn>
-                              </p:par>
-                            </p:childTnLst>
-                          </p:cTn>
-                        </p:par>
-                      </p:childTnLst>
-                    </p:cTn>
-                  </p:par>
-                </p:childTnLst>
-              </p:cTn>
-              <p:prevCondLst>
-                <p:cond evt="onPrev" delay="0">
-                  <p:tgtEl>
-                    <p:sldTgt/>
-                  </p:tgtEl>
-                </p:cond>
-              </p:prevCondLst>
-              <p:nextCondLst>
-                <p:cond evt="onNext" delay="0">
-                  <p:tgtEl>
-                    <p:sldTgt/>
-                  </p:tgtEl>
-                </p:cond>
-              </p:nextCondLst>
-            </p:seq>
-          </p:childTnLst>
-        </p:cTn>
-      </p:par>
-    </p:tnLst>
-  </p:timing>
-</p:sld>
-</file>
-
-<file path=ppt/slides/slide13.xml><?xml version="1.0" encoding="utf-8"?>
-<p:sld xmlns:a="http://schemas.openxmlformats.org/drawingml/2006/main" xmlns:r="http://schemas.openxmlformats.org/officeDocument/2006/relationships" xmlns:p="http://schemas.openxmlformats.org/presentationml/2006/main">
-  <p:cSld>
-    <p:spTree>
-      <p:nvGrpSpPr>
-        <p:cNvPr id="1" name=""/>
-        <p:cNvGrpSpPr/>
-        <p:nvPr/>
-      </p:nvGrpSpPr>
-      <p:grpSpPr>
-        <a:xfrm>
-          <a:off x="0" y="0"/>
-          <a:ext cx="0" cy="0"/>
-          <a:chOff x="0" y="0"/>
-          <a:chExt cx="0" cy="0"/>
-        </a:xfrm>
-      </p:grpSpPr>
-      <p:sp>
-        <p:nvSpPr>
-          <p:cNvPr id="2" name="Title 1"/>
-          <p:cNvSpPr>
-            <a:spLocks noGrp="1"/>
-          </p:cNvSpPr>
-          <p:nvPr>
-            <p:ph type="title"/>
-          </p:nvPr>
-        </p:nvSpPr>
-        <p:spPr/>
-        <p:txBody>
-          <a:bodyPr/>
-          <a:lstStyle/>
-          <a:p>
-            <a:r>
-              <a:rPr lang="en-US" sz="3600" dirty="0" err="1" smtClean="0"/>
-              <a:t>Lukasiewicz</a:t>
-            </a:r>
-            <a:r>
-              <a:rPr lang="en-US" sz="3600" dirty="0" smtClean="0"/>
-              <a:t>’ Proof System</a:t>
-            </a:r>
-            <a:endParaRPr lang="en-US" sz="3600" dirty="0"/>
-          </a:p>
-        </p:txBody>
-      </p:sp>
-      <p:sp>
-        <p:nvSpPr>
-          <p:cNvPr id="3" name="Content Placeholder 2"/>
-          <p:cNvSpPr>
-            <a:spLocks noGrp="1"/>
-          </p:cNvSpPr>
-          <p:nvPr>
-            <p:ph idx="1"/>
-          </p:nvPr>
-        </p:nvSpPr>
-        <p:spPr>
-          <a:xfrm>
-            <a:off x="122828" y="1514900"/>
-            <a:ext cx="9021172" cy="4936699"/>
-          </a:xfrm>
-        </p:spPr>
-        <p:txBody>
-          <a:bodyPr/>
-          <a:lstStyle/>
-          <a:p>
-            <a:r>
-              <a:rPr lang="en-US" sz="4400" dirty="0" smtClean="0"/>
-              <a:t>Prove formulas by starting with</a:t>
-            </a:r>
-          </a:p>
-          <a:p>
-            <a:r>
-              <a:rPr lang="en-US" sz="4400" dirty="0" smtClean="0"/>
-              <a:t>axioms and repeatedly applying</a:t>
-            </a:r>
-          </a:p>
-          <a:p>
-            <a:r>
-              <a:rPr lang="en-US" sz="4400" dirty="0" smtClean="0"/>
-              <a:t>the inference rule.</a:t>
-            </a:r>
-          </a:p>
-          <a:p>
-            <a:r>
-              <a:rPr lang="en-US" sz="4400" dirty="0" smtClean="0"/>
-              <a:t>To illustrate the idea of a proof </a:t>
-            </a:r>
-          </a:p>
-          <a:p>
-            <a:r>
-              <a:rPr lang="en-US" sz="4400" dirty="0" smtClean="0"/>
-              <a:t>system we’ll do an example,</a:t>
-            </a:r>
-          </a:p>
-          <a:p>
-            <a:r>
-              <a:rPr lang="en-US" sz="4400" dirty="0" smtClean="0"/>
-              <a:t>which you may safely skip</a:t>
-            </a:r>
-          </a:p>
-          <a:p>
-            <a:endParaRPr lang="en-US" sz="4400" dirty="0" smtClean="0"/>
-          </a:p>
-        </p:txBody>
-      </p:sp>
-      <p:sp>
-        <p:nvSpPr>
-          <p:cNvPr id="4" name="Slide Number Placeholder 2"/>
-          <p:cNvSpPr>
-            <a:spLocks noGrp="1"/>
-          </p:cNvSpPr>
-          <p:nvPr>
-            <p:ph type="sldNum" sz="quarter" idx="10"/>
-          </p:nvPr>
-        </p:nvSpPr>
-        <p:spPr>
-          <a:xfrm>
-            <a:off x="7468467" y="6553200"/>
-            <a:ext cx="1675534" cy="276999"/>
-          </a:xfrm>
-        </p:spPr>
-        <p:txBody>
-          <a:bodyPr/>
-          <a:lstStyle/>
-          <a:p>
-            <a:r>
-              <a:rPr lang="en-US" dirty="0" smtClean="0"/>
-              <a:t>propositional logic.</a:t>
-            </a:r>
-            <a:fld id="{3251DA95-B240-47FE-901D-B78FC8E8E532}" type="slidenum">
-              <a:rPr lang="en-US" smtClean="0"/>
-              <a:pPr/>
-              <a:t>13</a:t>
             </a:fld>
             <a:endParaRPr lang="en-US" dirty="0"/>
           </a:p>
@@ -7425,6 +7161,252 @@
 </p:sld>
 </file>
 
+<file path=ppt/slides/slide13.xml><?xml version="1.0" encoding="utf-8"?>
+<p:sld xmlns:a="http://schemas.openxmlformats.org/drawingml/2006/main" xmlns:r="http://schemas.openxmlformats.org/officeDocument/2006/relationships" xmlns:p="http://schemas.openxmlformats.org/presentationml/2006/main">
+  <p:cSld>
+    <p:spTree>
+      <p:nvGrpSpPr>
+        <p:cNvPr id="1" name=""/>
+        <p:cNvGrpSpPr/>
+        <p:nvPr/>
+      </p:nvGrpSpPr>
+      <p:grpSpPr>
+        <a:xfrm>
+          <a:off x="0" y="0"/>
+          <a:ext cx="0" cy="0"/>
+          <a:chOff x="0" y="0"/>
+          <a:chExt cx="0" cy="0"/>
+        </a:xfrm>
+      </p:grpSpPr>
+      <p:sp>
+        <p:nvSpPr>
+          <p:cNvPr id="2" name="Title 1"/>
+          <p:cNvSpPr>
+            <a:spLocks noGrp="1"/>
+          </p:cNvSpPr>
+          <p:nvPr>
+            <p:ph type="title"/>
+          </p:nvPr>
+        </p:nvSpPr>
+        <p:spPr/>
+        <p:txBody>
+          <a:bodyPr/>
+          <a:lstStyle/>
+          <a:p>
+            <a:r>
+              <a:rPr lang="en-US" sz="3600" dirty="0" err="1" smtClean="0"/>
+              <a:t>Lukasiewicz</a:t>
+            </a:r>
+            <a:r>
+              <a:rPr lang="en-US" sz="3600" dirty="0" smtClean="0"/>
+              <a:t>’ Proof System</a:t>
+            </a:r>
+            <a:endParaRPr lang="en-US" sz="3600" dirty="0"/>
+          </a:p>
+        </p:txBody>
+      </p:sp>
+      <p:sp>
+        <p:nvSpPr>
+          <p:cNvPr id="3" name="Content Placeholder 2"/>
+          <p:cNvSpPr>
+            <a:spLocks noGrp="1"/>
+          </p:cNvSpPr>
+          <p:nvPr>
+            <p:ph idx="1"/>
+          </p:nvPr>
+        </p:nvSpPr>
+        <p:spPr>
+          <a:xfrm>
+            <a:off x="122828" y="1514901"/>
+            <a:ext cx="8898340" cy="4612944"/>
+          </a:xfrm>
+        </p:spPr>
+        <p:txBody>
+          <a:bodyPr/>
+          <a:lstStyle/>
+          <a:p>
+            <a:r>
+              <a:rPr lang="en-US" sz="4400" dirty="0" smtClean="0"/>
+              <a:t>Prove formulas by starting with</a:t>
+            </a:r>
+          </a:p>
+          <a:p>
+            <a:r>
+              <a:rPr lang="en-US" sz="4400" dirty="0" smtClean="0"/>
+              <a:t>axioms and repeatedly applying</a:t>
+            </a:r>
+          </a:p>
+          <a:p>
+            <a:r>
+              <a:rPr lang="en-US" sz="4400" dirty="0" smtClean="0"/>
+              <a:t>the inference rule.</a:t>
+            </a:r>
+          </a:p>
+          <a:p>
+            <a:r>
+              <a:rPr lang="en-US" sz="4400" dirty="0" smtClean="0"/>
+              <a:t>For example, to prove:</a:t>
+            </a:r>
+          </a:p>
+          <a:p>
+            <a:r>
+              <a:rPr lang="en-US" sz="4400" dirty="0" smtClean="0"/>
+              <a:t>                </a:t>
+            </a:r>
+            <a:r>
+              <a:rPr lang="en-US" sz="6000" dirty="0" smtClean="0">
+                <a:solidFill>
+                  <a:srgbClr val="0000FF"/>
+                </a:solidFill>
+              </a:rPr>
+              <a:t>   P→P</a:t>
+            </a:r>
+            <a:endParaRPr lang="en-US" sz="4400" dirty="0" smtClean="0">
+              <a:solidFill>
+                <a:srgbClr val="0000FF"/>
+              </a:solidFill>
+            </a:endParaRPr>
+          </a:p>
+        </p:txBody>
+      </p:sp>
+      <p:sp>
+        <p:nvSpPr>
+          <p:cNvPr id="4" name="Slide Number Placeholder 2"/>
+          <p:cNvSpPr>
+            <a:spLocks noGrp="1"/>
+          </p:cNvSpPr>
+          <p:nvPr>
+            <p:ph type="sldNum" sz="quarter" idx="10"/>
+          </p:nvPr>
+        </p:nvSpPr>
+        <p:spPr>
+          <a:xfrm>
+            <a:off x="7468467" y="6553200"/>
+            <a:ext cx="1675534" cy="276999"/>
+          </a:xfrm>
+        </p:spPr>
+        <p:txBody>
+          <a:bodyPr/>
+          <a:lstStyle/>
+          <a:p>
+            <a:r>
+              <a:rPr lang="en-US" dirty="0" smtClean="0"/>
+              <a:t>propositional logic.</a:t>
+            </a:r>
+            <a:fld id="{3251DA95-B240-47FE-901D-B78FC8E8E532}" type="slidenum">
+              <a:rPr lang="en-US" smtClean="0"/>
+              <a:pPr/>
+              <a:t>13</a:t>
+            </a:fld>
+            <a:endParaRPr lang="en-US" dirty="0"/>
+          </a:p>
+        </p:txBody>
+      </p:sp>
+    </p:spTree>
+  </p:cSld>
+  <p:clrMapOvr>
+    <a:masterClrMapping/>
+  </p:clrMapOvr>
+  <p:transition xmlns:p14="http://schemas.microsoft.com/office/powerpoint/2010/main" spd="slow" advClick="0">
+    <p:fade/>
+  </p:transition>
+  <p:timing>
+    <p:tnLst>
+      <p:par>
+        <p:cTn xmlns:p14="http://schemas.microsoft.com/office/powerpoint/2010/main" id="1" dur="indefinite" restart="never" nodeType="tmRoot">
+          <p:childTnLst>
+            <p:seq concurrent="1" nextAc="seek">
+              <p:cTn id="2" dur="indefinite" nodeType="mainSeq">
+                <p:childTnLst>
+                  <p:par>
+                    <p:cTn id="3" fill="hold">
+                      <p:stCondLst>
+                        <p:cond delay="indefinite"/>
+                        <p:cond evt="onBegin" delay="0">
+                          <p:tn val="2"/>
+                        </p:cond>
+                      </p:stCondLst>
+                      <p:childTnLst>
+                        <p:par>
+                          <p:cTn id="4" fill="hold">
+                            <p:stCondLst>
+                              <p:cond delay="0"/>
+                            </p:stCondLst>
+                            <p:childTnLst>
+                              <p:par>
+                                <p:cTn id="5" presetID="22" presetClass="entr" presetSubtype="8" fill="hold" nodeType="afterEffect">
+                                  <p:stCondLst>
+                                    <p:cond delay="0"/>
+                                  </p:stCondLst>
+                                  <p:childTnLst>
+                                    <p:set>
+                                      <p:cBhvr>
+                                        <p:cTn id="6" dur="1" fill="hold">
+                                          <p:stCondLst>
+                                            <p:cond delay="0"/>
+                                          </p:stCondLst>
+                                        </p:cTn>
+                                        <p:tgtEl>
+                                          <p:spTgt spid="3">
+                                            <p:txEl>
+                                              <p:pRg st="4" end="4"/>
+                                            </p:txEl>
+                                          </p:spTgt>
+                                        </p:tgtEl>
+                                        <p:attrNameLst>
+                                          <p:attrName>style.visibility</p:attrName>
+                                        </p:attrNameLst>
+                                      </p:cBhvr>
+                                      <p:to>
+                                        <p:strVal val="visible"/>
+                                      </p:to>
+                                    </p:set>
+                                    <p:animEffect transition="in" filter="wipe(left)">
+                                      <p:cBhvr>
+                                        <p:cTn id="7" dur="1000"/>
+                                        <p:tgtEl>
+                                          <p:spTgt spid="3">
+                                            <p:txEl>
+                                              <p:pRg st="4" end="4"/>
+                                            </p:txEl>
+                                          </p:spTgt>
+                                        </p:tgtEl>
+                                      </p:cBhvr>
+                                    </p:animEffect>
+                                  </p:childTnLst>
+                                </p:cTn>
+                              </p:par>
+                            </p:childTnLst>
+                          </p:cTn>
+                        </p:par>
+                      </p:childTnLst>
+                    </p:cTn>
+                  </p:par>
+                </p:childTnLst>
+              </p:cTn>
+              <p:prevCondLst>
+                <p:cond evt="onPrev" delay="0">
+                  <p:tgtEl>
+                    <p:sldTgt/>
+                  </p:tgtEl>
+                </p:cond>
+              </p:prevCondLst>
+              <p:nextCondLst>
+                <p:cond evt="onNext" delay="0">
+                  <p:tgtEl>
+                    <p:sldTgt/>
+                  </p:tgtEl>
+                </p:cond>
+              </p:nextCondLst>
+            </p:seq>
+          </p:childTnLst>
+        </p:cTn>
+      </p:par>
+    </p:tnLst>
+  </p:timing>
+</p:sld>
+</file>
+
 <file path=ppt/slides/slide14.xml><?xml version="1.0" encoding="utf-8"?>
 <p:sld xmlns:a="http://schemas.openxmlformats.org/drawingml/2006/main" xmlns:r="http://schemas.openxmlformats.org/officeDocument/2006/relationships" xmlns:p="http://schemas.openxmlformats.org/presentationml/2006/main">
   <p:cSld>
@@ -7574,7 +7556,7 @@
           <a:graphicData uri="http://schemas.openxmlformats.org/presentationml/2006/ole">
             <mc:AlternateContent xmlns:mc="http://schemas.openxmlformats.org/markup-compatibility/2006">
               <mc:Choice xmlns:v="urn:schemas-microsoft-com:vml" Requires="v">
-                <p:oleObj spid="_x0000_s409642" name="Equation" r:id="rId3" imgW="1854200" imgH="508000" progId="Equation.3">
+                <p:oleObj spid="_x0000_s409646" name="Equation" r:id="rId3" imgW="1854200" imgH="508000" progId="Equation.3">
                   <p:embed/>
                 </p:oleObj>
               </mc:Choice>
@@ -7931,7 +7913,7 @@
           <a:graphicData uri="http://schemas.openxmlformats.org/presentationml/2006/ole">
             <mc:AlternateContent xmlns:mc="http://schemas.openxmlformats.org/markup-compatibility/2006">
               <mc:Choice xmlns:v="urn:schemas-microsoft-com:vml" Requires="v">
-                <p:oleObj spid="_x0000_s408643" name="Equation" r:id="rId3" imgW="1854200" imgH="533400" progId="Equation.DSMT4">
+                <p:oleObj spid="_x0000_s408650" name="Equation" r:id="rId3" imgW="1854200" imgH="533400" progId="Equation.DSMT4">
                   <p:embed/>
                 </p:oleObj>
               </mc:Choice>
@@ -8082,7 +8064,7 @@
           <a:graphicData uri="http://schemas.openxmlformats.org/presentationml/2006/ole">
             <mc:AlternateContent xmlns:mc="http://schemas.openxmlformats.org/markup-compatibility/2006">
               <mc:Choice xmlns:v="urn:schemas-microsoft-com:vml" Requires="v">
-                <p:oleObj spid="_x0000_s408644" name="Equation" r:id="rId5" imgW="546100" imgH="241300" progId="Equation.DSMT4">
+                <p:oleObj spid="_x0000_s408651" name="Equation" r:id="rId5" imgW="546100" imgH="241300" progId="Equation.DSMT4">
                   <p:embed/>
                 </p:oleObj>
               </mc:Choice>
@@ -8357,7 +8339,7 @@
           <a:graphicData uri="http://schemas.openxmlformats.org/presentationml/2006/ole">
             <mc:AlternateContent xmlns:mc="http://schemas.openxmlformats.org/markup-compatibility/2006">
               <mc:Choice xmlns:v="urn:schemas-microsoft-com:vml" Requires="v">
-                <p:oleObj spid="_x0000_s410665" name="Equation" r:id="rId3" imgW="1955800" imgH="533400" progId="Equation.DSMT4">
+                <p:oleObj spid="_x0000_s410669" name="Equation" r:id="rId3" imgW="1955800" imgH="533400" progId="Equation.DSMT4">
                   <p:embed/>
                 </p:oleObj>
               </mc:Choice>
@@ -8888,7 +8870,7 @@
           <a:graphicData uri="http://schemas.openxmlformats.org/presentationml/2006/ole">
             <mc:AlternateContent xmlns:mc="http://schemas.openxmlformats.org/markup-compatibility/2006">
               <mc:Choice xmlns:v="urn:schemas-microsoft-com:vml" Requires="v">
-                <p:oleObj spid="_x0000_s411688" name="Equation" r:id="rId3" imgW="1955800" imgH="533400" progId="Equation.DSMT4">
+                <p:oleObj spid="_x0000_s411692" name="Equation" r:id="rId3" imgW="1955800" imgH="533400" progId="Equation.DSMT4">
                   <p:embed/>
                 </p:oleObj>
               </mc:Choice>
@@ -9201,7 +9183,7 @@
           <a:graphicData uri="http://schemas.openxmlformats.org/presentationml/2006/ole">
             <mc:AlternateContent xmlns:mc="http://schemas.openxmlformats.org/markup-compatibility/2006">
               <mc:Choice xmlns:v="urn:schemas-microsoft-com:vml" Requires="v">
-                <p:oleObj spid="_x0000_s412711" name="Equation" r:id="rId3" imgW="1955800" imgH="482600" progId="Equation.3">
+                <p:oleObj spid="_x0000_s412715" name="Equation" r:id="rId3" imgW="1955800" imgH="482600" progId="Equation.3">
                   <p:embed/>
                 </p:oleObj>
               </mc:Choice>
@@ -9646,7 +9628,7 @@
           <a:graphicData uri="http://schemas.openxmlformats.org/presentationml/2006/ole">
             <mc:AlternateContent xmlns:mc="http://schemas.openxmlformats.org/markup-compatibility/2006">
               <mc:Choice xmlns:v="urn:schemas-microsoft-com:vml" Requires="v">
-                <p:oleObj spid="_x0000_s413735" name="Equation" r:id="rId3" imgW="546100" imgH="215900" progId="Equation.DSMT4">
+                <p:oleObj spid="_x0000_s413740" name="Equation" r:id="rId3" imgW="546100" imgH="215900" progId="Equation.DSMT4">
                   <p:embed/>
                 </p:oleObj>
               </mc:Choice>
@@ -9730,6 +9712,47 @@
           </a:p>
         </p:txBody>
       </p:sp>
+      <p:sp>
+        <p:nvSpPr>
+          <p:cNvPr id="3" name="TextBox 2"/>
+          <p:cNvSpPr txBox="1"/>
+          <p:nvPr/>
+        </p:nvSpPr>
+        <p:spPr>
+          <a:xfrm>
+            <a:off x="6121400" y="5105400"/>
+            <a:ext cx="1723849" cy="923330"/>
+          </a:xfrm>
+          <a:prstGeom prst="rect">
+            <a:avLst/>
+          </a:prstGeom>
+          <a:noFill/>
+        </p:spPr>
+        <p:txBody>
+          <a:bodyPr wrap="none" rtlCol="0">
+            <a:spAutoFit/>
+          </a:bodyPr>
+          <a:lstStyle/>
+          <a:p>
+            <a:pPr algn="l"/>
+            <a:r>
+              <a:rPr lang="en-US" sz="5400" dirty="0" smtClean="0">
+                <a:solidFill>
+                  <a:srgbClr val="006600"/>
+                </a:solidFill>
+                <a:latin typeface="Comic Sans MS" pitchFamily="66" charset="0"/>
+              </a:rPr>
+              <a:t>QED</a:t>
+            </a:r>
+            <a:endParaRPr lang="en-US" sz="5400" dirty="0" smtClean="0">
+              <a:solidFill>
+                <a:srgbClr val="006600"/>
+              </a:solidFill>
+              <a:latin typeface="Comic Sans MS" pitchFamily="66" charset="0"/>
+            </a:endParaRPr>
+          </a:p>
+        </p:txBody>
+      </p:sp>
     </p:spTree>
     <p:extLst>
       <p:ext uri="{BB962C8B-B14F-4D97-AF65-F5344CB8AC3E}">
@@ -9746,9 +9769,157 @@
   <p:timing>
     <p:tnLst>
       <p:par>
-        <p:cTn xmlns:p14="http://schemas.microsoft.com/office/powerpoint/2010/main" id="1" dur="indefinite" restart="never" nodeType="tmRoot"/>
+        <p:cTn xmlns:p14="http://schemas.microsoft.com/office/powerpoint/2010/main" id="1" dur="indefinite" restart="never" nodeType="tmRoot">
+          <p:childTnLst>
+            <p:seq concurrent="1" nextAc="seek">
+              <p:cTn id="2" dur="indefinite" nodeType="mainSeq">
+                <p:childTnLst>
+                  <p:par>
+                    <p:cTn id="3" fill="hold">
+                      <p:stCondLst>
+                        <p:cond delay="indefinite"/>
+                      </p:stCondLst>
+                      <p:childTnLst>
+                        <p:par>
+                          <p:cTn id="4" fill="hold">
+                            <p:stCondLst>
+                              <p:cond delay="0"/>
+                            </p:stCondLst>
+                            <p:childTnLst>
+                              <p:par>
+                                <p:cTn id="5" presetID="49" presetClass="entr" presetSubtype="0" decel="100000" fill="hold" grpId="0" nodeType="clickEffect">
+                                  <p:stCondLst>
+                                    <p:cond delay="0"/>
+                                  </p:stCondLst>
+                                  <p:childTnLst>
+                                    <p:set>
+                                      <p:cBhvr>
+                                        <p:cTn id="6" dur="1" fill="hold">
+                                          <p:stCondLst>
+                                            <p:cond delay="0"/>
+                                          </p:stCondLst>
+                                        </p:cTn>
+                                        <p:tgtEl>
+                                          <p:spTgt spid="3"/>
+                                        </p:tgtEl>
+                                        <p:attrNameLst>
+                                          <p:attrName>style.visibility</p:attrName>
+                                        </p:attrNameLst>
+                                      </p:cBhvr>
+                                      <p:to>
+                                        <p:strVal val="visible"/>
+                                      </p:to>
+                                    </p:set>
+                                    <p:anim calcmode="lin" valueType="num">
+                                      <p:cBhvr>
+                                        <p:cTn id="7" dur="1000" fill="hold"/>
+                                        <p:tgtEl>
+                                          <p:spTgt spid="3"/>
+                                        </p:tgtEl>
+                                        <p:attrNameLst>
+                                          <p:attrName>ppt_w</p:attrName>
+                                        </p:attrNameLst>
+                                      </p:cBhvr>
+                                      <p:tavLst>
+                                        <p:tav tm="0">
+                                          <p:val>
+                                            <p:fltVal val="0"/>
+                                          </p:val>
+                                        </p:tav>
+                                        <p:tav tm="100000">
+                                          <p:val>
+                                            <p:strVal val="#ppt_w"/>
+                                          </p:val>
+                                        </p:tav>
+                                      </p:tavLst>
+                                    </p:anim>
+                                    <p:anim calcmode="lin" valueType="num">
+                                      <p:cBhvr>
+                                        <p:cTn id="8" dur="1000" fill="hold"/>
+                                        <p:tgtEl>
+                                          <p:spTgt spid="3"/>
+                                        </p:tgtEl>
+                                        <p:attrNameLst>
+                                          <p:attrName>ppt_h</p:attrName>
+                                        </p:attrNameLst>
+                                      </p:cBhvr>
+                                      <p:tavLst>
+                                        <p:tav tm="0">
+                                          <p:val>
+                                            <p:fltVal val="0"/>
+                                          </p:val>
+                                        </p:tav>
+                                        <p:tav tm="100000">
+                                          <p:val>
+                                            <p:strVal val="#ppt_h"/>
+                                          </p:val>
+                                        </p:tav>
+                                      </p:tavLst>
+                                    </p:anim>
+                                    <p:anim calcmode="lin" valueType="num">
+                                      <p:cBhvr>
+                                        <p:cTn id="9" dur="1000" fill="hold"/>
+                                        <p:tgtEl>
+                                          <p:spTgt spid="3"/>
+                                        </p:tgtEl>
+                                        <p:attrNameLst>
+                                          <p:attrName>style.rotation</p:attrName>
+                                        </p:attrNameLst>
+                                      </p:cBhvr>
+                                      <p:tavLst>
+                                        <p:tav tm="0">
+                                          <p:val>
+                                            <p:fltVal val="360"/>
+                                          </p:val>
+                                        </p:tav>
+                                        <p:tav tm="100000">
+                                          <p:val>
+                                            <p:fltVal val="0"/>
+                                          </p:val>
+                                        </p:tav>
+                                      </p:tavLst>
+                                    </p:anim>
+                                    <p:animEffect transition="in" filter="fade">
+                                      <p:cBhvr>
+                                        <p:cTn id="10" dur="1000"/>
+                                        <p:tgtEl>
+                                          <p:spTgt spid="3"/>
+                                        </p:tgtEl>
+                                      </p:cBhvr>
+                                    </p:animEffect>
+                                  </p:childTnLst>
+                                </p:cTn>
+                              </p:par>
+                            </p:childTnLst>
+                          </p:cTn>
+                        </p:par>
+                      </p:childTnLst>
+                    </p:cTn>
+                  </p:par>
+                </p:childTnLst>
+              </p:cTn>
+              <p:prevCondLst>
+                <p:cond evt="onPrev" delay="0">
+                  <p:tgtEl>
+                    <p:sldTgt/>
+                  </p:tgtEl>
+                </p:cond>
+              </p:prevCondLst>
+              <p:nextCondLst>
+                <p:cond evt="onNext" delay="0">
+                  <p:tgtEl>
+                    <p:sldTgt/>
+                  </p:tgtEl>
+                </p:cond>
+              </p:nextCondLst>
+            </p:seq>
+          </p:childTnLst>
+        </p:cTn>
       </p:par>
     </p:tnLst>
+    <p:bldLst>
+      <p:bldP spid="3" grpId="0"/>
+    </p:bldLst>
   </p:timing>
 </p:sld>
 </file>
@@ -11059,15 +11230,24 @@
                                   </p:childTnLst>
                                 </p:cTn>
                               </p:par>
+                            </p:childTnLst>
+                          </p:cTn>
+                        </p:par>
+                        <p:par>
+                          <p:cTn id="20" fill="hold">
+                            <p:stCondLst>
+                              <p:cond delay="500"/>
+                            </p:stCondLst>
+                            <p:childTnLst>
                               <p:par>
-                                <p:cTn id="20" presetID="9" presetClass="entr" presetSubtype="0" fill="hold" nodeType="withEffect">
+                                <p:cTn id="21" presetID="9" presetClass="entr" presetSubtype="0" fill="hold" nodeType="afterEffect">
                                   <p:stCondLst>
                                     <p:cond delay="0"/>
                                   </p:stCondLst>
                                   <p:childTnLst>
                                     <p:set>
                                       <p:cBhvr>
-                                        <p:cTn id="21" dur="1" fill="hold">
+                                        <p:cTn id="22" dur="1" fill="hold">
                                           <p:stCondLst>
                                             <p:cond delay="0"/>
                                           </p:stCondLst>
@@ -11089,7 +11269,7 @@
                                     </p:set>
                                     <p:animEffect transition="in" filter="dissolve">
                                       <p:cBhvr>
-                                        <p:cTn id="22" dur="500"/>
+                                        <p:cTn id="23" dur="500"/>
                                         <p:tgtEl>
                                           <p:spTgt spid="3">
                                             <p:txEl>
@@ -11231,11 +11411,20 @@
             <a:r>
               <a:rPr lang="en-US" sz="4800" dirty="0" smtClean="0">
                 <a:solidFill>
+                  <a:srgbClr val="F90B1C"/>
+                </a:solidFill>
+                <a:latin typeface="Comic Sans MS" pitchFamily="66" charset="0"/>
+              </a:rPr>
+              <a:t>No efficient method</a:t>
+            </a:r>
+            <a:r>
+              <a:rPr lang="en-US" sz="4800" dirty="0" smtClean="0">
+                <a:solidFill>
                   <a:srgbClr val="0000F1"/>
                 </a:solidFill>
                 <a:latin typeface="Comic Sans MS" pitchFamily="66" charset="0"/>
               </a:rPr>
-              <a:t>No efficient method for</a:t>
+              <a:t> for</a:t>
             </a:r>
           </a:p>
           <a:p>
@@ -11320,7 +11509,7 @@
                             </p:stCondLst>
                             <p:childTnLst>
                               <p:par>
-                                <p:cTn id="5" presetID="1" presetClass="entr" presetSubtype="0" fill="hold" nodeType="clickEffect">
+                                <p:cTn id="5" presetID="10" presetClass="entr" presetSubtype="0" fill="hold" nodeType="clickEffect">
                                   <p:stCondLst>
                                     <p:cond delay="0"/>
                                   </p:stCondLst>
@@ -11347,18 +11536,30 @@
                                         <p:strVal val="visible"/>
                                       </p:to>
                                     </p:set>
+                                    <p:animEffect transition="in" filter="fade">
+                                      <p:cBhvr>
+                                        <p:cTn id="7" dur="500"/>
+                                        <p:tgtEl>
+                                          <p:spTgt spid="5">
+                                            <p:txEl>
+                                              <p:pRg st="1" end="1"/>
+                                            </p:txEl>
+                                          </p:spTgt>
+                                        </p:tgtEl>
+                                      </p:cBhvr>
+                                    </p:animEffect>
                                   </p:childTnLst>
                                 </p:cTn>
                               </p:par>
                               <p:par>
-                                <p:cTn id="7" presetID="1" presetClass="entr" presetSubtype="0" fill="hold" nodeType="withEffect">
+                                <p:cTn id="8" presetID="10" presetClass="entr" presetSubtype="0" fill="hold" nodeType="withEffect">
                                   <p:stCondLst>
                                     <p:cond delay="0"/>
                                   </p:stCondLst>
                                   <p:childTnLst>
                                     <p:set>
                                       <p:cBhvr>
-                                        <p:cTn id="8" dur="1" fill="hold">
+                                        <p:cTn id="9" dur="1" fill="hold">
                                           <p:stCondLst>
                                             <p:cond delay="0"/>
                                           </p:stCondLst>
@@ -11378,6 +11579,18 @@
                                         <p:strVal val="visible"/>
                                       </p:to>
                                     </p:set>
+                                    <p:animEffect transition="in" filter="fade">
+                                      <p:cBhvr>
+                                        <p:cTn id="10" dur="500"/>
+                                        <p:tgtEl>
+                                          <p:spTgt spid="5">
+                                            <p:txEl>
+                                              <p:pRg st="2" end="2"/>
+                                            </p:txEl>
+                                          </p:spTgt>
+                                        </p:tgtEl>
+                                      </p:cBhvr>
+                                    </p:animEffect>
                                   </p:childTnLst>
                                 </p:cTn>
                               </p:par>
@@ -11710,7 +11923,7 @@
           <a:graphicData uri="http://schemas.openxmlformats.org/presentationml/2006/ole">
             <mc:AlternateContent xmlns:mc="http://schemas.openxmlformats.org/markup-compatibility/2006">
               <mc:Choice xmlns:v="urn:schemas-microsoft-com:vml" Requires="v">
-                <p:oleObj spid="_x0000_s418823" name="Equation" r:id="rId4" imgW="1790700" imgH="457200" progId="Equation.DSMT4">
+                <p:oleObj spid="_x0000_s418827" name="Equation" r:id="rId4" imgW="1790700" imgH="457200" progId="Equation.DSMT4">
                   <p:embed/>
                 </p:oleObj>
               </mc:Choice>
@@ -12006,7 +12219,7 @@
           <a:graphicData uri="http://schemas.openxmlformats.org/presentationml/2006/ole">
             <mc:AlternateContent xmlns:mc="http://schemas.openxmlformats.org/markup-compatibility/2006">
               <mc:Choice xmlns:v="urn:schemas-microsoft-com:vml" Requires="v">
-                <p:oleObj spid="_x0000_s419846" name="Equation" r:id="rId4" imgW="1498600" imgH="457200" progId="Equation.DSMT4">
+                <p:oleObj spid="_x0000_s419850" name="Equation" r:id="rId4" imgW="1498600" imgH="457200" progId="Equation.DSMT4">
                   <p:embed/>
                 </p:oleObj>
               </mc:Choice>
@@ -12703,18 +12916,9 @@
   <p:clrMapOvr>
     <a:masterClrMapping/>
   </p:clrMapOvr>
-  <mc:AlternateContent xmlns:mc="http://schemas.openxmlformats.org/markup-compatibility/2006" xmlns:p14="http://schemas.microsoft.com/office/powerpoint/2010/main">
-    <mc:Choice Requires="p14">
-      <p:transition spd="slow" p14:dur="1100" advClick="0">
-        <p:fade thruBlk="1"/>
-      </p:transition>
-    </mc:Choice>
-    <mc:Fallback xmlns="">
-      <p:transition xmlns:p14="http://schemas.microsoft.com/office/powerpoint/2010/main" spd="slow" advClick="0">
-        <p:fade thruBlk="1"/>
-      </p:transition>
-    </mc:Fallback>
-  </mc:AlternateContent>
+  <p:transition xmlns:p14="http://schemas.microsoft.com/office/powerpoint/2010/main" spd="slow" advClick="0">
+    <p:fade/>
+  </p:transition>
   <p:timing>
     <p:tnLst>
       <p:par>
@@ -12970,15 +13174,15 @@
   <p:clrMapOvr>
     <a:masterClrMapping/>
   </p:clrMapOvr>
-  <mc:AlternateContent xmlns:mc="http://schemas.openxmlformats.org/markup-compatibility/2006" xmlns:p14="http://schemas.microsoft.com/office/powerpoint/2010/main">
-    <mc:Choice Requires="p14">
-      <p:transition spd="slow" p14:dur="1100" advClick="0">
-        <p:fade thruBlk="1"/>
+  <mc:AlternateContent xmlns:mc="http://schemas.openxmlformats.org/markup-compatibility/2006">
+    <mc:Choice xmlns:p14="http://schemas.microsoft.com/office/powerpoint/2010/main" Requires="p14">
+      <p:transition spd="slow" p14:dur="800" advClick="0">
+        <p:fade/>
       </p:transition>
     </mc:Choice>
-    <mc:Fallback xmlns="">
+    <mc:Fallback>
       <p:transition xmlns:p14="http://schemas.microsoft.com/office/powerpoint/2010/main" spd="slow" advClick="0">
-        <p:fade thruBlk="1"/>
+        <p:fade/>
       </p:transition>
     </mc:Fallback>
   </mc:AlternateContent>
